--- a/docs/Kenneth Copas - Capstone Presentation.pptx
+++ b/docs/Kenneth Copas - Capstone Presentation.pptx
@@ -5,7 +5,7 @@
     <p:sldMasterId id="2147483648" r:id="rId1"/>
   </p:sldMasterIdLst>
   <p:notesMasterIdLst>
-    <p:notesMasterId r:id="rId19"/>
+    <p:notesMasterId r:id="rId18"/>
   </p:notesMasterIdLst>
   <p:sldIdLst>
     <p:sldId id="256" r:id="rId2"/>
@@ -22,9 +22,8 @@
     <p:sldId id="288" r:id="rId13"/>
     <p:sldId id="279" r:id="rId14"/>
     <p:sldId id="260" r:id="rId15"/>
-    <p:sldId id="282" r:id="rId16"/>
-    <p:sldId id="267" r:id="rId17"/>
-    <p:sldId id="283" r:id="rId18"/>
+    <p:sldId id="283" r:id="rId16"/>
+    <p:sldId id="293" r:id="rId17"/>
   </p:sldIdLst>
   <p:sldSz cx="12192000" cy="6858000"/>
   <p:notesSz cx="6858000" cy="9144000"/>
@@ -142,9 +141,8 @@
             <p14:sldId id="288"/>
             <p14:sldId id="279"/>
             <p14:sldId id="260"/>
-            <p14:sldId id="282"/>
-            <p14:sldId id="267"/>
             <p14:sldId id="283"/>
+            <p14:sldId id="293"/>
           </p14:sldIdLst>
         </p14:section>
       </p14:sectionLst>
@@ -15441,7 +15439,7 @@
           <a:p>
             <a:fld id="{7D709B56-B64F-48D4-986A-D7BA322A6C27}" type="datetimeFigureOut">
               <a:rPr lang="en-US" smtClean="0"/>
-              <a:t>6/2/2025</a:t>
+              <a:t>6/3/2025</a:t>
             </a:fld>
             <a:endParaRPr lang="en-US"/>
           </a:p>
@@ -16200,6 +16198,114 @@
 </p:notes>
 </file>
 
+<file path=ppt/notesSlides/notesSlide6.xml><?xml version="1.0" encoding="utf-8"?>
+<p:notes xmlns:a="http://schemas.openxmlformats.org/drawingml/2006/main" xmlns:r="http://schemas.openxmlformats.org/officeDocument/2006/relationships" xmlns:p="http://schemas.openxmlformats.org/presentationml/2006/main">
+  <p:cSld>
+    <p:spTree>
+      <p:nvGrpSpPr>
+        <p:cNvPr id="1" name="">
+          <a:extLst>
+            <a:ext uri="{FF2B5EF4-FFF2-40B4-BE49-F238E27FC236}">
+              <a16:creationId xmlns:a16="http://schemas.microsoft.com/office/drawing/2014/main" id="{C4432630-251B-9C9B-7155-166F795E62DF}"/>
+            </a:ext>
+          </a:extLst>
+        </p:cNvPr>
+        <p:cNvGrpSpPr/>
+        <p:nvPr/>
+      </p:nvGrpSpPr>
+      <p:grpSpPr>
+        <a:xfrm>
+          <a:off x="0" y="0"/>
+          <a:ext cx="0" cy="0"/>
+          <a:chOff x="0" y="0"/>
+          <a:chExt cx="0" cy="0"/>
+        </a:xfrm>
+      </p:grpSpPr>
+      <p:sp>
+        <p:nvSpPr>
+          <p:cNvPr id="2" name="Slide Image Placeholder 1">
+            <a:extLst>
+              <a:ext uri="{FF2B5EF4-FFF2-40B4-BE49-F238E27FC236}">
+                <a16:creationId xmlns:a16="http://schemas.microsoft.com/office/drawing/2014/main" id="{A609F5F0-08A8-1491-C54E-B9F1CB5D2401}"/>
+              </a:ext>
+            </a:extLst>
+          </p:cNvPr>
+          <p:cNvSpPr>
+            <a:spLocks noGrp="1" noRot="1" noChangeAspect="1"/>
+          </p:cNvSpPr>
+          <p:nvPr>
+            <p:ph type="sldImg"/>
+          </p:nvPr>
+        </p:nvSpPr>
+        <p:spPr/>
+      </p:sp>
+      <p:sp>
+        <p:nvSpPr>
+          <p:cNvPr id="3" name="Notes Placeholder 2">
+            <a:extLst>
+              <a:ext uri="{FF2B5EF4-FFF2-40B4-BE49-F238E27FC236}">
+                <a16:creationId xmlns:a16="http://schemas.microsoft.com/office/drawing/2014/main" id="{F521A3BA-E845-C99A-6B06-160CE8A5D3B2}"/>
+              </a:ext>
+            </a:extLst>
+          </p:cNvPr>
+          <p:cNvSpPr>
+            <a:spLocks noGrp="1"/>
+          </p:cNvSpPr>
+          <p:nvPr>
+            <p:ph type="body" idx="1"/>
+          </p:nvPr>
+        </p:nvSpPr>
+        <p:spPr/>
+        <p:txBody>
+          <a:bodyPr/>
+          <a:lstStyle/>
+          <a:p>
+            <a:endParaRPr lang="en-US" dirty="0"/>
+          </a:p>
+        </p:txBody>
+      </p:sp>
+      <p:sp>
+        <p:nvSpPr>
+          <p:cNvPr id="4" name="Slide Number Placeholder 3">
+            <a:extLst>
+              <a:ext uri="{FF2B5EF4-FFF2-40B4-BE49-F238E27FC236}">
+                <a16:creationId xmlns:a16="http://schemas.microsoft.com/office/drawing/2014/main" id="{0D871C80-4D6A-65DF-93B4-FC52519EC5C1}"/>
+              </a:ext>
+            </a:extLst>
+          </p:cNvPr>
+          <p:cNvSpPr>
+            <a:spLocks noGrp="1"/>
+          </p:cNvSpPr>
+          <p:nvPr>
+            <p:ph type="sldNum" sz="quarter" idx="5"/>
+          </p:nvPr>
+        </p:nvSpPr>
+        <p:spPr/>
+        <p:txBody>
+          <a:bodyPr/>
+          <a:lstStyle/>
+          <a:p>
+            <a:fld id="{4B18A450-44F2-44CF-978D-128E91F9EBE0}" type="slidenum">
+              <a:rPr lang="en-US" smtClean="0"/>
+              <a:t>16</a:t>
+            </a:fld>
+            <a:endParaRPr lang="en-US"/>
+          </a:p>
+        </p:txBody>
+      </p:sp>
+    </p:spTree>
+    <p:extLst>
+      <p:ext uri="{BB962C8B-B14F-4D97-AF65-F5344CB8AC3E}">
+        <p14:creationId xmlns:p14="http://schemas.microsoft.com/office/powerpoint/2010/main" val="2685506286"/>
+      </p:ext>
+    </p:extLst>
+  </p:cSld>
+  <p:clrMapOvr>
+    <a:masterClrMapping/>
+  </p:clrMapOvr>
+</p:notes>
+</file>
+
 <file path=ppt/slideLayouts/slideLayout1.xml><?xml version="1.0" encoding="utf-8"?>
 <p:sldLayout xmlns:a="http://schemas.openxmlformats.org/drawingml/2006/main" xmlns:r="http://schemas.openxmlformats.org/officeDocument/2006/relationships" xmlns:p="http://schemas.openxmlformats.org/presentationml/2006/main" type="title" preserve="1">
   <p:cSld name="Title Slide">
@@ -16347,7 +16453,7 @@
           <a:p>
             <a:fld id="{710A5CFE-F8A2-4EED-B2B2-AE5BD6E7F4BA}" type="datetimeFigureOut">
               <a:rPr lang="en-US" smtClean="0"/>
-              <a:t>6/2/2025</a:t>
+              <a:t>6/3/2025</a:t>
             </a:fld>
             <a:endParaRPr lang="en-US"/>
           </a:p>
@@ -16545,7 +16651,7 @@
           <a:p>
             <a:fld id="{710A5CFE-F8A2-4EED-B2B2-AE5BD6E7F4BA}" type="datetimeFigureOut">
               <a:rPr lang="en-US" smtClean="0"/>
-              <a:t>6/2/2025</a:t>
+              <a:t>6/3/2025</a:t>
             </a:fld>
             <a:endParaRPr lang="en-US"/>
           </a:p>
@@ -16753,7 +16859,7 @@
           <a:p>
             <a:fld id="{710A5CFE-F8A2-4EED-B2B2-AE5BD6E7F4BA}" type="datetimeFigureOut">
               <a:rPr lang="en-US" smtClean="0"/>
-              <a:t>6/2/2025</a:t>
+              <a:t>6/3/2025</a:t>
             </a:fld>
             <a:endParaRPr lang="en-US"/>
           </a:p>
@@ -16951,7 +17057,7 @@
           <a:p>
             <a:fld id="{710A5CFE-F8A2-4EED-B2B2-AE5BD6E7F4BA}" type="datetimeFigureOut">
               <a:rPr lang="en-US" smtClean="0"/>
-              <a:t>6/2/2025</a:t>
+              <a:t>6/3/2025</a:t>
             </a:fld>
             <a:endParaRPr lang="en-US"/>
           </a:p>
@@ -17226,7 +17332,7 @@
           <a:p>
             <a:fld id="{710A5CFE-F8A2-4EED-B2B2-AE5BD6E7F4BA}" type="datetimeFigureOut">
               <a:rPr lang="en-US" smtClean="0"/>
-              <a:t>6/2/2025</a:t>
+              <a:t>6/3/2025</a:t>
             </a:fld>
             <a:endParaRPr lang="en-US"/>
           </a:p>
@@ -17491,7 +17597,7 @@
           <a:p>
             <a:fld id="{710A5CFE-F8A2-4EED-B2B2-AE5BD6E7F4BA}" type="datetimeFigureOut">
               <a:rPr lang="en-US" smtClean="0"/>
-              <a:t>6/2/2025</a:t>
+              <a:t>6/3/2025</a:t>
             </a:fld>
             <a:endParaRPr lang="en-US"/>
           </a:p>
@@ -17903,7 +18009,7 @@
           <a:p>
             <a:fld id="{710A5CFE-F8A2-4EED-B2B2-AE5BD6E7F4BA}" type="datetimeFigureOut">
               <a:rPr lang="en-US" smtClean="0"/>
-              <a:t>6/2/2025</a:t>
+              <a:t>6/3/2025</a:t>
             </a:fld>
             <a:endParaRPr lang="en-US"/>
           </a:p>
@@ -18044,7 +18150,7 @@
           <a:p>
             <a:fld id="{710A5CFE-F8A2-4EED-B2B2-AE5BD6E7F4BA}" type="datetimeFigureOut">
               <a:rPr lang="en-US" smtClean="0"/>
-              <a:t>6/2/2025</a:t>
+              <a:t>6/3/2025</a:t>
             </a:fld>
             <a:endParaRPr lang="en-US"/>
           </a:p>
@@ -18157,7 +18263,7 @@
           <a:p>
             <a:fld id="{710A5CFE-F8A2-4EED-B2B2-AE5BD6E7F4BA}" type="datetimeFigureOut">
               <a:rPr lang="en-US" smtClean="0"/>
-              <a:t>6/2/2025</a:t>
+              <a:t>6/3/2025</a:t>
             </a:fld>
             <a:endParaRPr lang="en-US"/>
           </a:p>
@@ -18468,7 +18574,7 @@
           <a:p>
             <a:fld id="{710A5CFE-F8A2-4EED-B2B2-AE5BD6E7F4BA}" type="datetimeFigureOut">
               <a:rPr lang="en-US" smtClean="0"/>
-              <a:t>6/2/2025</a:t>
+              <a:t>6/3/2025</a:t>
             </a:fld>
             <a:endParaRPr lang="en-US"/>
           </a:p>
@@ -18756,7 +18862,7 @@
           <a:p>
             <a:fld id="{710A5CFE-F8A2-4EED-B2B2-AE5BD6E7F4BA}" type="datetimeFigureOut">
               <a:rPr lang="en-US" smtClean="0"/>
-              <a:t>6/2/2025</a:t>
+              <a:t>6/3/2025</a:t>
             </a:fld>
             <a:endParaRPr lang="en-US"/>
           </a:p>
@@ -18997,7 +19103,7 @@
           <a:p>
             <a:fld id="{710A5CFE-F8A2-4EED-B2B2-AE5BD6E7F4BA}" type="datetimeFigureOut">
               <a:rPr lang="en-US" smtClean="0"/>
-              <a:t>6/2/2025</a:t>
+              <a:t>6/3/2025</a:t>
             </a:fld>
             <a:endParaRPr lang="en-US"/>
           </a:p>
@@ -28087,1125 +28193,6 @@
         <p:cNvPr id="1" name="">
           <a:extLst>
             <a:ext uri="{FF2B5EF4-FFF2-40B4-BE49-F238E27FC236}">
-              <a16:creationId xmlns:a16="http://schemas.microsoft.com/office/drawing/2014/main" id="{00A1D46E-1417-A0B4-C2DD-C423B03F446D}"/>
-            </a:ext>
-          </a:extLst>
-        </p:cNvPr>
-        <p:cNvGrpSpPr/>
-        <p:nvPr/>
-      </p:nvGrpSpPr>
-      <p:grpSpPr>
-        <a:xfrm>
-          <a:off x="0" y="0"/>
-          <a:ext cx="0" cy="0"/>
-          <a:chOff x="0" y="0"/>
-          <a:chExt cx="0" cy="0"/>
-        </a:xfrm>
-      </p:grpSpPr>
-      <p:sp useBgFill="1">
-        <p:nvSpPr>
-          <p:cNvPr id="62" name="Rectangle 61">
-            <a:extLst>
-              <a:ext uri="{FF2B5EF4-FFF2-40B4-BE49-F238E27FC236}">
-                <a16:creationId xmlns:a16="http://schemas.microsoft.com/office/drawing/2014/main" id="{FB028B4B-EF20-F3AD-462F-7E97A7A0678E}"/>
-              </a:ext>
-              <a:ext uri="{C183D7F6-B498-43B3-948B-1728B52AA6E4}">
-                <adec:decorative xmlns:adec="http://schemas.microsoft.com/office/drawing/2017/decorative" val="1"/>
-              </a:ext>
-            </a:extLst>
-          </p:cNvPr>
-          <p:cNvSpPr>
-            <a:spLocks noGrp="1" noRot="1" noChangeAspect="1" noMove="1" noResize="1" noEditPoints="1" noAdjustHandles="1" noChangeArrowheads="1" noChangeShapeType="1" noTextEdit="1"/>
-          </p:cNvSpPr>
-          <p:nvPr>
-            <p:extLst>
-              <p:ext uri="{386F3935-93C4-4BCD-93E2-E3B085C9AB24}">
-                <p16:designElem xmlns:p16="http://schemas.microsoft.com/office/powerpoint/2015/main" val="1"/>
-              </p:ext>
-            </p:extLst>
-          </p:nvPr>
-        </p:nvSpPr>
-        <p:spPr>
-          <a:xfrm>
-            <a:off x="0" y="0"/>
-            <a:ext cx="12192000" cy="6858000"/>
-          </a:xfrm>
-          <a:prstGeom prst="rect">
-            <a:avLst/>
-          </a:prstGeom>
-          <a:ln w="12700" cap="flat" cmpd="sng" algn="ctr">
-            <a:noFill/>
-            <a:prstDash val="solid"/>
-            <a:miter lim="800000"/>
-          </a:ln>
-          <a:effectLst/>
-          <a:extLst>
-            <a:ext uri="{91240B29-F687-4F45-9708-019B960494DF}">
-              <a14:hiddenLine xmlns:a14="http://schemas.microsoft.com/office/drawing/2010/main" w="12700" cap="flat" cmpd="sng" algn="ctr">
-                <a:solidFill>
-                  <a:schemeClr val="accent1">
-                    <a:shade val="50000"/>
-                  </a:schemeClr>
-                </a:solidFill>
-                <a:prstDash val="solid"/>
-                <a:miter lim="800000"/>
-              </a14:hiddenLine>
-            </a:ext>
-          </a:extLst>
-        </p:spPr>
-        <p:style>
-          <a:lnRef idx="2">
-            <a:schemeClr val="accent1">
-              <a:shade val="50000"/>
-            </a:schemeClr>
-          </a:lnRef>
-          <a:fillRef idx="1">
-            <a:schemeClr val="accent1"/>
-          </a:fillRef>
-          <a:effectRef idx="0">
-            <a:schemeClr val="accent1"/>
-          </a:effectRef>
-          <a:fontRef idx="minor">
-            <a:schemeClr val="lt1"/>
-          </a:fontRef>
-        </p:style>
-        <p:txBody>
-          <a:bodyPr rtlCol="0" anchor="ctr"/>
-          <a:lstStyle/>
-          <a:p>
-            <a:pPr algn="ctr"/>
-            <a:endParaRPr lang="en-US"/>
-          </a:p>
-        </p:txBody>
-      </p:sp>
-      <p:sp>
-        <p:nvSpPr>
-          <p:cNvPr id="63" name="Rectangle 62">
-            <a:extLst>
-              <a:ext uri="{FF2B5EF4-FFF2-40B4-BE49-F238E27FC236}">
-                <a16:creationId xmlns:a16="http://schemas.microsoft.com/office/drawing/2014/main" id="{027C87D5-C9EE-AFA4-FACA-179A899DDB0D}"/>
-              </a:ext>
-              <a:ext uri="{C183D7F6-B498-43B3-948B-1728B52AA6E4}">
-                <adec:decorative xmlns:adec="http://schemas.microsoft.com/office/drawing/2017/decorative" val="1"/>
-              </a:ext>
-            </a:extLst>
-          </p:cNvPr>
-          <p:cNvSpPr>
-            <a:spLocks noGrp="1" noRot="1" noChangeAspect="1" noMove="1" noResize="1" noEditPoints="1" noAdjustHandles="1" noChangeArrowheads="1" noChangeShapeType="1" noTextEdit="1"/>
-          </p:cNvSpPr>
-          <p:nvPr>
-            <p:extLst>
-              <p:ext uri="{386F3935-93C4-4BCD-93E2-E3B085C9AB24}">
-                <p16:designElem xmlns:p16="http://schemas.microsoft.com/office/powerpoint/2015/main" val="1"/>
-              </p:ext>
-            </p:extLst>
-          </p:nvPr>
-        </p:nvSpPr>
-        <p:spPr>
-          <a:xfrm flipH="1">
-            <a:off x="2" y="0"/>
-            <a:ext cx="12191998" cy="1575955"/>
-          </a:xfrm>
-          <a:prstGeom prst="rect">
-            <a:avLst/>
-          </a:prstGeom>
-          <a:gradFill>
-            <a:gsLst>
-              <a:gs pos="0">
-                <a:srgbClr val="000000">
-                  <a:alpha val="96000"/>
-                </a:srgbClr>
-              </a:gs>
-              <a:gs pos="100000">
-                <a:schemeClr val="accent1">
-                  <a:lumMod val="75000"/>
-                </a:schemeClr>
-              </a:gs>
-            </a:gsLst>
-            <a:lin ang="8400000" scaled="0"/>
-          </a:gradFill>
-          <a:ln>
-            <a:noFill/>
-          </a:ln>
-        </p:spPr>
-        <p:style>
-          <a:lnRef idx="2">
-            <a:schemeClr val="accent1">
-              <a:shade val="50000"/>
-            </a:schemeClr>
-          </a:lnRef>
-          <a:fillRef idx="1">
-            <a:schemeClr val="accent1"/>
-          </a:fillRef>
-          <a:effectRef idx="0">
-            <a:schemeClr val="accent1"/>
-          </a:effectRef>
-          <a:fontRef idx="minor">
-            <a:schemeClr val="lt1"/>
-          </a:fontRef>
-        </p:style>
-        <p:txBody>
-          <a:bodyPr rtlCol="0" anchor="ctr"/>
-          <a:lstStyle/>
-          <a:p>
-            <a:pPr algn="ctr"/>
-            <a:endParaRPr lang="en-US"/>
-          </a:p>
-        </p:txBody>
-      </p:sp>
-      <p:sp>
-        <p:nvSpPr>
-          <p:cNvPr id="64" name="Rectangle 63">
-            <a:extLst>
-              <a:ext uri="{FF2B5EF4-FFF2-40B4-BE49-F238E27FC236}">
-                <a16:creationId xmlns:a16="http://schemas.microsoft.com/office/drawing/2014/main" id="{5616B5AF-DA75-6380-7636-07E61A5AC012}"/>
-              </a:ext>
-              <a:ext uri="{C183D7F6-B498-43B3-948B-1728B52AA6E4}">
-                <adec:decorative xmlns:adec="http://schemas.microsoft.com/office/drawing/2017/decorative" val="1"/>
-              </a:ext>
-            </a:extLst>
-          </p:cNvPr>
-          <p:cNvSpPr>
-            <a:spLocks noGrp="1" noRot="1" noChangeAspect="1" noMove="1" noResize="1" noEditPoints="1" noAdjustHandles="1" noChangeArrowheads="1" noChangeShapeType="1" noTextEdit="1"/>
-          </p:cNvSpPr>
-          <p:nvPr>
-            <p:extLst>
-              <p:ext uri="{386F3935-93C4-4BCD-93E2-E3B085C9AB24}">
-                <p16:designElem xmlns:p16="http://schemas.microsoft.com/office/powerpoint/2015/main" val="1"/>
-              </p:ext>
-            </p:extLst>
-          </p:nvPr>
-        </p:nvSpPr>
-        <p:spPr>
-          <a:xfrm rot="10800000" flipH="1">
-            <a:off x="8128857" y="0"/>
-            <a:ext cx="4063143" cy="1576412"/>
-          </a:xfrm>
-          <a:prstGeom prst="rect">
-            <a:avLst/>
-          </a:prstGeom>
-          <a:gradFill>
-            <a:gsLst>
-              <a:gs pos="19000">
-                <a:schemeClr val="accent1">
-                  <a:lumMod val="50000"/>
-                  <a:alpha val="68000"/>
-                </a:schemeClr>
-              </a:gs>
-              <a:gs pos="100000">
-                <a:schemeClr val="accent1">
-                  <a:alpha val="79000"/>
-                </a:schemeClr>
-              </a:gs>
-            </a:gsLst>
-            <a:lin ang="19200000" scaled="0"/>
-          </a:gradFill>
-          <a:ln>
-            <a:noFill/>
-          </a:ln>
-        </p:spPr>
-        <p:style>
-          <a:lnRef idx="2">
-            <a:schemeClr val="accent1">
-              <a:shade val="50000"/>
-            </a:schemeClr>
-          </a:lnRef>
-          <a:fillRef idx="1">
-            <a:schemeClr val="accent1"/>
-          </a:fillRef>
-          <a:effectRef idx="0">
-            <a:schemeClr val="accent1"/>
-          </a:effectRef>
-          <a:fontRef idx="minor">
-            <a:schemeClr val="lt1"/>
-          </a:fontRef>
-        </p:style>
-        <p:txBody>
-          <a:bodyPr rtlCol="0" anchor="ctr"/>
-          <a:lstStyle/>
-          <a:p>
-            <a:pPr algn="ctr"/>
-            <a:endParaRPr lang="en-US"/>
-          </a:p>
-        </p:txBody>
-      </p:sp>
-      <p:sp>
-        <p:nvSpPr>
-          <p:cNvPr id="65" name="Rectangle 64">
-            <a:extLst>
-              <a:ext uri="{FF2B5EF4-FFF2-40B4-BE49-F238E27FC236}">
-                <a16:creationId xmlns:a16="http://schemas.microsoft.com/office/drawing/2014/main" id="{417E9366-B0B3-8614-FD95-DC0BA7B73B59}"/>
-              </a:ext>
-              <a:ext uri="{C183D7F6-B498-43B3-948B-1728B52AA6E4}">
-                <adec:decorative xmlns:adec="http://schemas.microsoft.com/office/drawing/2017/decorative" val="1"/>
-              </a:ext>
-            </a:extLst>
-          </p:cNvPr>
-          <p:cNvSpPr>
-            <a:spLocks noGrp="1" noRot="1" noChangeAspect="1" noMove="1" noResize="1" noEditPoints="1" noAdjustHandles="1" noChangeArrowheads="1" noChangeShapeType="1" noTextEdit="1"/>
-          </p:cNvSpPr>
-          <p:nvPr>
-            <p:extLst>
-              <p:ext uri="{386F3935-93C4-4BCD-93E2-E3B085C9AB24}">
-                <p16:designElem xmlns:p16="http://schemas.microsoft.com/office/powerpoint/2015/main" val="1"/>
-              </p:ext>
-            </p:extLst>
-          </p:nvPr>
-        </p:nvSpPr>
-        <p:spPr>
-          <a:xfrm rot="5400000">
-            <a:off x="5307777" y="-5307778"/>
-            <a:ext cx="1576446" cy="12192002"/>
-          </a:xfrm>
-          <a:prstGeom prst="rect">
-            <a:avLst/>
-          </a:prstGeom>
-          <a:gradFill>
-            <a:gsLst>
-              <a:gs pos="23000">
-                <a:schemeClr val="accent1">
-                  <a:alpha val="0"/>
-                </a:schemeClr>
-              </a:gs>
-              <a:gs pos="99000">
-                <a:srgbClr val="000000">
-                  <a:alpha val="74000"/>
-                </a:srgbClr>
-              </a:gs>
-            </a:gsLst>
-            <a:lin ang="20400000" scaled="0"/>
-          </a:gradFill>
-          <a:ln>
-            <a:noFill/>
-          </a:ln>
-        </p:spPr>
-        <p:style>
-          <a:lnRef idx="2">
-            <a:schemeClr val="accent1">
-              <a:shade val="50000"/>
-            </a:schemeClr>
-          </a:lnRef>
-          <a:fillRef idx="1">
-            <a:schemeClr val="accent1"/>
-          </a:fillRef>
-          <a:effectRef idx="0">
-            <a:schemeClr val="accent1"/>
-          </a:effectRef>
-          <a:fontRef idx="minor">
-            <a:schemeClr val="lt1"/>
-          </a:fontRef>
-        </p:style>
-        <p:txBody>
-          <a:bodyPr rtlCol="0" anchor="ctr"/>
-          <a:lstStyle/>
-          <a:p>
-            <a:pPr algn="ctr"/>
-            <a:endParaRPr lang="en-US" dirty="0"/>
-          </a:p>
-        </p:txBody>
-      </p:sp>
-      <p:sp>
-        <p:nvSpPr>
-          <p:cNvPr id="2" name="Title 1">
-            <a:extLst>
-              <a:ext uri="{FF2B5EF4-FFF2-40B4-BE49-F238E27FC236}">
-                <a16:creationId xmlns:a16="http://schemas.microsoft.com/office/drawing/2014/main" id="{CA73079B-625C-7E78-6901-4FDDE4AEFF10}"/>
-              </a:ext>
-            </a:extLst>
-          </p:cNvPr>
-          <p:cNvSpPr>
-            <a:spLocks noGrp="1"/>
-          </p:cNvSpPr>
-          <p:nvPr>
-            <p:ph type="title"/>
-          </p:nvPr>
-        </p:nvSpPr>
-        <p:spPr>
-          <a:xfrm>
-            <a:off x="1073988" y="385205"/>
-            <a:ext cx="10044023" cy="877729"/>
-          </a:xfrm>
-        </p:spPr>
-        <p:txBody>
-          <a:bodyPr anchor="ctr">
-            <a:normAutofit/>
-          </a:bodyPr>
-          <a:lstStyle/>
-          <a:p>
-            <a:pPr algn="ctr"/>
-            <a:r>
-              <a:rPr lang="en-US" sz="4000" dirty="0">
-                <a:solidFill>
-                  <a:srgbClr val="FFFFFF"/>
-                </a:solidFill>
-              </a:rPr>
-              <a:t>Tableau Visualization</a:t>
-            </a:r>
-          </a:p>
-        </p:txBody>
-      </p:sp>
-      <mc:AlternateContent xmlns:mc="http://schemas.openxmlformats.org/markup-compatibility/2006" xmlns:we="http://schemas.microsoft.com/office/webextensions/webextension/2010/11" xmlns:pca="http://schemas.microsoft.com/office/powerpoint/2013/contentapp">
-        <mc:Choice Requires="we pca">
-          <p:graphicFrame>
-            <p:nvGraphicFramePr>
-              <p:cNvPr id="4" name="Content Placeholder 3">
-                <a:extLst>
-                  <a:ext uri="{FF2B5EF4-FFF2-40B4-BE49-F238E27FC236}">
-                    <a16:creationId xmlns:a16="http://schemas.microsoft.com/office/drawing/2014/main" id="{A3AE5D51-3C2F-A548-7A93-831C25F34FF1}"/>
-                  </a:ext>
-                </a:extLst>
-              </p:cNvPr>
-              <p:cNvGraphicFramePr>
-                <a:graphicFrameLocks noGrp="1"/>
-              </p:cNvGraphicFramePr>
-              <p:nvPr>
-                <p:ph idx="1"/>
-                <p:extLst>
-                  <p:ext uri="{D42A27DB-BD31-4B8C-83A1-F6EECF244321}">
-                    <p14:modId xmlns:p14="http://schemas.microsoft.com/office/powerpoint/2010/main" val="121921446"/>
-                  </p:ext>
-                </p:extLst>
-              </p:nvPr>
-            </p:nvGraphicFramePr>
-            <p:xfrm>
-              <a:off x="1073988" y="1575710"/>
-              <a:ext cx="10044022" cy="5282045"/>
-            </p:xfrm>
-            <a:graphic>
-              <a:graphicData uri="http://schemas.microsoft.com/office/webextensions/webextension/2010/11">
-                <we:webextensionref xmlns:we="http://schemas.microsoft.com/office/webextensions/webextension/2010/11" xmlns:r="http://schemas.openxmlformats.org/officeDocument/2006/relationships" r:id="rId2"/>
-              </a:graphicData>
-            </a:graphic>
-          </p:graphicFrame>
-        </mc:Choice>
-        <mc:Fallback xmlns="">
-          <p:pic>
-            <p:nvPicPr>
-              <p:cNvPr id="4" name="Content Placeholder 3">
-                <a:extLst>
-                  <a:ext uri="{FF2B5EF4-FFF2-40B4-BE49-F238E27FC236}">
-                    <a16:creationId xmlns:a16="http://schemas.microsoft.com/office/drawing/2014/main" id="{A3AE5D51-3C2F-A548-7A93-831C25F34FF1}"/>
-                  </a:ext>
-                </a:extLst>
-              </p:cNvPr>
-              <p:cNvPicPr>
-                <a:picLocks noGrp="1" noRot="1" noChangeAspect="1" noMove="1" noResize="1" noEditPoints="1" noAdjustHandles="1" noChangeArrowheads="1" noChangeShapeType="1"/>
-              </p:cNvPicPr>
-              <p:nvPr/>
-            </p:nvPicPr>
-            <p:blipFill>
-              <a:blip r:embed="rId3"/>
-              <a:stretch>
-                <a:fillRect/>
-              </a:stretch>
-            </p:blipFill>
-            <p:spPr>
-              <a:xfrm>
-                <a:off x="1073988" y="1575710"/>
-                <a:ext cx="10044022" cy="5282045"/>
-              </a:xfrm>
-              <a:prstGeom prst="rect">
-                <a:avLst/>
-              </a:prstGeom>
-            </p:spPr>
-          </p:pic>
-        </mc:Fallback>
-      </mc:AlternateContent>
-    </p:spTree>
-    <p:extLst>
-      <p:ext uri="{BB962C8B-B14F-4D97-AF65-F5344CB8AC3E}">
-        <p14:creationId xmlns:p14="http://schemas.microsoft.com/office/powerpoint/2010/main" val="1850807906"/>
-      </p:ext>
-    </p:extLst>
-  </p:cSld>
-  <p:clrMapOvr>
-    <a:masterClrMapping/>
-  </p:clrMapOvr>
-</p:sld>
-</file>
-
-<file path=ppt/slides/slide16.xml><?xml version="1.0" encoding="utf-8"?>
-<p:sld xmlns:a="http://schemas.openxmlformats.org/drawingml/2006/main" xmlns:r="http://schemas.openxmlformats.org/officeDocument/2006/relationships" xmlns:p="http://schemas.openxmlformats.org/presentationml/2006/main">
-  <p:cSld>
-    <p:bg>
-      <p:bgPr>
-        <a:solidFill>
-          <a:schemeClr val="bg1"/>
-        </a:solidFill>
-        <a:effectLst/>
-      </p:bgPr>
-    </p:bg>
-    <p:spTree>
-      <p:nvGrpSpPr>
-        <p:cNvPr id="1" name=""/>
-        <p:cNvGrpSpPr/>
-        <p:nvPr/>
-      </p:nvGrpSpPr>
-      <p:grpSpPr>
-        <a:xfrm>
-          <a:off x="0" y="0"/>
-          <a:ext cx="0" cy="0"/>
-          <a:chOff x="0" y="0"/>
-          <a:chExt cx="0" cy="0"/>
-        </a:xfrm>
-      </p:grpSpPr>
-      <p:sp useBgFill="1">
-        <p:nvSpPr>
-          <p:cNvPr id="27" name="Rectangle 26">
-            <a:extLst>
-              <a:ext uri="{FF2B5EF4-FFF2-40B4-BE49-F238E27FC236}">
-                <a16:creationId xmlns:a16="http://schemas.microsoft.com/office/drawing/2014/main" id="{8C790BE2-4E4F-4AAF-81A2-4A6F4885EBE6}"/>
-              </a:ext>
-              <a:ext uri="{C183D7F6-B498-43B3-948B-1728B52AA6E4}">
-                <adec:decorative xmlns:adec="http://schemas.microsoft.com/office/drawing/2017/decorative" val="1"/>
-              </a:ext>
-            </a:extLst>
-          </p:cNvPr>
-          <p:cNvSpPr>
-            <a:spLocks noGrp="1" noRot="1" noChangeAspect="1" noMove="1" noResize="1" noEditPoints="1" noAdjustHandles="1" noChangeArrowheads="1" noChangeShapeType="1" noTextEdit="1"/>
-          </p:cNvSpPr>
-          <p:nvPr>
-            <p:extLst>
-              <p:ext uri="{386F3935-93C4-4BCD-93E2-E3B085C9AB24}">
-                <p16:designElem xmlns:p16="http://schemas.microsoft.com/office/powerpoint/2015/main" val="1"/>
-              </p:ext>
-            </p:extLst>
-          </p:nvPr>
-        </p:nvSpPr>
-        <p:spPr>
-          <a:xfrm>
-            <a:off x="0" y="0"/>
-            <a:ext cx="12192000" cy="6858000"/>
-          </a:xfrm>
-          <a:prstGeom prst="rect">
-            <a:avLst/>
-          </a:prstGeom>
-          <a:ln w="12700" cap="flat" cmpd="sng" algn="ctr">
-            <a:noFill/>
-            <a:prstDash val="solid"/>
-            <a:miter lim="800000"/>
-          </a:ln>
-          <a:effectLst/>
-          <a:extLst>
-            <a:ext uri="{91240B29-F687-4F45-9708-019B960494DF}">
-              <a14:hiddenLine xmlns:a14="http://schemas.microsoft.com/office/drawing/2010/main" w="12700" cap="flat" cmpd="sng" algn="ctr">
-                <a:solidFill>
-                  <a:schemeClr val="accent1">
-                    <a:shade val="50000"/>
-                  </a:schemeClr>
-                </a:solidFill>
-                <a:prstDash val="solid"/>
-                <a:miter lim="800000"/>
-              </a14:hiddenLine>
-            </a:ext>
-          </a:extLst>
-        </p:spPr>
-        <p:style>
-          <a:lnRef idx="2">
-            <a:schemeClr val="accent1">
-              <a:shade val="50000"/>
-            </a:schemeClr>
-          </a:lnRef>
-          <a:fillRef idx="1">
-            <a:schemeClr val="accent1"/>
-          </a:fillRef>
-          <a:effectRef idx="0">
-            <a:schemeClr val="accent1"/>
-          </a:effectRef>
-          <a:fontRef idx="minor">
-            <a:schemeClr val="lt1"/>
-          </a:fontRef>
-        </p:style>
-        <p:txBody>
-          <a:bodyPr rtlCol="0" anchor="ctr"/>
-          <a:lstStyle/>
-          <a:p>
-            <a:pPr algn="ctr"/>
-            <a:endParaRPr lang="en-US"/>
-          </a:p>
-        </p:txBody>
-      </p:sp>
-      <p:sp>
-        <p:nvSpPr>
-          <p:cNvPr id="29" name="Rectangle 28">
-            <a:extLst>
-              <a:ext uri="{FF2B5EF4-FFF2-40B4-BE49-F238E27FC236}">
-                <a16:creationId xmlns:a16="http://schemas.microsoft.com/office/drawing/2014/main" id="{D28B54C3-B57B-472A-B96E-1FCB67093DC2}"/>
-              </a:ext>
-              <a:ext uri="{C183D7F6-B498-43B3-948B-1728B52AA6E4}">
-                <adec:decorative xmlns:adec="http://schemas.microsoft.com/office/drawing/2017/decorative" val="1"/>
-              </a:ext>
-            </a:extLst>
-          </p:cNvPr>
-          <p:cNvSpPr>
-            <a:spLocks noGrp="1" noRot="1" noChangeAspect="1" noMove="1" noResize="1" noEditPoints="1" noAdjustHandles="1" noChangeArrowheads="1" noChangeShapeType="1" noTextEdit="1"/>
-          </p:cNvSpPr>
-          <p:nvPr>
-            <p:extLst>
-              <p:ext uri="{386F3935-93C4-4BCD-93E2-E3B085C9AB24}">
-                <p16:designElem xmlns:p16="http://schemas.microsoft.com/office/powerpoint/2015/main" val="1"/>
-              </p:ext>
-            </p:extLst>
-          </p:nvPr>
-        </p:nvSpPr>
-        <p:spPr>
-          <a:xfrm flipH="1">
-            <a:off x="-1" y="0"/>
-            <a:ext cx="12191999" cy="6858000"/>
-          </a:xfrm>
-          <a:prstGeom prst="rect">
-            <a:avLst/>
-          </a:prstGeom>
-          <a:gradFill>
-            <a:gsLst>
-              <a:gs pos="0">
-                <a:schemeClr val="accent1">
-                  <a:lumMod val="50000"/>
-                </a:schemeClr>
-              </a:gs>
-              <a:gs pos="100000">
-                <a:srgbClr val="000000"/>
-              </a:gs>
-            </a:gsLst>
-            <a:lin ang="13800000" scaled="0"/>
-          </a:gradFill>
-          <a:ln>
-            <a:noFill/>
-          </a:ln>
-        </p:spPr>
-        <p:style>
-          <a:lnRef idx="2">
-            <a:schemeClr val="accent1">
-              <a:shade val="50000"/>
-            </a:schemeClr>
-          </a:lnRef>
-          <a:fillRef idx="1">
-            <a:schemeClr val="accent1"/>
-          </a:fillRef>
-          <a:effectRef idx="0">
-            <a:schemeClr val="accent1"/>
-          </a:effectRef>
-          <a:fontRef idx="minor">
-            <a:schemeClr val="lt1"/>
-          </a:fontRef>
-        </p:style>
-        <p:txBody>
-          <a:bodyPr rtlCol="0" anchor="ctr"/>
-          <a:lstStyle/>
-          <a:p>
-            <a:pPr algn="ctr"/>
-            <a:endParaRPr lang="en-US"/>
-          </a:p>
-        </p:txBody>
-      </p:sp>
-      <p:sp>
-        <p:nvSpPr>
-          <p:cNvPr id="31" name="Rectangle 30">
-            <a:extLst>
-              <a:ext uri="{FF2B5EF4-FFF2-40B4-BE49-F238E27FC236}">
-                <a16:creationId xmlns:a16="http://schemas.microsoft.com/office/drawing/2014/main" id="{7DB3C429-F8DA-49B9-AF84-21996FCF78B5}"/>
-              </a:ext>
-              <a:ext uri="{C183D7F6-B498-43B3-948B-1728B52AA6E4}">
-                <adec:decorative xmlns:adec="http://schemas.microsoft.com/office/drawing/2017/decorative" val="1"/>
-              </a:ext>
-            </a:extLst>
-          </p:cNvPr>
-          <p:cNvSpPr>
-            <a:spLocks noGrp="1" noRot="1" noChangeAspect="1" noMove="1" noResize="1" noEditPoints="1" noAdjustHandles="1" noChangeArrowheads="1" noChangeShapeType="1" noTextEdit="1"/>
-          </p:cNvSpPr>
-          <p:nvPr>
-            <p:extLst>
-              <p:ext uri="{386F3935-93C4-4BCD-93E2-E3B085C9AB24}">
-                <p16:designElem xmlns:p16="http://schemas.microsoft.com/office/powerpoint/2015/main" val="1"/>
-              </p:ext>
-            </p:extLst>
-          </p:nvPr>
-        </p:nvSpPr>
-        <p:spPr>
-          <a:xfrm rot="10800000">
-            <a:off x="0" y="-4"/>
-            <a:ext cx="12192000" cy="6402581"/>
-          </a:xfrm>
-          <a:prstGeom prst="rect">
-            <a:avLst/>
-          </a:prstGeom>
-          <a:gradFill>
-            <a:gsLst>
-              <a:gs pos="1000">
-                <a:schemeClr val="accent1">
-                  <a:lumMod val="75000"/>
-                  <a:alpha val="59000"/>
-                </a:schemeClr>
-              </a:gs>
-              <a:gs pos="100000">
-                <a:srgbClr val="000000"/>
-              </a:gs>
-            </a:gsLst>
-            <a:lin ang="15000000" scaled="0"/>
-          </a:gradFill>
-          <a:ln>
-            <a:noFill/>
-          </a:ln>
-        </p:spPr>
-        <p:style>
-          <a:lnRef idx="2">
-            <a:schemeClr val="accent1">
-              <a:shade val="50000"/>
-            </a:schemeClr>
-          </a:lnRef>
-          <a:fillRef idx="1">
-            <a:schemeClr val="accent1"/>
-          </a:fillRef>
-          <a:effectRef idx="0">
-            <a:schemeClr val="accent1"/>
-          </a:effectRef>
-          <a:fontRef idx="minor">
-            <a:schemeClr val="lt1"/>
-          </a:fontRef>
-        </p:style>
-        <p:txBody>
-          <a:bodyPr rtlCol="0" anchor="ctr"/>
-          <a:lstStyle/>
-          <a:p>
-            <a:pPr algn="ctr"/>
-            <a:endParaRPr lang="en-US"/>
-          </a:p>
-        </p:txBody>
-      </p:sp>
-      <p:sp>
-        <p:nvSpPr>
-          <p:cNvPr id="33" name="Rectangle 32">
-            <a:extLst>
-              <a:ext uri="{FF2B5EF4-FFF2-40B4-BE49-F238E27FC236}">
-                <a16:creationId xmlns:a16="http://schemas.microsoft.com/office/drawing/2014/main" id="{E12088DD-B1AD-40E0-8B86-1D87A2CCD9BE}"/>
-              </a:ext>
-              <a:ext uri="{C183D7F6-B498-43B3-948B-1728B52AA6E4}">
-                <adec:decorative xmlns:adec="http://schemas.microsoft.com/office/drawing/2017/decorative" val="1"/>
-              </a:ext>
-            </a:extLst>
-          </p:cNvPr>
-          <p:cNvSpPr>
-            <a:spLocks noGrp="1" noRot="1" noChangeAspect="1" noMove="1" noResize="1" noEditPoints="1" noAdjustHandles="1" noChangeArrowheads="1" noChangeShapeType="1" noTextEdit="1"/>
-          </p:cNvSpPr>
-          <p:nvPr>
-            <p:extLst>
-              <p:ext uri="{386F3935-93C4-4BCD-93E2-E3B085C9AB24}">
-                <p16:designElem xmlns:p16="http://schemas.microsoft.com/office/powerpoint/2015/main" val="1"/>
-              </p:ext>
-            </p:extLst>
-          </p:nvPr>
-        </p:nvSpPr>
-        <p:spPr>
-          <a:xfrm rot="5400000" flipH="1">
-            <a:off x="2663054" y="-2653923"/>
-            <a:ext cx="6858001" cy="12165846"/>
-          </a:xfrm>
-          <a:prstGeom prst="rect">
-            <a:avLst/>
-          </a:prstGeom>
-          <a:gradFill>
-            <a:gsLst>
-              <a:gs pos="13000">
-                <a:schemeClr val="accent1">
-                  <a:lumMod val="50000"/>
-                  <a:alpha val="0"/>
-                </a:schemeClr>
-              </a:gs>
-              <a:gs pos="99000">
-                <a:srgbClr val="000000">
-                  <a:alpha val="28000"/>
-                </a:srgbClr>
-              </a:gs>
-            </a:gsLst>
-            <a:lin ang="0" scaled="0"/>
-          </a:gradFill>
-          <a:ln>
-            <a:noFill/>
-          </a:ln>
-        </p:spPr>
-        <p:style>
-          <a:lnRef idx="2">
-            <a:schemeClr val="accent1">
-              <a:shade val="50000"/>
-            </a:schemeClr>
-          </a:lnRef>
-          <a:fillRef idx="1">
-            <a:schemeClr val="accent1"/>
-          </a:fillRef>
-          <a:effectRef idx="0">
-            <a:schemeClr val="accent1"/>
-          </a:effectRef>
-          <a:fontRef idx="minor">
-            <a:schemeClr val="lt1"/>
-          </a:fontRef>
-        </p:style>
-        <p:txBody>
-          <a:bodyPr rtlCol="0" anchor="ctr"/>
-          <a:lstStyle/>
-          <a:p>
-            <a:pPr algn="ctr"/>
-            <a:endParaRPr lang="en-US" dirty="0"/>
-          </a:p>
-        </p:txBody>
-      </p:sp>
-      <p:sp>
-        <p:nvSpPr>
-          <p:cNvPr id="35" name="Rectangle 34">
-            <a:extLst>
-              <a:ext uri="{FF2B5EF4-FFF2-40B4-BE49-F238E27FC236}">
-                <a16:creationId xmlns:a16="http://schemas.microsoft.com/office/drawing/2014/main" id="{C4C9F2B0-1044-46EB-8AEB-C3BFFDE6C2CC}"/>
-              </a:ext>
-              <a:ext uri="{C183D7F6-B498-43B3-948B-1728B52AA6E4}">
-                <adec:decorative xmlns:adec="http://schemas.microsoft.com/office/drawing/2017/decorative" val="1"/>
-              </a:ext>
-            </a:extLst>
-          </p:cNvPr>
-          <p:cNvSpPr>
-            <a:spLocks noGrp="1" noRot="1" noChangeAspect="1" noMove="1" noResize="1" noEditPoints="1" noAdjustHandles="1" noChangeArrowheads="1" noChangeShapeType="1" noTextEdit="1"/>
-          </p:cNvSpPr>
-          <p:nvPr>
-            <p:extLst>
-              <p:ext uri="{386F3935-93C4-4BCD-93E2-E3B085C9AB24}">
-                <p16:designElem xmlns:p16="http://schemas.microsoft.com/office/powerpoint/2015/main" val="1"/>
-              </p:ext>
-            </p:extLst>
-          </p:nvPr>
-        </p:nvSpPr>
-        <p:spPr>
-          <a:xfrm flipH="1">
-            <a:off x="6094763" y="0"/>
-            <a:ext cx="6096001" cy="6858000"/>
-          </a:xfrm>
-          <a:prstGeom prst="rect">
-            <a:avLst/>
-          </a:prstGeom>
-          <a:gradFill>
-            <a:gsLst>
-              <a:gs pos="13000">
-                <a:schemeClr val="accent1">
-                  <a:lumMod val="50000"/>
-                  <a:alpha val="0"/>
-                </a:schemeClr>
-              </a:gs>
-              <a:gs pos="99000">
-                <a:schemeClr val="accent1">
-                  <a:lumMod val="75000"/>
-                  <a:alpha val="50000"/>
-                </a:schemeClr>
-              </a:gs>
-            </a:gsLst>
-            <a:lin ang="6000000" scaled="0"/>
-          </a:gradFill>
-          <a:ln>
-            <a:noFill/>
-          </a:ln>
-        </p:spPr>
-        <p:style>
-          <a:lnRef idx="2">
-            <a:schemeClr val="accent1">
-              <a:shade val="50000"/>
-            </a:schemeClr>
-          </a:lnRef>
-          <a:fillRef idx="1">
-            <a:schemeClr val="accent1"/>
-          </a:fillRef>
-          <a:effectRef idx="0">
-            <a:schemeClr val="accent1"/>
-          </a:effectRef>
-          <a:fontRef idx="minor">
-            <a:schemeClr val="lt1"/>
-          </a:fontRef>
-        </p:style>
-        <p:txBody>
-          <a:bodyPr rtlCol="0" anchor="ctr"/>
-          <a:lstStyle/>
-          <a:p>
-            <a:pPr algn="ctr"/>
-            <a:endParaRPr lang="en-US" dirty="0"/>
-          </a:p>
-        </p:txBody>
-      </p:sp>
-      <p:sp>
-        <p:nvSpPr>
-          <p:cNvPr id="37" name="Rectangle 36">
-            <a:extLst>
-              <a:ext uri="{FF2B5EF4-FFF2-40B4-BE49-F238E27FC236}">
-                <a16:creationId xmlns:a16="http://schemas.microsoft.com/office/drawing/2014/main" id="{0C395952-4E26-45A2-8756-2ADFD6E53C6E}"/>
-              </a:ext>
-              <a:ext uri="{C183D7F6-B498-43B3-948B-1728B52AA6E4}">
-                <adec:decorative xmlns:adec="http://schemas.microsoft.com/office/drawing/2017/decorative" val="1"/>
-              </a:ext>
-            </a:extLst>
-          </p:cNvPr>
-          <p:cNvSpPr>
-            <a:spLocks noGrp="1" noRot="1" noChangeAspect="1" noMove="1" noResize="1" noEditPoints="1" noAdjustHandles="1" noChangeArrowheads="1" noChangeShapeType="1" noTextEdit="1"/>
-          </p:cNvSpPr>
-          <p:nvPr>
-            <p:extLst>
-              <p:ext uri="{386F3935-93C4-4BCD-93E2-E3B085C9AB24}">
-                <p16:designElem xmlns:p16="http://schemas.microsoft.com/office/powerpoint/2015/main" val="1"/>
-              </p:ext>
-            </p:extLst>
-          </p:nvPr>
-        </p:nvSpPr>
-        <p:spPr>
-          <a:xfrm flipH="1">
-            <a:off x="-4" y="-3"/>
-            <a:ext cx="12182871" cy="6871922"/>
-          </a:xfrm>
-          <a:prstGeom prst="rect">
-            <a:avLst/>
-          </a:prstGeom>
-          <a:gradFill>
-            <a:gsLst>
-              <a:gs pos="13000">
-                <a:srgbClr val="000000">
-                  <a:alpha val="35000"/>
-                </a:srgbClr>
-              </a:gs>
-              <a:gs pos="99000">
-                <a:schemeClr val="accent1">
-                  <a:lumMod val="75000"/>
-                  <a:alpha val="0"/>
-                </a:schemeClr>
-              </a:gs>
-            </a:gsLst>
-            <a:lin ang="4800000" scaled="0"/>
-          </a:gradFill>
-          <a:ln>
-            <a:noFill/>
-          </a:ln>
-        </p:spPr>
-        <p:style>
-          <a:lnRef idx="2">
-            <a:schemeClr val="accent1">
-              <a:shade val="50000"/>
-            </a:schemeClr>
-          </a:lnRef>
-          <a:fillRef idx="1">
-            <a:schemeClr val="accent1"/>
-          </a:fillRef>
-          <a:effectRef idx="0">
-            <a:schemeClr val="accent1"/>
-          </a:effectRef>
-          <a:fontRef idx="minor">
-            <a:schemeClr val="lt1"/>
-          </a:fontRef>
-        </p:style>
-        <p:txBody>
-          <a:bodyPr rtlCol="0" anchor="ctr"/>
-          <a:lstStyle/>
-          <a:p>
-            <a:pPr algn="ctr"/>
-            <a:endParaRPr lang="en-US" dirty="0"/>
-          </a:p>
-        </p:txBody>
-      </p:sp>
-      <p:sp>
-        <p:nvSpPr>
-          <p:cNvPr id="39" name="Freeform: Shape 38">
-            <a:extLst>
-              <a:ext uri="{FF2B5EF4-FFF2-40B4-BE49-F238E27FC236}">
-                <a16:creationId xmlns:a16="http://schemas.microsoft.com/office/drawing/2014/main" id="{4734BADF-9461-4621-B112-2D7BABEA7DD0}"/>
-              </a:ext>
-              <a:ext uri="{C183D7F6-B498-43B3-948B-1728B52AA6E4}">
-                <adec:decorative xmlns:adec="http://schemas.microsoft.com/office/drawing/2017/decorative" val="1"/>
-              </a:ext>
-            </a:extLst>
-          </p:cNvPr>
-          <p:cNvSpPr>
-            <a:spLocks noGrp="1" noRot="1" noChangeAspect="1" noMove="1" noResize="1" noEditPoints="1" noAdjustHandles="1" noChangeArrowheads="1" noChangeShapeType="1" noTextEdit="1"/>
-          </p:cNvSpPr>
-          <p:nvPr>
-            <p:extLst>
-              <p:ext uri="{386F3935-93C4-4BCD-93E2-E3B085C9AB24}">
-                <p16:designElem xmlns:p16="http://schemas.microsoft.com/office/powerpoint/2015/main" val="1"/>
-              </p:ext>
-            </p:extLst>
-          </p:nvPr>
-        </p:nvSpPr>
-        <p:spPr>
-          <a:xfrm>
-            <a:off x="987713" y="4049"/>
-            <a:ext cx="10216576" cy="4729040"/>
-          </a:xfrm>
-          <a:custGeom>
-            <a:avLst/>
-            <a:gdLst>
-              <a:gd name="connsiteX0" fmla="*/ 0 w 10216576"/>
-              <a:gd name="connsiteY0" fmla="*/ 0 h 4729040"/>
-              <a:gd name="connsiteX1" fmla="*/ 10216576 w 10216576"/>
-              <a:gd name="connsiteY1" fmla="*/ 0 h 4729040"/>
-              <a:gd name="connsiteX2" fmla="*/ 10210268 w 10216576"/>
-              <a:gd name="connsiteY2" fmla="*/ 124944 h 4729040"/>
-              <a:gd name="connsiteX3" fmla="*/ 5108288 w 10216576"/>
-              <a:gd name="connsiteY3" fmla="*/ 4729040 h 4729040"/>
-              <a:gd name="connsiteX4" fmla="*/ 6309 w 10216576"/>
-              <a:gd name="connsiteY4" fmla="*/ 124944 h 4729040"/>
-            </a:gdLst>
-            <a:ahLst/>
-            <a:cxnLst>
-              <a:cxn ang="0">
-                <a:pos x="connsiteX0" y="connsiteY0"/>
-              </a:cxn>
-              <a:cxn ang="0">
-                <a:pos x="connsiteX1" y="connsiteY1"/>
-              </a:cxn>
-              <a:cxn ang="0">
-                <a:pos x="connsiteX2" y="connsiteY2"/>
-              </a:cxn>
-              <a:cxn ang="0">
-                <a:pos x="connsiteX3" y="connsiteY3"/>
-              </a:cxn>
-              <a:cxn ang="0">
-                <a:pos x="connsiteX4" y="connsiteY4"/>
-              </a:cxn>
-            </a:cxnLst>
-            <a:rect l="l" t="t" r="r" b="b"/>
-            <a:pathLst>
-              <a:path w="10216576" h="4729040">
-                <a:moveTo>
-                  <a:pt x="0" y="0"/>
-                </a:moveTo>
-                <a:lnTo>
-                  <a:pt x="10216576" y="0"/>
-                </a:lnTo>
-                <a:lnTo>
-                  <a:pt x="10210268" y="124944"/>
-                </a:lnTo>
-                <a:cubicBezTo>
-                  <a:pt x="9947637" y="2710997"/>
-                  <a:pt x="7763635" y="4729040"/>
-                  <a:pt x="5108288" y="4729040"/>
-                </a:cubicBezTo>
-                <a:cubicBezTo>
-                  <a:pt x="2452942" y="4729040"/>
-                  <a:pt x="268937" y="2710997"/>
-                  <a:pt x="6309" y="124944"/>
-                </a:cubicBezTo>
-                <a:close/>
-              </a:path>
-            </a:pathLst>
-          </a:custGeom>
-          <a:gradFill>
-            <a:gsLst>
-              <a:gs pos="7000">
-                <a:schemeClr val="accent1">
-                  <a:lumMod val="50000"/>
-                  <a:alpha val="4000"/>
-                </a:schemeClr>
-              </a:gs>
-              <a:gs pos="99000">
-                <a:schemeClr val="accent1">
-                  <a:alpha val="24000"/>
-                </a:schemeClr>
-              </a:gs>
-            </a:gsLst>
-            <a:lin ang="10200000" scaled="0"/>
-          </a:gradFill>
-          <a:ln>
-            <a:noFill/>
-          </a:ln>
-        </p:spPr>
-        <p:style>
-          <a:lnRef idx="2">
-            <a:schemeClr val="accent1">
-              <a:shade val="50000"/>
-            </a:schemeClr>
-          </a:lnRef>
-          <a:fillRef idx="1">
-            <a:schemeClr val="accent1"/>
-          </a:fillRef>
-          <a:effectRef idx="0">
-            <a:schemeClr val="accent1"/>
-          </a:effectRef>
-          <a:fontRef idx="minor">
-            <a:schemeClr val="lt1"/>
-          </a:fontRef>
-        </p:style>
-        <p:txBody>
-          <a:bodyPr wrap="square" rtlCol="0" anchor="ctr">
-            <a:noAutofit/>
-          </a:bodyPr>
-          <a:lstStyle/>
-          <a:p>
-            <a:pPr algn="ctr"/>
-            <a:endParaRPr lang="en-US"/>
-          </a:p>
-        </p:txBody>
-      </p:sp>
-      <p:sp>
-        <p:nvSpPr>
-          <p:cNvPr id="2" name="Title 1">
-            <a:extLst>
-              <a:ext uri="{FF2B5EF4-FFF2-40B4-BE49-F238E27FC236}">
-                <a16:creationId xmlns:a16="http://schemas.microsoft.com/office/drawing/2014/main" id="{466DB94C-97D3-0B5E-1933-8206C00C7A1E}"/>
-              </a:ext>
-            </a:extLst>
-          </p:cNvPr>
-          <p:cNvSpPr>
-            <a:spLocks noGrp="1"/>
-          </p:cNvSpPr>
-          <p:nvPr>
-            <p:ph type="title"/>
-          </p:nvPr>
-        </p:nvSpPr>
-        <p:spPr>
-          <a:xfrm>
-            <a:off x="2026693" y="1030406"/>
-            <a:ext cx="8147713" cy="3081242"/>
-          </a:xfrm>
-        </p:spPr>
-        <p:txBody>
-          <a:bodyPr vert="horz" lIns="91440" tIns="45720" rIns="91440" bIns="45720" rtlCol="0" anchor="ctr">
-            <a:normAutofit/>
-          </a:bodyPr>
-          <a:lstStyle/>
-          <a:p>
-            <a:pPr algn="ctr"/>
-            <a:r>
-              <a:rPr lang="en-US" sz="4800" kern="1200" dirty="0">
-                <a:solidFill>
-                  <a:srgbClr val="FFFFFF"/>
-                </a:solidFill>
-                <a:latin typeface="+mj-lt"/>
-                <a:ea typeface="+mj-ea"/>
-                <a:cs typeface="+mj-cs"/>
-              </a:rPr>
-              <a:t>Thanks!</a:t>
-            </a:r>
-          </a:p>
-        </p:txBody>
-      </p:sp>
-    </p:spTree>
-    <p:extLst>
-      <p:ext uri="{BB962C8B-B14F-4D97-AF65-F5344CB8AC3E}">
-        <p14:creationId xmlns:p14="http://schemas.microsoft.com/office/powerpoint/2010/main" val="962527845"/>
-      </p:ext>
-    </p:extLst>
-  </p:cSld>
-  <p:clrMapOvr>
-    <a:masterClrMapping/>
-  </p:clrMapOvr>
-</p:sld>
-</file>
-
-<file path=ppt/slides/slide17.xml><?xml version="1.0" encoding="utf-8"?>
-<p:sld xmlns:a="http://schemas.openxmlformats.org/drawingml/2006/main" xmlns:r="http://schemas.openxmlformats.org/officeDocument/2006/relationships" xmlns:p="http://schemas.openxmlformats.org/presentationml/2006/main">
-  <p:cSld>
-    <p:bg>
-      <p:bgPr>
-        <a:solidFill>
-          <a:schemeClr val="bg1"/>
-        </a:solidFill>
-        <a:effectLst/>
-      </p:bgPr>
-    </p:bg>
-    <p:spTree>
-      <p:nvGrpSpPr>
-        <p:cNvPr id="1" name="">
-          <a:extLst>
-            <a:ext uri="{FF2B5EF4-FFF2-40B4-BE49-F238E27FC236}">
               <a16:creationId xmlns:a16="http://schemas.microsoft.com/office/drawing/2014/main" id="{362D1B8D-4DEE-5E72-F909-72AAF8DC8E32}"/>
             </a:ext>
           </a:extLst>
@@ -29603,6 +28590,1310 @@
     <p:extLst>
       <p:ext uri="{BB962C8B-B14F-4D97-AF65-F5344CB8AC3E}">
         <p14:creationId xmlns:p14="http://schemas.microsoft.com/office/powerpoint/2010/main" val="1102396629"/>
+      </p:ext>
+    </p:extLst>
+  </p:cSld>
+  <p:clrMapOvr>
+    <a:masterClrMapping/>
+  </p:clrMapOvr>
+</p:sld>
+</file>
+
+<file path=ppt/slides/slide16.xml><?xml version="1.0" encoding="utf-8"?>
+<p:sld xmlns:a="http://schemas.openxmlformats.org/drawingml/2006/main" xmlns:r="http://schemas.openxmlformats.org/officeDocument/2006/relationships" xmlns:p="http://schemas.openxmlformats.org/presentationml/2006/main">
+  <p:cSld>
+    <p:bg>
+      <p:bgPr>
+        <a:solidFill>
+          <a:schemeClr val="bg1"/>
+        </a:solidFill>
+        <a:effectLst/>
+      </p:bgPr>
+    </p:bg>
+    <p:spTree>
+      <p:nvGrpSpPr>
+        <p:cNvPr id="1" name="">
+          <a:extLst>
+            <a:ext uri="{FF2B5EF4-FFF2-40B4-BE49-F238E27FC236}">
+              <a16:creationId xmlns:a16="http://schemas.microsoft.com/office/drawing/2014/main" id="{11705A28-A448-0815-6B3E-55E6F044FB6E}"/>
+            </a:ext>
+          </a:extLst>
+        </p:cNvPr>
+        <p:cNvGrpSpPr/>
+        <p:nvPr/>
+      </p:nvGrpSpPr>
+      <p:grpSpPr>
+        <a:xfrm>
+          <a:off x="0" y="0"/>
+          <a:ext cx="0" cy="0"/>
+          <a:chOff x="0" y="0"/>
+          <a:chExt cx="0" cy="0"/>
+        </a:xfrm>
+      </p:grpSpPr>
+      <p:sp useBgFill="1">
+        <p:nvSpPr>
+          <p:cNvPr id="8" name="Rectangle 7">
+            <a:extLst>
+              <a:ext uri="{FF2B5EF4-FFF2-40B4-BE49-F238E27FC236}">
+                <a16:creationId xmlns:a16="http://schemas.microsoft.com/office/drawing/2014/main" id="{23C0520C-9E93-53D8-0680-69C9D91A8BF8}"/>
+              </a:ext>
+              <a:ext uri="{C183D7F6-B498-43B3-948B-1728B52AA6E4}">
+                <adec:decorative xmlns:adec="http://schemas.microsoft.com/office/drawing/2017/decorative" val="1"/>
+              </a:ext>
+            </a:extLst>
+          </p:cNvPr>
+          <p:cNvSpPr>
+            <a:spLocks noGrp="1" noRot="1" noChangeAspect="1" noMove="1" noResize="1" noEditPoints="1" noAdjustHandles="1" noChangeArrowheads="1" noChangeShapeType="1" noTextEdit="1"/>
+          </p:cNvSpPr>
+          <p:nvPr>
+            <p:extLst>
+              <p:ext uri="{386F3935-93C4-4BCD-93E2-E3B085C9AB24}">
+                <p16:designElem xmlns:p16="http://schemas.microsoft.com/office/powerpoint/2015/main" val="1"/>
+              </p:ext>
+            </p:extLst>
+          </p:nvPr>
+        </p:nvSpPr>
+        <p:spPr>
+          <a:xfrm>
+            <a:off x="0" y="0"/>
+            <a:ext cx="12192000" cy="6858000"/>
+          </a:xfrm>
+          <a:prstGeom prst="rect">
+            <a:avLst/>
+          </a:prstGeom>
+          <a:ln w="12700" cap="flat" cmpd="sng" algn="ctr">
+            <a:noFill/>
+            <a:prstDash val="solid"/>
+            <a:miter lim="800000"/>
+          </a:ln>
+          <a:effectLst/>
+          <a:extLst>
+            <a:ext uri="{91240B29-F687-4F45-9708-019B960494DF}">
+              <a14:hiddenLine xmlns:a14="http://schemas.microsoft.com/office/drawing/2010/main" w="12700" cap="flat" cmpd="sng" algn="ctr">
+                <a:solidFill>
+                  <a:schemeClr val="accent1">
+                    <a:shade val="50000"/>
+                  </a:schemeClr>
+                </a:solidFill>
+                <a:prstDash val="solid"/>
+                <a:miter lim="800000"/>
+              </a14:hiddenLine>
+            </a:ext>
+          </a:extLst>
+        </p:spPr>
+        <p:style>
+          <a:lnRef idx="2">
+            <a:schemeClr val="accent1">
+              <a:shade val="50000"/>
+            </a:schemeClr>
+          </a:lnRef>
+          <a:fillRef idx="1">
+            <a:schemeClr val="accent1"/>
+          </a:fillRef>
+          <a:effectRef idx="0">
+            <a:schemeClr val="accent1"/>
+          </a:effectRef>
+          <a:fontRef idx="minor">
+            <a:schemeClr val="lt1"/>
+          </a:fontRef>
+        </p:style>
+        <p:txBody>
+          <a:bodyPr rtlCol="0" anchor="ctr"/>
+          <a:lstStyle/>
+          <a:p>
+            <a:pPr algn="ctr"/>
+            <a:endParaRPr lang="en-US"/>
+          </a:p>
+        </p:txBody>
+      </p:sp>
+      <p:sp useBgFill="1">
+        <p:nvSpPr>
+          <p:cNvPr id="10" name="Rectangle 9">
+            <a:extLst>
+              <a:ext uri="{FF2B5EF4-FFF2-40B4-BE49-F238E27FC236}">
+                <a16:creationId xmlns:a16="http://schemas.microsoft.com/office/drawing/2014/main" id="{C16A8439-DB07-944C-752B-639888C40020}"/>
+              </a:ext>
+              <a:ext uri="{C183D7F6-B498-43B3-948B-1728B52AA6E4}">
+                <adec:decorative xmlns:adec="http://schemas.microsoft.com/office/drawing/2017/decorative" val="1"/>
+              </a:ext>
+            </a:extLst>
+          </p:cNvPr>
+          <p:cNvSpPr>
+            <a:spLocks noGrp="1" noRot="1" noChangeAspect="1" noMove="1" noResize="1" noEditPoints="1" noAdjustHandles="1" noChangeArrowheads="1" noChangeShapeType="1" noTextEdit="1"/>
+          </p:cNvSpPr>
+          <p:nvPr>
+            <p:extLst>
+              <p:ext uri="{386F3935-93C4-4BCD-93E2-E3B085C9AB24}">
+                <p16:designElem xmlns:p16="http://schemas.microsoft.com/office/powerpoint/2015/main" val="1"/>
+              </p:ext>
+            </p:extLst>
+          </p:nvPr>
+        </p:nvSpPr>
+        <p:spPr>
+          <a:xfrm>
+            <a:off x="0" y="0"/>
+            <a:ext cx="12188952" cy="6858000"/>
+          </a:xfrm>
+          <a:prstGeom prst="rect">
+            <a:avLst/>
+          </a:prstGeom>
+          <a:ln w="12700" cap="flat" cmpd="sng" algn="ctr">
+            <a:noFill/>
+            <a:prstDash val="solid"/>
+            <a:miter lim="800000"/>
+          </a:ln>
+          <a:effectLst/>
+          <a:extLst>
+            <a:ext uri="{91240B29-F687-4F45-9708-019B960494DF}">
+              <a14:hiddenLine xmlns:a14="http://schemas.microsoft.com/office/drawing/2010/main" w="12700" cap="flat" cmpd="sng" algn="ctr">
+                <a:solidFill>
+                  <a:schemeClr val="accent1">
+                    <a:shade val="50000"/>
+                  </a:schemeClr>
+                </a:solidFill>
+                <a:prstDash val="solid"/>
+                <a:miter lim="800000"/>
+              </a14:hiddenLine>
+            </a:ext>
+          </a:extLst>
+        </p:spPr>
+        <p:style>
+          <a:lnRef idx="2">
+            <a:schemeClr val="accent1">
+              <a:shade val="50000"/>
+            </a:schemeClr>
+          </a:lnRef>
+          <a:fillRef idx="1">
+            <a:schemeClr val="accent1"/>
+          </a:fillRef>
+          <a:effectRef idx="0">
+            <a:schemeClr val="accent1"/>
+          </a:effectRef>
+          <a:fontRef idx="minor">
+            <a:schemeClr val="lt1"/>
+          </a:fontRef>
+        </p:style>
+        <p:txBody>
+          <a:bodyPr rtlCol="0" anchor="ctr"/>
+          <a:lstStyle/>
+          <a:p>
+            <a:pPr algn="ctr"/>
+            <a:endParaRPr lang="en-US"/>
+          </a:p>
+        </p:txBody>
+      </p:sp>
+      <p:sp>
+        <p:nvSpPr>
+          <p:cNvPr id="12" name="Rectangle 11">
+            <a:extLst>
+              <a:ext uri="{FF2B5EF4-FFF2-40B4-BE49-F238E27FC236}">
+                <a16:creationId xmlns:a16="http://schemas.microsoft.com/office/drawing/2014/main" id="{2FF1B1DD-83AD-1B79-2291-4376C0B6C6C6}"/>
+              </a:ext>
+              <a:ext uri="{C183D7F6-B498-43B3-948B-1728B52AA6E4}">
+                <adec:decorative xmlns:adec="http://schemas.microsoft.com/office/drawing/2017/decorative" val="1"/>
+              </a:ext>
+            </a:extLst>
+          </p:cNvPr>
+          <p:cNvSpPr>
+            <a:spLocks noGrp="1" noRot="1" noChangeAspect="1" noMove="1" noResize="1" noEditPoints="1" noAdjustHandles="1" noChangeArrowheads="1" noChangeShapeType="1" noTextEdit="1"/>
+          </p:cNvSpPr>
+          <p:nvPr>
+            <p:extLst>
+              <p:ext uri="{386F3935-93C4-4BCD-93E2-E3B085C9AB24}">
+                <p16:designElem xmlns:p16="http://schemas.microsoft.com/office/powerpoint/2015/main" val="1"/>
+              </p:ext>
+            </p:extLst>
+          </p:nvPr>
+        </p:nvSpPr>
+        <p:spPr>
+          <a:xfrm rot="5400000" flipH="1">
+            <a:off x="-1410084" y="1410082"/>
+            <a:ext cx="6858000" cy="4037836"/>
+          </a:xfrm>
+          <a:prstGeom prst="rect">
+            <a:avLst/>
+          </a:prstGeom>
+          <a:gradFill>
+            <a:gsLst>
+              <a:gs pos="8000">
+                <a:srgbClr val="000000"/>
+              </a:gs>
+              <a:gs pos="100000">
+                <a:schemeClr val="accent1">
+                  <a:lumMod val="75000"/>
+                </a:schemeClr>
+              </a:gs>
+            </a:gsLst>
+            <a:lin ang="3000000" scaled="0"/>
+          </a:gradFill>
+          <a:ln>
+            <a:noFill/>
+          </a:ln>
+        </p:spPr>
+        <p:style>
+          <a:lnRef idx="2">
+            <a:schemeClr val="accent1">
+              <a:shade val="50000"/>
+            </a:schemeClr>
+          </a:lnRef>
+          <a:fillRef idx="1">
+            <a:schemeClr val="accent1"/>
+          </a:fillRef>
+          <a:effectRef idx="0">
+            <a:schemeClr val="accent1"/>
+          </a:effectRef>
+          <a:fontRef idx="minor">
+            <a:schemeClr val="lt1"/>
+          </a:fontRef>
+        </p:style>
+        <p:txBody>
+          <a:bodyPr rtlCol="0" anchor="ctr"/>
+          <a:lstStyle/>
+          <a:p>
+            <a:pPr algn="ctr"/>
+            <a:endParaRPr lang="en-US"/>
+          </a:p>
+        </p:txBody>
+      </p:sp>
+      <p:sp>
+        <p:nvSpPr>
+          <p:cNvPr id="14" name="Rectangle 13">
+            <a:extLst>
+              <a:ext uri="{FF2B5EF4-FFF2-40B4-BE49-F238E27FC236}">
+                <a16:creationId xmlns:a16="http://schemas.microsoft.com/office/drawing/2014/main" id="{54233F58-503D-4702-5EE5-AA5934D882DE}"/>
+              </a:ext>
+              <a:ext uri="{C183D7F6-B498-43B3-948B-1728B52AA6E4}">
+                <adec:decorative xmlns:adec="http://schemas.microsoft.com/office/drawing/2017/decorative" val="1"/>
+              </a:ext>
+            </a:extLst>
+          </p:cNvPr>
+          <p:cNvSpPr>
+            <a:spLocks noGrp="1" noRot="1" noChangeAspect="1" noMove="1" noResize="1" noEditPoints="1" noAdjustHandles="1" noChangeArrowheads="1" noChangeShapeType="1" noTextEdit="1"/>
+          </p:cNvSpPr>
+          <p:nvPr>
+            <p:extLst>
+              <p:ext uri="{386F3935-93C4-4BCD-93E2-E3B085C9AB24}">
+                <p16:designElem xmlns:p16="http://schemas.microsoft.com/office/powerpoint/2015/main" val="1"/>
+              </p:ext>
+            </p:extLst>
+          </p:nvPr>
+        </p:nvSpPr>
+        <p:spPr>
+          <a:xfrm rot="5400000" flipH="1">
+            <a:off x="-1410085" y="1420219"/>
+            <a:ext cx="6857999" cy="4037839"/>
+          </a:xfrm>
+          <a:prstGeom prst="rect">
+            <a:avLst/>
+          </a:prstGeom>
+          <a:gradFill>
+            <a:gsLst>
+              <a:gs pos="0">
+                <a:srgbClr val="000000">
+                  <a:alpha val="0"/>
+                </a:srgbClr>
+              </a:gs>
+              <a:gs pos="99000">
+                <a:schemeClr val="accent1">
+                  <a:alpha val="46000"/>
+                </a:schemeClr>
+              </a:gs>
+            </a:gsLst>
+            <a:lin ang="1800000" scaled="0"/>
+          </a:gradFill>
+          <a:ln>
+            <a:noFill/>
+          </a:ln>
+        </p:spPr>
+        <p:style>
+          <a:lnRef idx="2">
+            <a:schemeClr val="accent1">
+              <a:shade val="50000"/>
+            </a:schemeClr>
+          </a:lnRef>
+          <a:fillRef idx="1">
+            <a:schemeClr val="accent1"/>
+          </a:fillRef>
+          <a:effectRef idx="0">
+            <a:schemeClr val="accent1"/>
+          </a:effectRef>
+          <a:fontRef idx="minor">
+            <a:schemeClr val="lt1"/>
+          </a:fontRef>
+        </p:style>
+        <p:txBody>
+          <a:bodyPr rtlCol="0" anchor="ctr"/>
+          <a:lstStyle/>
+          <a:p>
+            <a:pPr algn="ctr"/>
+            <a:endParaRPr lang="en-US"/>
+          </a:p>
+        </p:txBody>
+      </p:sp>
+      <p:sp>
+        <p:nvSpPr>
+          <p:cNvPr id="16" name="Rectangle 15">
+            <a:extLst>
+              <a:ext uri="{FF2B5EF4-FFF2-40B4-BE49-F238E27FC236}">
+                <a16:creationId xmlns:a16="http://schemas.microsoft.com/office/drawing/2014/main" id="{1EEB2B0F-2992-80F1-0D66-FB2992606251}"/>
+              </a:ext>
+              <a:ext uri="{C183D7F6-B498-43B3-948B-1728B52AA6E4}">
+                <adec:decorative xmlns:adec="http://schemas.microsoft.com/office/drawing/2017/decorative" val="1"/>
+              </a:ext>
+            </a:extLst>
+          </p:cNvPr>
+          <p:cNvSpPr>
+            <a:spLocks noGrp="1" noRot="1" noChangeAspect="1" noMove="1" noResize="1" noEditPoints="1" noAdjustHandles="1" noChangeArrowheads="1" noChangeShapeType="1" noTextEdit="1"/>
+          </p:cNvSpPr>
+          <p:nvPr>
+            <p:extLst>
+              <p:ext uri="{386F3935-93C4-4BCD-93E2-E3B085C9AB24}">
+                <p16:designElem xmlns:p16="http://schemas.microsoft.com/office/powerpoint/2015/main" val="1"/>
+              </p:ext>
+            </p:extLst>
+          </p:nvPr>
+        </p:nvSpPr>
+        <p:spPr>
+          <a:xfrm rot="5400000" flipH="1">
+            <a:off x="767923" y="3588085"/>
+            <a:ext cx="2501979" cy="4037841"/>
+          </a:xfrm>
+          <a:prstGeom prst="rect">
+            <a:avLst/>
+          </a:prstGeom>
+          <a:gradFill>
+            <a:gsLst>
+              <a:gs pos="2000">
+                <a:schemeClr val="accent1">
+                  <a:alpha val="29000"/>
+                </a:schemeClr>
+              </a:gs>
+              <a:gs pos="100000">
+                <a:srgbClr val="000000">
+                  <a:alpha val="30000"/>
+                </a:srgbClr>
+              </a:gs>
+            </a:gsLst>
+            <a:lin ang="7800000" scaled="0"/>
+          </a:gradFill>
+          <a:ln>
+            <a:noFill/>
+          </a:ln>
+        </p:spPr>
+        <p:style>
+          <a:lnRef idx="2">
+            <a:schemeClr val="accent1">
+              <a:shade val="50000"/>
+            </a:schemeClr>
+          </a:lnRef>
+          <a:fillRef idx="1">
+            <a:schemeClr val="accent1"/>
+          </a:fillRef>
+          <a:effectRef idx="0">
+            <a:schemeClr val="accent1"/>
+          </a:effectRef>
+          <a:fontRef idx="minor">
+            <a:schemeClr val="lt1"/>
+          </a:fontRef>
+        </p:style>
+        <p:txBody>
+          <a:bodyPr rtlCol="0" anchor="ctr"/>
+          <a:lstStyle/>
+          <a:p>
+            <a:pPr algn="ctr"/>
+            <a:endParaRPr lang="en-US" dirty="0"/>
+          </a:p>
+        </p:txBody>
+      </p:sp>
+      <p:sp>
+        <p:nvSpPr>
+          <p:cNvPr id="18" name="Freeform: Shape 17">
+            <a:extLst>
+              <a:ext uri="{FF2B5EF4-FFF2-40B4-BE49-F238E27FC236}">
+                <a16:creationId xmlns:a16="http://schemas.microsoft.com/office/drawing/2014/main" id="{525BC763-94DB-90B0-064F-6C281869CFF3}"/>
+              </a:ext>
+              <a:ext uri="{C183D7F6-B498-43B3-948B-1728B52AA6E4}">
+                <adec:decorative xmlns:adec="http://schemas.microsoft.com/office/drawing/2017/decorative" val="1"/>
+              </a:ext>
+            </a:extLst>
+          </p:cNvPr>
+          <p:cNvSpPr>
+            <a:spLocks noGrp="1" noRot="1" noChangeAspect="1" noMove="1" noResize="1" noEditPoints="1" noAdjustHandles="1" noChangeArrowheads="1" noChangeShapeType="1" noTextEdit="1"/>
+          </p:cNvSpPr>
+          <p:nvPr>
+            <p:extLst>
+              <p:ext uri="{386F3935-93C4-4BCD-93E2-E3B085C9AB24}">
+                <p16:designElem xmlns:p16="http://schemas.microsoft.com/office/powerpoint/2015/main" val="1"/>
+              </p:ext>
+            </p:extLst>
+          </p:nvPr>
+        </p:nvSpPr>
+        <p:spPr>
+          <a:xfrm rot="20635413">
+            <a:off x="-501737" y="969718"/>
+            <a:ext cx="3900357" cy="4178958"/>
+          </a:xfrm>
+          <a:custGeom>
+            <a:avLst/>
+            <a:gdLst>
+              <a:gd name="connsiteX0" fmla="*/ 2432225 w 3900357"/>
+              <a:gd name="connsiteY0" fmla="*/ 93939 h 4178958"/>
+              <a:gd name="connsiteX1" fmla="*/ 3900357 w 3900357"/>
+              <a:gd name="connsiteY1" fmla="*/ 2089479 h 4178958"/>
+              <a:gd name="connsiteX2" fmla="*/ 1810878 w 3900357"/>
+              <a:gd name="connsiteY2" fmla="*/ 4178958 h 4178958"/>
+              <a:gd name="connsiteX3" fmla="*/ 78249 w 3900357"/>
+              <a:gd name="connsiteY3" fmla="*/ 3257727 h 4178958"/>
+              <a:gd name="connsiteX4" fmla="*/ 0 w 3900357"/>
+              <a:gd name="connsiteY4" fmla="*/ 3128923 h 4178958"/>
+              <a:gd name="connsiteX5" fmla="*/ 831324 w 3900357"/>
+              <a:gd name="connsiteY5" fmla="*/ 244281 h 4178958"/>
+              <a:gd name="connsiteX6" fmla="*/ 997559 w 3900357"/>
+              <a:gd name="connsiteY6" fmla="*/ 164202 h 4178958"/>
+              <a:gd name="connsiteX7" fmla="*/ 1810878 w 3900357"/>
+              <a:gd name="connsiteY7" fmla="*/ 0 h 4178958"/>
+              <a:gd name="connsiteX8" fmla="*/ 2432225 w 3900357"/>
+              <a:gd name="connsiteY8" fmla="*/ 93939 h 4178958"/>
+            </a:gdLst>
+            <a:ahLst/>
+            <a:cxnLst>
+              <a:cxn ang="0">
+                <a:pos x="connsiteX0" y="connsiteY0"/>
+              </a:cxn>
+              <a:cxn ang="0">
+                <a:pos x="connsiteX1" y="connsiteY1"/>
+              </a:cxn>
+              <a:cxn ang="0">
+                <a:pos x="connsiteX2" y="connsiteY2"/>
+              </a:cxn>
+              <a:cxn ang="0">
+                <a:pos x="connsiteX3" y="connsiteY3"/>
+              </a:cxn>
+              <a:cxn ang="0">
+                <a:pos x="connsiteX4" y="connsiteY4"/>
+              </a:cxn>
+              <a:cxn ang="0">
+                <a:pos x="connsiteX5" y="connsiteY5"/>
+              </a:cxn>
+              <a:cxn ang="0">
+                <a:pos x="connsiteX6" y="connsiteY6"/>
+              </a:cxn>
+              <a:cxn ang="0">
+                <a:pos x="connsiteX7" y="connsiteY7"/>
+              </a:cxn>
+              <a:cxn ang="0">
+                <a:pos x="connsiteX8" y="connsiteY8"/>
+              </a:cxn>
+            </a:cxnLst>
+            <a:rect l="l" t="t" r="r" b="b"/>
+            <a:pathLst>
+              <a:path w="3900357" h="4178958">
+                <a:moveTo>
+                  <a:pt x="2432225" y="93939"/>
+                </a:moveTo>
+                <a:cubicBezTo>
+                  <a:pt x="3282786" y="358491"/>
+                  <a:pt x="3900357" y="1151865"/>
+                  <a:pt x="3900357" y="2089479"/>
+                </a:cubicBezTo>
+                <a:cubicBezTo>
+                  <a:pt x="3900357" y="3243466"/>
+                  <a:pt x="2964865" y="4178958"/>
+                  <a:pt x="1810878" y="4178958"/>
+                </a:cubicBezTo>
+                <a:cubicBezTo>
+                  <a:pt x="1089636" y="4178958"/>
+                  <a:pt x="453744" y="3813531"/>
+                  <a:pt x="78249" y="3257727"/>
+                </a:cubicBezTo>
+                <a:lnTo>
+                  <a:pt x="0" y="3128923"/>
+                </a:lnTo>
+                <a:lnTo>
+                  <a:pt x="831324" y="244281"/>
+                </a:lnTo>
+                <a:lnTo>
+                  <a:pt x="997559" y="164202"/>
+                </a:lnTo>
+                <a:cubicBezTo>
+                  <a:pt x="1247540" y="58468"/>
+                  <a:pt x="1522381" y="0"/>
+                  <a:pt x="1810878" y="0"/>
+                </a:cubicBezTo>
+                <a:cubicBezTo>
+                  <a:pt x="2027251" y="0"/>
+                  <a:pt x="2235942" y="32888"/>
+                  <a:pt x="2432225" y="93939"/>
+                </a:cubicBezTo>
+                <a:close/>
+              </a:path>
+            </a:pathLst>
+          </a:custGeom>
+          <a:gradFill>
+            <a:gsLst>
+              <a:gs pos="29000">
+                <a:srgbClr val="000000">
+                  <a:alpha val="0"/>
+                </a:srgbClr>
+              </a:gs>
+              <a:gs pos="100000">
+                <a:schemeClr val="accent1">
+                  <a:alpha val="43000"/>
+                </a:schemeClr>
+              </a:gs>
+            </a:gsLst>
+            <a:lin ang="1800000" scaled="0"/>
+          </a:gradFill>
+          <a:ln>
+            <a:noFill/>
+          </a:ln>
+        </p:spPr>
+        <p:style>
+          <a:lnRef idx="2">
+            <a:schemeClr val="accent1">
+              <a:shade val="50000"/>
+            </a:schemeClr>
+          </a:lnRef>
+          <a:fillRef idx="1">
+            <a:schemeClr val="accent1"/>
+          </a:fillRef>
+          <a:effectRef idx="0">
+            <a:schemeClr val="accent1"/>
+          </a:effectRef>
+          <a:fontRef idx="minor">
+            <a:schemeClr val="lt1"/>
+          </a:fontRef>
+        </p:style>
+        <p:txBody>
+          <a:bodyPr wrap="square" rtlCol="0" anchor="ctr">
+            <a:noAutofit/>
+          </a:bodyPr>
+          <a:lstStyle/>
+          <a:p>
+            <a:pPr algn="ctr"/>
+            <a:endParaRPr lang="en-US" dirty="0"/>
+          </a:p>
+        </p:txBody>
+      </p:sp>
+      <p:sp>
+        <p:nvSpPr>
+          <p:cNvPr id="20" name="Rectangle 19">
+            <a:extLst>
+              <a:ext uri="{FF2B5EF4-FFF2-40B4-BE49-F238E27FC236}">
+                <a16:creationId xmlns:a16="http://schemas.microsoft.com/office/drawing/2014/main" id="{801C5FC6-BEB5-CCCE-2CBE-E5E8BB99BE00}"/>
+              </a:ext>
+              <a:ext uri="{C183D7F6-B498-43B3-948B-1728B52AA6E4}">
+                <adec:decorative xmlns:adec="http://schemas.microsoft.com/office/drawing/2017/decorative" val="1"/>
+              </a:ext>
+            </a:extLst>
+          </p:cNvPr>
+          <p:cNvSpPr>
+            <a:spLocks noGrp="1" noRot="1" noChangeAspect="1" noMove="1" noResize="1" noEditPoints="1" noAdjustHandles="1" noChangeArrowheads="1" noChangeShapeType="1" noTextEdit="1"/>
+          </p:cNvSpPr>
+          <p:nvPr>
+            <p:extLst>
+              <p:ext uri="{386F3935-93C4-4BCD-93E2-E3B085C9AB24}">
+                <p16:designElem xmlns:p16="http://schemas.microsoft.com/office/powerpoint/2015/main" val="1"/>
+              </p:ext>
+            </p:extLst>
+          </p:nvPr>
+        </p:nvSpPr>
+        <p:spPr>
+          <a:xfrm rot="5400000" flipH="1">
+            <a:off x="-1410093" y="1399943"/>
+            <a:ext cx="6858003" cy="4037835"/>
+          </a:xfrm>
+          <a:prstGeom prst="rect">
+            <a:avLst/>
+          </a:prstGeom>
+          <a:gradFill>
+            <a:gsLst>
+              <a:gs pos="0">
+                <a:srgbClr val="000000">
+                  <a:alpha val="0"/>
+                </a:srgbClr>
+              </a:gs>
+              <a:gs pos="99000">
+                <a:schemeClr val="accent1">
+                  <a:lumMod val="60000"/>
+                  <a:lumOff val="40000"/>
+                  <a:alpha val="11000"/>
+                </a:schemeClr>
+              </a:gs>
+            </a:gsLst>
+            <a:lin ang="7200000" scaled="0"/>
+          </a:gradFill>
+          <a:ln>
+            <a:noFill/>
+          </a:ln>
+        </p:spPr>
+        <p:style>
+          <a:lnRef idx="2">
+            <a:schemeClr val="accent1">
+              <a:shade val="50000"/>
+            </a:schemeClr>
+          </a:lnRef>
+          <a:fillRef idx="1">
+            <a:schemeClr val="accent1"/>
+          </a:fillRef>
+          <a:effectRef idx="0">
+            <a:schemeClr val="accent1"/>
+          </a:effectRef>
+          <a:fontRef idx="minor">
+            <a:schemeClr val="lt1"/>
+          </a:fontRef>
+        </p:style>
+        <p:txBody>
+          <a:bodyPr rtlCol="0" anchor="ctr"/>
+          <a:lstStyle/>
+          <a:p>
+            <a:pPr algn="ctr"/>
+            <a:endParaRPr lang="en-US"/>
+          </a:p>
+        </p:txBody>
+      </p:sp>
+      <p:sp>
+        <p:nvSpPr>
+          <p:cNvPr id="6" name="TextBox 5">
+            <a:extLst>
+              <a:ext uri="{FF2B5EF4-FFF2-40B4-BE49-F238E27FC236}">
+                <a16:creationId xmlns:a16="http://schemas.microsoft.com/office/drawing/2014/main" id="{16A5E477-5AC0-E330-5900-07ED49CA3D06}"/>
+              </a:ext>
+            </a:extLst>
+          </p:cNvPr>
+          <p:cNvSpPr txBox="1"/>
+          <p:nvPr/>
+        </p:nvSpPr>
+        <p:spPr>
+          <a:xfrm flipH="1">
+            <a:off x="500180" y="3440738"/>
+            <a:ext cx="3037453" cy="1815882"/>
+          </a:xfrm>
+          <a:prstGeom prst="rect">
+            <a:avLst/>
+          </a:prstGeom>
+          <a:noFill/>
+        </p:spPr>
+        <p:txBody>
+          <a:bodyPr wrap="square" lIns="91440" tIns="45720" rIns="91440" bIns="45720" rtlCol="0" anchor="t">
+            <a:spAutoFit/>
+          </a:bodyPr>
+          <a:lstStyle/>
+          <a:p>
+            <a:pPr algn="ctr">
+              <a:defRPr/>
+            </a:pPr>
+            <a:r>
+              <a:rPr lang="en-US" sz="2400" b="1" dirty="0">
+                <a:solidFill>
+                  <a:srgbClr val="FFFFFF"/>
+                </a:solidFill>
+                <a:latin typeface="Graphik"/>
+              </a:rPr>
+              <a:t>Kenny Copas</a:t>
+            </a:r>
+          </a:p>
+          <a:p>
+            <a:pPr algn="ctr">
+              <a:defRPr/>
+            </a:pPr>
+            <a:endParaRPr lang="en-US" sz="2400" b="1" dirty="0">
+              <a:solidFill>
+                <a:srgbClr val="FFFFFF"/>
+              </a:solidFill>
+              <a:latin typeface="Graphik"/>
+            </a:endParaRPr>
+          </a:p>
+          <a:p>
+            <a:pPr marL="0" marR="0" lvl="0" indent="0" algn="ctr" defTabSz="914400" rtl="0" eaLnBrk="1" fontAlgn="auto" latinLnBrk="0" hangingPunct="1">
+              <a:lnSpc>
+                <a:spcPct val="100000"/>
+              </a:lnSpc>
+              <a:spcBef>
+                <a:spcPts val="0"/>
+              </a:spcBef>
+              <a:spcAft>
+                <a:spcPts val="0"/>
+              </a:spcAft>
+              <a:buClrTx/>
+              <a:buSzTx/>
+              <a:buFontTx/>
+              <a:buNone/>
+              <a:tabLst/>
+              <a:defRPr/>
+            </a:pPr>
+            <a:r>
+              <a:rPr kumimoji="0" lang="en-US" sz="1600" b="0" i="0" u="none" strike="noStrike" kern="1200" cap="none" spc="0" normalizeH="0" baseline="0" noProof="0" dirty="0">
+                <a:ln>
+                  <a:noFill/>
+                </a:ln>
+                <a:solidFill>
+                  <a:srgbClr val="FFFFFF"/>
+                </a:solidFill>
+                <a:effectLst/>
+                <a:uLnTx/>
+                <a:uFillTx/>
+                <a:latin typeface="Graphik"/>
+                <a:ea typeface="+mn-ea"/>
+                <a:cs typeface="+mn-cs"/>
+              </a:rPr>
+              <a:t>Jr. Data Engineer</a:t>
+            </a:r>
+          </a:p>
+          <a:p>
+            <a:pPr marL="0" marR="0" lvl="0" indent="0" algn="ctr" defTabSz="914400" rtl="0" eaLnBrk="1" fontAlgn="auto" latinLnBrk="0" hangingPunct="1">
+              <a:lnSpc>
+                <a:spcPct val="100000"/>
+              </a:lnSpc>
+              <a:spcBef>
+                <a:spcPts val="0"/>
+              </a:spcBef>
+              <a:spcAft>
+                <a:spcPts val="0"/>
+              </a:spcAft>
+              <a:buClrTx/>
+              <a:buSzTx/>
+              <a:buFontTx/>
+              <a:buNone/>
+              <a:tabLst/>
+              <a:defRPr/>
+            </a:pPr>
+            <a:endParaRPr kumimoji="0" lang="en-US" sz="1600" b="0" i="0" u="none" strike="noStrike" kern="1200" cap="none" spc="0" normalizeH="0" baseline="0" noProof="0" dirty="0">
+              <a:ln>
+                <a:noFill/>
+              </a:ln>
+              <a:solidFill>
+                <a:srgbClr val="FFFFFF"/>
+              </a:solidFill>
+              <a:effectLst/>
+              <a:uLnTx/>
+              <a:uFillTx/>
+              <a:latin typeface="Graphik"/>
+              <a:ea typeface="+mn-ea"/>
+              <a:cs typeface="+mn-cs"/>
+            </a:endParaRPr>
+          </a:p>
+          <a:p>
+            <a:pPr marL="0" marR="0" lvl="0" indent="0" algn="ctr" defTabSz="914400" rtl="0" eaLnBrk="1" fontAlgn="auto" latinLnBrk="0" hangingPunct="1">
+              <a:lnSpc>
+                <a:spcPct val="100000"/>
+              </a:lnSpc>
+              <a:spcBef>
+                <a:spcPts val="0"/>
+              </a:spcBef>
+              <a:spcAft>
+                <a:spcPts val="0"/>
+              </a:spcAft>
+              <a:buClrTx/>
+              <a:buSzTx/>
+              <a:buFontTx/>
+              <a:buNone/>
+              <a:tabLst/>
+              <a:defRPr/>
+            </a:pPr>
+            <a:r>
+              <a:rPr kumimoji="0" lang="en-US" sz="1600" b="0" i="0" u="none" strike="noStrike" kern="1200" cap="none" spc="0" normalizeH="0" baseline="0" noProof="0" dirty="0">
+                <a:ln>
+                  <a:noFill/>
+                </a:ln>
+                <a:solidFill>
+                  <a:srgbClr val="FFFFFF"/>
+                </a:solidFill>
+                <a:effectLst/>
+                <a:uLnTx/>
+                <a:uFillTx/>
+                <a:latin typeface="Graphik"/>
+                <a:ea typeface="+mn-ea"/>
+                <a:cs typeface="+mn-cs"/>
+              </a:rPr>
+              <a:t>PeopleShores PBC</a:t>
+            </a:r>
+          </a:p>
+          <a:p>
+            <a:pPr marL="0" marR="0" lvl="0" indent="0" algn="ctr" defTabSz="914400" rtl="0" eaLnBrk="1" fontAlgn="auto" latinLnBrk="0" hangingPunct="1">
+              <a:lnSpc>
+                <a:spcPct val="100000"/>
+              </a:lnSpc>
+              <a:spcBef>
+                <a:spcPts val="0"/>
+              </a:spcBef>
+              <a:spcAft>
+                <a:spcPts val="0"/>
+              </a:spcAft>
+              <a:buClrTx/>
+              <a:buSzTx/>
+              <a:buFontTx/>
+              <a:buNone/>
+              <a:tabLst/>
+              <a:defRPr/>
+            </a:pPr>
+            <a:r>
+              <a:rPr lang="en-US" sz="1600" dirty="0">
+                <a:solidFill>
+                  <a:srgbClr val="FFFFFF"/>
+                </a:solidFill>
+                <a:latin typeface="Graphik"/>
+              </a:rPr>
+              <a:t>Tampa, FL</a:t>
+            </a:r>
+            <a:endParaRPr kumimoji="0" lang="en-US" sz="1600" b="0" i="0" u="none" strike="noStrike" kern="1200" cap="none" spc="0" normalizeH="0" baseline="0" noProof="0" dirty="0">
+              <a:ln>
+                <a:noFill/>
+              </a:ln>
+              <a:solidFill>
+                <a:srgbClr val="FFFFFF"/>
+              </a:solidFill>
+              <a:effectLst/>
+              <a:uLnTx/>
+              <a:uFillTx/>
+              <a:latin typeface="Graphik" panose="020B0503030202060203" pitchFamily="34" charset="0"/>
+              <a:ea typeface="+mn-ea"/>
+              <a:cs typeface="+mn-cs"/>
+            </a:endParaRPr>
+          </a:p>
+        </p:txBody>
+      </p:sp>
+      <p:pic>
+        <p:nvPicPr>
+          <p:cNvPr id="3" name="Picture 2" descr="A person taking a selfie&#10;&#10;AI-generated content may be incorrect.">
+            <a:extLst>
+              <a:ext uri="{FF2B5EF4-FFF2-40B4-BE49-F238E27FC236}">
+                <a16:creationId xmlns:a16="http://schemas.microsoft.com/office/drawing/2014/main" id="{83054ED2-4129-B083-C08A-FAB42B542FB7}"/>
+              </a:ext>
+            </a:extLst>
+          </p:cNvPr>
+          <p:cNvPicPr>
+            <a:picLocks noChangeAspect="1"/>
+          </p:cNvPicPr>
+          <p:nvPr/>
+        </p:nvPicPr>
+        <p:blipFill rotWithShape="1">
+          <a:blip r:embed="rId3">
+            <a:extLst>
+              <a:ext uri="{28A0092B-C50C-407E-A947-70E740481C1C}">
+                <a14:useLocalDpi xmlns:a14="http://schemas.microsoft.com/office/drawing/2010/main" val="0"/>
+              </a:ext>
+            </a:extLst>
+          </a:blip>
+          <a:srcRect t="12049" b="1445"/>
+          <a:stretch/>
+        </p:blipFill>
+        <p:spPr>
+          <a:xfrm>
+            <a:off x="818319" y="581926"/>
+            <a:ext cx="2401173" cy="2401173"/>
+          </a:xfrm>
+          <a:prstGeom prst="ellipse">
+            <a:avLst/>
+          </a:prstGeom>
+        </p:spPr>
+      </p:pic>
+      <p:sp>
+        <p:nvSpPr>
+          <p:cNvPr id="2" name="Title 1">
+            <a:extLst>
+              <a:ext uri="{FF2B5EF4-FFF2-40B4-BE49-F238E27FC236}">
+                <a16:creationId xmlns:a16="http://schemas.microsoft.com/office/drawing/2014/main" id="{635360F9-5A89-B78D-74B2-CD2ABE5702B8}"/>
+              </a:ext>
+            </a:extLst>
+          </p:cNvPr>
+          <p:cNvSpPr>
+            <a:spLocks noGrp="1"/>
+          </p:cNvSpPr>
+          <p:nvPr>
+            <p:ph type="title"/>
+          </p:nvPr>
+        </p:nvSpPr>
+        <p:spPr>
+          <a:xfrm>
+            <a:off x="5329378" y="318949"/>
+            <a:ext cx="5568013" cy="682611"/>
+          </a:xfrm>
+        </p:spPr>
+        <p:txBody>
+          <a:bodyPr>
+            <a:normAutofit/>
+          </a:bodyPr>
+          <a:lstStyle/>
+          <a:p>
+            <a:pPr lvl="0" defTabSz="914377">
+              <a:lnSpc>
+                <a:spcPct val="80000"/>
+              </a:lnSpc>
+              <a:defRPr/>
+            </a:pPr>
+            <a:r>
+              <a:rPr lang="en-US" sz="3500" b="1" dirty="0">
+                <a:solidFill>
+                  <a:srgbClr val="000000"/>
+                </a:solidFill>
+                <a:latin typeface="Graphik"/>
+              </a:rPr>
+              <a:t>Thank you for your time!</a:t>
+            </a:r>
+          </a:p>
+        </p:txBody>
+      </p:sp>
+      <p:grpSp>
+        <p:nvGrpSpPr>
+          <p:cNvPr id="37" name="Group 36">
+            <a:extLst>
+              <a:ext uri="{FF2B5EF4-FFF2-40B4-BE49-F238E27FC236}">
+                <a16:creationId xmlns:a16="http://schemas.microsoft.com/office/drawing/2014/main" id="{4FA913BA-EF93-1DB3-96B2-D5D033300339}"/>
+              </a:ext>
+            </a:extLst>
+          </p:cNvPr>
+          <p:cNvGrpSpPr/>
+          <p:nvPr/>
+        </p:nvGrpSpPr>
+        <p:grpSpPr>
+          <a:xfrm>
+            <a:off x="8235760" y="3949691"/>
+            <a:ext cx="3456060" cy="2685976"/>
+            <a:chOff x="4560834" y="3875264"/>
+            <a:chExt cx="3776282" cy="2934846"/>
+          </a:xfrm>
+        </p:grpSpPr>
+        <p:grpSp>
+          <p:nvGrpSpPr>
+            <p:cNvPr id="31" name="Group 30">
+              <a:extLst>
+                <a:ext uri="{FF2B5EF4-FFF2-40B4-BE49-F238E27FC236}">
+                  <a16:creationId xmlns:a16="http://schemas.microsoft.com/office/drawing/2014/main" id="{99DC67EB-EEE2-2510-7FFB-E91212BBAD08}"/>
+                </a:ext>
+              </a:extLst>
+            </p:cNvPr>
+            <p:cNvGrpSpPr/>
+            <p:nvPr/>
+          </p:nvGrpSpPr>
+          <p:grpSpPr>
+            <a:xfrm>
+              <a:off x="5249678" y="4264872"/>
+              <a:ext cx="2584618" cy="2545238"/>
+              <a:chOff x="9107884" y="1598613"/>
+              <a:chExt cx="1869000" cy="1840525"/>
+            </a:xfrm>
+          </p:grpSpPr>
+          <p:pic>
+            <p:nvPicPr>
+              <p:cNvPr id="26" name="Picture 25" descr="A qr code with a few black squares&#10;&#10;AI-generated content may be incorrect.">
+                <a:extLst>
+                  <a:ext uri="{FF2B5EF4-FFF2-40B4-BE49-F238E27FC236}">
+                    <a16:creationId xmlns:a16="http://schemas.microsoft.com/office/drawing/2014/main" id="{E49FD8E9-A379-EC58-54A4-283C20313E13}"/>
+                  </a:ext>
+                </a:extLst>
+              </p:cNvPr>
+              <p:cNvPicPr>
+                <a:picLocks noChangeAspect="1"/>
+              </p:cNvPicPr>
+              <p:nvPr/>
+            </p:nvPicPr>
+            <p:blipFill>
+              <a:blip r:embed="rId4">
+                <a:extLst>
+                  <a:ext uri="{28A0092B-C50C-407E-A947-70E740481C1C}">
+                    <a14:useLocalDpi xmlns:a14="http://schemas.microsoft.com/office/drawing/2010/main" val="0"/>
+                  </a:ext>
+                </a:extLst>
+              </a:blip>
+              <a:stretch>
+                <a:fillRect/>
+              </a:stretch>
+            </p:blipFill>
+            <p:spPr>
+              <a:xfrm>
+                <a:off x="9107884" y="1598613"/>
+                <a:ext cx="1666875" cy="1659857"/>
+              </a:xfrm>
+              <a:prstGeom prst="rect">
+                <a:avLst/>
+              </a:prstGeom>
+            </p:spPr>
+          </p:pic>
+          <p:pic>
+            <p:nvPicPr>
+              <p:cNvPr id="1064" name="Picture 40" descr="LinkedIn">
+                <a:extLst>
+                  <a:ext uri="{FF2B5EF4-FFF2-40B4-BE49-F238E27FC236}">
+                    <a16:creationId xmlns:a16="http://schemas.microsoft.com/office/drawing/2014/main" id="{18D658CC-733E-A833-7A8B-C47C04D67BE3}"/>
+                  </a:ext>
+                </a:extLst>
+              </p:cNvPr>
+              <p:cNvPicPr>
+                <a:picLocks noChangeAspect="1" noChangeArrowheads="1"/>
+              </p:cNvPicPr>
+              <p:nvPr/>
+            </p:nvPicPr>
+            <p:blipFill>
+              <a:blip r:embed="rId5">
+                <a:extLst>
+                  <a:ext uri="{28A0092B-C50C-407E-A947-70E740481C1C}">
+                    <a14:useLocalDpi xmlns:a14="http://schemas.microsoft.com/office/drawing/2010/main" val="0"/>
+                  </a:ext>
+                </a:extLst>
+              </a:blip>
+              <a:srcRect/>
+              <a:stretch>
+                <a:fillRect/>
+              </a:stretch>
+            </p:blipFill>
+            <p:spPr bwMode="auto">
+              <a:xfrm>
+                <a:off x="10411872" y="2874126"/>
+                <a:ext cx="565012" cy="565012"/>
+              </a:xfrm>
+              <a:prstGeom prst="flowChartConnector">
+                <a:avLst/>
+              </a:prstGeom>
+              <a:noFill/>
+              <a:ln w="19050">
+                <a:solidFill>
+                  <a:schemeClr val="bg2">
+                    <a:lumMod val="10000"/>
+                  </a:schemeClr>
+                </a:solidFill>
+              </a:ln>
+              <a:effectLst>
+                <a:outerShdw blurRad="50800" dist="38100" dir="2700000" algn="tl" rotWithShape="0">
+                  <a:prstClr val="black">
+                    <a:alpha val="40000"/>
+                  </a:prstClr>
+                </a:outerShdw>
+              </a:effectLst>
+              <a:extLst>
+                <a:ext uri="{909E8E84-426E-40DD-AFC4-6F175D3DCCD1}">
+                  <a14:hiddenFill xmlns:a14="http://schemas.microsoft.com/office/drawing/2010/main">
+                    <a:solidFill>
+                      <a:srgbClr val="FFFFFF"/>
+                    </a:solidFill>
+                  </a14:hiddenFill>
+                </a:ext>
+              </a:extLst>
+            </p:spPr>
+          </p:pic>
+        </p:grpSp>
+        <p:sp>
+          <p:nvSpPr>
+            <p:cNvPr id="33" name="TextBox 32">
+              <a:extLst>
+                <a:ext uri="{FF2B5EF4-FFF2-40B4-BE49-F238E27FC236}">
+                  <a16:creationId xmlns:a16="http://schemas.microsoft.com/office/drawing/2014/main" id="{4C7EE61A-0E1F-F823-F612-AF78A3250F4F}"/>
+                </a:ext>
+              </a:extLst>
+            </p:cNvPr>
+            <p:cNvSpPr txBox="1"/>
+            <p:nvPr/>
+          </p:nvSpPr>
+          <p:spPr>
+            <a:xfrm>
+              <a:off x="4560834" y="3875264"/>
+              <a:ext cx="3776282" cy="307777"/>
+            </a:xfrm>
+            <a:prstGeom prst="rect">
+              <a:avLst/>
+            </a:prstGeom>
+            <a:noFill/>
+          </p:spPr>
+          <p:txBody>
+            <a:bodyPr wrap="square">
+              <a:spAutoFit/>
+            </a:bodyPr>
+            <a:lstStyle/>
+            <a:p>
+              <a:pPr algn="ctr">
+                <a:defRPr/>
+              </a:pPr>
+              <a:r>
+                <a:rPr lang="en-US" sz="1400" b="1" dirty="0">
+                  <a:latin typeface="Graphik"/>
+                  <a:ea typeface="Calibri"/>
+                  <a:cs typeface="Calibri"/>
+                </a:rPr>
+                <a:t>linkedin.com/in/kennycopas</a:t>
+              </a:r>
+            </a:p>
+          </p:txBody>
+        </p:sp>
+      </p:grpSp>
+      <p:grpSp>
+        <p:nvGrpSpPr>
+          <p:cNvPr id="36" name="Group 35">
+            <a:extLst>
+              <a:ext uri="{FF2B5EF4-FFF2-40B4-BE49-F238E27FC236}">
+                <a16:creationId xmlns:a16="http://schemas.microsoft.com/office/drawing/2014/main" id="{D732341D-6569-1B97-53D1-9A6A19F5E1B3}"/>
+              </a:ext>
+            </a:extLst>
+          </p:cNvPr>
+          <p:cNvGrpSpPr/>
+          <p:nvPr/>
+        </p:nvGrpSpPr>
+        <p:grpSpPr>
+          <a:xfrm>
+            <a:off x="8356901" y="1066566"/>
+            <a:ext cx="3213778" cy="2605854"/>
+            <a:chOff x="4651692" y="1070666"/>
+            <a:chExt cx="3594566" cy="2914613"/>
+          </a:xfrm>
+        </p:grpSpPr>
+        <p:grpSp>
+          <p:nvGrpSpPr>
+            <p:cNvPr id="30" name="Group 29">
+              <a:extLst>
+                <a:ext uri="{FF2B5EF4-FFF2-40B4-BE49-F238E27FC236}">
+                  <a16:creationId xmlns:a16="http://schemas.microsoft.com/office/drawing/2014/main" id="{CB07CE06-4683-17F0-BC6A-4EE71794A763}"/>
+                </a:ext>
+              </a:extLst>
+            </p:cNvPr>
+            <p:cNvGrpSpPr/>
+            <p:nvPr/>
+          </p:nvGrpSpPr>
+          <p:grpSpPr>
+            <a:xfrm>
+              <a:off x="5146456" y="1320509"/>
+              <a:ext cx="2687840" cy="2664770"/>
+              <a:chOff x="6892267" y="1524877"/>
+              <a:chExt cx="1943642" cy="1926961"/>
+            </a:xfrm>
+          </p:grpSpPr>
+          <p:pic>
+            <p:nvPicPr>
+              <p:cNvPr id="13" name="Picture 12" descr="A qr code with a few black squares&#10;&#10;AI-generated content may be incorrect.">
+                <a:extLst>
+                  <a:ext uri="{FF2B5EF4-FFF2-40B4-BE49-F238E27FC236}">
+                    <a16:creationId xmlns:a16="http://schemas.microsoft.com/office/drawing/2014/main" id="{63BD264B-F1EE-CD88-392C-04D4A5886CCA}"/>
+                  </a:ext>
+                </a:extLst>
+              </p:cNvPr>
+              <p:cNvPicPr>
+                <a:picLocks noChangeAspect="1"/>
+              </p:cNvPicPr>
+              <p:nvPr/>
+            </p:nvPicPr>
+            <p:blipFill>
+              <a:blip r:embed="rId6">
+                <a:extLst>
+                  <a:ext uri="{28A0092B-C50C-407E-A947-70E740481C1C}">
+                    <a14:useLocalDpi xmlns:a14="http://schemas.microsoft.com/office/drawing/2010/main" val="0"/>
+                  </a:ext>
+                </a:extLst>
+              </a:blip>
+              <a:stretch>
+                <a:fillRect/>
+              </a:stretch>
+            </p:blipFill>
+            <p:spPr>
+              <a:xfrm>
+                <a:off x="6892267" y="1524877"/>
+                <a:ext cx="1808122" cy="1808120"/>
+              </a:xfrm>
+              <a:prstGeom prst="rect">
+                <a:avLst/>
+              </a:prstGeom>
+            </p:spPr>
+          </p:pic>
+          <p:pic>
+            <p:nvPicPr>
+              <p:cNvPr id="1026" name="Picture 2" descr="GitHub Logos and Usage · GitHub">
+                <a:extLst>
+                  <a:ext uri="{FF2B5EF4-FFF2-40B4-BE49-F238E27FC236}">
+                    <a16:creationId xmlns:a16="http://schemas.microsoft.com/office/drawing/2014/main" id="{8A5A20EE-77E5-8292-A45C-0E1AFE3BB70A}"/>
+                  </a:ext>
+                </a:extLst>
+              </p:cNvPr>
+              <p:cNvPicPr>
+                <a:picLocks noChangeAspect="1" noChangeArrowheads="1"/>
+              </p:cNvPicPr>
+              <p:nvPr/>
+            </p:nvPicPr>
+            <p:blipFill rotWithShape="1">
+              <a:blip r:embed="rId7">
+                <a:extLst>
+                  <a:ext uri="{28A0092B-C50C-407E-A947-70E740481C1C}">
+                    <a14:useLocalDpi xmlns:a14="http://schemas.microsoft.com/office/drawing/2010/main" val="0"/>
+                  </a:ext>
+                </a:extLst>
+              </a:blip>
+              <a:srcRect l="12807" t="7066" r="12981" b="4981"/>
+              <a:stretch/>
+            </p:blipFill>
+            <p:spPr bwMode="auto">
+              <a:xfrm>
+                <a:off x="8259929" y="2874522"/>
+                <a:ext cx="575980" cy="577316"/>
+              </a:xfrm>
+              <a:prstGeom prst="flowChartConnector">
+                <a:avLst/>
+              </a:prstGeom>
+              <a:noFill/>
+              <a:ln w="19050">
+                <a:solidFill>
+                  <a:schemeClr val="bg2">
+                    <a:lumMod val="10000"/>
+                  </a:schemeClr>
+                </a:solidFill>
+              </a:ln>
+              <a:effectLst>
+                <a:outerShdw blurRad="50800" dist="38100" dir="2700000" algn="tl" rotWithShape="0">
+                  <a:prstClr val="black">
+                    <a:alpha val="40000"/>
+                  </a:prstClr>
+                </a:outerShdw>
+              </a:effectLst>
+              <a:extLst>
+                <a:ext uri="{909E8E84-426E-40DD-AFC4-6F175D3DCCD1}">
+                  <a14:hiddenFill xmlns:a14="http://schemas.microsoft.com/office/drawing/2010/main">
+                    <a:solidFill>
+                      <a:srgbClr val="FFFFFF"/>
+                    </a:solidFill>
+                  </a14:hiddenFill>
+                </a:ext>
+              </a:extLst>
+            </p:spPr>
+          </p:pic>
+        </p:grpSp>
+        <p:sp>
+          <p:nvSpPr>
+            <p:cNvPr id="35" name="TextBox 34">
+              <a:extLst>
+                <a:ext uri="{FF2B5EF4-FFF2-40B4-BE49-F238E27FC236}">
+                  <a16:creationId xmlns:a16="http://schemas.microsoft.com/office/drawing/2014/main" id="{5BF1239D-8266-931D-DCF9-C52B3C173856}"/>
+                </a:ext>
+              </a:extLst>
+            </p:cNvPr>
+            <p:cNvSpPr txBox="1"/>
+            <p:nvPr/>
+          </p:nvSpPr>
+          <p:spPr>
+            <a:xfrm>
+              <a:off x="4651692" y="1070666"/>
+              <a:ext cx="3594566" cy="304011"/>
+            </a:xfrm>
+            <a:prstGeom prst="rect">
+              <a:avLst/>
+            </a:prstGeom>
+            <a:noFill/>
+          </p:spPr>
+          <p:txBody>
+            <a:bodyPr wrap="square">
+              <a:spAutoFit/>
+            </a:bodyPr>
+            <a:lstStyle/>
+            <a:p>
+              <a:pPr algn="ctr"/>
+              <a:r>
+                <a:rPr lang="en-US" sz="1400" b="1" dirty="0">
+                  <a:latin typeface="Graphik" panose="020B0503030202060203" pitchFamily="34" charset="0"/>
+                </a:rPr>
+                <a:t>github.com/kencopas/Capstone</a:t>
+              </a:r>
+            </a:p>
+          </p:txBody>
+        </p:sp>
+      </p:grpSp>
+    </p:spTree>
+    <p:extLst>
+      <p:ext uri="{BB962C8B-B14F-4D97-AF65-F5344CB8AC3E}">
+        <p14:creationId xmlns:p14="http://schemas.microsoft.com/office/powerpoint/2010/main" val="204358488"/>
       </p:ext>
     </p:extLst>
   </p:cSld>
@@ -38185,26 +38476,4 @@
     </a:ext>
   </a:extLst>
 </a:theme>
-</file>
-
-<file path=ppt/webextensions/webextension1.xml><?xml version="1.0" encoding="utf-8"?>
-<we:webextension xmlns:we="http://schemas.microsoft.com/office/webextensions/webextension/2010/11" id="{F5818021-DA5E-4DA6-B7BD-5C6EB037C104}">
-  <we:reference id="wa200004798" version="1.0.1.0" store="en-US" storeType="OMEX"/>
-  <we:alternateReferences>
-    <we:reference id="wa200004798" version="1.0.1.0" store="wa200004798" storeType="OMEX"/>
-  </we:alternateReferences>
-  <we:properties>
-    <we:property name="embedForm" value="&quot;{\&quot;site\&quot;:\&quot;\&quot;,\&quot;domain\&quot;:\&quot;public.tableau.com\&quot;,\&quot;worksheet\&quot;:\&quot;CustomerDataDashboard\&quot;,\&quot;dashboard\&quot;:\&quot;CustomerDataDashboard_17484417707510\&quot;,\&quot;tabs\&quot;:true,\&quot;toolbar\&quot;:true}&quot;"/>
-    <we:property name="embedUrl" value="&quot;\&quot;https://public.tableau.com/views/CustomerDataDashboard_17484417707510/CustomerDataDashboard\&quot;&quot;"/>
-    <we:property name="filters" value="&quot;[]&quot;"/>
-    <we:property name="isInstalled" value="&quot;true&quot;"/>
-    <we:property name="marks" value="&quot;[]&quot;"/>
-    <we:property name="parameters" value="&quot;[]&quot;"/>
-    <we:property name="serverType" value="&quot;\&quot;public\&quot;&quot;"/>
-    <we:property name="tabs" value="&quot;null&quot;"/>
-    <we:property name="toolbar" value="&quot;null&quot;"/>
-  </we:properties>
-  <we:bindings/>
-  <we:snapshot xmlns:r="http://schemas.openxmlformats.org/officeDocument/2006/relationships" r:embed="rId1"/>
-</we:webextension>
 </file>
--- a/docs/Kenneth Copas - Capstone Presentation.pptx
+++ b/docs/Kenneth Copas - Capstone Presentation.pptx
@@ -157,7 +157,7 @@
 <file path=ppt/revisionInfo.xml><?xml version="1.0" encoding="utf-8"?>
 <p1510:revInfo xmlns:a="http://schemas.openxmlformats.org/drawingml/2006/main" xmlns:r="http://schemas.openxmlformats.org/officeDocument/2006/relationships" xmlns:p1510="http://schemas.microsoft.com/office/powerpoint/2015/10/main">
   <p1510:revLst>
-    <p1510:client id="{774A18C4-AB25-47E3-BB86-8143C4A91D91}" v="2662" dt="2025-06-02T14:11:36.260"/>
+    <p1510:client id="{C033EAB2-3B57-40FC-AFA2-E72F0E9566D5}" v="24" dt="2025-06-03T20:37:17.542"/>
   </p1510:revLst>
 </p1510:revInfo>
 </file>
@@ -659,70 +659,6 @@
           <pc:docMk/>
           <pc:sldMk cId="962527845" sldId="267"/>
         </pc:sldMkLst>
-        <pc:spChg chg="mod">
-          <ac:chgData name="Kenneth Copas" userId="acf87e8c-e0c4-48a9-850b-6aa06780f160" providerId="ADAL" clId="{774A18C4-AB25-47E3-BB86-8143C4A91D91}" dt="2025-05-30T13:19:51.217" v="5596" actId="20577"/>
-          <ac:spMkLst>
-            <pc:docMk/>
-            <pc:sldMk cId="962527845" sldId="267"/>
-            <ac:spMk id="2" creationId="{466DB94C-97D3-0B5E-1933-8206C00C7A1E}"/>
-          </ac:spMkLst>
-        </pc:spChg>
-        <pc:spChg chg="add del">
-          <ac:chgData name="Kenneth Copas" userId="acf87e8c-e0c4-48a9-850b-6aa06780f160" providerId="ADAL" clId="{774A18C4-AB25-47E3-BB86-8143C4A91D91}" dt="2025-05-30T13:04:54.628" v="5232"/>
-          <ac:spMkLst>
-            <pc:docMk/>
-            <pc:sldMk cId="962527845" sldId="267"/>
-            <ac:spMk id="27" creationId="{8C790BE2-4E4F-4AAF-81A2-4A6F4885EBE6}"/>
-          </ac:spMkLst>
-        </pc:spChg>
-        <pc:spChg chg="add del">
-          <ac:chgData name="Kenneth Copas" userId="acf87e8c-e0c4-48a9-850b-6aa06780f160" providerId="ADAL" clId="{774A18C4-AB25-47E3-BB86-8143C4A91D91}" dt="2025-05-30T13:04:54.628" v="5232"/>
-          <ac:spMkLst>
-            <pc:docMk/>
-            <pc:sldMk cId="962527845" sldId="267"/>
-            <ac:spMk id="29" creationId="{D28B54C3-B57B-472A-B96E-1FCB67093DC2}"/>
-          </ac:spMkLst>
-        </pc:spChg>
-        <pc:spChg chg="add del">
-          <ac:chgData name="Kenneth Copas" userId="acf87e8c-e0c4-48a9-850b-6aa06780f160" providerId="ADAL" clId="{774A18C4-AB25-47E3-BB86-8143C4A91D91}" dt="2025-05-30T13:04:54.628" v="5232"/>
-          <ac:spMkLst>
-            <pc:docMk/>
-            <pc:sldMk cId="962527845" sldId="267"/>
-            <ac:spMk id="31" creationId="{7DB3C429-F8DA-49B9-AF84-21996FCF78B5}"/>
-          </ac:spMkLst>
-        </pc:spChg>
-        <pc:spChg chg="add del">
-          <ac:chgData name="Kenneth Copas" userId="acf87e8c-e0c4-48a9-850b-6aa06780f160" providerId="ADAL" clId="{774A18C4-AB25-47E3-BB86-8143C4A91D91}" dt="2025-05-30T13:04:54.628" v="5232"/>
-          <ac:spMkLst>
-            <pc:docMk/>
-            <pc:sldMk cId="962527845" sldId="267"/>
-            <ac:spMk id="33" creationId="{E12088DD-B1AD-40E0-8B86-1D87A2CCD9BE}"/>
-          </ac:spMkLst>
-        </pc:spChg>
-        <pc:spChg chg="add del">
-          <ac:chgData name="Kenneth Copas" userId="acf87e8c-e0c4-48a9-850b-6aa06780f160" providerId="ADAL" clId="{774A18C4-AB25-47E3-BB86-8143C4A91D91}" dt="2025-05-30T13:04:54.628" v="5232"/>
-          <ac:spMkLst>
-            <pc:docMk/>
-            <pc:sldMk cId="962527845" sldId="267"/>
-            <ac:spMk id="35" creationId="{C4C9F2B0-1044-46EB-8AEB-C3BFFDE6C2CC}"/>
-          </ac:spMkLst>
-        </pc:spChg>
-        <pc:spChg chg="add del">
-          <ac:chgData name="Kenneth Copas" userId="acf87e8c-e0c4-48a9-850b-6aa06780f160" providerId="ADAL" clId="{774A18C4-AB25-47E3-BB86-8143C4A91D91}" dt="2025-05-30T13:04:54.628" v="5232"/>
-          <ac:spMkLst>
-            <pc:docMk/>
-            <pc:sldMk cId="962527845" sldId="267"/>
-            <ac:spMk id="37" creationId="{0C395952-4E26-45A2-8756-2ADFD6E53C6E}"/>
-          </ac:spMkLst>
-        </pc:spChg>
-        <pc:spChg chg="add del">
-          <ac:chgData name="Kenneth Copas" userId="acf87e8c-e0c4-48a9-850b-6aa06780f160" providerId="ADAL" clId="{774A18C4-AB25-47E3-BB86-8143C4A91D91}" dt="2025-05-30T13:04:54.628" v="5232"/>
-          <ac:spMkLst>
-            <pc:docMk/>
-            <pc:sldMk cId="962527845" sldId="267"/>
-            <ac:spMk id="39" creationId="{4734BADF-9461-4621-B112-2D7BABEA7DD0}"/>
-          </ac:spMkLst>
-        </pc:spChg>
       </pc:sldChg>
       <pc:sldChg chg="addSp delSp modSp del mod">
         <pc:chgData name="Kenneth Copas" userId="acf87e8c-e0c4-48a9-850b-6aa06780f160" providerId="ADAL" clId="{774A18C4-AB25-47E3-BB86-8143C4A91D91}" dt="2025-05-27T19:24:19.487" v="1879" actId="47"/>
@@ -1159,54 +1095,6 @@
           <pc:docMk/>
           <pc:sldMk cId="1850807906" sldId="282"/>
         </pc:sldMkLst>
-        <pc:spChg chg="mod">
-          <ac:chgData name="Kenneth Copas" userId="acf87e8c-e0c4-48a9-850b-6aa06780f160" providerId="ADAL" clId="{774A18C4-AB25-47E3-BB86-8143C4A91D91}" dt="2025-05-28T18:19:45.391" v="4991" actId="20577"/>
-          <ac:spMkLst>
-            <pc:docMk/>
-            <pc:sldMk cId="1850807906" sldId="282"/>
-            <ac:spMk id="2" creationId="{CA73079B-625C-7E78-6901-4FDDE4AEFF10}"/>
-          </ac:spMkLst>
-        </pc:spChg>
-        <pc:spChg chg="add del">
-          <ac:chgData name="Kenneth Copas" userId="acf87e8c-e0c4-48a9-850b-6aa06780f160" providerId="ADAL" clId="{774A18C4-AB25-47E3-BB86-8143C4A91D91}" dt="2025-05-30T13:04:54.628" v="5232"/>
-          <ac:spMkLst>
-            <pc:docMk/>
-            <pc:sldMk cId="1850807906" sldId="282"/>
-            <ac:spMk id="62" creationId="{FB028B4B-EF20-F3AD-462F-7E97A7A0678E}"/>
-          </ac:spMkLst>
-        </pc:spChg>
-        <pc:spChg chg="add del">
-          <ac:chgData name="Kenneth Copas" userId="acf87e8c-e0c4-48a9-850b-6aa06780f160" providerId="ADAL" clId="{774A18C4-AB25-47E3-BB86-8143C4A91D91}" dt="2025-05-30T13:04:54.628" v="5232"/>
-          <ac:spMkLst>
-            <pc:docMk/>
-            <pc:sldMk cId="1850807906" sldId="282"/>
-            <ac:spMk id="63" creationId="{027C87D5-C9EE-AFA4-FACA-179A899DDB0D}"/>
-          </ac:spMkLst>
-        </pc:spChg>
-        <pc:spChg chg="add del">
-          <ac:chgData name="Kenneth Copas" userId="acf87e8c-e0c4-48a9-850b-6aa06780f160" providerId="ADAL" clId="{774A18C4-AB25-47E3-BB86-8143C4A91D91}" dt="2025-05-30T13:04:54.628" v="5232"/>
-          <ac:spMkLst>
-            <pc:docMk/>
-            <pc:sldMk cId="1850807906" sldId="282"/>
-            <ac:spMk id="64" creationId="{5616B5AF-DA75-6380-7636-07E61A5AC012}"/>
-          </ac:spMkLst>
-        </pc:spChg>
-        <pc:spChg chg="add del">
-          <ac:chgData name="Kenneth Copas" userId="acf87e8c-e0c4-48a9-850b-6aa06780f160" providerId="ADAL" clId="{774A18C4-AB25-47E3-BB86-8143C4A91D91}" dt="2025-05-30T13:04:54.628" v="5232"/>
-          <ac:spMkLst>
-            <pc:docMk/>
-            <pc:sldMk cId="1850807906" sldId="282"/>
-            <ac:spMk id="65" creationId="{417E9366-B0B3-8614-FD95-DC0BA7B73B59}"/>
-          </ac:spMkLst>
-        </pc:spChg>
-        <pc:graphicFrameChg chg="add del mod">
-          <ac:chgData name="Kenneth Copas" userId="acf87e8c-e0c4-48a9-850b-6aa06780f160" providerId="ADAL" clId="{774A18C4-AB25-47E3-BB86-8143C4A91D91}" dt="2025-05-28T18:19:40.606" v="4970" actId="1076"/>
-          <ac:graphicFrameMkLst>
-            <pc:docMk/>
-            <pc:sldMk cId="1850807906" sldId="282"/>
-            <ac:graphicFrameMk id="4" creationId="{A3AE5D51-3C2F-A548-7A93-831C25F34FF1}"/>
-          </ac:graphicFrameMkLst>
-        </pc:graphicFrameChg>
       </pc:sldChg>
       <pc:sldChg chg="addSp delSp modSp add mod ord delDesignElem">
         <pc:chgData name="Kenneth Copas" userId="acf87e8c-e0c4-48a9-850b-6aa06780f160" providerId="ADAL" clId="{774A18C4-AB25-47E3-BB86-8143C4A91D91}" dt="2025-05-30T13:04:54.628" v="5232"/>
@@ -2144,6 +2032,149 @@
           <pc:docMk/>
           <pc:sldMk cId="2403396084" sldId="2147471755"/>
         </pc:sldMkLst>
+      </pc:sldChg>
+    </pc:docChg>
+  </pc:docChgLst>
+  <pc:docChgLst>
+    <pc:chgData name="Kenneth Copas" userId="acf87e8c-e0c4-48a9-850b-6aa06780f160" providerId="ADAL" clId="{C033EAB2-3B57-40FC-AFA2-E72F0E9566D5}"/>
+    <pc:docChg chg="undo custSel modSld">
+      <pc:chgData name="Kenneth Copas" userId="acf87e8c-e0c4-48a9-850b-6aa06780f160" providerId="ADAL" clId="{C033EAB2-3B57-40FC-AFA2-E72F0E9566D5}" dt="2025-06-03T20:38:42.769" v="164"/>
+      <pc:docMkLst>
+        <pc:docMk/>
+      </pc:docMkLst>
+      <pc:sldChg chg="modNotesTx">
+        <pc:chgData name="Kenneth Copas" userId="acf87e8c-e0c4-48a9-850b-6aa06780f160" providerId="ADAL" clId="{C033EAB2-3B57-40FC-AFA2-E72F0E9566D5}" dt="2025-06-03T20:38:42.769" v="164"/>
+        <pc:sldMkLst>
+          <pc:docMk/>
+          <pc:sldMk cId="1102396629" sldId="283"/>
+        </pc:sldMkLst>
+      </pc:sldChg>
+      <pc:sldChg chg="addSp delSp modSp mod">
+        <pc:chgData name="Kenneth Copas" userId="acf87e8c-e0c4-48a9-850b-6aa06780f160" providerId="ADAL" clId="{C033EAB2-3B57-40FC-AFA2-E72F0E9566D5}" dt="2025-06-03T20:37:51.725" v="138" actId="114"/>
+        <pc:sldMkLst>
+          <pc:docMk/>
+          <pc:sldMk cId="204358488" sldId="293"/>
+        </pc:sldMkLst>
+        <pc:spChg chg="mod">
+          <ac:chgData name="Kenneth Copas" userId="acf87e8c-e0c4-48a9-850b-6aa06780f160" providerId="ADAL" clId="{C033EAB2-3B57-40FC-AFA2-E72F0E9566D5}" dt="2025-06-03T20:36:38.520" v="133" actId="14861"/>
+          <ac:spMkLst>
+            <pc:docMk/>
+            <pc:sldMk cId="204358488" sldId="293"/>
+            <ac:spMk id="2" creationId="{635360F9-5A89-B78D-74B2-CD2ABE5702B8}"/>
+          </ac:spMkLst>
+        </pc:spChg>
+        <pc:spChg chg="mod">
+          <ac:chgData name="Kenneth Copas" userId="acf87e8c-e0c4-48a9-850b-6aa06780f160" providerId="ADAL" clId="{C033EAB2-3B57-40FC-AFA2-E72F0E9566D5}" dt="2025-06-03T20:37:51.725" v="138" actId="114"/>
+          <ac:spMkLst>
+            <pc:docMk/>
+            <pc:sldMk cId="204358488" sldId="293"/>
+            <ac:spMk id="6" creationId="{16A5E477-5AC0-E330-5900-07ED49CA3D06}"/>
+          </ac:spMkLst>
+        </pc:spChg>
+        <pc:spChg chg="add del mod">
+          <ac:chgData name="Kenneth Copas" userId="acf87e8c-e0c4-48a9-850b-6aa06780f160" providerId="ADAL" clId="{C033EAB2-3B57-40FC-AFA2-E72F0E9566D5}" dt="2025-06-03T20:35:50.456" v="124" actId="478"/>
+          <ac:spMkLst>
+            <pc:docMk/>
+            <pc:sldMk cId="204358488" sldId="293"/>
+            <ac:spMk id="9" creationId="{B5932152-24CF-28E0-DA88-8764B4502E62}"/>
+          </ac:spMkLst>
+        </pc:spChg>
+        <pc:spChg chg="mod">
+          <ac:chgData name="Kenneth Copas" userId="acf87e8c-e0c4-48a9-850b-6aa06780f160" providerId="ADAL" clId="{C033EAB2-3B57-40FC-AFA2-E72F0E9566D5}" dt="2025-06-03T20:36:04" v="130" actId="1036"/>
+          <ac:spMkLst>
+            <pc:docMk/>
+            <pc:sldMk cId="204358488" sldId="293"/>
+            <ac:spMk id="33" creationId="{4C7EE61A-0E1F-F823-F612-AF78A3250F4F}"/>
+          </ac:spMkLst>
+        </pc:spChg>
+        <pc:spChg chg="mod">
+          <ac:chgData name="Kenneth Copas" userId="acf87e8c-e0c4-48a9-850b-6aa06780f160" providerId="ADAL" clId="{C033EAB2-3B57-40FC-AFA2-E72F0E9566D5}" dt="2025-06-03T20:36:04" v="130" actId="1036"/>
+          <ac:spMkLst>
+            <pc:docMk/>
+            <pc:sldMk cId="204358488" sldId="293"/>
+            <ac:spMk id="35" creationId="{5BF1239D-8266-931D-DCF9-C52B3C173856}"/>
+          </ac:spMkLst>
+        </pc:spChg>
+        <pc:grpChg chg="add del mod">
+          <ac:chgData name="Kenneth Copas" userId="acf87e8c-e0c4-48a9-850b-6aa06780f160" providerId="ADAL" clId="{C033EAB2-3B57-40FC-AFA2-E72F0E9566D5}" dt="2025-06-03T20:36:04" v="130" actId="1036"/>
+          <ac:grpSpMkLst>
+            <pc:docMk/>
+            <pc:sldMk cId="204358488" sldId="293"/>
+            <ac:grpSpMk id="30" creationId="{CB07CE06-4683-17F0-BC6A-4EE71794A763}"/>
+          </ac:grpSpMkLst>
+        </pc:grpChg>
+        <pc:grpChg chg="mod">
+          <ac:chgData name="Kenneth Copas" userId="acf87e8c-e0c4-48a9-850b-6aa06780f160" providerId="ADAL" clId="{C033EAB2-3B57-40FC-AFA2-E72F0E9566D5}" dt="2025-06-03T20:36:04" v="130" actId="1036"/>
+          <ac:grpSpMkLst>
+            <pc:docMk/>
+            <pc:sldMk cId="204358488" sldId="293"/>
+            <ac:grpSpMk id="31" creationId="{99DC67EB-EEE2-2510-7FFB-E91212BBAD08}"/>
+          </ac:grpSpMkLst>
+        </pc:grpChg>
+        <pc:grpChg chg="mod">
+          <ac:chgData name="Kenneth Copas" userId="acf87e8c-e0c4-48a9-850b-6aa06780f160" providerId="ADAL" clId="{C033EAB2-3B57-40FC-AFA2-E72F0E9566D5}" dt="2025-06-03T20:36:04" v="130" actId="1036"/>
+          <ac:grpSpMkLst>
+            <pc:docMk/>
+            <pc:sldMk cId="204358488" sldId="293"/>
+            <ac:grpSpMk id="36" creationId="{D732341D-6569-1B97-53D1-9A6A19F5E1B3}"/>
+          </ac:grpSpMkLst>
+        </pc:grpChg>
+        <pc:grpChg chg="mod">
+          <ac:chgData name="Kenneth Copas" userId="acf87e8c-e0c4-48a9-850b-6aa06780f160" providerId="ADAL" clId="{C033EAB2-3B57-40FC-AFA2-E72F0E9566D5}" dt="2025-06-03T20:36:04" v="130" actId="1036"/>
+          <ac:grpSpMkLst>
+            <pc:docMk/>
+            <pc:sldMk cId="204358488" sldId="293"/>
+            <ac:grpSpMk id="37" creationId="{4FA913BA-EF93-1DB3-96B2-D5D033300339}"/>
+          </ac:grpSpMkLst>
+        </pc:grpChg>
+        <pc:picChg chg="add del mod">
+          <ac:chgData name="Kenneth Copas" userId="acf87e8c-e0c4-48a9-850b-6aa06780f160" providerId="ADAL" clId="{C033EAB2-3B57-40FC-AFA2-E72F0E9566D5}" dt="2025-06-03T20:36:04" v="130" actId="1036"/>
+          <ac:picMkLst>
+            <pc:docMk/>
+            <pc:sldMk cId="204358488" sldId="293"/>
+            <ac:picMk id="13" creationId="{63BD264B-F1EE-CD88-392C-04D4A5886CCA}"/>
+          </ac:picMkLst>
+        </pc:picChg>
+        <pc:picChg chg="mod">
+          <ac:chgData name="Kenneth Copas" userId="acf87e8c-e0c4-48a9-850b-6aa06780f160" providerId="ADAL" clId="{C033EAB2-3B57-40FC-AFA2-E72F0E9566D5}" dt="2025-06-03T20:36:04" v="130" actId="1036"/>
+          <ac:picMkLst>
+            <pc:docMk/>
+            <pc:sldMk cId="204358488" sldId="293"/>
+            <ac:picMk id="26" creationId="{E49FD8E9-A379-EC58-54A4-283C20313E13}"/>
+          </ac:picMkLst>
+        </pc:picChg>
+        <pc:picChg chg="mod">
+          <ac:chgData name="Kenneth Copas" userId="acf87e8c-e0c4-48a9-850b-6aa06780f160" providerId="ADAL" clId="{C033EAB2-3B57-40FC-AFA2-E72F0E9566D5}" dt="2025-06-03T20:36:04" v="130" actId="1036"/>
+          <ac:picMkLst>
+            <pc:docMk/>
+            <pc:sldMk cId="204358488" sldId="293"/>
+            <ac:picMk id="1026" creationId="{8A5A20EE-77E5-8292-A45C-0E1AFE3BB70A}"/>
+          </ac:picMkLst>
+        </pc:picChg>
+        <pc:picChg chg="mod">
+          <ac:chgData name="Kenneth Copas" userId="acf87e8c-e0c4-48a9-850b-6aa06780f160" providerId="ADAL" clId="{C033EAB2-3B57-40FC-AFA2-E72F0E9566D5}" dt="2025-06-03T20:36:04" v="130" actId="1036"/>
+          <ac:picMkLst>
+            <pc:docMk/>
+            <pc:sldMk cId="204358488" sldId="293"/>
+            <ac:picMk id="1064" creationId="{18D658CC-733E-A833-7A8B-C47C04D67BE3}"/>
+          </ac:picMkLst>
+        </pc:picChg>
+        <pc:cxnChg chg="add del mod">
+          <ac:chgData name="Kenneth Copas" userId="acf87e8c-e0c4-48a9-850b-6aa06780f160" providerId="ADAL" clId="{C033EAB2-3B57-40FC-AFA2-E72F0E9566D5}" dt="2025-06-03T20:15:54.837" v="31" actId="478"/>
+          <ac:cxnSpMkLst>
+            <pc:docMk/>
+            <pc:sldMk cId="204358488" sldId="293"/>
+            <ac:cxnSpMk id="5" creationId="{0A0FECB1-5D4B-F75C-8E8A-6924A1226F2F}"/>
+          </ac:cxnSpMkLst>
+        </pc:cxnChg>
+        <pc:cxnChg chg="add del mod">
+          <ac:chgData name="Kenneth Copas" userId="acf87e8c-e0c4-48a9-850b-6aa06780f160" providerId="ADAL" clId="{C033EAB2-3B57-40FC-AFA2-E72F0E9566D5}" dt="2025-06-03T20:15:55.418" v="32" actId="478"/>
+          <ac:cxnSpMkLst>
+            <pc:docMk/>
+            <pc:sldMk cId="204358488" sldId="293"/>
+            <ac:cxnSpMk id="7" creationId="{7364B0CA-2679-3DA2-962E-C742382C0A08}"/>
+          </ac:cxnSpMkLst>
+        </pc:cxnChg>
       </pc:sldChg>
     </pc:docChg>
   </pc:docChgLst>
@@ -16199,6 +16230,93 @@
 </file>
 
 <file path=ppt/notesSlides/notesSlide6.xml><?xml version="1.0" encoding="utf-8"?>
+<p:notes xmlns:a="http://schemas.openxmlformats.org/drawingml/2006/main" xmlns:r="http://schemas.openxmlformats.org/officeDocument/2006/relationships" xmlns:p="http://schemas.openxmlformats.org/presentationml/2006/main">
+  <p:cSld>
+    <p:spTree>
+      <p:nvGrpSpPr>
+        <p:cNvPr id="1" name=""/>
+        <p:cNvGrpSpPr/>
+        <p:nvPr/>
+      </p:nvGrpSpPr>
+      <p:grpSpPr>
+        <a:xfrm>
+          <a:off x="0" y="0"/>
+          <a:ext cx="0" cy="0"/>
+          <a:chOff x="0" y="0"/>
+          <a:chExt cx="0" cy="0"/>
+        </a:xfrm>
+      </p:grpSpPr>
+      <p:sp>
+        <p:nvSpPr>
+          <p:cNvPr id="2" name="Slide Image Placeholder 1"/>
+          <p:cNvSpPr>
+            <a:spLocks noGrp="1" noRot="1" noChangeAspect="1"/>
+          </p:cNvSpPr>
+          <p:nvPr>
+            <p:ph type="sldImg"/>
+          </p:nvPr>
+        </p:nvSpPr>
+        <p:spPr/>
+      </p:sp>
+      <p:sp>
+        <p:nvSpPr>
+          <p:cNvPr id="3" name="Notes Placeholder 2"/>
+          <p:cNvSpPr>
+            <a:spLocks noGrp="1"/>
+          </p:cNvSpPr>
+          <p:nvPr>
+            <p:ph type="body" idx="1"/>
+          </p:nvPr>
+        </p:nvSpPr>
+        <p:spPr/>
+        <p:txBody>
+          <a:bodyPr/>
+          <a:lstStyle/>
+          <a:p>
+            <a:r>
+              <a:rPr lang="en-US" dirty="0"/>
+              <a:t>Tableau Public Viz Link: https://public.tableau.com/views/CustomerDataDashboard_17484417707510/CustomerDataDashboard?:language=en-US&amp;:sid=&amp;:redirect=auth&amp;:display_count=n&amp;:origin=viz_share_link</a:t>
+            </a:r>
+          </a:p>
+        </p:txBody>
+      </p:sp>
+      <p:sp>
+        <p:nvSpPr>
+          <p:cNvPr id="4" name="Slide Number Placeholder 3"/>
+          <p:cNvSpPr>
+            <a:spLocks noGrp="1"/>
+          </p:cNvSpPr>
+          <p:nvPr>
+            <p:ph type="sldNum" sz="quarter" idx="5"/>
+          </p:nvPr>
+        </p:nvSpPr>
+        <p:spPr/>
+        <p:txBody>
+          <a:bodyPr/>
+          <a:lstStyle/>
+          <a:p>
+            <a:fld id="{4B18A450-44F2-44CF-978D-128E91F9EBE0}" type="slidenum">
+              <a:rPr lang="en-US" smtClean="0"/>
+              <a:t>15</a:t>
+            </a:fld>
+            <a:endParaRPr lang="en-US"/>
+          </a:p>
+        </p:txBody>
+      </p:sp>
+    </p:spTree>
+    <p:extLst>
+      <p:ext uri="{BB962C8B-B14F-4D97-AF65-F5344CB8AC3E}">
+        <p14:creationId xmlns:p14="http://schemas.microsoft.com/office/powerpoint/2010/main" val="1552691088"/>
+      </p:ext>
+    </p:extLst>
+  </p:cSld>
+  <p:clrMapOvr>
+    <a:masterClrMapping/>
+  </p:clrMapOvr>
+</p:notes>
+</file>
+
+<file path=ppt/notesSlides/notesSlide7.xml><?xml version="1.0" encoding="utf-8"?>
 <p:notes xmlns:a="http://schemas.openxmlformats.org/drawingml/2006/main" xmlns:r="http://schemas.openxmlformats.org/officeDocument/2006/relationships" xmlns:p="http://schemas.openxmlformats.org/presentationml/2006/main">
   <p:cSld>
     <p:spTree>
@@ -28565,7 +28683,7 @@
           <p:nvPr/>
         </p:nvPicPr>
         <p:blipFill>
-          <a:blip r:embed="rId2">
+          <a:blip r:embed="rId3">
             <a:extLst>
               <a:ext uri="{28A0092B-C50C-407E-A947-70E740481C1C}">
                 <a14:useLocalDpi xmlns:a14="http://schemas.microsoft.com/office/drawing/2010/main" val="0"/>
@@ -29267,18 +29385,44 @@
         <p:spPr>
           <a:xfrm flipH="1">
             <a:off x="500180" y="3440738"/>
-            <a:ext cx="3037453" cy="1815882"/>
+            <a:ext cx="3037453" cy="2431435"/>
           </a:xfrm>
           <a:prstGeom prst="rect">
             <a:avLst/>
           </a:prstGeom>
           <a:noFill/>
+          <a:ln>
+            <a:noFill/>
+          </a:ln>
+          <a:effectLst/>
+          <a:scene3d>
+            <a:camera prst="orthographicFront">
+              <a:rot lat="0" lon="0" rev="0"/>
+            </a:camera>
+            <a:lightRig rig="chilly" dir="t">
+              <a:rot lat="0" lon="0" rev="18480000"/>
+            </a:lightRig>
+          </a:scene3d>
+          <a:sp3d prstMaterial="clear">
+            <a:bevelT h="63500"/>
+          </a:sp3d>
         </p:spPr>
         <p:txBody>
           <a:bodyPr wrap="square" lIns="91440" tIns="45720" rIns="91440" bIns="45720" rtlCol="0" anchor="t">
             <a:spAutoFit/>
           </a:bodyPr>
           <a:lstStyle/>
+          <a:p>
+            <a:pPr algn="ctr">
+              <a:defRPr/>
+            </a:pPr>
+            <a:endParaRPr lang="en-US" sz="2400" b="1" dirty="0">
+              <a:solidFill>
+                <a:srgbClr val="FFFFFF"/>
+              </a:solidFill>
+              <a:latin typeface="Graphik"/>
+            </a:endParaRPr>
+          </a:p>
           <a:p>
             <a:pPr algn="ctr">
               <a:defRPr/>
@@ -29392,7 +29536,7 @@
               <a:defRPr/>
             </a:pPr>
             <a:r>
-              <a:rPr kumimoji="0" lang="en-US" sz="1600" b="0" i="0" u="none" strike="noStrike" kern="1200" cap="none" spc="0" normalizeH="0" baseline="0" noProof="0" dirty="0">
+              <a:rPr kumimoji="0" lang="en-US" sz="1600" b="0" u="none" strike="noStrike" kern="1200" cap="none" spc="0" normalizeH="0" baseline="0" noProof="0" dirty="0">
                 <a:ln>
                   <a:noFill/>
                 </a:ln>
@@ -29436,6 +29580,25 @@
               </a:rPr>
               <a:t>Tampa, FL</a:t>
             </a:r>
+          </a:p>
+          <a:p>
+            <a:pPr marL="0" marR="0" lvl="0" indent="0" algn="ctr" defTabSz="914400" rtl="0" eaLnBrk="1" fontAlgn="auto" latinLnBrk="0" hangingPunct="1">
+              <a:lnSpc>
+                <a:spcPct val="100000"/>
+              </a:lnSpc>
+              <a:spcBef>
+                <a:spcPts val="0"/>
+              </a:spcBef>
+              <a:spcAft>
+                <a:spcPts val="0"/>
+              </a:spcAft>
+              <a:buClrTx/>
+              <a:buSzTx/>
+              <a:buFontTx/>
+              <a:buNone/>
+              <a:tabLst/>
+              <a:defRPr/>
+            </a:pPr>
             <a:endParaRPr kumimoji="0" lang="en-US" sz="1600" b="0" i="0" u="none" strike="noStrike" kern="1200" cap="none" spc="0" normalizeH="0" baseline="0" noProof="0" dirty="0">
               <a:ln>
                 <a:noFill/>
@@ -29506,9 +29669,30 @@
         </p:nvSpPr>
         <p:spPr>
           <a:xfrm>
-            <a:off x="5329378" y="318949"/>
+            <a:off x="5370161" y="131919"/>
             <a:ext cx="5568013" cy="682611"/>
           </a:xfrm>
+          <a:ln>
+            <a:noFill/>
+          </a:ln>
+          <a:effectLst>
+            <a:outerShdw blurRad="50800" dist="38100" dir="2700000" algn="tl" rotWithShape="0">
+              <a:prstClr val="black">
+                <a:alpha val="40000"/>
+              </a:prstClr>
+            </a:outerShdw>
+          </a:effectLst>
+          <a:scene3d>
+            <a:camera prst="orthographicFront">
+              <a:rot lat="0" lon="0" rev="0"/>
+            </a:camera>
+            <a:lightRig rig="glow" dir="t">
+              <a:rot lat="0" lon="0" rev="4800000"/>
+            </a:lightRig>
+          </a:scene3d>
+          <a:sp3d prstMaterial="matte">
+            <a:bevelT w="127000" h="63500"/>
+          </a:sp3d>
         </p:spPr>
         <p:txBody>
           <a:bodyPr>
@@ -29548,10 +29732,10 @@
         </p:nvGrpSpPr>
         <p:grpSpPr>
           <a:xfrm>
-            <a:off x="8235760" y="3949691"/>
-            <a:ext cx="3456060" cy="2685976"/>
-            <a:chOff x="4560834" y="3875264"/>
-            <a:chExt cx="3776282" cy="2934846"/>
+            <a:off x="8188993" y="3866199"/>
+            <a:ext cx="3456060" cy="2813099"/>
+            <a:chOff x="4560831" y="3751780"/>
+            <a:chExt cx="3776282" cy="3073748"/>
           </a:xfrm>
         </p:grpSpPr>
         <p:grpSp>
@@ -29568,10 +29752,10 @@
           </p:nvGrpSpPr>
           <p:grpSpPr>
             <a:xfrm>
-              <a:off x="5249678" y="4264872"/>
-              <a:ext cx="2584618" cy="2545238"/>
-              <a:chOff x="9107884" y="1598613"/>
-              <a:chExt cx="1869000" cy="1840525"/>
+              <a:off x="5281496" y="4271973"/>
+              <a:ext cx="2578730" cy="2553555"/>
+              <a:chOff x="9130892" y="1603748"/>
+              <a:chExt cx="1864742" cy="1846540"/>
             </a:xfrm>
           </p:grpSpPr>
           <p:pic>
@@ -29602,12 +29786,35 @@
             </p:blipFill>
             <p:spPr>
               <a:xfrm>
-                <a:off x="9107884" y="1598613"/>
-                <a:ext cx="1666875" cy="1659857"/>
+                <a:off x="9130892" y="1603748"/>
+                <a:ext cx="1688460" cy="1681346"/>
               </a:xfrm>
               <a:prstGeom prst="rect">
                 <a:avLst/>
               </a:prstGeom>
+              <a:ln w="76200">
+                <a:solidFill>
+                  <a:schemeClr val="bg1"/>
+                </a:solidFill>
+              </a:ln>
+              <a:effectLst>
+                <a:outerShdw blurRad="190500" dist="228600" dir="2700000" algn="ctr">
+                  <a:srgbClr val="000000">
+                    <a:alpha val="30000"/>
+                  </a:srgbClr>
+                </a:outerShdw>
+              </a:effectLst>
+              <a:scene3d>
+                <a:camera prst="orthographicFront">
+                  <a:rot lat="0" lon="0" rev="0"/>
+                </a:camera>
+                <a:lightRig rig="glow" dir="t">
+                  <a:rot lat="0" lon="0" rev="4800000"/>
+                </a:lightRig>
+              </a:scene3d>
+              <a:sp3d prstMaterial="matte">
+                <a:bevelT w="127000" h="63500"/>
+              </a:sp3d>
             </p:spPr>
           </p:pic>
           <p:pic>
@@ -29639,7 +29846,7 @@
             </p:blipFill>
             <p:spPr bwMode="auto">
               <a:xfrm>
-                <a:off x="10411872" y="2874126"/>
+                <a:off x="10430622" y="2885276"/>
                 <a:ext cx="565012" cy="565012"/>
               </a:xfrm>
               <a:prstGeom prst="flowChartConnector">
@@ -29686,7 +29893,7 @@
           </p:nvSpPr>
           <p:spPr>
             <a:xfrm>
-              <a:off x="4560834" y="3875264"/>
+              <a:off x="4560831" y="3751780"/>
               <a:ext cx="3776282" cy="307777"/>
             </a:xfrm>
             <a:prstGeom prst="rect">
@@ -29729,10 +29936,10 @@
         </p:nvGrpSpPr>
         <p:grpSpPr>
           <a:xfrm>
-            <a:off x="8356901" y="1066566"/>
-            <a:ext cx="3213778" cy="2605854"/>
-            <a:chOff x="4651692" y="1070666"/>
-            <a:chExt cx="3594566" cy="2914613"/>
+            <a:off x="8310134" y="931400"/>
+            <a:ext cx="3213778" cy="2777597"/>
+            <a:chOff x="4599384" y="878574"/>
+            <a:chExt cx="3594566" cy="3106705"/>
           </a:xfrm>
         </p:grpSpPr>
         <p:grpSp>
@@ -29789,6 +29996,27 @@
               <a:prstGeom prst="rect">
                 <a:avLst/>
               </a:prstGeom>
+              <a:ln>
+                <a:noFill/>
+              </a:ln>
+              <a:effectLst>
+                <a:outerShdw blurRad="190500" dist="228600" dir="2700000" algn="ctr">
+                  <a:srgbClr val="000000">
+                    <a:alpha val="30000"/>
+                  </a:srgbClr>
+                </a:outerShdw>
+              </a:effectLst>
+              <a:scene3d>
+                <a:camera prst="orthographicFront">
+                  <a:rot lat="0" lon="0" rev="0"/>
+                </a:camera>
+                <a:lightRig rig="glow" dir="t">
+                  <a:rot lat="0" lon="0" rev="4800000"/>
+                </a:lightRig>
+              </a:scene3d>
+              <a:sp3d prstMaterial="matte">
+                <a:bevelT w="127000" h="63500"/>
+              </a:sp3d>
             </p:spPr>
           </p:pic>
           <p:pic>
@@ -29865,8 +30093,8 @@
           </p:nvSpPr>
           <p:spPr>
             <a:xfrm>
-              <a:off x="4651692" y="1070666"/>
-              <a:ext cx="3594566" cy="304011"/>
+              <a:off x="4599384" y="878574"/>
+              <a:ext cx="3594566" cy="344244"/>
             </a:xfrm>
             <a:prstGeom prst="rect">
               <a:avLst/>

--- a/docs/Kenneth Copas - Capstone Presentation.pptx
+++ b/docs/Kenneth Copas - Capstone Presentation.pptx
@@ -155,7 +155,7 @@
 <file path=ppt/revisionInfo.xml><?xml version="1.0" encoding="utf-8"?>
 <p1510:revInfo xmlns:a="http://schemas.openxmlformats.org/drawingml/2006/main" xmlns:r="http://schemas.openxmlformats.org/officeDocument/2006/relationships" xmlns:p1510="http://schemas.microsoft.com/office/powerpoint/2015/10/main">
   <p1510:revLst>
-    <p1510:client id="{C033EAB2-3B57-40FC-AFA2-E72F0E9566D5}" v="446" dt="2025-06-04T18:24:10.032"/>
+    <p1510:client id="{C033EAB2-3B57-40FC-AFA2-E72F0E9566D5}" v="469" dt="2025-06-05T17:27:49.202"/>
   </p1510:revLst>
 </p1510:revInfo>
 </file>
@@ -1548,18 +1548,18 @@
   <pc:docChgLst>
     <pc:chgData name="Kenneth Copas" userId="acf87e8c-e0c4-48a9-850b-6aa06780f160" providerId="ADAL" clId="{C033EAB2-3B57-40FC-AFA2-E72F0E9566D5}"/>
     <pc:docChg chg="undo custSel delSld modSld sldOrd modSection">
-      <pc:chgData name="Kenneth Copas" userId="acf87e8c-e0c4-48a9-850b-6aa06780f160" providerId="ADAL" clId="{C033EAB2-3B57-40FC-AFA2-E72F0E9566D5}" dt="2025-06-04T18:24:10.032" v="3247" actId="20577"/>
+      <pc:chgData name="Kenneth Copas" userId="acf87e8c-e0c4-48a9-850b-6aa06780f160" providerId="ADAL" clId="{C033EAB2-3B57-40FC-AFA2-E72F0E9566D5}" dt="2025-06-05T18:10:25.794" v="4246" actId="20577"/>
       <pc:docMkLst>
         <pc:docMk/>
       </pc:docMkLst>
-      <pc:sldChg chg="modSp modAnim modNotesTx">
-        <pc:chgData name="Kenneth Copas" userId="acf87e8c-e0c4-48a9-850b-6aa06780f160" providerId="ADAL" clId="{C033EAB2-3B57-40FC-AFA2-E72F0E9566D5}" dt="2025-06-04T18:24:10.032" v="3247" actId="20577"/>
+      <pc:sldChg chg="modSp mod modAnim modNotesTx">
+        <pc:chgData name="Kenneth Copas" userId="acf87e8c-e0c4-48a9-850b-6aa06780f160" providerId="ADAL" clId="{C033EAB2-3B57-40FC-AFA2-E72F0E9566D5}" dt="2025-06-05T18:07:28.881" v="3777" actId="20577"/>
         <pc:sldMkLst>
           <pc:docMk/>
           <pc:sldMk cId="55267088" sldId="256"/>
         </pc:sldMkLst>
         <pc:spChg chg="mod">
-          <ac:chgData name="Kenneth Copas" userId="acf87e8c-e0c4-48a9-850b-6aa06780f160" providerId="ADAL" clId="{C033EAB2-3B57-40FC-AFA2-E72F0E9566D5}" dt="2025-06-04T18:24:10.032" v="3247" actId="20577"/>
+          <ac:chgData name="Kenneth Copas" userId="acf87e8c-e0c4-48a9-850b-6aa06780f160" providerId="ADAL" clId="{C033EAB2-3B57-40FC-AFA2-E72F0E9566D5}" dt="2025-06-05T17:27:49.202" v="3273" actId="113"/>
           <ac:spMkLst>
             <pc:docMk/>
             <pc:sldMk cId="55267088" sldId="256"/>
@@ -1583,14 +1583,14 @@
         </pc:sldMkLst>
       </pc:sldChg>
       <pc:sldChg chg="modNotesTx">
-        <pc:chgData name="Kenneth Copas" userId="acf87e8c-e0c4-48a9-850b-6aa06780f160" providerId="ADAL" clId="{C033EAB2-3B57-40FC-AFA2-E72F0E9566D5}" dt="2025-06-04T15:17:12.568" v="3128" actId="20577"/>
+        <pc:chgData name="Kenneth Copas" userId="acf87e8c-e0c4-48a9-850b-6aa06780f160" providerId="ADAL" clId="{C033EAB2-3B57-40FC-AFA2-E72F0E9566D5}" dt="2025-06-05T18:08:01.360" v="3855" actId="20577"/>
         <pc:sldMkLst>
           <pc:docMk/>
           <pc:sldMk cId="1753993030" sldId="260"/>
         </pc:sldMkLst>
       </pc:sldChg>
       <pc:sldChg chg="modNotesTx">
-        <pc:chgData name="Kenneth Copas" userId="acf87e8c-e0c4-48a9-850b-6aa06780f160" providerId="ADAL" clId="{C033EAB2-3B57-40FC-AFA2-E72F0E9566D5}" dt="2025-06-04T15:56:52.544" v="3197" actId="20577"/>
+        <pc:chgData name="Kenneth Copas" userId="acf87e8c-e0c4-48a9-850b-6aa06780f160" providerId="ADAL" clId="{C033EAB2-3B57-40FC-AFA2-E72F0E9566D5}" dt="2025-06-05T18:04:15.998" v="3524" actId="20577"/>
         <pc:sldMkLst>
           <pc:docMk/>
           <pc:sldMk cId="3220776107" sldId="264"/>
@@ -1651,7 +1651,7 @@
         </pc:picChg>
       </pc:sldChg>
       <pc:sldChg chg="modSp mod modNotesTx">
-        <pc:chgData name="Kenneth Copas" userId="acf87e8c-e0c4-48a9-850b-6aa06780f160" providerId="ADAL" clId="{C033EAB2-3B57-40FC-AFA2-E72F0E9566D5}" dt="2025-06-04T14:56:20.524" v="2685" actId="20577"/>
+        <pc:chgData name="Kenneth Copas" userId="acf87e8c-e0c4-48a9-850b-6aa06780f160" providerId="ADAL" clId="{C033EAB2-3B57-40FC-AFA2-E72F0E9566D5}" dt="2025-06-05T18:07:38.852" v="3819" actId="20577"/>
         <pc:sldMkLst>
           <pc:docMk/>
           <pc:sldMk cId="2762418532" sldId="271"/>
@@ -1674,14 +1674,14 @@
         </pc:graphicFrameChg>
       </pc:sldChg>
       <pc:sldChg chg="modNotesTx">
-        <pc:chgData name="Kenneth Copas" userId="acf87e8c-e0c4-48a9-850b-6aa06780f160" providerId="ADAL" clId="{C033EAB2-3B57-40FC-AFA2-E72F0E9566D5}" dt="2025-06-04T15:16:57.213" v="3084" actId="20577"/>
+        <pc:chgData name="Kenneth Copas" userId="acf87e8c-e0c4-48a9-850b-6aa06780f160" providerId="ADAL" clId="{C033EAB2-3B57-40FC-AFA2-E72F0E9566D5}" dt="2025-06-05T18:06:25.624" v="3614" actId="20577"/>
         <pc:sldMkLst>
           <pc:docMk/>
           <pc:sldMk cId="2929353324" sldId="279"/>
         </pc:sldMkLst>
       </pc:sldChg>
       <pc:sldChg chg="addSp delSp modSp mod modNotesTx">
-        <pc:chgData name="Kenneth Copas" userId="acf87e8c-e0c4-48a9-850b-6aa06780f160" providerId="ADAL" clId="{C033EAB2-3B57-40FC-AFA2-E72F0E9566D5}" dt="2025-06-04T15:10:12.397" v="2758" actId="14100"/>
+        <pc:chgData name="Kenneth Copas" userId="acf87e8c-e0c4-48a9-850b-6aa06780f160" providerId="ADAL" clId="{C033EAB2-3B57-40FC-AFA2-E72F0E9566D5}" dt="2025-06-05T18:08:09.139" v="3881" actId="20577"/>
         <pc:sldMkLst>
           <pc:docMk/>
           <pc:sldMk cId="1102396629" sldId="283"/>
@@ -2054,28 +2054,36 @@
         </pc:sldMkLst>
       </pc:sldChg>
       <pc:sldChg chg="modNotesTx">
-        <pc:chgData name="Kenneth Copas" userId="acf87e8c-e0c4-48a9-850b-6aa06780f160" providerId="ADAL" clId="{C033EAB2-3B57-40FC-AFA2-E72F0E9566D5}" dt="2025-06-04T15:16:02.819" v="2937" actId="20577"/>
+        <pc:chgData name="Kenneth Copas" userId="acf87e8c-e0c4-48a9-850b-6aa06780f160" providerId="ADAL" clId="{C033EAB2-3B57-40FC-AFA2-E72F0E9566D5}" dt="2025-06-05T18:04:34.248" v="3540" actId="20577"/>
         <pc:sldMkLst>
           <pc:docMk/>
           <pc:sldMk cId="584810815" sldId="287"/>
         </pc:sldMkLst>
       </pc:sldChg>
       <pc:sldChg chg="modNotesTx">
-        <pc:chgData name="Kenneth Copas" userId="acf87e8c-e0c4-48a9-850b-6aa06780f160" providerId="ADAL" clId="{C033EAB2-3B57-40FC-AFA2-E72F0E9566D5}" dt="2025-06-04T15:16:36.203" v="3047" actId="20577"/>
+        <pc:chgData name="Kenneth Copas" userId="acf87e8c-e0c4-48a9-850b-6aa06780f160" providerId="ADAL" clId="{C033EAB2-3B57-40FC-AFA2-E72F0E9566D5}" dt="2025-06-05T18:05:54.843" v="3579" actId="20577"/>
         <pc:sldMkLst>
           <pc:docMk/>
           <pc:sldMk cId="433942857" sldId="288"/>
         </pc:sldMkLst>
       </pc:sldChg>
-      <pc:sldChg chg="modNotesTx">
-        <pc:chgData name="Kenneth Copas" userId="acf87e8c-e0c4-48a9-850b-6aa06780f160" providerId="ADAL" clId="{C033EAB2-3B57-40FC-AFA2-E72F0E9566D5}" dt="2025-06-04T13:49:38.281" v="2499" actId="20577"/>
+      <pc:sldChg chg="modSp mod modNotesTx">
+        <pc:chgData name="Kenneth Copas" userId="acf87e8c-e0c4-48a9-850b-6aa06780f160" providerId="ADAL" clId="{C033EAB2-3B57-40FC-AFA2-E72F0E9566D5}" dt="2025-06-05T18:03:00.675" v="3404" actId="20577"/>
         <pc:sldMkLst>
           <pc:docMk/>
           <pc:sldMk cId="2688493855" sldId="291"/>
         </pc:sldMkLst>
+        <pc:picChg chg="mod">
+          <ac:chgData name="Kenneth Copas" userId="acf87e8c-e0c4-48a9-850b-6aa06780f160" providerId="ADAL" clId="{C033EAB2-3B57-40FC-AFA2-E72F0E9566D5}" dt="2025-06-05T17:26:51.586" v="3249" actId="1076"/>
+          <ac:picMkLst>
+            <pc:docMk/>
+            <pc:sldMk cId="2688493855" sldId="291"/>
+            <ac:picMk id="7" creationId="{D16A92E7-1D37-802F-2801-9F83273E161A}"/>
+          </ac:picMkLst>
+        </pc:picChg>
       </pc:sldChg>
       <pc:sldChg chg="addSp modSp modNotesTx">
-        <pc:chgData name="Kenneth Copas" userId="acf87e8c-e0c4-48a9-850b-6aa06780f160" providerId="ADAL" clId="{C033EAB2-3B57-40FC-AFA2-E72F0E9566D5}" dt="2025-06-04T13:39:48.441" v="2267" actId="20577"/>
+        <pc:chgData name="Kenneth Copas" userId="acf87e8c-e0c4-48a9-850b-6aa06780f160" providerId="ADAL" clId="{C033EAB2-3B57-40FC-AFA2-E72F0E9566D5}" dt="2025-06-05T18:03:13.458" v="3451" actId="20577"/>
         <pc:sldMkLst>
           <pc:docMk/>
           <pc:sldMk cId="528160161" sldId="292"/>
@@ -2090,7 +2098,7 @@
         </pc:spChg>
       </pc:sldChg>
       <pc:sldChg chg="addSp delSp modSp mod modNotesTx">
-        <pc:chgData name="Kenneth Copas" userId="acf87e8c-e0c4-48a9-850b-6aa06780f160" providerId="ADAL" clId="{C033EAB2-3B57-40FC-AFA2-E72F0E9566D5}" dt="2025-06-04T15:59:37.360" v="3198" actId="20577"/>
+        <pc:chgData name="Kenneth Copas" userId="acf87e8c-e0c4-48a9-850b-6aa06780f160" providerId="ADAL" clId="{C033EAB2-3B57-40FC-AFA2-E72F0E9566D5}" dt="2025-06-05T18:10:25.794" v="4246" actId="20577"/>
         <pc:sldMkLst>
           <pc:docMk/>
           <pc:sldMk cId="204358488" sldId="293"/>
@@ -2125,14 +2133,6 @@
             <pc:docMk/>
             <pc:sldMk cId="204358488" sldId="293"/>
             <ac:spMk id="6" creationId="{16A5E477-5AC0-E330-5900-07ED49CA3D06}"/>
-          </ac:spMkLst>
-        </pc:spChg>
-        <pc:spChg chg="add del mod">
-          <ac:chgData name="Kenneth Copas" userId="acf87e8c-e0c4-48a9-850b-6aa06780f160" providerId="ADAL" clId="{C033EAB2-3B57-40FC-AFA2-E72F0E9566D5}" dt="2025-06-03T20:35:50.456" v="124" actId="478"/>
-          <ac:spMkLst>
-            <pc:docMk/>
-            <pc:sldMk cId="204358488" sldId="293"/>
-            <ac:spMk id="9" creationId="{B5932152-24CF-28E0-DA88-8764B4502E62}"/>
           </ac:spMkLst>
         </pc:spChg>
         <pc:spChg chg="add del mod">
@@ -2375,22 +2375,6 @@
             <ac:picMk id="1064" creationId="{18D658CC-733E-A833-7A8B-C47C04D67BE3}"/>
           </ac:picMkLst>
         </pc:picChg>
-        <pc:cxnChg chg="add del mod">
-          <ac:chgData name="Kenneth Copas" userId="acf87e8c-e0c4-48a9-850b-6aa06780f160" providerId="ADAL" clId="{C033EAB2-3B57-40FC-AFA2-E72F0E9566D5}" dt="2025-06-03T20:15:54.837" v="31" actId="478"/>
-          <ac:cxnSpMkLst>
-            <pc:docMk/>
-            <pc:sldMk cId="204358488" sldId="293"/>
-            <ac:cxnSpMk id="5" creationId="{0A0FECB1-5D4B-F75C-8E8A-6924A1226F2F}"/>
-          </ac:cxnSpMkLst>
-        </pc:cxnChg>
-        <pc:cxnChg chg="add del mod">
-          <ac:chgData name="Kenneth Copas" userId="acf87e8c-e0c4-48a9-850b-6aa06780f160" providerId="ADAL" clId="{C033EAB2-3B57-40FC-AFA2-E72F0E9566D5}" dt="2025-06-03T20:15:55.418" v="32" actId="478"/>
-          <ac:cxnSpMkLst>
-            <pc:docMk/>
-            <pc:sldMk cId="204358488" sldId="293"/>
-            <ac:cxnSpMk id="7" creationId="{7364B0CA-2679-3DA2-962E-C742382C0A08}"/>
-          </ac:cxnSpMkLst>
-        </pc:cxnChg>
       </pc:sldChg>
     </pc:docChg>
   </pc:docChgLst>
@@ -15766,7 +15750,7 @@
           <a:p>
             <a:fld id="{7D709B56-B64F-48D4-986A-D7BA322A6C27}" type="datetimeFigureOut">
               <a:rPr lang="en-US" smtClean="0"/>
-              <a:t>6/4/2025</a:t>
+              <a:t>6/5/2025</a:t>
             </a:fld>
             <a:endParaRPr lang="en-US"/>
           </a:p>
@@ -16079,7 +16063,15 @@
           <a:p>
             <a:r>
               <a:rPr lang="en-US" dirty="0"/>
-              <a:t>Water bottle</a:t>
+              <a:t>Water bottle, drag </a:t>
+            </a:r>
+            <a:r>
+              <a:rPr lang="en-US" dirty="0" err="1"/>
+              <a:t>vscode</a:t>
+            </a:r>
+            <a:r>
+              <a:rPr lang="en-US" dirty="0"/>
+              <a:t> to main screen now</a:t>
             </a:r>
           </a:p>
           <a:p>
@@ -16199,8 +16191,11 @@
           <a:p>
             <a:r>
               <a:rPr lang="en-US" dirty="0"/>
-              <a:t>Utility – Component pair</a:t>
+              <a:t>Utility – Component interaction</a:t>
             </a:r>
+          </a:p>
+          <a:p>
+            <a:endParaRPr lang="en-US" dirty="0"/>
           </a:p>
           <a:p>
             <a:r>
@@ -16330,6 +16325,15 @@
           <a:p>
             <a:r>
               <a:rPr lang="en-US" dirty="0"/>
+              <a:t>START APPLICATION NOW</a:t>
+            </a:r>
+          </a:p>
+          <a:p>
+            <a:endParaRPr lang="en-US" dirty="0"/>
+          </a:p>
+          <a:p>
+            <a:r>
+              <a:rPr lang="en-US" dirty="0"/>
               <a:t>Build a CLI (menu), not without menu components</a:t>
             </a:r>
           </a:p>
@@ -16429,6 +16433,15 @@
           <a:p>
             <a:r>
               <a:rPr lang="en-US" dirty="0"/>
+              <a:t>APPLICATION SHOULD BE STARTED NOW</a:t>
+            </a:r>
+          </a:p>
+          <a:p>
+            <a:endParaRPr lang="en-US" dirty="0"/>
+          </a:p>
+          <a:p>
+            <a:r>
+              <a:rPr lang="en-US" dirty="0"/>
               <a:t>Modularity = Brief Application</a:t>
             </a:r>
           </a:p>
@@ -16522,13 +16535,22 @@
           <a:p>
             <a:r>
               <a:rPr lang="en-US" dirty="0"/>
+              <a:t>APPLICATION SHOULD BE FINISHED</a:t>
+            </a:r>
+          </a:p>
+          <a:p>
+            <a:endParaRPr lang="en-US" dirty="0"/>
+          </a:p>
+          <a:p>
+            <a:r>
+              <a:rPr lang="en-US" dirty="0"/>
               <a:t>Very brief</a:t>
             </a:r>
           </a:p>
           <a:p>
             <a:r>
               <a:rPr lang="en-US" dirty="0"/>
-              <a:t>It works on my computer</a:t>
+              <a:t>Lead into demo, save time for conclusion and Q&amp;A</a:t>
             </a:r>
           </a:p>
         </p:txBody>
@@ -16620,6 +16642,12 @@
             <a:br>
               <a:rPr lang="en-US" dirty="0"/>
             </a:br>
+            <a:r>
+              <a:rPr lang="en-US" dirty="0"/>
+              <a:t>Brief, save time for Q&amp;A</a:t>
+            </a:r>
+          </a:p>
+          <a:p>
             <a:br>
               <a:rPr lang="en-US" dirty="0"/>
             </a:br>
@@ -16730,12 +16758,34 @@
           <a:p>
             <a:r>
               <a:rPr lang="en-US" dirty="0"/>
-              <a:t>Tell them what you </a:t>
+              <a:t>Tell them what you told them</a:t>
+            </a:r>
+          </a:p>
+          <a:p>
+            <a:endParaRPr lang="en-US" dirty="0"/>
+          </a:p>
+          <a:p>
+            <a:r>
+              <a:rPr lang="en-US" dirty="0"/>
+              <a:t>Pipeline – Makes data clean non-local</a:t>
+            </a:r>
+          </a:p>
+          <a:p>
+            <a:r>
+              <a:rPr lang="en-US" dirty="0"/>
+              <a:t>CLI – Makes data easily accessible</a:t>
+            </a:r>
+          </a:p>
+          <a:p>
+            <a:r>
+              <a:rPr lang="en-US" dirty="0"/>
+              <a:t>Tableau – Enables story-telling </a:t>
             </a:r>
             <a:r>
               <a:rPr lang="en-US"/>
-              <a:t>told them</a:t>
+              <a:t>and claims</a:t>
             </a:r>
+            <a:endParaRPr lang="en-US" dirty="0"/>
           </a:p>
           <a:p>
             <a:endParaRPr lang="en-US" dirty="0"/>
@@ -16843,6 +16893,19 @@
         <p:txBody>
           <a:bodyPr/>
           <a:lstStyle/>
+          <a:p>
+            <a:r>
+              <a:rPr lang="en-US" dirty="0" err="1"/>
+              <a:t>Vscode</a:t>
+            </a:r>
+            <a:r>
+              <a:rPr lang="en-US" dirty="0"/>
+              <a:t> should be on the main screen</a:t>
+            </a:r>
+          </a:p>
+          <a:p>
+            <a:endParaRPr lang="en-US" dirty="0"/>
+          </a:p>
           <a:p>
             <a:r>
               <a:rPr lang="en-US" dirty="0"/>
@@ -16955,6 +17018,15 @@
             </a:r>
           </a:p>
           <a:p>
+            <a:endParaRPr lang="en-US" dirty="0"/>
+          </a:p>
+          <a:p>
+            <a:r>
+              <a:rPr lang="en-US" dirty="0"/>
+              <a:t>A FINANCIAL SERVICES CLIENT</a:t>
+            </a:r>
+          </a:p>
+          <a:p>
             <a:r>
               <a:rPr lang="en-US" dirty="0"/>
               <a:t>Client Need</a:t>
@@ -16970,6 +17042,15 @@
             <a:r>
               <a:rPr lang="en-US" dirty="0"/>
               <a:t>Non-visual (Need to support a claim)</a:t>
+            </a:r>
+          </a:p>
+          <a:p>
+            <a:endParaRPr lang="en-US" dirty="0"/>
+          </a:p>
+          <a:p>
+            <a:r>
+              <a:rPr lang="en-US" dirty="0"/>
+              <a:t>Lead into project overview</a:t>
             </a:r>
           </a:p>
         </p:txBody>
@@ -17053,6 +17134,15 @@
         <p:txBody>
           <a:bodyPr/>
           <a:lstStyle/>
+          <a:p>
+            <a:r>
+              <a:rPr lang="en-US" dirty="0"/>
+              <a:t>Lead from the problems being solved</a:t>
+            </a:r>
+          </a:p>
+          <a:p>
+            <a:endParaRPr lang="en-US" dirty="0"/>
+          </a:p>
           <a:p>
             <a:r>
               <a:rPr lang="en-US" dirty="0"/>
@@ -17155,7 +17245,13 @@
           <a:p>
             <a:r>
               <a:rPr lang="en-US" dirty="0"/>
-              <a:t>Data Client purpose</a:t>
+              <a:t>Data Client purpose (Modularity)</a:t>
+            </a:r>
+          </a:p>
+          <a:p>
+            <a:r>
+              <a:rPr lang="en-US" dirty="0"/>
+              <a:t>- Cybersecurity &amp; Cloud</a:t>
             </a:r>
           </a:p>
           <a:p>
@@ -17168,18 +17264,6 @@
             <a:r>
               <a:rPr lang="en-US" dirty="0"/>
               <a:t>Problem – Solution</a:t>
-            </a:r>
-          </a:p>
-          <a:p>
-            <a:endParaRPr lang="en-US" dirty="0"/>
-          </a:p>
-          <a:p>
-            <a:endParaRPr lang="en-US" dirty="0"/>
-          </a:p>
-          <a:p>
-            <a:r>
-              <a:rPr lang="en-US" dirty="0"/>
-              <a:t>Data Client cybersecurity</a:t>
             </a:r>
           </a:p>
         </p:txBody>
@@ -17843,7 +17927,7 @@
           <a:p>
             <a:fld id="{710A5CFE-F8A2-4EED-B2B2-AE5BD6E7F4BA}" type="datetimeFigureOut">
               <a:rPr lang="en-US" smtClean="0"/>
-              <a:t>6/4/2025</a:t>
+              <a:t>6/5/2025</a:t>
             </a:fld>
             <a:endParaRPr lang="en-US"/>
           </a:p>
@@ -18041,7 +18125,7 @@
           <a:p>
             <a:fld id="{710A5CFE-F8A2-4EED-B2B2-AE5BD6E7F4BA}" type="datetimeFigureOut">
               <a:rPr lang="en-US" smtClean="0"/>
-              <a:t>6/4/2025</a:t>
+              <a:t>6/5/2025</a:t>
             </a:fld>
             <a:endParaRPr lang="en-US"/>
           </a:p>
@@ -18249,7 +18333,7 @@
           <a:p>
             <a:fld id="{710A5CFE-F8A2-4EED-B2B2-AE5BD6E7F4BA}" type="datetimeFigureOut">
               <a:rPr lang="en-US" smtClean="0"/>
-              <a:t>6/4/2025</a:t>
+              <a:t>6/5/2025</a:t>
             </a:fld>
             <a:endParaRPr lang="en-US"/>
           </a:p>
@@ -18447,7 +18531,7 @@
           <a:p>
             <a:fld id="{710A5CFE-F8A2-4EED-B2B2-AE5BD6E7F4BA}" type="datetimeFigureOut">
               <a:rPr lang="en-US" smtClean="0"/>
-              <a:t>6/4/2025</a:t>
+              <a:t>6/5/2025</a:t>
             </a:fld>
             <a:endParaRPr lang="en-US"/>
           </a:p>
@@ -18722,7 +18806,7 @@
           <a:p>
             <a:fld id="{710A5CFE-F8A2-4EED-B2B2-AE5BD6E7F4BA}" type="datetimeFigureOut">
               <a:rPr lang="en-US" smtClean="0"/>
-              <a:t>6/4/2025</a:t>
+              <a:t>6/5/2025</a:t>
             </a:fld>
             <a:endParaRPr lang="en-US"/>
           </a:p>
@@ -18987,7 +19071,7 @@
           <a:p>
             <a:fld id="{710A5CFE-F8A2-4EED-B2B2-AE5BD6E7F4BA}" type="datetimeFigureOut">
               <a:rPr lang="en-US" smtClean="0"/>
-              <a:t>6/4/2025</a:t>
+              <a:t>6/5/2025</a:t>
             </a:fld>
             <a:endParaRPr lang="en-US"/>
           </a:p>
@@ -19399,7 +19483,7 @@
           <a:p>
             <a:fld id="{710A5CFE-F8A2-4EED-B2B2-AE5BD6E7F4BA}" type="datetimeFigureOut">
               <a:rPr lang="en-US" smtClean="0"/>
-              <a:t>6/4/2025</a:t>
+              <a:t>6/5/2025</a:t>
             </a:fld>
             <a:endParaRPr lang="en-US"/>
           </a:p>
@@ -19540,7 +19624,7 @@
           <a:p>
             <a:fld id="{710A5CFE-F8A2-4EED-B2B2-AE5BD6E7F4BA}" type="datetimeFigureOut">
               <a:rPr lang="en-US" smtClean="0"/>
-              <a:t>6/4/2025</a:t>
+              <a:t>6/5/2025</a:t>
             </a:fld>
             <a:endParaRPr lang="en-US"/>
           </a:p>
@@ -19653,7 +19737,7 @@
           <a:p>
             <a:fld id="{710A5CFE-F8A2-4EED-B2B2-AE5BD6E7F4BA}" type="datetimeFigureOut">
               <a:rPr lang="en-US" smtClean="0"/>
-              <a:t>6/4/2025</a:t>
+              <a:t>6/5/2025</a:t>
             </a:fld>
             <a:endParaRPr lang="en-US"/>
           </a:p>
@@ -19964,7 +20048,7 @@
           <a:p>
             <a:fld id="{710A5CFE-F8A2-4EED-B2B2-AE5BD6E7F4BA}" type="datetimeFigureOut">
               <a:rPr lang="en-US" smtClean="0"/>
-              <a:t>6/4/2025</a:t>
+              <a:t>6/5/2025</a:t>
             </a:fld>
             <a:endParaRPr lang="en-US"/>
           </a:p>
@@ -20252,7 +20336,7 @@
           <a:p>
             <a:fld id="{710A5CFE-F8A2-4EED-B2B2-AE5BD6E7F4BA}" type="datetimeFigureOut">
               <a:rPr lang="en-US" smtClean="0"/>
-              <a:t>6/4/2025</a:t>
+              <a:t>6/5/2025</a:t>
             </a:fld>
             <a:endParaRPr lang="en-US"/>
           </a:p>
@@ -20493,7 +20577,7 @@
           <a:p>
             <a:fld id="{710A5CFE-F8A2-4EED-B2B2-AE5BD6E7F4BA}" type="datetimeFigureOut">
               <a:rPr lang="en-US" smtClean="0"/>
-              <a:t>6/4/2025</a:t>
+              <a:t>6/5/2025</a:t>
             </a:fld>
             <a:endParaRPr lang="en-US"/>
           </a:p>
@@ -21478,12 +21562,12 @@
           <a:p>
             <a:pPr algn="l"/>
             <a:r>
-              <a:rPr lang="en-US" sz="4800" dirty="0">
+              <a:rPr lang="en-US" sz="4800" b="1" dirty="0">
                 <a:solidFill>
                   <a:srgbClr val="FFFFFF"/>
                 </a:solidFill>
               </a:rPr>
-              <a:t>Capstone</a:t>
+              <a:t>ETL Process Manager</a:t>
             </a:r>
             <a:br>
               <a:rPr lang="en-US" sz="4800" dirty="0">
@@ -21493,18 +21577,13 @@
               </a:rPr>
             </a:br>
             <a:r>
-              <a:rPr lang="en-US" sz="4800">
+              <a:rPr lang="en-US" sz="4800" dirty="0">
                 <a:solidFill>
                   <a:srgbClr val="FFFFFF"/>
                 </a:solidFill>
               </a:rPr>
-              <a:t>ETL Process Manager</a:t>
+              <a:t>Financial Services</a:t>
             </a:r>
-            <a:endParaRPr lang="en-US" sz="4800" dirty="0">
-              <a:solidFill>
-                <a:srgbClr val="FFFFFF"/>
-              </a:solidFill>
-            </a:endParaRPr>
           </a:p>
         </p:txBody>
       </p:sp>

--- a/docs/Kenneth Copas - Capstone Presentation.pptx
+++ b/docs/Kenneth Copas - Capstone Presentation.pptx
@@ -12,10 +12,10 @@
     <p:sldId id="271" r:id="rId3"/>
     <p:sldId id="291" r:id="rId4"/>
     <p:sldId id="292" r:id="rId5"/>
-    <p:sldId id="264" r:id="rId6"/>
-    <p:sldId id="266" r:id="rId7"/>
-    <p:sldId id="286" r:id="rId8"/>
-    <p:sldId id="270" r:id="rId9"/>
+    <p:sldId id="270" r:id="rId6"/>
+    <p:sldId id="264" r:id="rId7"/>
+    <p:sldId id="266" r:id="rId8"/>
+    <p:sldId id="286" r:id="rId9"/>
     <p:sldId id="285" r:id="rId10"/>
     <p:sldId id="287" r:id="rId11"/>
     <p:sldId id="288" r:id="rId12"/>
@@ -130,10 +130,10 @@
             <p14:sldId id="271"/>
             <p14:sldId id="291"/>
             <p14:sldId id="292"/>
+            <p14:sldId id="270"/>
             <p14:sldId id="264"/>
             <p14:sldId id="266"/>
             <p14:sldId id="286"/>
-            <p14:sldId id="270"/>
             <p14:sldId id="285"/>
             <p14:sldId id="287"/>
             <p14:sldId id="288"/>
@@ -155,7 +155,7 @@
 <file path=ppt/revisionInfo.xml><?xml version="1.0" encoding="utf-8"?>
 <p1510:revInfo xmlns:a="http://schemas.openxmlformats.org/drawingml/2006/main" xmlns:r="http://schemas.openxmlformats.org/officeDocument/2006/relationships" xmlns:p1510="http://schemas.microsoft.com/office/powerpoint/2015/10/main">
   <p1510:revLst>
-    <p1510:client id="{C033EAB2-3B57-40FC-AFA2-E72F0E9566D5}" v="469" dt="2025-06-05T17:27:49.202"/>
+    <p1510:client id="{C033EAB2-3B57-40FC-AFA2-E72F0E9566D5}" v="498" dt="2025-06-06T12:41:57.468"/>
   </p1510:revLst>
 </p1510:revInfo>
 </file>
@@ -1548,12 +1548,12 @@
   <pc:docChgLst>
     <pc:chgData name="Kenneth Copas" userId="acf87e8c-e0c4-48a9-850b-6aa06780f160" providerId="ADAL" clId="{C033EAB2-3B57-40FC-AFA2-E72F0E9566D5}"/>
     <pc:docChg chg="undo custSel delSld modSld sldOrd modSection">
-      <pc:chgData name="Kenneth Copas" userId="acf87e8c-e0c4-48a9-850b-6aa06780f160" providerId="ADAL" clId="{C033EAB2-3B57-40FC-AFA2-E72F0E9566D5}" dt="2025-06-05T18:10:25.794" v="4246" actId="20577"/>
+      <pc:chgData name="Kenneth Copas" userId="acf87e8c-e0c4-48a9-850b-6aa06780f160" providerId="ADAL" clId="{C033EAB2-3B57-40FC-AFA2-E72F0E9566D5}" dt="2025-06-06T12:46:34.143" v="5320" actId="20577"/>
       <pc:docMkLst>
         <pc:docMk/>
       </pc:docMkLst>
       <pc:sldChg chg="modSp mod modAnim modNotesTx">
-        <pc:chgData name="Kenneth Copas" userId="acf87e8c-e0c4-48a9-850b-6aa06780f160" providerId="ADAL" clId="{C033EAB2-3B57-40FC-AFA2-E72F0E9566D5}" dt="2025-06-05T18:07:28.881" v="3777" actId="20577"/>
+        <pc:chgData name="Kenneth Copas" userId="acf87e8c-e0c4-48a9-850b-6aa06780f160" providerId="ADAL" clId="{C033EAB2-3B57-40FC-AFA2-E72F0E9566D5}" dt="2025-06-06T12:42:34.392" v="5107" actId="20577"/>
         <pc:sldMkLst>
           <pc:docMk/>
           <pc:sldMk cId="55267088" sldId="256"/>
@@ -1582,12 +1582,20 @@
           <pc:sldMk cId="3992357642" sldId="259"/>
         </pc:sldMkLst>
       </pc:sldChg>
-      <pc:sldChg chg="modNotesTx">
-        <pc:chgData name="Kenneth Copas" userId="acf87e8c-e0c4-48a9-850b-6aa06780f160" providerId="ADAL" clId="{C033EAB2-3B57-40FC-AFA2-E72F0E9566D5}" dt="2025-06-05T18:08:01.360" v="3855" actId="20577"/>
+      <pc:sldChg chg="modSp mod modNotesTx">
+        <pc:chgData name="Kenneth Copas" userId="acf87e8c-e0c4-48a9-850b-6aa06780f160" providerId="ADAL" clId="{C033EAB2-3B57-40FC-AFA2-E72F0E9566D5}" dt="2025-06-06T12:41:58.478" v="5000"/>
         <pc:sldMkLst>
           <pc:docMk/>
           <pc:sldMk cId="1753993030" sldId="260"/>
         </pc:sldMkLst>
+        <pc:graphicFrameChg chg="mod modGraphic">
+          <ac:chgData name="Kenneth Copas" userId="acf87e8c-e0c4-48a9-850b-6aa06780f160" providerId="ADAL" clId="{C033EAB2-3B57-40FC-AFA2-E72F0E9566D5}" dt="2025-06-06T12:29:26.924" v="4573" actId="20577"/>
+          <ac:graphicFrameMkLst>
+            <pc:docMk/>
+            <pc:sldMk cId="1753993030" sldId="260"/>
+            <ac:graphicFrameMk id="4" creationId="{5910A06E-A0C1-FA0D-6450-B3FF36D8B785}"/>
+          </ac:graphicFrameMkLst>
+        </pc:graphicFrameChg>
       </pc:sldChg>
       <pc:sldChg chg="modNotesTx">
         <pc:chgData name="Kenneth Copas" userId="acf87e8c-e0c4-48a9-850b-6aa06780f160" providerId="ADAL" clId="{C033EAB2-3B57-40FC-AFA2-E72F0E9566D5}" dt="2025-06-05T18:04:15.998" v="3524" actId="20577"/>
@@ -1603,8 +1611,8 @@
           <pc:sldMk cId="2899819684" sldId="266"/>
         </pc:sldMkLst>
       </pc:sldChg>
-      <pc:sldChg chg="delSp modSp modNotesTx">
-        <pc:chgData name="Kenneth Copas" userId="acf87e8c-e0c4-48a9-850b-6aa06780f160" providerId="ADAL" clId="{C033EAB2-3B57-40FC-AFA2-E72F0E9566D5}" dt="2025-06-04T15:14:40.150" v="2772" actId="14100"/>
+      <pc:sldChg chg="delSp modSp ord modNotesTx">
+        <pc:chgData name="Kenneth Copas" userId="acf87e8c-e0c4-48a9-850b-6aa06780f160" providerId="ADAL" clId="{C033EAB2-3B57-40FC-AFA2-E72F0E9566D5}" dt="2025-06-06T12:38:47.786" v="4700" actId="20577"/>
         <pc:sldMkLst>
           <pc:docMk/>
           <pc:sldMk cId="3254621715" sldId="270"/>
@@ -1625,14 +1633,6 @@
             <ac:picMk id="1026" creationId="{696288CB-B56D-FD96-AD69-4C4173E37547}"/>
           </ac:picMkLst>
         </pc:picChg>
-        <pc:picChg chg="del">
-          <ac:chgData name="Kenneth Copas" userId="acf87e8c-e0c4-48a9-850b-6aa06780f160" providerId="ADAL" clId="{C033EAB2-3B57-40FC-AFA2-E72F0E9566D5}" dt="2025-06-04T15:13:48.498" v="2766" actId="478"/>
-          <ac:picMkLst>
-            <pc:docMk/>
-            <pc:sldMk cId="3254621715" sldId="270"/>
-            <ac:picMk id="1036" creationId="{D0DEBD35-FA21-4188-6110-CD690255DBA2}"/>
-          </ac:picMkLst>
-        </pc:picChg>
         <pc:picChg chg="mod">
           <ac:chgData name="Kenneth Copas" userId="acf87e8c-e0c4-48a9-850b-6aa06780f160" providerId="ADAL" clId="{C033EAB2-3B57-40FC-AFA2-E72F0E9566D5}" dt="2025-06-04T15:14:29.405" v="2771" actId="1076"/>
           <ac:picMkLst>
@@ -1651,7 +1651,7 @@
         </pc:picChg>
       </pc:sldChg>
       <pc:sldChg chg="modSp mod modNotesTx">
-        <pc:chgData name="Kenneth Copas" userId="acf87e8c-e0c4-48a9-850b-6aa06780f160" providerId="ADAL" clId="{C033EAB2-3B57-40FC-AFA2-E72F0E9566D5}" dt="2025-06-05T18:07:38.852" v="3819" actId="20577"/>
+        <pc:chgData name="Kenneth Copas" userId="acf87e8c-e0c4-48a9-850b-6aa06780f160" providerId="ADAL" clId="{C033EAB2-3B57-40FC-AFA2-E72F0E9566D5}" dt="2025-06-06T12:38:26.067" v="4628" actId="20577"/>
         <pc:sldMkLst>
           <pc:docMk/>
           <pc:sldMk cId="2762418532" sldId="271"/>
@@ -1674,364 +1674,28 @@
         </pc:graphicFrameChg>
       </pc:sldChg>
       <pc:sldChg chg="modNotesTx">
-        <pc:chgData name="Kenneth Copas" userId="acf87e8c-e0c4-48a9-850b-6aa06780f160" providerId="ADAL" clId="{C033EAB2-3B57-40FC-AFA2-E72F0E9566D5}" dt="2025-06-05T18:06:25.624" v="3614" actId="20577"/>
+        <pc:chgData name="Kenneth Copas" userId="acf87e8c-e0c4-48a9-850b-6aa06780f160" providerId="ADAL" clId="{C033EAB2-3B57-40FC-AFA2-E72F0E9566D5}" dt="2025-06-06T12:46:34.143" v="5320" actId="20577"/>
         <pc:sldMkLst>
           <pc:docMk/>
           <pc:sldMk cId="2929353324" sldId="279"/>
         </pc:sldMkLst>
       </pc:sldChg>
       <pc:sldChg chg="addSp delSp modSp mod modNotesTx">
-        <pc:chgData name="Kenneth Copas" userId="acf87e8c-e0c4-48a9-850b-6aa06780f160" providerId="ADAL" clId="{C033EAB2-3B57-40FC-AFA2-E72F0E9566D5}" dt="2025-06-05T18:08:09.139" v="3881" actId="20577"/>
+        <pc:chgData name="Kenneth Copas" userId="acf87e8c-e0c4-48a9-850b-6aa06780f160" providerId="ADAL" clId="{C033EAB2-3B57-40FC-AFA2-E72F0E9566D5}" dt="2025-06-06T12:18:02.681" v="4262" actId="1076"/>
         <pc:sldMkLst>
           <pc:docMk/>
           <pc:sldMk cId="1102396629" sldId="283"/>
         </pc:sldMkLst>
-        <pc:spChg chg="del mod">
-          <ac:chgData name="Kenneth Copas" userId="acf87e8c-e0c4-48a9-850b-6aa06780f160" providerId="ADAL" clId="{C033EAB2-3B57-40FC-AFA2-E72F0E9566D5}" dt="2025-06-04T15:09:16.979" v="2733" actId="478"/>
-          <ac:spMkLst>
-            <pc:docMk/>
-            <pc:sldMk cId="1102396629" sldId="283"/>
-            <ac:spMk id="2" creationId="{37A28BC6-314C-675F-ACB2-5C0B12B01E69}"/>
-          </ac:spMkLst>
-        </pc:spChg>
-        <pc:spChg chg="add del">
-          <ac:chgData name="Kenneth Copas" userId="acf87e8c-e0c4-48a9-850b-6aa06780f160" providerId="ADAL" clId="{C033EAB2-3B57-40FC-AFA2-E72F0E9566D5}" dt="2025-06-04T15:09:45.438" v="2755" actId="26606"/>
-          <ac:spMkLst>
-            <pc:docMk/>
-            <pc:sldMk cId="1102396629" sldId="283"/>
-            <ac:spMk id="62" creationId="{135140CE-C69C-E6B4-88F6-8FA383DF2C2C}"/>
-          </ac:spMkLst>
-        </pc:spChg>
-        <pc:spChg chg="add del">
-          <ac:chgData name="Kenneth Copas" userId="acf87e8c-e0c4-48a9-850b-6aa06780f160" providerId="ADAL" clId="{C033EAB2-3B57-40FC-AFA2-E72F0E9566D5}" dt="2025-06-04T15:09:45.438" v="2755" actId="26606"/>
-          <ac:spMkLst>
-            <pc:docMk/>
-            <pc:sldMk cId="1102396629" sldId="283"/>
-            <ac:spMk id="63" creationId="{788341D4-4179-12AD-F9B5-C4F19312F692}"/>
-          </ac:spMkLst>
-        </pc:spChg>
-        <pc:spChg chg="add del">
-          <ac:chgData name="Kenneth Copas" userId="acf87e8c-e0c4-48a9-850b-6aa06780f160" providerId="ADAL" clId="{C033EAB2-3B57-40FC-AFA2-E72F0E9566D5}" dt="2025-06-04T15:09:45.438" v="2755" actId="26606"/>
-          <ac:spMkLst>
-            <pc:docMk/>
-            <pc:sldMk cId="1102396629" sldId="283"/>
-            <ac:spMk id="64" creationId="{9BC0CC31-3572-B8BD-1404-7947DDE04D02}"/>
-          </ac:spMkLst>
-        </pc:spChg>
-        <pc:spChg chg="add del">
-          <ac:chgData name="Kenneth Copas" userId="acf87e8c-e0c4-48a9-850b-6aa06780f160" providerId="ADAL" clId="{C033EAB2-3B57-40FC-AFA2-E72F0E9566D5}" dt="2025-06-04T15:09:45.438" v="2755" actId="26606"/>
-          <ac:spMkLst>
-            <pc:docMk/>
-            <pc:sldMk cId="1102396629" sldId="283"/>
-            <ac:spMk id="65" creationId="{374B6276-826F-CBE4-B663-9EDEC340084B}"/>
-          </ac:spMkLst>
-        </pc:spChg>
-        <pc:spChg chg="add del">
-          <ac:chgData name="Kenneth Copas" userId="acf87e8c-e0c4-48a9-850b-6aa06780f160" providerId="ADAL" clId="{C033EAB2-3B57-40FC-AFA2-E72F0E9566D5}" dt="2025-06-04T15:09:45.436" v="2754" actId="26606"/>
-          <ac:spMkLst>
-            <pc:docMk/>
-            <pc:sldMk cId="1102396629" sldId="283"/>
-            <ac:spMk id="67" creationId="{6EE0B6E2-7CE8-4D86-87FC-4B58A7D8E759}"/>
-          </ac:spMkLst>
-        </pc:spChg>
-        <pc:spChg chg="add del">
-          <ac:chgData name="Kenneth Copas" userId="acf87e8c-e0c4-48a9-850b-6aa06780f160" providerId="ADAL" clId="{C033EAB2-3B57-40FC-AFA2-E72F0E9566D5}" dt="2025-06-04T15:09:25.561" v="2736" actId="26606"/>
-          <ac:spMkLst>
-            <pc:docMk/>
-            <pc:sldMk cId="1102396629" sldId="283"/>
-            <ac:spMk id="70" creationId="{AB8C311F-7253-4AED-9701-7FC0708C41C7}"/>
-          </ac:spMkLst>
-        </pc:spChg>
-        <pc:spChg chg="add del">
-          <ac:chgData name="Kenneth Copas" userId="acf87e8c-e0c4-48a9-850b-6aa06780f160" providerId="ADAL" clId="{C033EAB2-3B57-40FC-AFA2-E72F0E9566D5}" dt="2025-06-04T15:09:25.561" v="2736" actId="26606"/>
-          <ac:spMkLst>
-            <pc:docMk/>
-            <pc:sldMk cId="1102396629" sldId="283"/>
-            <ac:spMk id="72" creationId="{E2384209-CB15-4CDF-9D31-C44FD9A3F20D}"/>
-          </ac:spMkLst>
-        </pc:spChg>
-        <pc:spChg chg="add del">
-          <ac:chgData name="Kenneth Copas" userId="acf87e8c-e0c4-48a9-850b-6aa06780f160" providerId="ADAL" clId="{C033EAB2-3B57-40FC-AFA2-E72F0E9566D5}" dt="2025-06-04T15:09:25.561" v="2736" actId="26606"/>
-          <ac:spMkLst>
-            <pc:docMk/>
-            <pc:sldMk cId="1102396629" sldId="283"/>
-            <ac:spMk id="74" creationId="{2633B3B5-CC90-43F0-8714-D31D1F3F0209}"/>
-          </ac:spMkLst>
-        </pc:spChg>
-        <pc:spChg chg="add del">
-          <ac:chgData name="Kenneth Copas" userId="acf87e8c-e0c4-48a9-850b-6aa06780f160" providerId="ADAL" clId="{C033EAB2-3B57-40FC-AFA2-E72F0E9566D5}" dt="2025-06-04T15:09:25.561" v="2736" actId="26606"/>
-          <ac:spMkLst>
-            <pc:docMk/>
-            <pc:sldMk cId="1102396629" sldId="283"/>
-            <ac:spMk id="76" creationId="{A8D57A06-A426-446D-B02C-A2DC6B62E45E}"/>
-          </ac:spMkLst>
-        </pc:spChg>
-        <pc:spChg chg="add del">
-          <ac:chgData name="Kenneth Copas" userId="acf87e8c-e0c4-48a9-850b-6aa06780f160" providerId="ADAL" clId="{C033EAB2-3B57-40FC-AFA2-E72F0E9566D5}" dt="2025-06-04T15:09:27.128" v="2738" actId="26606"/>
-          <ac:spMkLst>
-            <pc:docMk/>
-            <pc:sldMk cId="1102396629" sldId="283"/>
-            <ac:spMk id="78" creationId="{9A97C86A-04D6-40F7-AE84-31AB43E6A846}"/>
-          </ac:spMkLst>
-        </pc:spChg>
-        <pc:spChg chg="add del">
-          <ac:chgData name="Kenneth Copas" userId="acf87e8c-e0c4-48a9-850b-6aa06780f160" providerId="ADAL" clId="{C033EAB2-3B57-40FC-AFA2-E72F0E9566D5}" dt="2025-06-04T15:09:27.128" v="2738" actId="26606"/>
-          <ac:spMkLst>
-            <pc:docMk/>
-            <pc:sldMk cId="1102396629" sldId="283"/>
-            <ac:spMk id="79" creationId="{F3060C83-F051-4F0E-ABAD-AA0DFC48B218}"/>
-          </ac:spMkLst>
-        </pc:spChg>
-        <pc:spChg chg="add del">
-          <ac:chgData name="Kenneth Copas" userId="acf87e8c-e0c4-48a9-850b-6aa06780f160" providerId="ADAL" clId="{C033EAB2-3B57-40FC-AFA2-E72F0E9566D5}" dt="2025-06-04T15:09:27.128" v="2738" actId="26606"/>
-          <ac:spMkLst>
-            <pc:docMk/>
-            <pc:sldMk cId="1102396629" sldId="283"/>
-            <ac:spMk id="80" creationId="{FF9F2414-84E8-453E-B1F3-389FDE8192D9}"/>
-          </ac:spMkLst>
-        </pc:spChg>
-        <pc:spChg chg="add del">
-          <ac:chgData name="Kenneth Copas" userId="acf87e8c-e0c4-48a9-850b-6aa06780f160" providerId="ADAL" clId="{C033EAB2-3B57-40FC-AFA2-E72F0E9566D5}" dt="2025-06-04T15:09:27.128" v="2738" actId="26606"/>
-          <ac:spMkLst>
-            <pc:docMk/>
-            <pc:sldMk cId="1102396629" sldId="283"/>
-            <ac:spMk id="82" creationId="{3ECA69A1-7536-43AC-85EF-C7106179F5ED}"/>
-          </ac:spMkLst>
-        </pc:spChg>
-        <pc:spChg chg="add del">
-          <ac:chgData name="Kenneth Copas" userId="acf87e8c-e0c4-48a9-850b-6aa06780f160" providerId="ADAL" clId="{C033EAB2-3B57-40FC-AFA2-E72F0E9566D5}" dt="2025-06-04T15:09:27.128" v="2738" actId="26606"/>
-          <ac:spMkLst>
-            <pc:docMk/>
-            <pc:sldMk cId="1102396629" sldId="283"/>
-            <ac:spMk id="83" creationId="{29FDB030-9B49-4CED-8CCD-4D99382388AC}"/>
-          </ac:spMkLst>
-        </pc:spChg>
-        <pc:spChg chg="add del">
-          <ac:chgData name="Kenneth Copas" userId="acf87e8c-e0c4-48a9-850b-6aa06780f160" providerId="ADAL" clId="{C033EAB2-3B57-40FC-AFA2-E72F0E9566D5}" dt="2025-06-04T15:09:27.128" v="2738" actId="26606"/>
-          <ac:spMkLst>
-            <pc:docMk/>
-            <pc:sldMk cId="1102396629" sldId="283"/>
-            <ac:spMk id="84" creationId="{3783CA14-24A1-485C-8B30-D6A5D87987AD}"/>
-          </ac:spMkLst>
-        </pc:spChg>
-        <pc:spChg chg="add del">
-          <ac:chgData name="Kenneth Copas" userId="acf87e8c-e0c4-48a9-850b-6aa06780f160" providerId="ADAL" clId="{C033EAB2-3B57-40FC-AFA2-E72F0E9566D5}" dt="2025-06-04T15:09:29.028" v="2740" actId="26606"/>
-          <ac:spMkLst>
-            <pc:docMk/>
-            <pc:sldMk cId="1102396629" sldId="283"/>
-            <ac:spMk id="86" creationId="{42A4FC2C-047E-45A5-965D-8E1E3BF09BC6}"/>
-          </ac:spMkLst>
-        </pc:spChg>
-        <pc:spChg chg="del">
-          <ac:chgData name="Kenneth Copas" userId="acf87e8c-e0c4-48a9-850b-6aa06780f160" providerId="ADAL" clId="{C033EAB2-3B57-40FC-AFA2-E72F0E9566D5}" dt="2025-06-04T15:09:30.539" v="2742" actId="26606"/>
-          <ac:spMkLst>
-            <pc:docMk/>
-            <pc:sldMk cId="1102396629" sldId="283"/>
-            <ac:spMk id="88" creationId="{ED55A19D-297C-4231-AD1F-08EF9B4AA8F4}"/>
-          </ac:spMkLst>
-        </pc:spChg>
-        <pc:spChg chg="add del">
-          <ac:chgData name="Kenneth Copas" userId="acf87e8c-e0c4-48a9-850b-6aa06780f160" providerId="ADAL" clId="{C033EAB2-3B57-40FC-AFA2-E72F0E9566D5}" dt="2025-06-04T15:09:30.539" v="2742" actId="26606"/>
-          <ac:spMkLst>
-            <pc:docMk/>
-            <pc:sldMk cId="1102396629" sldId="283"/>
-            <ac:spMk id="89" creationId="{EBAB6C56-3D38-4923-996E-BD474BBB91E9}"/>
-          </ac:spMkLst>
-        </pc:spChg>
-        <pc:spChg chg="add del">
-          <ac:chgData name="Kenneth Copas" userId="acf87e8c-e0c4-48a9-850b-6aa06780f160" providerId="ADAL" clId="{C033EAB2-3B57-40FC-AFA2-E72F0E9566D5}" dt="2025-06-04T15:09:30.539" v="2742" actId="26606"/>
-          <ac:spMkLst>
-            <pc:docMk/>
-            <pc:sldMk cId="1102396629" sldId="283"/>
-            <ac:spMk id="90" creationId="{20CD21DB-082D-417D-A5AB-FC838AF9D944}"/>
-          </ac:spMkLst>
-        </pc:spChg>
-        <pc:spChg chg="add del">
-          <ac:chgData name="Kenneth Copas" userId="acf87e8c-e0c4-48a9-850b-6aa06780f160" providerId="ADAL" clId="{C033EAB2-3B57-40FC-AFA2-E72F0E9566D5}" dt="2025-06-04T15:09:30.539" v="2742" actId="26606"/>
-          <ac:spMkLst>
-            <pc:docMk/>
-            <pc:sldMk cId="1102396629" sldId="283"/>
-            <ac:spMk id="91" creationId="{7BD8AB83-2763-4392-B4B9-049CDF1F6EA4}"/>
-          </ac:spMkLst>
-        </pc:spChg>
-        <pc:spChg chg="add del">
-          <ac:chgData name="Kenneth Copas" userId="acf87e8c-e0c4-48a9-850b-6aa06780f160" providerId="ADAL" clId="{C033EAB2-3B57-40FC-AFA2-E72F0E9566D5}" dt="2025-06-04T15:09:30.539" v="2742" actId="26606"/>
-          <ac:spMkLst>
-            <pc:docMk/>
-            <pc:sldMk cId="1102396629" sldId="283"/>
-            <ac:spMk id="92" creationId="{480F071C-C35C-4CE1-8EE5-8ED96E2F4E25}"/>
-          </ac:spMkLst>
-        </pc:spChg>
-        <pc:spChg chg="add del">
-          <ac:chgData name="Kenneth Copas" userId="acf87e8c-e0c4-48a9-850b-6aa06780f160" providerId="ADAL" clId="{C033EAB2-3B57-40FC-AFA2-E72F0E9566D5}" dt="2025-06-04T15:09:30.539" v="2742" actId="26606"/>
-          <ac:spMkLst>
-            <pc:docMk/>
-            <pc:sldMk cId="1102396629" sldId="283"/>
-            <ac:spMk id="93" creationId="{CD97FAB4-59E0-4E65-B50B-867B14D2A067}"/>
-          </ac:spMkLst>
-        </pc:spChg>
-        <pc:spChg chg="add del">
-          <ac:chgData name="Kenneth Copas" userId="acf87e8c-e0c4-48a9-850b-6aa06780f160" providerId="ADAL" clId="{C033EAB2-3B57-40FC-AFA2-E72F0E9566D5}" dt="2025-06-04T15:09:30.539" v="2742" actId="26606"/>
-          <ac:spMkLst>
-            <pc:docMk/>
-            <pc:sldMk cId="1102396629" sldId="283"/>
-            <ac:spMk id="94" creationId="{0D578F4B-2751-4FC2-8853-FAC5C59139C1}"/>
-          </ac:spMkLst>
-        </pc:spChg>
-        <pc:spChg chg="add del">
-          <ac:chgData name="Kenneth Copas" userId="acf87e8c-e0c4-48a9-850b-6aa06780f160" providerId="ADAL" clId="{C033EAB2-3B57-40FC-AFA2-E72F0E9566D5}" dt="2025-06-04T15:09:33.684" v="2744" actId="26606"/>
-          <ac:spMkLst>
-            <pc:docMk/>
-            <pc:sldMk cId="1102396629" sldId="283"/>
-            <ac:spMk id="96" creationId="{AB8C311F-7253-4AED-9701-7FC0708C41C7}"/>
-          </ac:spMkLst>
-        </pc:spChg>
-        <pc:spChg chg="add del">
-          <ac:chgData name="Kenneth Copas" userId="acf87e8c-e0c4-48a9-850b-6aa06780f160" providerId="ADAL" clId="{C033EAB2-3B57-40FC-AFA2-E72F0E9566D5}" dt="2025-06-04T15:09:33.684" v="2744" actId="26606"/>
-          <ac:spMkLst>
-            <pc:docMk/>
-            <pc:sldMk cId="1102396629" sldId="283"/>
-            <ac:spMk id="97" creationId="{FD073016-B734-483B-8953-5BADEE145112}"/>
-          </ac:spMkLst>
-        </pc:spChg>
-        <pc:spChg chg="add del">
-          <ac:chgData name="Kenneth Copas" userId="acf87e8c-e0c4-48a9-850b-6aa06780f160" providerId="ADAL" clId="{C033EAB2-3B57-40FC-AFA2-E72F0E9566D5}" dt="2025-06-04T15:09:33.684" v="2744" actId="26606"/>
-          <ac:spMkLst>
-            <pc:docMk/>
-            <pc:sldMk cId="1102396629" sldId="283"/>
-            <ac:spMk id="98" creationId="{90A7EAB6-59D3-4325-8DE6-E0CA4009CE53}"/>
-          </ac:spMkLst>
-        </pc:spChg>
-        <pc:spChg chg="add del">
-          <ac:chgData name="Kenneth Copas" userId="acf87e8c-e0c4-48a9-850b-6aa06780f160" providerId="ADAL" clId="{C033EAB2-3B57-40FC-AFA2-E72F0E9566D5}" dt="2025-06-04T15:09:33.684" v="2744" actId="26606"/>
-          <ac:spMkLst>
-            <pc:docMk/>
-            <pc:sldMk cId="1102396629" sldId="283"/>
-            <ac:spMk id="99" creationId="{A8D57A06-A426-446D-B02C-A2DC6B62E45E}"/>
-          </ac:spMkLst>
-        </pc:spChg>
-        <pc:spChg chg="add del">
-          <ac:chgData name="Kenneth Copas" userId="acf87e8c-e0c4-48a9-850b-6aa06780f160" providerId="ADAL" clId="{C033EAB2-3B57-40FC-AFA2-E72F0E9566D5}" dt="2025-06-04T15:09:34.712" v="2746" actId="26606"/>
-          <ac:spMkLst>
-            <pc:docMk/>
-            <pc:sldMk cId="1102396629" sldId="283"/>
-            <ac:spMk id="101" creationId="{ED55A19D-297C-4231-AD1F-08EF9B4AA8F4}"/>
-          </ac:spMkLst>
-        </pc:spChg>
-        <pc:spChg chg="add del">
-          <ac:chgData name="Kenneth Copas" userId="acf87e8c-e0c4-48a9-850b-6aa06780f160" providerId="ADAL" clId="{C033EAB2-3B57-40FC-AFA2-E72F0E9566D5}" dt="2025-06-04T15:09:34.712" v="2746" actId="26606"/>
-          <ac:spMkLst>
-            <pc:docMk/>
-            <pc:sldMk cId="1102396629" sldId="283"/>
-            <ac:spMk id="102" creationId="{EBAB6C56-3D38-4923-996E-BD474BBB91E9}"/>
-          </ac:spMkLst>
-        </pc:spChg>
-        <pc:spChg chg="add del">
-          <ac:chgData name="Kenneth Copas" userId="acf87e8c-e0c4-48a9-850b-6aa06780f160" providerId="ADAL" clId="{C033EAB2-3B57-40FC-AFA2-E72F0E9566D5}" dt="2025-06-04T15:09:34.712" v="2746" actId="26606"/>
-          <ac:spMkLst>
-            <pc:docMk/>
-            <pc:sldMk cId="1102396629" sldId="283"/>
-            <ac:spMk id="103" creationId="{20CD21DB-082D-417D-A5AB-FC838AF9D944}"/>
-          </ac:spMkLst>
-        </pc:spChg>
-        <pc:spChg chg="add del">
-          <ac:chgData name="Kenneth Copas" userId="acf87e8c-e0c4-48a9-850b-6aa06780f160" providerId="ADAL" clId="{C033EAB2-3B57-40FC-AFA2-E72F0E9566D5}" dt="2025-06-04T15:09:34.712" v="2746" actId="26606"/>
-          <ac:spMkLst>
-            <pc:docMk/>
-            <pc:sldMk cId="1102396629" sldId="283"/>
-            <ac:spMk id="104" creationId="{7BD8AB83-2763-4392-B4B9-049CDF1F6EA4}"/>
-          </ac:spMkLst>
-        </pc:spChg>
-        <pc:spChg chg="add del">
-          <ac:chgData name="Kenneth Copas" userId="acf87e8c-e0c4-48a9-850b-6aa06780f160" providerId="ADAL" clId="{C033EAB2-3B57-40FC-AFA2-E72F0E9566D5}" dt="2025-06-04T15:09:34.712" v="2746" actId="26606"/>
-          <ac:spMkLst>
-            <pc:docMk/>
-            <pc:sldMk cId="1102396629" sldId="283"/>
-            <ac:spMk id="105" creationId="{480F071C-C35C-4CE1-8EE5-8ED96E2F4E25}"/>
-          </ac:spMkLst>
-        </pc:spChg>
-        <pc:spChg chg="add del">
-          <ac:chgData name="Kenneth Copas" userId="acf87e8c-e0c4-48a9-850b-6aa06780f160" providerId="ADAL" clId="{C033EAB2-3B57-40FC-AFA2-E72F0E9566D5}" dt="2025-06-04T15:09:34.712" v="2746" actId="26606"/>
-          <ac:spMkLst>
-            <pc:docMk/>
-            <pc:sldMk cId="1102396629" sldId="283"/>
-            <ac:spMk id="106" creationId="{CD97FAB4-59E0-4E65-B50B-867B14D2A067}"/>
-          </ac:spMkLst>
-        </pc:spChg>
-        <pc:spChg chg="add del">
-          <ac:chgData name="Kenneth Copas" userId="acf87e8c-e0c4-48a9-850b-6aa06780f160" providerId="ADAL" clId="{C033EAB2-3B57-40FC-AFA2-E72F0E9566D5}" dt="2025-06-04T15:09:34.712" v="2746" actId="26606"/>
-          <ac:spMkLst>
-            <pc:docMk/>
-            <pc:sldMk cId="1102396629" sldId="283"/>
-            <ac:spMk id="107" creationId="{0D578F4B-2751-4FC2-8853-FAC5C59139C1}"/>
-          </ac:spMkLst>
-        </pc:spChg>
-        <pc:spChg chg="add del">
-          <ac:chgData name="Kenneth Copas" userId="acf87e8c-e0c4-48a9-850b-6aa06780f160" providerId="ADAL" clId="{C033EAB2-3B57-40FC-AFA2-E72F0E9566D5}" dt="2025-06-04T15:09:35.776" v="2748" actId="26606"/>
-          <ac:spMkLst>
-            <pc:docMk/>
-            <pc:sldMk cId="1102396629" sldId="283"/>
-            <ac:spMk id="109" creationId="{AB8C311F-7253-4AED-9701-7FC0708C41C7}"/>
-          </ac:spMkLst>
-        </pc:spChg>
-        <pc:spChg chg="add del">
-          <ac:chgData name="Kenneth Copas" userId="acf87e8c-e0c4-48a9-850b-6aa06780f160" providerId="ADAL" clId="{C033EAB2-3B57-40FC-AFA2-E72F0E9566D5}" dt="2025-06-04T15:09:35.776" v="2748" actId="26606"/>
-          <ac:spMkLst>
-            <pc:docMk/>
-            <pc:sldMk cId="1102396629" sldId="283"/>
-            <ac:spMk id="110" creationId="{FD073016-B734-483B-8953-5BADEE145112}"/>
-          </ac:spMkLst>
-        </pc:spChg>
-        <pc:spChg chg="add del">
-          <ac:chgData name="Kenneth Copas" userId="acf87e8c-e0c4-48a9-850b-6aa06780f160" providerId="ADAL" clId="{C033EAB2-3B57-40FC-AFA2-E72F0E9566D5}" dt="2025-06-04T15:09:35.776" v="2748" actId="26606"/>
-          <ac:spMkLst>
-            <pc:docMk/>
-            <pc:sldMk cId="1102396629" sldId="283"/>
-            <ac:spMk id="111" creationId="{90A7EAB6-59D3-4325-8DE6-E0CA4009CE53}"/>
-          </ac:spMkLst>
-        </pc:spChg>
-        <pc:spChg chg="add del">
-          <ac:chgData name="Kenneth Copas" userId="acf87e8c-e0c4-48a9-850b-6aa06780f160" providerId="ADAL" clId="{C033EAB2-3B57-40FC-AFA2-E72F0E9566D5}" dt="2025-06-04T15:09:35.776" v="2748" actId="26606"/>
-          <ac:spMkLst>
-            <pc:docMk/>
-            <pc:sldMk cId="1102396629" sldId="283"/>
-            <ac:spMk id="112" creationId="{A8D57A06-A426-446D-B02C-A2DC6B62E45E}"/>
-          </ac:spMkLst>
-        </pc:spChg>
-        <pc:spChg chg="add del">
-          <ac:chgData name="Kenneth Copas" userId="acf87e8c-e0c4-48a9-850b-6aa06780f160" providerId="ADAL" clId="{C033EAB2-3B57-40FC-AFA2-E72F0E9566D5}" dt="2025-06-04T15:09:37.429" v="2750" actId="26606"/>
-          <ac:spMkLst>
-            <pc:docMk/>
-            <pc:sldMk cId="1102396629" sldId="283"/>
-            <ac:spMk id="114" creationId="{63644BFD-D22E-4019-B666-387DA51AEAFD}"/>
-          </ac:spMkLst>
-        </pc:spChg>
-        <pc:spChg chg="add del">
-          <ac:chgData name="Kenneth Copas" userId="acf87e8c-e0c4-48a9-850b-6aa06780f160" providerId="ADAL" clId="{C033EAB2-3B57-40FC-AFA2-E72F0E9566D5}" dt="2025-06-04T15:09:37.429" v="2750" actId="26606"/>
-          <ac:spMkLst>
-            <pc:docMk/>
-            <pc:sldMk cId="1102396629" sldId="283"/>
-            <ac:spMk id="117" creationId="{3776B14B-F2F4-4825-8DA8-8C7A0F2B3960}"/>
-          </ac:spMkLst>
-        </pc:spChg>
-        <pc:grpChg chg="add del">
-          <ac:chgData name="Kenneth Copas" userId="acf87e8c-e0c4-48a9-850b-6aa06780f160" providerId="ADAL" clId="{C033EAB2-3B57-40FC-AFA2-E72F0E9566D5}" dt="2025-06-04T15:09:37.429" v="2750" actId="26606"/>
-          <ac:grpSpMkLst>
-            <pc:docMk/>
-            <pc:sldMk cId="1102396629" sldId="283"/>
-            <ac:grpSpMk id="115" creationId="{5FE9FE4C-C9E0-4C54-8010-EA9D29CD4D59}"/>
-          </ac:grpSpMkLst>
-        </pc:grpChg>
-        <pc:picChg chg="del mod">
-          <ac:chgData name="Kenneth Copas" userId="acf87e8c-e0c4-48a9-850b-6aa06780f160" providerId="ADAL" clId="{C033EAB2-3B57-40FC-AFA2-E72F0E9566D5}" dt="2025-06-04T15:05:02.256" v="2723" actId="478"/>
+        <pc:picChg chg="add mod">
+          <ac:chgData name="Kenneth Copas" userId="acf87e8c-e0c4-48a9-850b-6aa06780f160" providerId="ADAL" clId="{C033EAB2-3B57-40FC-AFA2-E72F0E9566D5}" dt="2025-06-06T12:18:02.681" v="4262" actId="1076"/>
           <ac:picMkLst>
             <pc:docMk/>
             <pc:sldMk cId="1102396629" sldId="283"/>
-            <ac:picMk id="4" creationId="{666B9F3F-8590-F90E-73C4-7AD9A78EF7D4}"/>
+            <ac:picMk id="3" creationId="{994B5313-19ED-0C50-0212-CB0CE1701DF8}"/>
           </ac:picMkLst>
         </pc:picChg>
-        <pc:picChg chg="add mod">
-          <ac:chgData name="Kenneth Copas" userId="acf87e8c-e0c4-48a9-850b-6aa06780f160" providerId="ADAL" clId="{C033EAB2-3B57-40FC-AFA2-E72F0E9566D5}" dt="2025-06-04T15:10:12.397" v="2758" actId="14100"/>
+        <pc:picChg chg="add del mod">
+          <ac:chgData name="Kenneth Copas" userId="acf87e8c-e0c4-48a9-850b-6aa06780f160" providerId="ADAL" clId="{C033EAB2-3B57-40FC-AFA2-E72F0E9566D5}" dt="2025-06-06T12:17:59.623" v="4261" actId="478"/>
           <ac:picMkLst>
             <pc:docMk/>
             <pc:sldMk cId="1102396629" sldId="283"/>
@@ -2040,28 +1704,36 @@
         </pc:picChg>
       </pc:sldChg>
       <pc:sldChg chg="modNotesTx">
-        <pc:chgData name="Kenneth Copas" userId="acf87e8c-e0c4-48a9-850b-6aa06780f160" providerId="ADAL" clId="{C033EAB2-3B57-40FC-AFA2-E72F0E9566D5}" dt="2025-06-04T15:15:29.179" v="2854" actId="20577"/>
+        <pc:chgData name="Kenneth Copas" userId="acf87e8c-e0c4-48a9-850b-6aa06780f160" providerId="ADAL" clId="{C033EAB2-3B57-40FC-AFA2-E72F0E9566D5}" dt="2025-06-06T12:40:12.508" v="4818" actId="20577"/>
         <pc:sldMkLst>
           <pc:docMk/>
           <pc:sldMk cId="3501458890" sldId="285"/>
         </pc:sldMkLst>
       </pc:sldChg>
-      <pc:sldChg chg="modNotesTx">
-        <pc:chgData name="Kenneth Copas" userId="acf87e8c-e0c4-48a9-850b-6aa06780f160" providerId="ADAL" clId="{C033EAB2-3B57-40FC-AFA2-E72F0E9566D5}" dt="2025-06-04T15:02:31.494" v="2706" actId="20577"/>
+      <pc:sldChg chg="modSp modNotesTx">
+        <pc:chgData name="Kenneth Copas" userId="acf87e8c-e0c4-48a9-850b-6aa06780f160" providerId="ADAL" clId="{C033EAB2-3B57-40FC-AFA2-E72F0E9566D5}" dt="2025-06-06T12:39:31.989" v="4780" actId="20577"/>
         <pc:sldMkLst>
           <pc:docMk/>
           <pc:sldMk cId="3203667889" sldId="286"/>
         </pc:sldMkLst>
+        <pc:graphicFrameChg chg="mod">
+          <ac:chgData name="Kenneth Copas" userId="acf87e8c-e0c4-48a9-850b-6aa06780f160" providerId="ADAL" clId="{C033EAB2-3B57-40FC-AFA2-E72F0E9566D5}" dt="2025-06-06T12:39:31.989" v="4780" actId="20577"/>
+          <ac:graphicFrameMkLst>
+            <pc:docMk/>
+            <pc:sldMk cId="3203667889" sldId="286"/>
+            <ac:graphicFrameMk id="123" creationId="{937E1B2D-51BE-E284-1FB9-D4C68D4DE2A7}"/>
+          </ac:graphicFrameMkLst>
+        </pc:graphicFrameChg>
       </pc:sldChg>
       <pc:sldChg chg="modNotesTx">
-        <pc:chgData name="Kenneth Copas" userId="acf87e8c-e0c4-48a9-850b-6aa06780f160" providerId="ADAL" clId="{C033EAB2-3B57-40FC-AFA2-E72F0E9566D5}" dt="2025-06-05T18:04:34.248" v="3540" actId="20577"/>
+        <pc:chgData name="Kenneth Copas" userId="acf87e8c-e0c4-48a9-850b-6aa06780f160" providerId="ADAL" clId="{C033EAB2-3B57-40FC-AFA2-E72F0E9566D5}" dt="2025-06-06T12:40:24.266" v="4851" actId="20577"/>
         <pc:sldMkLst>
           <pc:docMk/>
           <pc:sldMk cId="584810815" sldId="287"/>
         </pc:sldMkLst>
       </pc:sldChg>
       <pc:sldChg chg="modNotesTx">
-        <pc:chgData name="Kenneth Copas" userId="acf87e8c-e0c4-48a9-850b-6aa06780f160" providerId="ADAL" clId="{C033EAB2-3B57-40FC-AFA2-E72F0E9566D5}" dt="2025-06-05T18:05:54.843" v="3579" actId="20577"/>
+        <pc:chgData name="Kenneth Copas" userId="acf87e8c-e0c4-48a9-850b-6aa06780f160" providerId="ADAL" clId="{C033EAB2-3B57-40FC-AFA2-E72F0E9566D5}" dt="2025-06-06T12:43:31.221" v="5260" actId="20577"/>
         <pc:sldMkLst>
           <pc:docMk/>
           <pc:sldMk cId="433942857" sldId="288"/>
@@ -2083,22 +1755,14 @@
         </pc:picChg>
       </pc:sldChg>
       <pc:sldChg chg="addSp modSp modNotesTx">
-        <pc:chgData name="Kenneth Copas" userId="acf87e8c-e0c4-48a9-850b-6aa06780f160" providerId="ADAL" clId="{C033EAB2-3B57-40FC-AFA2-E72F0E9566D5}" dt="2025-06-05T18:03:13.458" v="3451" actId="20577"/>
+        <pc:chgData name="Kenneth Copas" userId="acf87e8c-e0c4-48a9-850b-6aa06780f160" providerId="ADAL" clId="{C033EAB2-3B57-40FC-AFA2-E72F0E9566D5}" dt="2025-06-06T12:38:36.788" v="4656" actId="20577"/>
         <pc:sldMkLst>
           <pc:docMk/>
           <pc:sldMk cId="528160161" sldId="292"/>
         </pc:sldMkLst>
-        <pc:spChg chg="add mod">
-          <ac:chgData name="Kenneth Copas" userId="acf87e8c-e0c4-48a9-850b-6aa06780f160" providerId="ADAL" clId="{C033EAB2-3B57-40FC-AFA2-E72F0E9566D5}" dt="2025-06-04T12:57:51.592" v="747"/>
-          <ac:spMkLst>
-            <pc:docMk/>
-            <pc:sldMk cId="528160161" sldId="292"/>
-            <ac:spMk id="2" creationId="{02F7806B-CFFB-AC81-ACEC-776C6E2B3651}"/>
-          </ac:spMkLst>
-        </pc:spChg>
       </pc:sldChg>
       <pc:sldChg chg="addSp delSp modSp mod modNotesTx">
-        <pc:chgData name="Kenneth Copas" userId="acf87e8c-e0c4-48a9-850b-6aa06780f160" providerId="ADAL" clId="{C033EAB2-3B57-40FC-AFA2-E72F0E9566D5}" dt="2025-06-05T18:10:25.794" v="4246" actId="20577"/>
+        <pc:chgData name="Kenneth Copas" userId="acf87e8c-e0c4-48a9-850b-6aa06780f160" providerId="ADAL" clId="{C033EAB2-3B57-40FC-AFA2-E72F0E9566D5}" dt="2025-06-06T12:34:55.160" v="4577" actId="20577"/>
         <pc:sldMkLst>
           <pc:docMk/>
           <pc:sldMk cId="204358488" sldId="293"/>
@@ -2111,36 +1775,12 @@
             <ac:spMk id="2" creationId="{635360F9-5A89-B78D-74B2-CD2ABE5702B8}"/>
           </ac:spMkLst>
         </pc:spChg>
-        <pc:spChg chg="add del mod ord">
-          <ac:chgData name="Kenneth Copas" userId="acf87e8c-e0c4-48a9-850b-6aa06780f160" providerId="ADAL" clId="{C033EAB2-3B57-40FC-AFA2-E72F0E9566D5}" dt="2025-06-04T13:14:12.218" v="921" actId="478"/>
-          <ac:spMkLst>
-            <pc:docMk/>
-            <pc:sldMk cId="204358488" sldId="293"/>
-            <ac:spMk id="4" creationId="{CBCFC5CC-59ED-E89D-77F4-7BA13CE86E35}"/>
-          </ac:spMkLst>
-        </pc:spChg>
-        <pc:spChg chg="add del mod">
-          <ac:chgData name="Kenneth Copas" userId="acf87e8c-e0c4-48a9-850b-6aa06780f160" providerId="ADAL" clId="{C033EAB2-3B57-40FC-AFA2-E72F0E9566D5}" dt="2025-06-04T12:45:25.883" v="660" actId="12084"/>
-          <ac:spMkLst>
-            <pc:docMk/>
-            <pc:sldMk cId="204358488" sldId="293"/>
-            <ac:spMk id="5" creationId="{1B8618C2-E046-500C-7C44-A937798DC702}"/>
-          </ac:spMkLst>
-        </pc:spChg>
         <pc:spChg chg="mod">
-          <ac:chgData name="Kenneth Copas" userId="acf87e8c-e0c4-48a9-850b-6aa06780f160" providerId="ADAL" clId="{C033EAB2-3B57-40FC-AFA2-E72F0E9566D5}" dt="2025-06-04T12:38:57.761" v="177" actId="1076"/>
+          <ac:chgData name="Kenneth Copas" userId="acf87e8c-e0c4-48a9-850b-6aa06780f160" providerId="ADAL" clId="{C033EAB2-3B57-40FC-AFA2-E72F0E9566D5}" dt="2025-06-06T12:34:55.160" v="4577" actId="20577"/>
           <ac:spMkLst>
             <pc:docMk/>
             <pc:sldMk cId="204358488" sldId="293"/>
             <ac:spMk id="6" creationId="{16A5E477-5AC0-E330-5900-07ED49CA3D06}"/>
-          </ac:spMkLst>
-        </pc:spChg>
-        <pc:spChg chg="add del mod">
-          <ac:chgData name="Kenneth Copas" userId="acf87e8c-e0c4-48a9-850b-6aa06780f160" providerId="ADAL" clId="{C033EAB2-3B57-40FC-AFA2-E72F0E9566D5}" dt="2025-06-04T12:57:19.265" v="741" actId="12084"/>
-          <ac:spMkLst>
-            <pc:docMk/>
-            <pc:sldMk cId="204358488" sldId="293"/>
-            <ac:spMk id="17" creationId="{C26DC2B1-878C-3C44-1D67-C84B34B5D831}"/>
           </ac:spMkLst>
         </pc:spChg>
         <pc:spChg chg="mod">
@@ -2223,14 +1863,6 @@
             <ac:spMk id="35" creationId="{5BF1239D-8266-931D-DCF9-C52B3C173856}"/>
           </ac:spMkLst>
         </pc:spChg>
-        <pc:spChg chg="add del mod">
-          <ac:chgData name="Kenneth Copas" userId="acf87e8c-e0c4-48a9-850b-6aa06780f160" providerId="ADAL" clId="{C033EAB2-3B57-40FC-AFA2-E72F0E9566D5}" dt="2025-06-04T13:17:10.642" v="960" actId="478"/>
-          <ac:spMkLst>
-            <pc:docMk/>
-            <pc:sldMk cId="204358488" sldId="293"/>
-            <ac:spMk id="38" creationId="{2406626C-27DA-C30F-6615-1A0F70DAD049}"/>
-          </ac:spMkLst>
-        </pc:spChg>
         <pc:spChg chg="add mod">
           <ac:chgData name="Kenneth Copas" userId="acf87e8c-e0c4-48a9-850b-6aa06780f160" providerId="ADAL" clId="{C033EAB2-3B57-40FC-AFA2-E72F0E9566D5}" dt="2025-06-04T13:18:37.388" v="968" actId="1076"/>
           <ac:spMkLst>
@@ -2271,14 +1903,6 @@
             <ac:grpSpMk id="31" creationId="{99DC67EB-EEE2-2510-7FFB-E91212BBAD08}"/>
           </ac:grpSpMkLst>
         </pc:grpChg>
-        <pc:grpChg chg="add mod">
-          <ac:chgData name="Kenneth Copas" userId="acf87e8c-e0c4-48a9-850b-6aa06780f160" providerId="ADAL" clId="{C033EAB2-3B57-40FC-AFA2-E72F0E9566D5}" dt="2025-06-04T13:12:21.831" v="889" actId="164"/>
-          <ac:grpSpMkLst>
-            <pc:docMk/>
-            <pc:sldMk cId="204358488" sldId="293"/>
-            <ac:grpSpMk id="34" creationId="{EA2E51BE-94E3-21DF-7C54-8D722712C7AC}"/>
-          </ac:grpSpMkLst>
-        </pc:grpChg>
         <pc:grpChg chg="mod">
           <ac:chgData name="Kenneth Copas" userId="acf87e8c-e0c4-48a9-850b-6aa06780f160" providerId="ADAL" clId="{C033EAB2-3B57-40FC-AFA2-E72F0E9566D5}" dt="2025-06-04T13:18:48.318" v="969" actId="1076"/>
           <ac:grpSpMkLst>
@@ -2295,46 +1919,6 @@
             <ac:grpSpMk id="37" creationId="{4FA913BA-EF93-1DB3-96B2-D5D033300339}"/>
           </ac:grpSpMkLst>
         </pc:grpChg>
-        <pc:graphicFrameChg chg="add del mod">
-          <ac:chgData name="Kenneth Copas" userId="acf87e8c-e0c4-48a9-850b-6aa06780f160" providerId="ADAL" clId="{C033EAB2-3B57-40FC-AFA2-E72F0E9566D5}" dt="2025-06-04T12:50:39.514" v="684" actId="478"/>
-          <ac:graphicFrameMkLst>
-            <pc:docMk/>
-            <pc:sldMk cId="204358488" sldId="293"/>
-            <ac:graphicFrameMk id="7" creationId="{DECF3BD2-E8F4-B7F5-7D5F-D78DE1A75287}"/>
-          </ac:graphicFrameMkLst>
-        </pc:graphicFrameChg>
-        <pc:graphicFrameChg chg="add del mod modGraphic">
-          <ac:chgData name="Kenneth Copas" userId="acf87e8c-e0c4-48a9-850b-6aa06780f160" providerId="ADAL" clId="{C033EAB2-3B57-40FC-AFA2-E72F0E9566D5}" dt="2025-06-04T12:56:39.730" v="738" actId="478"/>
-          <ac:graphicFrameMkLst>
-            <pc:docMk/>
-            <pc:sldMk cId="204358488" sldId="293"/>
-            <ac:graphicFrameMk id="9" creationId="{214AFC02-7BD1-0ECB-F0A2-51E10F9B4C20}"/>
-          </ac:graphicFrameMkLst>
-        </pc:graphicFrameChg>
-        <pc:graphicFrameChg chg="add del modGraphic">
-          <ac:chgData name="Kenneth Copas" userId="acf87e8c-e0c4-48a9-850b-6aa06780f160" providerId="ADAL" clId="{C033EAB2-3B57-40FC-AFA2-E72F0E9566D5}" dt="2025-06-04T12:56:10.497" v="730" actId="1032"/>
-          <ac:graphicFrameMkLst>
-            <pc:docMk/>
-            <pc:sldMk cId="204358488" sldId="293"/>
-            <ac:graphicFrameMk id="11" creationId="{71337340-A2F9-F1DB-41E4-AC6971781C45}"/>
-          </ac:graphicFrameMkLst>
-        </pc:graphicFrameChg>
-        <pc:graphicFrameChg chg="add del mod modGraphic">
-          <ac:chgData name="Kenneth Copas" userId="acf87e8c-e0c4-48a9-850b-6aa06780f160" providerId="ADAL" clId="{C033EAB2-3B57-40FC-AFA2-E72F0E9566D5}" dt="2025-06-04T12:56:10.172" v="728" actId="1032"/>
-          <ac:graphicFrameMkLst>
-            <pc:docMk/>
-            <pc:sldMk cId="204358488" sldId="293"/>
-            <ac:graphicFrameMk id="15" creationId="{8053397E-307D-2F27-35E1-843EAA36FE02}"/>
-          </ac:graphicFrameMkLst>
-        </pc:graphicFrameChg>
-        <pc:graphicFrameChg chg="add del mod">
-          <ac:chgData name="Kenneth Copas" userId="acf87e8c-e0c4-48a9-850b-6aa06780f160" providerId="ADAL" clId="{C033EAB2-3B57-40FC-AFA2-E72F0E9566D5}" dt="2025-06-04T13:05:25.734" v="831" actId="18245"/>
-          <ac:graphicFrameMkLst>
-            <pc:docMk/>
-            <pc:sldMk cId="204358488" sldId="293"/>
-            <ac:graphicFrameMk id="19" creationId="{5A6CDA3D-C0DC-2C06-8D57-6F9C3EB902C6}"/>
-          </ac:graphicFrameMkLst>
-        </pc:graphicFrameChg>
         <pc:picChg chg="mod">
           <ac:chgData name="Kenneth Copas" userId="acf87e8c-e0c4-48a9-850b-6aa06780f160" providerId="ADAL" clId="{C033EAB2-3B57-40FC-AFA2-E72F0E9566D5}" dt="2025-06-04T12:38:58.168" v="178" actId="1076"/>
           <ac:picMkLst>
@@ -7328,7 +6912,7 @@
         <a:p>
           <a:r>
             <a:rPr lang="en-US" b="1" dirty="0"/>
-            <a:t>Data Migration Setup</a:t>
+            <a:t>1. Data Migration Setup</a:t>
           </a:r>
         </a:p>
       </dgm:t>
@@ -7364,7 +6948,7 @@
         <a:p>
           <a:r>
             <a:rPr lang="en-US" b="1" dirty="0"/>
-            <a:t>Data Client</a:t>
+            <a:t>2. Data Client</a:t>
           </a:r>
         </a:p>
       </dgm:t>
@@ -7400,7 +6984,7 @@
         <a:p>
           <a:r>
             <a:rPr lang="en-US" b="1" dirty="0"/>
-            <a:t>Command Line Interface</a:t>
+            <a:t>3. Command Line Interface</a:t>
           </a:r>
         </a:p>
       </dgm:t>
@@ -7436,7 +7020,7 @@
         <a:p>
           <a:r>
             <a:rPr lang="en-US" b="1" dirty="0"/>
-            <a:t>Application</a:t>
+            <a:t>4. Application</a:t>
           </a:r>
         </a:p>
       </dgm:t>
@@ -8902,7 +8486,7 @@
         </a:bodyPr>
         <a:lstStyle/>
         <a:p>
-          <a:pPr marL="0" lvl="0" indent="0" algn="ctr" defTabSz="1066800">
+          <a:pPr marL="0" lvl="0" indent="0" algn="ctr" defTabSz="1022350">
             <a:lnSpc>
               <a:spcPct val="90000"/>
             </a:lnSpc>
@@ -8915,8 +8499,8 @@
             <a:buNone/>
           </a:pPr>
           <a:r>
-            <a:rPr lang="en-US" sz="2400" b="1" kern="1200" dirty="0"/>
-            <a:t>Data Migration Setup</a:t>
+            <a:rPr lang="en-US" sz="2300" b="1" kern="1200" dirty="0"/>
+            <a:t>1. Data Migration Setup</a:t>
           </a:r>
         </a:p>
       </dsp:txBody>
@@ -9012,7 +8596,7 @@
         </a:bodyPr>
         <a:lstStyle/>
         <a:p>
-          <a:pPr marL="0" lvl="0" indent="0" algn="ctr" defTabSz="1066800">
+          <a:pPr marL="0" lvl="0" indent="0" algn="ctr" defTabSz="1022350">
             <a:lnSpc>
               <a:spcPct val="90000"/>
             </a:lnSpc>
@@ -9025,8 +8609,8 @@
             <a:buNone/>
           </a:pPr>
           <a:r>
-            <a:rPr lang="en-US" sz="2400" b="1" kern="1200" dirty="0"/>
-            <a:t>Data Client</a:t>
+            <a:rPr lang="en-US" sz="2300" b="1" kern="1200" dirty="0"/>
+            <a:t>2. Data Client</a:t>
           </a:r>
         </a:p>
       </dsp:txBody>
@@ -9122,7 +8706,7 @@
         </a:bodyPr>
         <a:lstStyle/>
         <a:p>
-          <a:pPr marL="0" lvl="0" indent="0" algn="ctr" defTabSz="1022350">
+          <a:pPr marL="0" lvl="0" indent="0" algn="ctr" defTabSz="977900">
             <a:lnSpc>
               <a:spcPct val="90000"/>
             </a:lnSpc>
@@ -9135,8 +8719,8 @@
             <a:buNone/>
           </a:pPr>
           <a:r>
-            <a:rPr lang="en-US" sz="2300" b="1" kern="1200" dirty="0"/>
-            <a:t>Command Line Interface</a:t>
+            <a:rPr lang="en-US" sz="2200" b="1" kern="1200" dirty="0"/>
+            <a:t>3. Command Line Interface</a:t>
           </a:r>
         </a:p>
       </dsp:txBody>
@@ -9232,7 +8816,7 @@
         </a:bodyPr>
         <a:lstStyle/>
         <a:p>
-          <a:pPr marL="0" lvl="0" indent="0" algn="ctr" defTabSz="1022350">
+          <a:pPr marL="0" lvl="0" indent="0" algn="ctr" defTabSz="977900">
             <a:lnSpc>
               <a:spcPct val="90000"/>
             </a:lnSpc>
@@ -9245,8 +8829,8 @@
             <a:buNone/>
           </a:pPr>
           <a:r>
-            <a:rPr lang="en-US" sz="2300" b="1" kern="1200" dirty="0"/>
-            <a:t>Application</a:t>
+            <a:rPr lang="en-US" sz="2200" b="1" kern="1200" dirty="0"/>
+            <a:t>4. Application</a:t>
           </a:r>
         </a:p>
       </dsp:txBody>
@@ -15750,7 +15334,7 @@
           <a:p>
             <a:fld id="{7D709B56-B64F-48D4-986A-D7BA322A6C27}" type="datetimeFigureOut">
               <a:rPr lang="en-US" smtClean="0"/>
-              <a:t>6/5/2025</a:t>
+              <a:t>6/6/2025</a:t>
             </a:fld>
             <a:endParaRPr lang="en-US"/>
           </a:p>
@@ -16063,15 +15647,56 @@
           <a:p>
             <a:r>
               <a:rPr lang="en-US" dirty="0"/>
-              <a:t>Water bottle, drag </a:t>
+              <a:t>Checklist:</a:t>
+            </a:r>
+          </a:p>
+          <a:p>
+            <a:pPr marL="171450" indent="-171450">
+              <a:buFontTx/>
+              <a:buChar char="-"/>
+            </a:pPr>
+            <a:r>
+              <a:rPr lang="en-US" dirty="0" err="1"/>
+              <a:t>Waterbottle</a:t>
+            </a:r>
+            <a:endParaRPr lang="en-US" dirty="0"/>
+          </a:p>
+          <a:p>
+            <a:pPr marL="171450" indent="-171450">
+              <a:buFontTx/>
+              <a:buChar char="-"/>
+            </a:pPr>
+            <a:r>
+              <a:rPr lang="en-US" dirty="0"/>
+              <a:t>Start Application</a:t>
+            </a:r>
+          </a:p>
+          <a:p>
+            <a:pPr marL="171450" indent="-171450">
+              <a:buFontTx/>
+              <a:buChar char="-"/>
+            </a:pPr>
+            <a:r>
+              <a:rPr lang="en-US" dirty="0"/>
+              <a:t>Drag </a:t>
             </a:r>
             <a:r>
               <a:rPr lang="en-US" dirty="0" err="1"/>
-              <a:t>vscode</a:t>
+              <a:t>VSCode</a:t>
             </a:r>
             <a:r>
               <a:rPr lang="en-US" dirty="0"/>
-              <a:t> to main screen now</a:t>
+              <a:t> to big screen</a:t>
+            </a:r>
+          </a:p>
+          <a:p>
+            <a:pPr marL="171450" indent="-171450">
+              <a:buFontTx/>
+              <a:buChar char="-"/>
+            </a:pPr>
+            <a:r>
+              <a:rPr lang="en-US" dirty="0"/>
+              <a:t>Start timer</a:t>
             </a:r>
           </a:p>
           <a:p>
@@ -16087,6 +15712,15 @@
             <a:r>
               <a:rPr lang="en-US" dirty="0"/>
               <a:t>ETL Process Manager for a Financial Client</a:t>
+            </a:r>
+          </a:p>
+          <a:p>
+            <a:endParaRPr lang="en-US" dirty="0"/>
+          </a:p>
+          <a:p>
+            <a:r>
+              <a:rPr lang="en-US" dirty="0"/>
+              <a:t>Background</a:t>
             </a:r>
           </a:p>
         </p:txBody>
@@ -16217,6 +15851,15 @@
               <a:t> for pipeline</a:t>
             </a:r>
           </a:p>
+          <a:p>
+            <a:endParaRPr lang="en-US" dirty="0"/>
+          </a:p>
+          <a:p>
+            <a:r>
+              <a:rPr lang="en-US" dirty="0"/>
+              <a:t>Data is moved, how to access it</a:t>
+            </a:r>
+          </a:p>
         </p:txBody>
       </p:sp>
       <p:sp>
@@ -16325,15 +15968,6 @@
           <a:p>
             <a:r>
               <a:rPr lang="en-US" dirty="0"/>
-              <a:t>START APPLICATION NOW</a:t>
-            </a:r>
-          </a:p>
-          <a:p>
-            <a:endParaRPr lang="en-US" dirty="0"/>
-          </a:p>
-          <a:p>
-            <a:r>
-              <a:rPr lang="en-US" dirty="0"/>
               <a:t>Build a CLI (menu), not without menu components</a:t>
             </a:r>
           </a:p>
@@ -16341,6 +15975,15 @@
             <a:r>
               <a:rPr lang="en-US" dirty="0"/>
               <a:t>Use the menu components to make a menu</a:t>
+            </a:r>
+          </a:p>
+          <a:p>
+            <a:endParaRPr lang="en-US" dirty="0"/>
+          </a:p>
+          <a:p>
+            <a:r>
+              <a:rPr lang="en-US" dirty="0"/>
+              <a:t>All components made, how to manage workflow</a:t>
             </a:r>
           </a:p>
         </p:txBody>
@@ -16433,15 +16076,6 @@
           <a:p>
             <a:r>
               <a:rPr lang="en-US" dirty="0"/>
-              <a:t>APPLICATION SHOULD BE STARTED NOW</a:t>
-            </a:r>
-          </a:p>
-          <a:p>
-            <a:endParaRPr lang="en-US" dirty="0"/>
-          </a:p>
-          <a:p>
-            <a:r>
-              <a:rPr lang="en-US" dirty="0"/>
               <a:t>Modularity = Brief Application</a:t>
             </a:r>
           </a:p>
@@ -16449,6 +16083,28 @@
             <a:r>
               <a:rPr lang="en-US" dirty="0"/>
               <a:t>Application Workflow (In Order)</a:t>
+            </a:r>
+          </a:p>
+          <a:p>
+            <a:endParaRPr lang="en-US" dirty="0"/>
+          </a:p>
+          <a:p>
+            <a:r>
+              <a:rPr lang="en-US" dirty="0"/>
+              <a:t>Application, show functionality</a:t>
+            </a:r>
+          </a:p>
+          <a:p>
+            <a:endParaRPr lang="en-US" dirty="0"/>
+          </a:p>
+          <a:p>
+            <a:r>
+              <a:rPr lang="en-US"/>
+              <a:t>Lead How </a:t>
+            </a:r>
+            <a:r>
+              <a:rPr lang="en-US" dirty="0"/>
+              <a:t>was this organized</a:t>
             </a:r>
           </a:p>
         </p:txBody>
@@ -16535,22 +16191,39 @@
           <a:p>
             <a:r>
               <a:rPr lang="en-US" dirty="0"/>
-              <a:t>APPLICATION SHOULD BE FINISHED</a:t>
+              <a:t>Very brief</a:t>
             </a:r>
           </a:p>
           <a:p>
-            <a:endParaRPr lang="en-US" dirty="0"/>
-          </a:p>
-          <a:p>
+            <a:pPr marL="0" marR="0" lvl="0" indent="0" algn="l" defTabSz="914400" rtl="0" eaLnBrk="1" fontAlgn="auto" latinLnBrk="0" hangingPunct="1">
+              <a:lnSpc>
+                <a:spcPct val="100000"/>
+              </a:lnSpc>
+              <a:spcBef>
+                <a:spcPts val="0"/>
+              </a:spcBef>
+              <a:spcAft>
+                <a:spcPts val="0"/>
+              </a:spcAft>
+              <a:buClrTx/>
+              <a:buSzTx/>
+              <a:buFontTx/>
+              <a:buNone/>
+              <a:tabLst/>
+              <a:defRPr/>
+            </a:pPr>
             <a:r>
               <a:rPr lang="en-US" dirty="0"/>
-              <a:t>Very brief</a:t>
+              <a:t>Save time for conclusion and Q&amp;A</a:t>
             </a:r>
+          </a:p>
+          <a:p>
+            <a:endParaRPr lang="en-US" dirty="0"/>
           </a:p>
           <a:p>
             <a:r>
               <a:rPr lang="en-US" dirty="0"/>
-              <a:t>Lead into demo, save time for conclusion and Q&amp;A</a:t>
+              <a:t>First two problems solved, lastly visualization</a:t>
             </a:r>
           </a:p>
         </p:txBody>
@@ -16653,7 +16326,13 @@
             </a:br>
             <a:r>
               <a:rPr lang="en-US" dirty="0"/>
-              <a:t>Tableau Public Viz Link: https://public.tableau.com/views/CustomerDataDashboard_17484417707510/CustomerDataDashboard?:language=en-US&amp;:sid=&amp;:redirect=auth&amp;:display_count=n&amp;:origin=viz_share_link</a:t>
+              <a:t>Tableau Public Viz Link:</a:t>
+            </a:r>
+          </a:p>
+          <a:p>
+            <a:r>
+              <a:rPr lang="en-US" dirty="0"/>
+              <a:t>https://public.tableau.com/views/CustomerDataDashboard_17484417707510/CustomerDataDashboard?:language=en-US&amp;:sid=&amp;:redirect=auth&amp;:display_count=n&amp;:origin=viz_share_link</a:t>
             </a:r>
           </a:p>
         </p:txBody>
@@ -16779,13 +16458,8 @@
           <a:p>
             <a:r>
               <a:rPr lang="en-US" dirty="0"/>
-              <a:t>Tableau – Enables story-telling </a:t>
+              <a:t>Tableau – Enables story-telling and claims</a:t>
             </a:r>
-            <a:r>
-              <a:rPr lang="en-US"/>
-              <a:t>and claims</a:t>
-            </a:r>
-            <a:endParaRPr lang="en-US" dirty="0"/>
           </a:p>
           <a:p>
             <a:endParaRPr lang="en-US" dirty="0"/>
@@ -16930,6 +16604,15 @@
               <a:t>Future (Courses, Certifications, Learning as much as I can)</a:t>
             </a:r>
           </a:p>
+          <a:p>
+            <a:endParaRPr lang="en-US" dirty="0"/>
+          </a:p>
+          <a:p>
+            <a:r>
+              <a:rPr lang="en-US" dirty="0"/>
+              <a:t>Problem</a:t>
+            </a:r>
+          </a:p>
         </p:txBody>
       </p:sp>
       <p:sp>
@@ -17137,6 +16820,15 @@
           <a:p>
             <a:r>
               <a:rPr lang="en-US" dirty="0"/>
+              <a:t>3:00</a:t>
+            </a:r>
+          </a:p>
+          <a:p>
+            <a:endParaRPr lang="en-US" dirty="0"/>
+          </a:p>
+          <a:p>
+            <a:r>
+              <a:rPr lang="en-US" dirty="0"/>
               <a:t>Lead from the problems being solved</a:t>
             </a:r>
           </a:p>
@@ -17159,6 +16851,15 @@
             <a:r>
               <a:rPr lang="en-US" dirty="0"/>
               <a:t>Brief Explanation of Components</a:t>
+            </a:r>
+          </a:p>
+          <a:p>
+            <a:endParaRPr lang="en-US" dirty="0"/>
+          </a:p>
+          <a:p>
+            <a:r>
+              <a:rPr lang="en-US" dirty="0"/>
+              <a:t>Tools being used</a:t>
             </a:r>
           </a:p>
         </p:txBody>
@@ -17245,25 +16946,43 @@
           <a:p>
             <a:r>
               <a:rPr lang="en-US" dirty="0"/>
-              <a:t>Data Client purpose (Modularity)</a:t>
+              <a:t>Very brief</a:t>
             </a:r>
+          </a:p>
+          <a:p>
+            <a:endParaRPr lang="en-US" dirty="0"/>
           </a:p>
           <a:p>
             <a:r>
               <a:rPr lang="en-US" dirty="0"/>
-              <a:t>- Cybersecurity &amp; Cloud</a:t>
+              <a:t>Store data</a:t>
             </a:r>
           </a:p>
           <a:p>
             <a:r>
               <a:rPr lang="en-US" dirty="0"/>
-              <a:t>ETL Pipeline</a:t>
+              <a:t>Process Data</a:t>
             </a:r>
           </a:p>
           <a:p>
             <a:r>
               <a:rPr lang="en-US" dirty="0"/>
-              <a:t>Problem – Solution</a:t>
+              <a:t>Application (Management)</a:t>
+            </a:r>
+          </a:p>
+          <a:p>
+            <a:r>
+              <a:rPr lang="en-US" dirty="0"/>
+              <a:t>Analysis &amp; Visualization</a:t>
+            </a:r>
+          </a:p>
+          <a:p>
+            <a:endParaRPr lang="en-US" dirty="0"/>
+          </a:p>
+          <a:p>
+            <a:r>
+              <a:rPr lang="en-US" dirty="0"/>
+              <a:t>How these tools interact (workflow)</a:t>
             </a:r>
           </a:p>
         </p:txBody>
@@ -17294,7 +17013,7 @@
     </p:spTree>
     <p:extLst>
       <p:ext uri="{BB962C8B-B14F-4D97-AF65-F5344CB8AC3E}">
-        <p14:creationId xmlns:p14="http://schemas.microsoft.com/office/powerpoint/2010/main" val="931084414"/>
+        <p14:creationId xmlns:p14="http://schemas.microsoft.com/office/powerpoint/2010/main" val="2735856846"/>
       </p:ext>
     </p:extLst>
   </p:cSld>
@@ -17350,36 +17069,25 @@
           <a:p>
             <a:r>
               <a:rPr lang="en-US" dirty="0"/>
-              <a:t>Python CLI</a:t>
+              <a:t>Data Client purpose (Modularity)</a:t>
             </a:r>
           </a:p>
           <a:p>
             <a:r>
               <a:rPr lang="en-US" dirty="0"/>
-              <a:t>CLI -&gt; Database through Data Client</a:t>
+              <a:t>- Cybersecurity &amp; Cloud</a:t>
             </a:r>
           </a:p>
           <a:p>
-            <a:pPr marL="0" marR="0" lvl="0" indent="0" algn="l" defTabSz="914400" rtl="0" eaLnBrk="1" fontAlgn="auto" latinLnBrk="0" hangingPunct="1">
-              <a:lnSpc>
-                <a:spcPct val="100000"/>
-              </a:lnSpc>
-              <a:spcBef>
-                <a:spcPts val="0"/>
-              </a:spcBef>
-              <a:spcAft>
-                <a:spcPts val="0"/>
-              </a:spcAft>
-              <a:buClrTx/>
-              <a:buSzTx/>
-              <a:buFontTx/>
-              <a:buNone/>
-              <a:tabLst/>
-              <a:defRPr/>
-            </a:pPr>
             <a:r>
               <a:rPr lang="en-US" dirty="0"/>
-              <a:t>Problem - Solution</a:t>
+              <a:t>ETL Pipeline</a:t>
+            </a:r>
+          </a:p>
+          <a:p>
+            <a:r>
+              <a:rPr lang="en-US" dirty="0"/>
+              <a:t>Problem – Solution</a:t>
             </a:r>
           </a:p>
         </p:txBody>
@@ -17410,7 +17118,7 @@
     </p:spTree>
     <p:extLst>
       <p:ext uri="{BB962C8B-B14F-4D97-AF65-F5344CB8AC3E}">
-        <p14:creationId xmlns:p14="http://schemas.microsoft.com/office/powerpoint/2010/main" val="1984281121"/>
+        <p14:creationId xmlns:p14="http://schemas.microsoft.com/office/powerpoint/2010/main" val="931084414"/>
       </p:ext>
     </p:extLst>
   </p:cSld>
@@ -17466,34 +17174,36 @@
           <a:p>
             <a:r>
               <a:rPr lang="en-US" dirty="0"/>
-              <a:t>Quick and Brief</a:t>
+              <a:t>Python CLI</a:t>
             </a:r>
-          </a:p>
-          <a:p>
-            <a:endParaRPr lang="en-US" dirty="0"/>
           </a:p>
           <a:p>
             <a:r>
               <a:rPr lang="en-US" dirty="0"/>
-              <a:t>Create Database</a:t>
+              <a:t>CLI -&gt; Database through Data Client</a:t>
             </a:r>
           </a:p>
           <a:p>
+            <a:pPr marL="0" marR="0" lvl="0" indent="0" algn="l" defTabSz="914400" rtl="0" eaLnBrk="1" fontAlgn="auto" latinLnBrk="0" hangingPunct="1">
+              <a:lnSpc>
+                <a:spcPct val="100000"/>
+              </a:lnSpc>
+              <a:spcBef>
+                <a:spcPts val="0"/>
+              </a:spcBef>
+              <a:spcAft>
+                <a:spcPts val="0"/>
+              </a:spcAft>
+              <a:buClrTx/>
+              <a:buSzTx/>
+              <a:buFontTx/>
+              <a:buNone/>
+              <a:tabLst/>
+              <a:defRPr/>
+            </a:pPr>
             <a:r>
               <a:rPr lang="en-US" dirty="0"/>
-              <a:t>Database Connection and Interaction</a:t>
-            </a:r>
-          </a:p>
-          <a:p>
-            <a:r>
-              <a:rPr lang="en-US" dirty="0"/>
-              <a:t>User-friendly for non-technical</a:t>
-            </a:r>
-          </a:p>
-          <a:p>
-            <a:r>
-              <a:rPr lang="en-US" dirty="0"/>
-              <a:t>Full Application workflow</a:t>
+              <a:t>Problem - Solution</a:t>
             </a:r>
           </a:p>
         </p:txBody>
@@ -17524,7 +17234,7 @@
     </p:spTree>
     <p:extLst>
       <p:ext uri="{BB962C8B-B14F-4D97-AF65-F5344CB8AC3E}">
-        <p14:creationId xmlns:p14="http://schemas.microsoft.com/office/powerpoint/2010/main" val="3571643305"/>
+        <p14:creationId xmlns:p14="http://schemas.microsoft.com/office/powerpoint/2010/main" val="1984281121"/>
       </p:ext>
     </p:extLst>
   </p:cSld>
@@ -17580,34 +17290,40 @@
           <a:p>
             <a:r>
               <a:rPr lang="en-US" dirty="0"/>
-              <a:t>Very brief</a:t>
+              <a:t>Showed the overview, now the steps to get there</a:t>
             </a:r>
-          </a:p>
-          <a:p>
-            <a:endParaRPr lang="en-US" dirty="0"/>
           </a:p>
           <a:p>
             <a:r>
               <a:rPr lang="en-US" dirty="0"/>
-              <a:t>Store data</a:t>
+              <a:t>Quick and Brief</a:t>
             </a:r>
+          </a:p>
+          <a:p>
+            <a:endParaRPr lang="en-US" dirty="0"/>
           </a:p>
           <a:p>
             <a:r>
               <a:rPr lang="en-US" dirty="0"/>
-              <a:t>Process Data</a:t>
+              <a:t>Create Database</a:t>
             </a:r>
           </a:p>
           <a:p>
             <a:r>
               <a:rPr lang="en-US" dirty="0"/>
-              <a:t>Application (Management)</a:t>
+              <a:t>Database Connection and Interaction</a:t>
             </a:r>
           </a:p>
           <a:p>
             <a:r>
               <a:rPr lang="en-US" dirty="0"/>
-              <a:t>Analysis &amp; Visualization</a:t>
+              <a:t>User-friendly for non-technical</a:t>
+            </a:r>
+          </a:p>
+          <a:p>
+            <a:r>
+              <a:rPr lang="en-US" dirty="0"/>
+              <a:t>Full Application workflow</a:t>
             </a:r>
           </a:p>
         </p:txBody>
@@ -17638,7 +17354,7 @@
     </p:spTree>
     <p:extLst>
       <p:ext uri="{BB962C8B-B14F-4D97-AF65-F5344CB8AC3E}">
-        <p14:creationId xmlns:p14="http://schemas.microsoft.com/office/powerpoint/2010/main" val="2735856846"/>
+        <p14:creationId xmlns:p14="http://schemas.microsoft.com/office/powerpoint/2010/main" val="3571643305"/>
       </p:ext>
     </p:extLst>
   </p:cSld>
@@ -17736,6 +17452,15 @@
               <a:t>Database – Sike, create the database</a:t>
             </a:r>
           </a:p>
+          <a:p>
+            <a:endParaRPr lang="en-US" dirty="0"/>
+          </a:p>
+          <a:p>
+            <a:r>
+              <a:rPr lang="en-US" dirty="0"/>
+              <a:t>How to get from point A to point B</a:t>
+            </a:r>
+          </a:p>
         </p:txBody>
       </p:sp>
       <p:sp>
@@ -17927,7 +17652,7 @@
           <a:p>
             <a:fld id="{710A5CFE-F8A2-4EED-B2B2-AE5BD6E7F4BA}" type="datetimeFigureOut">
               <a:rPr lang="en-US" smtClean="0"/>
-              <a:t>6/5/2025</a:t>
+              <a:t>6/6/2025</a:t>
             </a:fld>
             <a:endParaRPr lang="en-US"/>
           </a:p>
@@ -18125,7 +17850,7 @@
           <a:p>
             <a:fld id="{710A5CFE-F8A2-4EED-B2B2-AE5BD6E7F4BA}" type="datetimeFigureOut">
               <a:rPr lang="en-US" smtClean="0"/>
-              <a:t>6/5/2025</a:t>
+              <a:t>6/6/2025</a:t>
             </a:fld>
             <a:endParaRPr lang="en-US"/>
           </a:p>
@@ -18333,7 +18058,7 @@
           <a:p>
             <a:fld id="{710A5CFE-F8A2-4EED-B2B2-AE5BD6E7F4BA}" type="datetimeFigureOut">
               <a:rPr lang="en-US" smtClean="0"/>
-              <a:t>6/5/2025</a:t>
+              <a:t>6/6/2025</a:t>
             </a:fld>
             <a:endParaRPr lang="en-US"/>
           </a:p>
@@ -18531,7 +18256,7 @@
           <a:p>
             <a:fld id="{710A5CFE-F8A2-4EED-B2B2-AE5BD6E7F4BA}" type="datetimeFigureOut">
               <a:rPr lang="en-US" smtClean="0"/>
-              <a:t>6/5/2025</a:t>
+              <a:t>6/6/2025</a:t>
             </a:fld>
             <a:endParaRPr lang="en-US"/>
           </a:p>
@@ -18806,7 +18531,7 @@
           <a:p>
             <a:fld id="{710A5CFE-F8A2-4EED-B2B2-AE5BD6E7F4BA}" type="datetimeFigureOut">
               <a:rPr lang="en-US" smtClean="0"/>
-              <a:t>6/5/2025</a:t>
+              <a:t>6/6/2025</a:t>
             </a:fld>
             <a:endParaRPr lang="en-US"/>
           </a:p>
@@ -19071,7 +18796,7 @@
           <a:p>
             <a:fld id="{710A5CFE-F8A2-4EED-B2B2-AE5BD6E7F4BA}" type="datetimeFigureOut">
               <a:rPr lang="en-US" smtClean="0"/>
-              <a:t>6/5/2025</a:t>
+              <a:t>6/6/2025</a:t>
             </a:fld>
             <a:endParaRPr lang="en-US"/>
           </a:p>
@@ -19483,7 +19208,7 @@
           <a:p>
             <a:fld id="{710A5CFE-F8A2-4EED-B2B2-AE5BD6E7F4BA}" type="datetimeFigureOut">
               <a:rPr lang="en-US" smtClean="0"/>
-              <a:t>6/5/2025</a:t>
+              <a:t>6/6/2025</a:t>
             </a:fld>
             <a:endParaRPr lang="en-US"/>
           </a:p>
@@ -19624,7 +19349,7 @@
           <a:p>
             <a:fld id="{710A5CFE-F8A2-4EED-B2B2-AE5BD6E7F4BA}" type="datetimeFigureOut">
               <a:rPr lang="en-US" smtClean="0"/>
-              <a:t>6/5/2025</a:t>
+              <a:t>6/6/2025</a:t>
             </a:fld>
             <a:endParaRPr lang="en-US"/>
           </a:p>
@@ -19737,7 +19462,7 @@
           <a:p>
             <a:fld id="{710A5CFE-F8A2-4EED-B2B2-AE5BD6E7F4BA}" type="datetimeFigureOut">
               <a:rPr lang="en-US" smtClean="0"/>
-              <a:t>6/5/2025</a:t>
+              <a:t>6/6/2025</a:t>
             </a:fld>
             <a:endParaRPr lang="en-US"/>
           </a:p>
@@ -20048,7 +19773,7 @@
           <a:p>
             <a:fld id="{710A5CFE-F8A2-4EED-B2B2-AE5BD6E7F4BA}" type="datetimeFigureOut">
               <a:rPr lang="en-US" smtClean="0"/>
-              <a:t>6/5/2025</a:t>
+              <a:t>6/6/2025</a:t>
             </a:fld>
             <a:endParaRPr lang="en-US"/>
           </a:p>
@@ -20336,7 +20061,7 @@
           <a:p>
             <a:fld id="{710A5CFE-F8A2-4EED-B2B2-AE5BD6E7F4BA}" type="datetimeFigureOut">
               <a:rPr lang="en-US" smtClean="0"/>
-              <a:t>6/5/2025</a:t>
+              <a:t>6/6/2025</a:t>
             </a:fld>
             <a:endParaRPr lang="en-US"/>
           </a:p>
@@ -20577,7 +20302,7 @@
           <a:p>
             <a:fld id="{710A5CFE-F8A2-4EED-B2B2-AE5BD6E7F4BA}" type="datetimeFigureOut">
               <a:rPr lang="en-US" smtClean="0"/>
-              <a:t>6/5/2025</a:t>
+              <a:t>6/6/2025</a:t>
             </a:fld>
             <a:endParaRPr lang="en-US"/>
           </a:p>
@@ -26378,14 +26103,14 @@
             <p:ph idx="1"/>
             <p:extLst>
               <p:ext uri="{D42A27DB-BD31-4B8C-83A1-F6EECF244321}">
-                <p14:modId xmlns:p14="http://schemas.microsoft.com/office/powerpoint/2010/main" val="48505988"/>
+                <p14:modId xmlns:p14="http://schemas.microsoft.com/office/powerpoint/2010/main" val="3824627342"/>
               </p:ext>
             </p:extLst>
           </p:nvPr>
         </p:nvGraphicFramePr>
         <p:xfrm>
           <a:off x="644056" y="2115273"/>
-          <a:ext cx="10927830" cy="4240304"/>
+          <a:ext cx="10927830" cy="4499384"/>
         </p:xfrm>
         <a:graphic>
           <a:graphicData uri="http://schemas.openxmlformats.org/drawingml/2006/table">
@@ -26538,7 +26263,7 @@
                           </a:effectLst>
                           <a:latin typeface="Consolas" panose="020B0609020204030204" pitchFamily="49" charset="0"/>
                         </a:rPr>
-                        <a:t>app/</a:t>
+                        <a:t>app</a:t>
                       </a:r>
                     </a:p>
                     <a:p>
@@ -26608,6 +26333,23 @@
                       </a:r>
                     </a:p>
                     <a:p>
+                      <a:pPr marL="0" marR="0" lvl="0" indent="0" algn="l" defTabSz="914400" rtl="0" eaLnBrk="1" fontAlgn="auto" latinLnBrk="0" hangingPunct="1">
+                        <a:lnSpc>
+                          <a:spcPct val="100000"/>
+                        </a:lnSpc>
+                        <a:spcBef>
+                          <a:spcPts val="0"/>
+                        </a:spcBef>
+                        <a:spcAft>
+                          <a:spcPts val="0"/>
+                        </a:spcAft>
+                        <a:buClrTx/>
+                        <a:buSzTx/>
+                        <a:buFontTx/>
+                        <a:buNone/>
+                        <a:tabLst/>
+                        <a:defRPr/>
+                      </a:pPr>
                       <a:r>
                         <a:rPr lang="en-US" sz="1700" b="0" dirty="0">
                           <a:solidFill>
@@ -26622,7 +26364,7 @@
                           </a:effectLst>
                           <a:latin typeface="Consolas" panose="020B0609020204030204" pitchFamily="49" charset="0"/>
                         </a:rPr>
-                        <a:t>├── menu.py          </a:t>
+                        <a:t>└── menu.py          </a:t>
                       </a:r>
                       <a:r>
                         <a:rPr lang="en-US" sz="1700" b="1" dirty="0">
@@ -26674,72 +26416,6 @@
                       </a:r>
                     </a:p>
                     <a:p>
-                      <a:r>
-                        <a:rPr lang="en-US" sz="1700" b="0" dirty="0">
-                          <a:solidFill>
-                            <a:schemeClr val="tx1"/>
-                          </a:solidFill>
-                          <a:effectLst>
-                            <a:outerShdw blurRad="50800" dist="38100" dir="2700000" algn="tl" rotWithShape="0">
-                              <a:prstClr val="black">
-                                <a:alpha val="40000"/>
-                              </a:prstClr>
-                            </a:outerShdw>
-                          </a:effectLst>
-                          <a:latin typeface="Consolas" panose="020B0609020204030204" pitchFamily="49" charset="0"/>
-                        </a:rPr>
-                        <a:t>└── transformers.py  </a:t>
-                      </a:r>
-                      <a:r>
-                        <a:rPr lang="en-US" sz="1700" b="1" dirty="0">
-                          <a:solidFill>
-                            <a:schemeClr val="tx1"/>
-                          </a:solidFill>
-                          <a:effectLst>
-                            <a:outerShdw blurRad="50800" dist="38100" dir="2700000" algn="tl" rotWithShape="0">
-                              <a:prstClr val="black">
-                                <a:alpha val="40000"/>
-                              </a:prstClr>
-                            </a:outerShdw>
-                          </a:effectLst>
-                          <a:latin typeface="Consolas" panose="020B0609020204030204" pitchFamily="49" charset="0"/>
-                        </a:rPr>
-                        <a:t>#</a:t>
-                      </a:r>
-                      <a:r>
-                        <a:rPr lang="en-US" sz="1700" b="0" dirty="0">
-                          <a:solidFill>
-                            <a:schemeClr val="tx1"/>
-                          </a:solidFill>
-                          <a:effectLst>
-                            <a:outerShdw blurRad="50800" dist="38100" dir="2700000" algn="tl" rotWithShape="0">
-                              <a:prstClr val="black">
-                                <a:alpha val="40000"/>
-                              </a:prstClr>
-                            </a:outerShdw>
-                          </a:effectLst>
-                          <a:latin typeface="Consolas" panose="020B0609020204030204" pitchFamily="49" charset="0"/>
-                        </a:rPr>
-                        <a:t> </a:t>
-                      </a:r>
-                      <a:r>
-                        <a:rPr lang="en-US" sz="1700" b="1" dirty="0">
-                          <a:solidFill>
-                            <a:schemeClr val="tx1"/>
-                          </a:solidFill>
-                          <a:effectLst>
-                            <a:outerShdw blurRad="50800" dist="38100" dir="2700000" algn="tl" rotWithShape="0">
-                              <a:prstClr val="black">
-                                <a:alpha val="40000"/>
-                              </a:prstClr>
-                            </a:outerShdw>
-                          </a:effectLst>
-                          <a:latin typeface="Consolas" panose="020B0609020204030204" pitchFamily="49" charset="0"/>
-                        </a:rPr>
-                        <a:t>Transformer Functions</a:t>
-                      </a:r>
-                    </a:p>
-                    <a:p>
                       <a:endParaRPr lang="en-US" sz="1700" b="0" dirty="0">
                         <a:solidFill>
                           <a:schemeClr val="tx1"/>
@@ -26770,104 +26446,6 @@
                           <a:latin typeface="Consolas" panose="020B0609020204030204" pitchFamily="49" charset="0"/>
                         </a:rPr>
                         <a:t>config/</a:t>
-                      </a:r>
-                    </a:p>
-                    <a:p>
-                      <a:r>
-                        <a:rPr lang="en-US" sz="1700" b="0" dirty="0">
-                          <a:solidFill>
-                            <a:schemeClr val="tx1"/>
-                          </a:solidFill>
-                          <a:effectLst>
-                            <a:outerShdw blurRad="50800" dist="38100" dir="2700000" algn="tl" rotWithShape="0">
-                              <a:prstClr val="black">
-                                <a:alpha val="40000"/>
-                              </a:prstClr>
-                            </a:outerShdw>
-                          </a:effectLst>
-                          <a:latin typeface="Consolas" panose="020B0609020204030204" pitchFamily="49" charset="0"/>
-                        </a:rPr>
-                        <a:t>├── </a:t>
-                      </a:r>
-                      <a:r>
-                        <a:rPr lang="en-US" sz="1700" b="0" dirty="0" err="1">
-                          <a:solidFill>
-                            <a:schemeClr val="tx1"/>
-                          </a:solidFill>
-                          <a:effectLst>
-                            <a:outerShdw blurRad="50800" dist="38100" dir="2700000" algn="tl" rotWithShape="0">
-                              <a:prstClr val="black">
-                                <a:alpha val="40000"/>
-                              </a:prstClr>
-                            </a:outerShdw>
-                          </a:effectLst>
-                          <a:latin typeface="Consolas" panose="020B0609020204030204" pitchFamily="49" charset="0"/>
-                        </a:rPr>
-                        <a:t>config.json</a:t>
-                      </a:r>
-                      <a:r>
-                        <a:rPr lang="en-US" sz="1700" b="0" dirty="0">
-                          <a:solidFill>
-                            <a:schemeClr val="tx1"/>
-                          </a:solidFill>
-                          <a:effectLst>
-                            <a:outerShdw blurRad="50800" dist="38100" dir="2700000" algn="tl" rotWithShape="0">
-                              <a:prstClr val="black">
-                                <a:alpha val="40000"/>
-                              </a:prstClr>
-                            </a:outerShdw>
-                          </a:effectLst>
-                          <a:latin typeface="Consolas" panose="020B0609020204030204" pitchFamily="49" charset="0"/>
-                        </a:rPr>
-                        <a:t>      </a:t>
-                      </a:r>
-                      <a:r>
-                        <a:rPr lang="en-US" sz="1700" b="1" dirty="0">
-                          <a:solidFill>
-                            <a:schemeClr val="tx1"/>
-                          </a:solidFill>
-                          <a:effectLst>
-                            <a:outerShdw blurRad="50800" dist="38100" dir="2700000" algn="tl" rotWithShape="0">
-                              <a:prstClr val="black">
-                                <a:alpha val="40000"/>
-                              </a:prstClr>
-                            </a:outerShdw>
-                          </a:effectLst>
-                          <a:latin typeface="Consolas" panose="020B0609020204030204" pitchFamily="49" charset="0"/>
-                        </a:rPr>
-                        <a:t>#</a:t>
-                      </a:r>
-                      <a:r>
-                        <a:rPr lang="en-US" sz="1700" b="0" dirty="0">
-                          <a:solidFill>
-                            <a:schemeClr val="tx1"/>
-                          </a:solidFill>
-                          <a:effectLst>
-                            <a:outerShdw blurRad="50800" dist="38100" dir="2700000" algn="tl" rotWithShape="0">
-                              <a:prstClr val="black">
-                                <a:alpha val="40000"/>
-                              </a:prstClr>
-                            </a:outerShdw>
-                          </a:effectLst>
-                          <a:latin typeface="Consolas" panose="020B0609020204030204" pitchFamily="49" charset="0"/>
-                        </a:rPr>
-                        <a:t> </a:t>
-                      </a:r>
-                      <a:r>
-                        <a:rPr lang="en-US" sz="1700" b="1" dirty="0">
-                          <a:solidFill>
-                            <a:schemeClr val="tx1"/>
-                          </a:solidFill>
-                          <a:effectLst>
-                            <a:outerShdw blurRad="50800" dist="38100" dir="2700000" algn="tl" rotWithShape="0">
-                              <a:prstClr val="black">
-                                <a:alpha val="40000"/>
-                              </a:prstClr>
-                            </a:outerShdw>
-                          </a:effectLst>
-                          <a:latin typeface="Consolas" panose="020B0609020204030204" pitchFamily="49" charset="0"/>
-                        </a:rPr>
-                        <a:t>PySpark, MySQL Config</a:t>
                       </a:r>
                     </a:p>
                     <a:p>
@@ -26951,7 +26529,77 @@
                           </a:effectLst>
                           <a:latin typeface="Consolas" panose="020B0609020204030204" pitchFamily="49" charset="0"/>
                         </a:rPr>
-                        <a:t>                     </a:t>
+                        <a:t>          </a:t>
+                      </a:r>
+                    </a:p>
+                    <a:p>
+                      <a:r>
+                        <a:rPr lang="en-US" sz="1700" b="0" dirty="0">
+                          <a:solidFill>
+                            <a:schemeClr val="tx1"/>
+                          </a:solidFill>
+                          <a:effectLst>
+                            <a:outerShdw blurRad="50800" dist="38100" dir="2700000" algn="tl" rotWithShape="0">
+                              <a:prstClr val="black">
+                                <a:alpha val="40000"/>
+                              </a:prstClr>
+                            </a:outerShdw>
+                          </a:effectLst>
+                          <a:latin typeface="Consolas" panose="020B0609020204030204" pitchFamily="49" charset="0"/>
+                        </a:rPr>
+                        <a:t>lib/                 </a:t>
+                      </a:r>
+                      <a:r>
+                        <a:rPr lang="en-US" sz="1700" b="1" dirty="0">
+                          <a:solidFill>
+                            <a:schemeClr val="tx1"/>
+                          </a:solidFill>
+                          <a:effectLst>
+                            <a:outerShdw blurRad="50800" dist="38100" dir="2700000" algn="tl" rotWithShape="0">
+                              <a:prstClr val="black">
+                                <a:alpha val="40000"/>
+                              </a:prstClr>
+                            </a:outerShdw>
+                          </a:effectLst>
+                          <a:latin typeface="Consolas" panose="020B0609020204030204" pitchFamily="49" charset="0"/>
+                        </a:rPr>
+                        <a:t># MySQL Connector JDBC</a:t>
+                      </a:r>
+                    </a:p>
+                    <a:p>
+                      <a:r>
+                        <a:rPr lang="en-US" sz="1700" b="0" dirty="0">
+                          <a:solidFill>
+                            <a:schemeClr val="tx1"/>
+                          </a:solidFill>
+                          <a:effectLst>
+                            <a:outerShdw blurRad="50800" dist="38100" dir="2700000" algn="tl" rotWithShape="0">
+                              <a:prstClr val="black">
+                                <a:alpha val="40000"/>
+                              </a:prstClr>
+                            </a:outerShdw>
+                          </a:effectLst>
+                          <a:latin typeface="Consolas" panose="020B0609020204030204" pitchFamily="49" charset="0"/>
+                        </a:rPr>
+                        <a:t>└── mysql-connector-j-9.3.0.jar</a:t>
+                      </a:r>
+                    </a:p>
+                    <a:p>
+                      <a:r>
+                        <a:rPr lang="en-US" sz="1700" b="0" dirty="0">
+                          <a:solidFill>
+                            <a:schemeClr val="tx1"/>
+                          </a:solidFill>
+                          <a:effectLst>
+                            <a:outerShdw blurRad="50800" dist="38100" dir="2700000" algn="tl" rotWithShape="0">
+                              <a:prstClr val="black">
+                                <a:alpha val="40000"/>
+                              </a:prstClr>
+                            </a:outerShdw>
+                          </a:effectLst>
+                          <a:latin typeface="Consolas" panose="020B0609020204030204" pitchFamily="49" charset="0"/>
+                        </a:rPr>
+                        <a:t>           </a:t>
                       </a:r>
                     </a:p>
                     <a:p>
@@ -27052,37 +26700,8 @@
                           </a:effectLst>
                           <a:latin typeface="Consolas" panose="020B0609020204030204" pitchFamily="49" charset="0"/>
                         </a:rPr>
-                        <a:t>├── </a:t>
+                        <a:t>├── cdw_sapp_branch.json</a:t>
                       </a:r>
-                      <a:r>
-                        <a:rPr lang="en-US" sz="1700" b="0" dirty="0" err="1">
-                          <a:solidFill>
-                            <a:schemeClr val="tx1"/>
-                          </a:solidFill>
-                          <a:effectLst>
-                            <a:outerShdw blurRad="50800" dist="38100" dir="2700000" algn="tl" rotWithShape="0">
-                              <a:prstClr val="black">
-                                <a:alpha val="40000"/>
-                              </a:prstClr>
-                            </a:outerShdw>
-                          </a:effectLst>
-                          <a:latin typeface="Consolas" panose="020B0609020204030204" pitchFamily="49" charset="0"/>
-                        </a:rPr>
-                        <a:t>cdw_sapp_branch.json</a:t>
-                      </a:r>
-                      <a:endParaRPr lang="en-US" sz="1700" b="0" dirty="0">
-                        <a:solidFill>
-                          <a:schemeClr val="tx1"/>
-                        </a:solidFill>
-                        <a:effectLst>
-                          <a:outerShdw blurRad="50800" dist="38100" dir="2700000" algn="tl" rotWithShape="0">
-                            <a:prstClr val="black">
-                              <a:alpha val="40000"/>
-                            </a:prstClr>
-                          </a:outerShdw>
-                        </a:effectLst>
-                        <a:latin typeface="Consolas" panose="020B0609020204030204" pitchFamily="49" charset="0"/>
-                      </a:endParaRPr>
                     </a:p>
                     <a:p>
                       <a:r>
@@ -27099,37 +26718,8 @@
                           </a:effectLst>
                           <a:latin typeface="Consolas" panose="020B0609020204030204" pitchFamily="49" charset="0"/>
                         </a:rPr>
-                        <a:t>├── </a:t>
+                        <a:t>├── cdw_sapp_credit_card.json</a:t>
                       </a:r>
-                      <a:r>
-                        <a:rPr lang="en-US" sz="1700" b="0" dirty="0" err="1">
-                          <a:solidFill>
-                            <a:schemeClr val="tx1"/>
-                          </a:solidFill>
-                          <a:effectLst>
-                            <a:outerShdw blurRad="50800" dist="38100" dir="2700000" algn="tl" rotWithShape="0">
-                              <a:prstClr val="black">
-                                <a:alpha val="40000"/>
-                              </a:prstClr>
-                            </a:outerShdw>
-                          </a:effectLst>
-                          <a:latin typeface="Consolas" panose="020B0609020204030204" pitchFamily="49" charset="0"/>
-                        </a:rPr>
-                        <a:t>cdw_sapp_credit_card.json</a:t>
-                      </a:r>
-                      <a:endParaRPr lang="en-US" sz="1700" b="0" dirty="0">
-                        <a:solidFill>
-                          <a:schemeClr val="tx1"/>
-                        </a:solidFill>
-                        <a:effectLst>
-                          <a:outerShdw blurRad="50800" dist="38100" dir="2700000" algn="tl" rotWithShape="0">
-                            <a:prstClr val="black">
-                              <a:alpha val="40000"/>
-                            </a:prstClr>
-                          </a:outerShdw>
-                        </a:effectLst>
-                        <a:latin typeface="Consolas" panose="020B0609020204030204" pitchFamily="49" charset="0"/>
-                      </a:endParaRPr>
                     </a:p>
                     <a:p>
                       <a:r>
@@ -27146,37 +26736,8 @@
                           </a:effectLst>
                           <a:latin typeface="Consolas" panose="020B0609020204030204" pitchFamily="49" charset="0"/>
                         </a:rPr>
-                        <a:t>└── </a:t>
+                        <a:t>└── cdw_sapp_customer.json</a:t>
                       </a:r>
-                      <a:r>
-                        <a:rPr lang="en-US" sz="1700" b="0" dirty="0" err="1">
-                          <a:solidFill>
-                            <a:schemeClr val="tx1"/>
-                          </a:solidFill>
-                          <a:effectLst>
-                            <a:outerShdw blurRad="50800" dist="38100" dir="2700000" algn="tl" rotWithShape="0">
-                              <a:prstClr val="black">
-                                <a:alpha val="40000"/>
-                              </a:prstClr>
-                            </a:outerShdw>
-                          </a:effectLst>
-                          <a:latin typeface="Consolas" panose="020B0609020204030204" pitchFamily="49" charset="0"/>
-                        </a:rPr>
-                        <a:t>cdw_sapp_customer.json</a:t>
-                      </a:r>
-                      <a:endParaRPr lang="en-US" sz="1700" b="0" dirty="0">
-                        <a:solidFill>
-                          <a:schemeClr val="tx1"/>
-                        </a:solidFill>
-                        <a:effectLst>
-                          <a:outerShdw blurRad="50800" dist="38100" dir="2700000" algn="tl" rotWithShape="0">
-                            <a:prstClr val="black">
-                              <a:alpha val="40000"/>
-                            </a:prstClr>
-                          </a:outerShdw>
-                        </a:effectLst>
-                        <a:latin typeface="Consolas" panose="020B0609020204030204" pitchFamily="49" charset="0"/>
-                      </a:endParaRPr>
                     </a:p>
                   </a:txBody>
                   <a:tcPr marL="95025" marR="95025" marT="47512" marB="47512">
@@ -27238,73 +26799,6 @@
                     <a:lstStyle/>
                     <a:p>
                       <a:r>
-                        <a:rPr lang="en-US" sz="1700" b="0" dirty="0">
-                          <a:solidFill>
-                            <a:schemeClr val="tx1"/>
-                          </a:solidFill>
-                          <a:effectLst>
-                            <a:outerShdw blurRad="50800" dist="38100" dir="2700000" algn="tl" rotWithShape="0">
-                              <a:prstClr val="black">
-                                <a:alpha val="40000"/>
-                              </a:prstClr>
-                            </a:outerShdw>
-                          </a:effectLst>
-                          <a:latin typeface="Consolas" panose="020B0609020204030204" pitchFamily="49" charset="0"/>
-                        </a:rPr>
-                        <a:t>lib/                 </a:t>
-                      </a:r>
-                      <a:r>
-                        <a:rPr lang="en-US" sz="1700" b="1" dirty="0">
-                          <a:solidFill>
-                            <a:schemeClr val="tx1"/>
-                          </a:solidFill>
-                          <a:effectLst>
-                            <a:outerShdw blurRad="50800" dist="38100" dir="2700000" algn="tl" rotWithShape="0">
-                              <a:prstClr val="black">
-                                <a:alpha val="40000"/>
-                              </a:prstClr>
-                            </a:outerShdw>
-                          </a:effectLst>
-                          <a:latin typeface="Consolas" panose="020B0609020204030204" pitchFamily="49" charset="0"/>
-                        </a:rPr>
-                        <a:t># MySQL Connector JDBC</a:t>
-                      </a:r>
-                    </a:p>
-                    <a:p>
-                      <a:r>
-                        <a:rPr lang="en-US" sz="1700" b="0" dirty="0">
-                          <a:solidFill>
-                            <a:schemeClr val="tx1"/>
-                          </a:solidFill>
-                          <a:effectLst>
-                            <a:outerShdw blurRad="50800" dist="38100" dir="2700000" algn="tl" rotWithShape="0">
-                              <a:prstClr val="black">
-                                <a:alpha val="40000"/>
-                              </a:prstClr>
-                            </a:outerShdw>
-                          </a:effectLst>
-                          <a:latin typeface="Consolas" panose="020B0609020204030204" pitchFamily="49" charset="0"/>
-                        </a:rPr>
-                        <a:t>└── mysql-connector-j-9.3.0.jar</a:t>
-                      </a:r>
-                    </a:p>
-                    <a:p>
-                      <a:endParaRPr lang="en-US" sz="1700" b="0" dirty="0">
-                        <a:solidFill>
-                          <a:schemeClr val="tx1"/>
-                        </a:solidFill>
-                        <a:effectLst>
-                          <a:outerShdw blurRad="50800" dist="38100" dir="2700000" algn="tl" rotWithShape="0">
-                            <a:prstClr val="black">
-                              <a:alpha val="40000"/>
-                            </a:prstClr>
-                          </a:outerShdw>
-                        </a:effectLst>
-                        <a:latin typeface="Consolas" panose="020B0609020204030204" pitchFamily="49" charset="0"/>
-                      </a:endParaRPr>
-                    </a:p>
-                    <a:p>
-                      <a:r>
                         <a:rPr lang="en-US" sz="1700" b="0" dirty="0" err="1">
                           <a:solidFill>
                             <a:schemeClr val="tx1"/>
@@ -27334,24 +26828,21 @@
                           </a:effectLst>
                           <a:latin typeface="Consolas" panose="020B0609020204030204" pitchFamily="49" charset="0"/>
                         </a:rPr>
-                        <a:t>/                 </a:t>
+                        <a:t>/                </a:t>
                       </a:r>
-                      <a:r>
-                        <a:rPr lang="en-US" sz="1700" b="1" dirty="0">
-                          <a:solidFill>
-                            <a:schemeClr val="tx1"/>
-                          </a:solidFill>
-                          <a:effectLst>
-                            <a:outerShdw blurRad="50800" dist="38100" dir="2700000" algn="tl" rotWithShape="0">
-                              <a:prstClr val="black">
-                                <a:alpha val="40000"/>
-                              </a:prstClr>
-                            </a:outerShdw>
-                          </a:effectLst>
-                          <a:latin typeface="Consolas" panose="020B0609020204030204" pitchFamily="49" charset="0"/>
-                        </a:rPr>
-                        <a:t># SQL Scripts</a:t>
-                      </a:r>
+                      <a:endParaRPr lang="en-US" sz="1700" b="1" dirty="0">
+                        <a:solidFill>
+                          <a:schemeClr val="tx1"/>
+                        </a:solidFill>
+                        <a:effectLst>
+                          <a:outerShdw blurRad="50800" dist="38100" dir="2700000" algn="tl" rotWithShape="0">
+                            <a:prstClr val="black">
+                              <a:alpha val="40000"/>
+                            </a:prstClr>
+                          </a:outerShdw>
+                        </a:effectLst>
+                        <a:latin typeface="Consolas" panose="020B0609020204030204" pitchFamily="49" charset="0"/>
+                      </a:endParaRPr>
                     </a:p>
                     <a:p>
                       <a:r>
@@ -27386,6 +26877,38 @@
                         </a:rPr>
                         <a:t>cli_script.sql</a:t>
                       </a:r>
+                      <a:r>
+                        <a:rPr lang="en-US" sz="1700" b="0" dirty="0">
+                          <a:solidFill>
+                            <a:schemeClr val="tx1"/>
+                          </a:solidFill>
+                          <a:effectLst>
+                            <a:outerShdw blurRad="50800" dist="38100" dir="2700000" algn="tl" rotWithShape="0">
+                              <a:prstClr val="black">
+                                <a:alpha val="40000"/>
+                              </a:prstClr>
+                            </a:outerShdw>
+                          </a:effectLst>
+                          <a:latin typeface="Consolas" panose="020B0609020204030204" pitchFamily="49" charset="0"/>
+                        </a:rPr>
+                        <a:t>   </a:t>
+                      </a:r>
+                      <a:r>
+                        <a:rPr lang="en-US" sz="1700" b="1" dirty="0">
+                          <a:solidFill>
+                            <a:schemeClr val="tx1"/>
+                          </a:solidFill>
+                          <a:effectLst>
+                            <a:outerShdw blurRad="50800" dist="38100" dir="2700000" algn="tl" rotWithShape="0">
+                              <a:prstClr val="black">
+                                <a:alpha val="40000"/>
+                              </a:prstClr>
+                            </a:outerShdw>
+                          </a:effectLst>
+                          <a:latin typeface="Consolas" panose="020B0609020204030204" pitchFamily="49" charset="0"/>
+                        </a:rPr>
+                        <a:t># CLI Query Scripts</a:t>
+                      </a:r>
                       <a:endParaRPr lang="en-US" sz="1700" b="0" dirty="0">
                         <a:solidFill>
                           <a:schemeClr val="tx1"/>
@@ -27415,7 +26938,55 @@
                           </a:effectLst>
                           <a:latin typeface="Consolas" panose="020B0609020204030204" pitchFamily="49" charset="0"/>
                         </a:rPr>
-                        <a:t>└── init.sql</a:t>
+                        <a:t>└── </a:t>
+                      </a:r>
+                      <a:r>
+                        <a:rPr lang="en-US" sz="1700" b="0" dirty="0" err="1">
+                          <a:solidFill>
+                            <a:schemeClr val="tx1"/>
+                          </a:solidFill>
+                          <a:effectLst>
+                            <a:outerShdw blurRad="50800" dist="38100" dir="2700000" algn="tl" rotWithShape="0">
+                              <a:prstClr val="black">
+                                <a:alpha val="40000"/>
+                              </a:prstClr>
+                            </a:outerShdw>
+                          </a:effectLst>
+                          <a:latin typeface="Consolas" panose="020B0609020204030204" pitchFamily="49" charset="0"/>
+                        </a:rPr>
+                        <a:t>init.sql</a:t>
+                      </a:r>
+                      <a:r>
+                        <a:rPr lang="en-US" sz="1700" b="0" dirty="0">
+                          <a:solidFill>
+                            <a:schemeClr val="tx1"/>
+                          </a:solidFill>
+                          <a:effectLst>
+                            <a:outerShdw blurRad="50800" dist="38100" dir="2700000" algn="tl" rotWithShape="0">
+                              <a:prstClr val="black">
+                                <a:alpha val="40000"/>
+                              </a:prstClr>
+                            </a:outerShdw>
+                          </a:effectLst>
+                          <a:latin typeface="Consolas" panose="020B0609020204030204" pitchFamily="49" charset="0"/>
+                        </a:rPr>
+                        <a:t>         </a:t>
+                      </a:r>
+                      <a:r>
+                        <a:rPr lang="en-US" sz="1700" b="1" dirty="0">
+                          <a:solidFill>
+                            <a:schemeClr val="tx1"/>
+                          </a:solidFill>
+                          <a:effectLst>
+                            <a:outerShdw blurRad="50800" dist="38100" dir="2700000" algn="tl" rotWithShape="0">
+                              <a:prstClr val="black">
+                                <a:alpha val="40000"/>
+                              </a:prstClr>
+                            </a:outerShdw>
+                          </a:effectLst>
+                          <a:latin typeface="Consolas" panose="020B0609020204030204" pitchFamily="49" charset="0"/>
+                        </a:rPr>
+                        <a:t># Database Setup</a:t>
                       </a:r>
                     </a:p>
                     <a:p>
@@ -27500,6 +27071,136 @@
                         </a:rPr>
                         <a:t># CLI Builder Class</a:t>
                       </a:r>
+                    </a:p>
+                    <a:p>
+                      <a:pPr marL="0" marR="0" lvl="0" indent="0" algn="l" defTabSz="914400" rtl="0" eaLnBrk="1" fontAlgn="auto" latinLnBrk="0" hangingPunct="1">
+                        <a:lnSpc>
+                          <a:spcPct val="100000"/>
+                        </a:lnSpc>
+                        <a:spcBef>
+                          <a:spcPts val="0"/>
+                        </a:spcBef>
+                        <a:spcAft>
+                          <a:spcPts val="0"/>
+                        </a:spcAft>
+                        <a:buClrTx/>
+                        <a:buSzTx/>
+                        <a:buFontTx/>
+                        <a:buNone/>
+                        <a:tabLst/>
+                        <a:defRPr/>
+                      </a:pPr>
+                      <a:r>
+                        <a:rPr lang="en-US" sz="1700" b="0" dirty="0">
+                          <a:solidFill>
+                            <a:schemeClr val="tx1"/>
+                          </a:solidFill>
+                          <a:effectLst>
+                            <a:outerShdw blurRad="50800" dist="38100" dir="2700000" algn="tl" rotWithShape="0">
+                              <a:prstClr val="black">
+                                <a:alpha val="40000"/>
+                              </a:prstClr>
+                            </a:outerShdw>
+                          </a:effectLst>
+                          <a:latin typeface="Consolas" panose="020B0609020204030204" pitchFamily="49" charset="0"/>
+                        </a:rPr>
+                        <a:t>├── transformers.py  </a:t>
+                      </a:r>
+                      <a:r>
+                        <a:rPr lang="en-US" sz="1700" b="1" dirty="0">
+                          <a:solidFill>
+                            <a:schemeClr val="tx1"/>
+                          </a:solidFill>
+                          <a:effectLst>
+                            <a:outerShdw blurRad="50800" dist="38100" dir="2700000" algn="tl" rotWithShape="0">
+                              <a:prstClr val="black">
+                                <a:alpha val="40000"/>
+                              </a:prstClr>
+                            </a:outerShdw>
+                          </a:effectLst>
+                          <a:latin typeface="Consolas" panose="020B0609020204030204" pitchFamily="49" charset="0"/>
+                        </a:rPr>
+                        <a:t>#</a:t>
+                      </a:r>
+                      <a:r>
+                        <a:rPr lang="en-US" sz="1700" b="0" dirty="0">
+                          <a:solidFill>
+                            <a:schemeClr val="tx1"/>
+                          </a:solidFill>
+                          <a:effectLst>
+                            <a:outerShdw blurRad="50800" dist="38100" dir="2700000" algn="tl" rotWithShape="0">
+                              <a:prstClr val="black">
+                                <a:alpha val="40000"/>
+                              </a:prstClr>
+                            </a:outerShdw>
+                          </a:effectLst>
+                          <a:latin typeface="Consolas" panose="020B0609020204030204" pitchFamily="49" charset="0"/>
+                        </a:rPr>
+                        <a:t> </a:t>
+                      </a:r>
+                      <a:r>
+                        <a:rPr lang="en-US" sz="1700" b="1" dirty="0">
+                          <a:solidFill>
+                            <a:schemeClr val="tx1"/>
+                          </a:solidFill>
+                          <a:effectLst>
+                            <a:outerShdw blurRad="50800" dist="38100" dir="2700000" algn="tl" rotWithShape="0">
+                              <a:prstClr val="black">
+                                <a:alpha val="40000"/>
+                              </a:prstClr>
+                            </a:outerShdw>
+                          </a:effectLst>
+                          <a:latin typeface="Consolas" panose="020B0609020204030204" pitchFamily="49" charset="0"/>
+                        </a:rPr>
+                        <a:t>Transformer Functions</a:t>
+                      </a:r>
+                    </a:p>
+                    <a:p>
+                      <a:r>
+                        <a:rPr lang="en-US" sz="1700" b="0" dirty="0">
+                          <a:solidFill>
+                            <a:schemeClr val="tx1"/>
+                          </a:solidFill>
+                          <a:effectLst>
+                            <a:outerShdw blurRad="50800" dist="38100" dir="2700000" algn="tl" rotWithShape="0">
+                              <a:prstClr val="black">
+                                <a:alpha val="40000"/>
+                              </a:prstClr>
+                            </a:outerShdw>
+                          </a:effectLst>
+                          <a:latin typeface="Consolas" panose="020B0609020204030204" pitchFamily="49" charset="0"/>
+                        </a:rPr>
+                        <a:t>├── logging.py       </a:t>
+                      </a:r>
+                      <a:r>
+                        <a:rPr lang="en-US" sz="1700" b="1" dirty="0">
+                          <a:solidFill>
+                            <a:schemeClr val="tx1"/>
+                          </a:solidFill>
+                          <a:effectLst>
+                            <a:outerShdw blurRad="50800" dist="38100" dir="2700000" algn="tl" rotWithShape="0">
+                              <a:prstClr val="black">
+                                <a:alpha val="40000"/>
+                              </a:prstClr>
+                            </a:outerShdw>
+                          </a:effectLst>
+                          <a:latin typeface="Consolas" panose="020B0609020204030204" pitchFamily="49" charset="0"/>
+                        </a:rPr>
+                        <a:t># Logging Functions</a:t>
+                      </a:r>
+                      <a:endParaRPr lang="en-US" sz="1700" b="0" dirty="0">
+                        <a:solidFill>
+                          <a:schemeClr val="tx1"/>
+                        </a:solidFill>
+                        <a:effectLst>
+                          <a:outerShdw blurRad="50800" dist="38100" dir="2700000" algn="tl" rotWithShape="0">
+                            <a:prstClr val="black">
+                              <a:alpha val="40000"/>
+                            </a:prstClr>
+                          </a:outerShdw>
+                        </a:effectLst>
+                        <a:latin typeface="Consolas" panose="020B0609020204030204" pitchFamily="49" charset="0"/>
+                      </a:endParaRPr>
                     </a:p>
                     <a:p>
                       <a:r>
@@ -27780,10 +27481,10 @@
       </p:grpSpPr>
       <p:pic>
         <p:nvPicPr>
-          <p:cNvPr id="5" name="Picture 4" descr="A screenshot of a graph&#10;&#10;AI-generated content may be incorrect.">
+          <p:cNvPr id="3" name="Picture 2" descr="A screenshot of a graph&#10;&#10;AI-generated content may be incorrect.">
             <a:extLst>
               <a:ext uri="{FF2B5EF4-FFF2-40B4-BE49-F238E27FC236}">
-                <a16:creationId xmlns:a16="http://schemas.microsoft.com/office/drawing/2014/main" id="{B79A4AEB-E6AE-060A-C5A2-9BCBD297300C}"/>
+                <a16:creationId xmlns:a16="http://schemas.microsoft.com/office/drawing/2014/main" id="{994B5313-19ED-0C50-0212-CB0CE1701DF8}"/>
               </a:ext>
             </a:extLst>
           </p:cNvPr>
@@ -27806,8 +27507,8 @@
         </p:blipFill>
         <p:spPr>
           <a:xfrm>
-            <a:off x="233114" y="175098"/>
-            <a:ext cx="11725772" cy="6507804"/>
+            <a:off x="233370" y="109243"/>
+            <a:ext cx="11725260" cy="6639514"/>
           </a:xfrm>
           <a:prstGeom prst="rect">
             <a:avLst/>
@@ -28601,7 +28302,7 @@
                 <a:ea typeface="+mn-ea"/>
                 <a:cs typeface="+mn-cs"/>
               </a:rPr>
-              <a:t>Jr. Data Engineer</a:t>
+              <a:t>Data Engineer</a:t>
             </a:r>
           </a:p>
           <a:p>
@@ -29289,7 +28990,7 @@
           <a:lstStyle/>
           <a:p>
             <a:pPr algn="ctr"/>
-            <a:endParaRPr lang="en-US"/>
+            <a:endParaRPr lang="en-US" dirty="0"/>
           </a:p>
         </p:txBody>
       </p:sp>
@@ -33989,2211 +33690,6 @@
         <p:cNvPr id="1" name="">
           <a:extLst>
             <a:ext uri="{FF2B5EF4-FFF2-40B4-BE49-F238E27FC236}">
-              <a16:creationId xmlns:a16="http://schemas.microsoft.com/office/drawing/2014/main" id="{915D22F7-DA8E-F9C0-EB94-4809CB9DA9C3}"/>
-            </a:ext>
-          </a:extLst>
-        </p:cNvPr>
-        <p:cNvGrpSpPr/>
-        <p:nvPr/>
-      </p:nvGrpSpPr>
-      <p:grpSpPr>
-        <a:xfrm>
-          <a:off x="0" y="0"/>
-          <a:ext cx="0" cy="0"/>
-          <a:chOff x="0" y="0"/>
-          <a:chExt cx="0" cy="0"/>
-        </a:xfrm>
-      </p:grpSpPr>
-      <p:sp useBgFill="1">
-        <p:nvSpPr>
-          <p:cNvPr id="30" name="Rectangle 29">
-            <a:extLst>
-              <a:ext uri="{FF2B5EF4-FFF2-40B4-BE49-F238E27FC236}">
-                <a16:creationId xmlns:a16="http://schemas.microsoft.com/office/drawing/2014/main" id="{A8384FB5-9ADC-4DDC-881B-597D56F5B15D}"/>
-              </a:ext>
-              <a:ext uri="{C183D7F6-B498-43B3-948B-1728B52AA6E4}">
-                <adec:decorative xmlns:adec="http://schemas.microsoft.com/office/drawing/2017/decorative" val="1"/>
-              </a:ext>
-            </a:extLst>
-          </p:cNvPr>
-          <p:cNvSpPr>
-            <a:spLocks noGrp="1" noRot="1" noChangeAspect="1" noMove="1" noResize="1" noEditPoints="1" noAdjustHandles="1" noChangeArrowheads="1" noChangeShapeType="1" noTextEdit="1"/>
-          </p:cNvSpPr>
-          <p:nvPr>
-            <p:extLst>
-              <p:ext uri="{386F3935-93C4-4BCD-93E2-E3B085C9AB24}">
-                <p16:designElem xmlns:p16="http://schemas.microsoft.com/office/powerpoint/2015/main" val="1"/>
-              </p:ext>
-            </p:extLst>
-          </p:nvPr>
-        </p:nvSpPr>
-        <p:spPr>
-          <a:xfrm>
-            <a:off x="0" y="0"/>
-            <a:ext cx="12192000" cy="6858000"/>
-          </a:xfrm>
-          <a:prstGeom prst="rect">
-            <a:avLst/>
-          </a:prstGeom>
-          <a:ln w="12700" cap="flat" cmpd="sng" algn="ctr">
-            <a:noFill/>
-            <a:prstDash val="solid"/>
-            <a:miter lim="800000"/>
-          </a:ln>
-          <a:effectLst/>
-          <a:extLst>
-            <a:ext uri="{91240B29-F687-4F45-9708-019B960494DF}">
-              <a14:hiddenLine xmlns:a14="http://schemas.microsoft.com/office/drawing/2010/main" w="12700" cap="flat" cmpd="sng" algn="ctr">
-                <a:solidFill>
-                  <a:schemeClr val="accent1">
-                    <a:shade val="50000"/>
-                  </a:schemeClr>
-                </a:solidFill>
-                <a:prstDash val="solid"/>
-                <a:miter lim="800000"/>
-              </a14:hiddenLine>
-            </a:ext>
-          </a:extLst>
-        </p:spPr>
-        <p:style>
-          <a:lnRef idx="2">
-            <a:schemeClr val="accent1">
-              <a:shade val="50000"/>
-            </a:schemeClr>
-          </a:lnRef>
-          <a:fillRef idx="1">
-            <a:schemeClr val="accent1"/>
-          </a:fillRef>
-          <a:effectRef idx="0">
-            <a:schemeClr val="accent1"/>
-          </a:effectRef>
-          <a:fontRef idx="minor">
-            <a:schemeClr val="lt1"/>
-          </a:fontRef>
-        </p:style>
-        <p:txBody>
-          <a:bodyPr rtlCol="0" anchor="ctr"/>
-          <a:lstStyle/>
-          <a:p>
-            <a:pPr algn="ctr"/>
-            <a:endParaRPr lang="en-US"/>
-          </a:p>
-        </p:txBody>
-      </p:sp>
-      <p:sp>
-        <p:nvSpPr>
-          <p:cNvPr id="32" name="Rectangle 31">
-            <a:extLst>
-              <a:ext uri="{FF2B5EF4-FFF2-40B4-BE49-F238E27FC236}">
-                <a16:creationId xmlns:a16="http://schemas.microsoft.com/office/drawing/2014/main" id="{91E5A9A7-95C6-4F4F-B00E-C82E07FE62EF}"/>
-              </a:ext>
-              <a:ext uri="{C183D7F6-B498-43B3-948B-1728B52AA6E4}">
-                <adec:decorative xmlns:adec="http://schemas.microsoft.com/office/drawing/2017/decorative" val="1"/>
-              </a:ext>
-            </a:extLst>
-          </p:cNvPr>
-          <p:cNvSpPr>
-            <a:spLocks noGrp="1" noRot="1" noChangeAspect="1" noMove="1" noResize="1" noEditPoints="1" noAdjustHandles="1" noChangeArrowheads="1" noChangeShapeType="1" noTextEdit="1"/>
-          </p:cNvSpPr>
-          <p:nvPr>
-            <p:extLst>
-              <p:ext uri="{386F3935-93C4-4BCD-93E2-E3B085C9AB24}">
-                <p16:designElem xmlns:p16="http://schemas.microsoft.com/office/powerpoint/2015/main" val="1"/>
-              </p:ext>
-            </p:extLst>
-          </p:nvPr>
-        </p:nvSpPr>
-        <p:spPr>
-          <a:xfrm rot="5400000" flipH="1">
-            <a:off x="-1417539" y="1417538"/>
-            <a:ext cx="6875818" cy="4040744"/>
-          </a:xfrm>
-          <a:prstGeom prst="rect">
-            <a:avLst/>
-          </a:prstGeom>
-          <a:gradFill>
-            <a:gsLst>
-              <a:gs pos="0">
-                <a:srgbClr val="000000"/>
-              </a:gs>
-              <a:gs pos="100000">
-                <a:schemeClr val="accent1">
-                  <a:lumMod val="75000"/>
-                </a:schemeClr>
-              </a:gs>
-            </a:gsLst>
-            <a:lin ang="18600000" scaled="0"/>
-          </a:gradFill>
-          <a:ln>
-            <a:noFill/>
-          </a:ln>
-        </p:spPr>
-        <p:style>
-          <a:lnRef idx="2">
-            <a:schemeClr val="accent1">
-              <a:shade val="50000"/>
-            </a:schemeClr>
-          </a:lnRef>
-          <a:fillRef idx="1">
-            <a:schemeClr val="accent1"/>
-          </a:fillRef>
-          <a:effectRef idx="0">
-            <a:schemeClr val="accent1"/>
-          </a:effectRef>
-          <a:fontRef idx="minor">
-            <a:schemeClr val="lt1"/>
-          </a:fontRef>
-        </p:style>
-        <p:txBody>
-          <a:bodyPr rtlCol="0" anchor="ctr"/>
-          <a:lstStyle/>
-          <a:p>
-            <a:pPr algn="ctr"/>
-            <a:endParaRPr lang="en-US" dirty="0"/>
-          </a:p>
-        </p:txBody>
-      </p:sp>
-      <p:sp>
-        <p:nvSpPr>
-          <p:cNvPr id="34" name="Rectangle 33">
-            <a:extLst>
-              <a:ext uri="{FF2B5EF4-FFF2-40B4-BE49-F238E27FC236}">
-                <a16:creationId xmlns:a16="http://schemas.microsoft.com/office/drawing/2014/main" id="{D07DD2DE-F619-49DD-B5E7-03A290FF4ED1}"/>
-              </a:ext>
-              <a:ext uri="{C183D7F6-B498-43B3-948B-1728B52AA6E4}">
-                <adec:decorative xmlns:adec="http://schemas.microsoft.com/office/drawing/2017/decorative" val="1"/>
-              </a:ext>
-            </a:extLst>
-          </p:cNvPr>
-          <p:cNvSpPr>
-            <a:spLocks noGrp="1" noRot="1" noChangeAspect="1" noMove="1" noResize="1" noEditPoints="1" noAdjustHandles="1" noChangeArrowheads="1" noChangeShapeType="1" noTextEdit="1"/>
-          </p:cNvSpPr>
-          <p:nvPr>
-            <p:extLst>
-              <p:ext uri="{386F3935-93C4-4BCD-93E2-E3B085C9AB24}">
-                <p16:designElem xmlns:p16="http://schemas.microsoft.com/office/powerpoint/2015/main" val="1"/>
-              </p:ext>
-            </p:extLst>
-          </p:nvPr>
-        </p:nvSpPr>
-        <p:spPr>
-          <a:xfrm rot="16200000">
-            <a:off x="-158495" y="2660473"/>
-            <a:ext cx="4355594" cy="4038603"/>
-          </a:xfrm>
-          <a:prstGeom prst="rect">
-            <a:avLst/>
-          </a:prstGeom>
-          <a:gradFill>
-            <a:gsLst>
-              <a:gs pos="0">
-                <a:schemeClr val="accent1">
-                  <a:alpha val="50000"/>
-                </a:schemeClr>
-              </a:gs>
-              <a:gs pos="100000">
-                <a:schemeClr val="accent1">
-                  <a:lumMod val="50000"/>
-                  <a:alpha val="0"/>
-                </a:schemeClr>
-              </a:gs>
-            </a:gsLst>
-            <a:lin ang="11400000" scaled="0"/>
-          </a:gradFill>
-          <a:ln>
-            <a:noFill/>
-          </a:ln>
-        </p:spPr>
-        <p:style>
-          <a:lnRef idx="2">
-            <a:schemeClr val="accent1">
-              <a:shade val="50000"/>
-            </a:schemeClr>
-          </a:lnRef>
-          <a:fillRef idx="1">
-            <a:schemeClr val="accent1"/>
-          </a:fillRef>
-          <a:effectRef idx="0">
-            <a:schemeClr val="accent1"/>
-          </a:effectRef>
-          <a:fontRef idx="minor">
-            <a:schemeClr val="lt1"/>
-          </a:fontRef>
-        </p:style>
-        <p:txBody>
-          <a:bodyPr rtlCol="0" anchor="ctr"/>
-          <a:lstStyle/>
-          <a:p>
-            <a:pPr algn="ctr"/>
-            <a:endParaRPr lang="en-US"/>
-          </a:p>
-        </p:txBody>
-      </p:sp>
-      <p:sp>
-        <p:nvSpPr>
-          <p:cNvPr id="36" name="Rectangle 35">
-            <a:extLst>
-              <a:ext uri="{FF2B5EF4-FFF2-40B4-BE49-F238E27FC236}">
-                <a16:creationId xmlns:a16="http://schemas.microsoft.com/office/drawing/2014/main" id="{85149191-5F60-4A28-AAFF-039F96B0F3EC}"/>
-              </a:ext>
-              <a:ext uri="{C183D7F6-B498-43B3-948B-1728B52AA6E4}">
-                <adec:decorative xmlns:adec="http://schemas.microsoft.com/office/drawing/2017/decorative" val="1"/>
-              </a:ext>
-            </a:extLst>
-          </p:cNvPr>
-          <p:cNvSpPr>
-            <a:spLocks noGrp="1" noRot="1" noChangeAspect="1" noMove="1" noResize="1" noEditPoints="1" noAdjustHandles="1" noChangeArrowheads="1" noChangeShapeType="1" noTextEdit="1"/>
-          </p:cNvSpPr>
-          <p:nvPr>
-            <p:extLst>
-              <p:ext uri="{386F3935-93C4-4BCD-93E2-E3B085C9AB24}">
-                <p16:designElem xmlns:p16="http://schemas.microsoft.com/office/powerpoint/2015/main" val="1"/>
-              </p:ext>
-            </p:extLst>
-          </p:nvPr>
-        </p:nvSpPr>
-        <p:spPr>
-          <a:xfrm rot="16200000" flipH="1">
-            <a:off x="-1180882" y="1638085"/>
-            <a:ext cx="6857572" cy="3581401"/>
-          </a:xfrm>
-          <a:prstGeom prst="rect">
-            <a:avLst/>
-          </a:prstGeom>
-          <a:gradFill>
-            <a:gsLst>
-              <a:gs pos="0">
-                <a:srgbClr val="000000">
-                  <a:alpha val="59000"/>
-                </a:srgbClr>
-              </a:gs>
-              <a:gs pos="69000">
-                <a:schemeClr val="accent1">
-                  <a:alpha val="0"/>
-                </a:schemeClr>
-              </a:gs>
-            </a:gsLst>
-            <a:lin ang="13200000" scaled="0"/>
-          </a:gradFill>
-          <a:ln>
-            <a:noFill/>
-          </a:ln>
-        </p:spPr>
-        <p:style>
-          <a:lnRef idx="2">
-            <a:schemeClr val="accent1">
-              <a:shade val="50000"/>
-            </a:schemeClr>
-          </a:lnRef>
-          <a:fillRef idx="1">
-            <a:schemeClr val="accent1"/>
-          </a:fillRef>
-          <a:effectRef idx="0">
-            <a:schemeClr val="accent1"/>
-          </a:effectRef>
-          <a:fontRef idx="minor">
-            <a:schemeClr val="lt1"/>
-          </a:fontRef>
-        </p:style>
-        <p:txBody>
-          <a:bodyPr rtlCol="0" anchor="ctr"/>
-          <a:lstStyle/>
-          <a:p>
-            <a:pPr algn="ctr"/>
-            <a:endParaRPr lang="en-US" dirty="0"/>
-          </a:p>
-        </p:txBody>
-      </p:sp>
-      <p:sp>
-        <p:nvSpPr>
-          <p:cNvPr id="38" name="Freeform: Shape 37">
-            <a:extLst>
-              <a:ext uri="{FF2B5EF4-FFF2-40B4-BE49-F238E27FC236}">
-                <a16:creationId xmlns:a16="http://schemas.microsoft.com/office/drawing/2014/main" id="{F8260ED5-17F7-4158-B241-D51DD4CF1B7E}"/>
-              </a:ext>
-              <a:ext uri="{C183D7F6-B498-43B3-948B-1728B52AA6E4}">
-                <adec:decorative xmlns:adec="http://schemas.microsoft.com/office/drawing/2017/decorative" val="1"/>
-              </a:ext>
-            </a:extLst>
-          </p:cNvPr>
-          <p:cNvSpPr>
-            <a:spLocks noGrp="1" noRot="1" noChangeAspect="1" noMove="1" noResize="1" noEditPoints="1" noAdjustHandles="1" noChangeArrowheads="1" noChangeShapeType="1" noTextEdit="1"/>
-          </p:cNvSpPr>
-          <p:nvPr>
-            <p:extLst>
-              <p:ext uri="{386F3935-93C4-4BCD-93E2-E3B085C9AB24}">
-                <p16:designElem xmlns:p16="http://schemas.microsoft.com/office/powerpoint/2015/main" val="1"/>
-              </p:ext>
-            </p:extLst>
-          </p:nvPr>
-        </p:nvSpPr>
-        <p:spPr>
-          <a:xfrm rot="6097846">
-            <a:off x="-747355" y="1201312"/>
-            <a:ext cx="4808302" cy="4088666"/>
-          </a:xfrm>
-          <a:custGeom>
-            <a:avLst/>
-            <a:gdLst>
-              <a:gd name="connsiteX0" fmla="*/ 48844 w 4808302"/>
-              <a:gd name="connsiteY0" fmla="*/ 2888671 h 4088666"/>
-              <a:gd name="connsiteX1" fmla="*/ 0 w 4808302"/>
-              <a:gd name="connsiteY1" fmla="*/ 2404151 h 4088666"/>
-              <a:gd name="connsiteX2" fmla="*/ 2404151 w 4808302"/>
-              <a:gd name="connsiteY2" fmla="*/ 0 h 4088666"/>
-              <a:gd name="connsiteX3" fmla="*/ 4808302 w 4808302"/>
-              <a:gd name="connsiteY3" fmla="*/ 2404151 h 4088666"/>
-              <a:gd name="connsiteX4" fmla="*/ 4700216 w 4808302"/>
-              <a:gd name="connsiteY4" fmla="*/ 3119072 h 4088666"/>
-              <a:gd name="connsiteX5" fmla="*/ 4643143 w 4808302"/>
-              <a:gd name="connsiteY5" fmla="*/ 3275009 h 4088666"/>
-              <a:gd name="connsiteX6" fmla="*/ 690093 w 4808302"/>
-              <a:gd name="connsiteY6" fmla="*/ 4088666 h 4088666"/>
-              <a:gd name="connsiteX7" fmla="*/ 548991 w 4808302"/>
-              <a:gd name="connsiteY7" fmla="*/ 3933414 h 4088666"/>
-              <a:gd name="connsiteX8" fmla="*/ 48844 w 4808302"/>
-              <a:gd name="connsiteY8" fmla="*/ 2888671 h 4088666"/>
-            </a:gdLst>
-            <a:ahLst/>
-            <a:cxnLst>
-              <a:cxn ang="0">
-                <a:pos x="connsiteX0" y="connsiteY0"/>
-              </a:cxn>
-              <a:cxn ang="0">
-                <a:pos x="connsiteX1" y="connsiteY1"/>
-              </a:cxn>
-              <a:cxn ang="0">
-                <a:pos x="connsiteX2" y="connsiteY2"/>
-              </a:cxn>
-              <a:cxn ang="0">
-                <a:pos x="connsiteX3" y="connsiteY3"/>
-              </a:cxn>
-              <a:cxn ang="0">
-                <a:pos x="connsiteX4" y="connsiteY4"/>
-              </a:cxn>
-              <a:cxn ang="0">
-                <a:pos x="connsiteX5" y="connsiteY5"/>
-              </a:cxn>
-              <a:cxn ang="0">
-                <a:pos x="connsiteX6" y="connsiteY6"/>
-              </a:cxn>
-              <a:cxn ang="0">
-                <a:pos x="connsiteX7" y="connsiteY7"/>
-              </a:cxn>
-              <a:cxn ang="0">
-                <a:pos x="connsiteX8" y="connsiteY8"/>
-              </a:cxn>
-            </a:cxnLst>
-            <a:rect l="l" t="t" r="r" b="b"/>
-            <a:pathLst>
-              <a:path w="4808302" h="4088666">
-                <a:moveTo>
-                  <a:pt x="48844" y="2888671"/>
-                </a:moveTo>
-                <a:cubicBezTo>
-                  <a:pt x="16818" y="2732167"/>
-                  <a:pt x="0" y="2570123"/>
-                  <a:pt x="0" y="2404151"/>
-                </a:cubicBezTo>
-                <a:cubicBezTo>
-                  <a:pt x="0" y="1076375"/>
-                  <a:pt x="1076375" y="0"/>
-                  <a:pt x="2404151" y="0"/>
-                </a:cubicBezTo>
-                <a:cubicBezTo>
-                  <a:pt x="3731927" y="0"/>
-                  <a:pt x="4808302" y="1076375"/>
-                  <a:pt x="4808302" y="2404151"/>
-                </a:cubicBezTo>
-                <a:cubicBezTo>
-                  <a:pt x="4808302" y="2653109"/>
-                  <a:pt x="4770461" y="2893229"/>
-                  <a:pt x="4700216" y="3119072"/>
-                </a:cubicBezTo>
-                <a:lnTo>
-                  <a:pt x="4643143" y="3275009"/>
-                </a:lnTo>
-                <a:lnTo>
-                  <a:pt x="690093" y="4088666"/>
-                </a:lnTo>
-                <a:lnTo>
-                  <a:pt x="548991" y="3933414"/>
-                </a:lnTo>
-                <a:cubicBezTo>
-                  <a:pt x="304015" y="3636572"/>
-                  <a:pt x="128908" y="3279932"/>
-                  <a:pt x="48844" y="2888671"/>
-                </a:cubicBezTo>
-                <a:close/>
-              </a:path>
-            </a:pathLst>
-          </a:custGeom>
-          <a:gradFill>
-            <a:gsLst>
-              <a:gs pos="39000">
-                <a:schemeClr val="accent1">
-                  <a:lumMod val="60000"/>
-                  <a:lumOff val="40000"/>
-                  <a:alpha val="0"/>
-                </a:schemeClr>
-              </a:gs>
-              <a:gs pos="100000">
-                <a:schemeClr val="accent1">
-                  <a:lumMod val="75000"/>
-                  <a:alpha val="26000"/>
-                </a:schemeClr>
-              </a:gs>
-            </a:gsLst>
-            <a:lin ang="18600000" scaled="0"/>
-          </a:gradFill>
-          <a:ln>
-            <a:noFill/>
-          </a:ln>
-        </p:spPr>
-        <p:style>
-          <a:lnRef idx="2">
-            <a:schemeClr val="accent1">
-              <a:shade val="50000"/>
-            </a:schemeClr>
-          </a:lnRef>
-          <a:fillRef idx="1">
-            <a:schemeClr val="accent1"/>
-          </a:fillRef>
-          <a:effectRef idx="0">
-            <a:schemeClr val="accent1"/>
-          </a:effectRef>
-          <a:fontRef idx="minor">
-            <a:schemeClr val="lt1"/>
-          </a:fontRef>
-        </p:style>
-        <p:txBody>
-          <a:bodyPr wrap="square" rtlCol="0" anchor="ctr">
-            <a:noAutofit/>
-          </a:bodyPr>
-          <a:lstStyle/>
-          <a:p>
-            <a:pPr algn="ctr"/>
-            <a:endParaRPr lang="en-US" dirty="0"/>
-          </a:p>
-        </p:txBody>
-      </p:sp>
-      <p:sp>
-        <p:nvSpPr>
-          <p:cNvPr id="7" name="Title 6">
-            <a:extLst>
-              <a:ext uri="{FF2B5EF4-FFF2-40B4-BE49-F238E27FC236}">
-                <a16:creationId xmlns:a16="http://schemas.microsoft.com/office/drawing/2014/main" id="{0EBD8B4D-9FC4-9068-8809-84E7C658F3D7}"/>
-              </a:ext>
-            </a:extLst>
-          </p:cNvPr>
-          <p:cNvSpPr>
-            <a:spLocks noGrp="1"/>
-          </p:cNvSpPr>
-          <p:nvPr>
-            <p:ph type="title"/>
-          </p:nvPr>
-        </p:nvSpPr>
-        <p:spPr>
-          <a:xfrm>
-            <a:off x="578888" y="957040"/>
-            <a:ext cx="2880828" cy="878603"/>
-          </a:xfrm>
-        </p:spPr>
-        <p:txBody>
-          <a:bodyPr vert="horz" lIns="91440" tIns="45720" rIns="91440" bIns="45720" rtlCol="0" anchor="t">
-            <a:normAutofit/>
-          </a:bodyPr>
-          <a:lstStyle/>
-          <a:p>
-            <a:pPr algn="ctr"/>
-            <a:r>
-              <a:rPr lang="en-US" sz="4000" kern="1200" dirty="0">
-                <a:solidFill>
-                  <a:srgbClr val="FFFFFF"/>
-                </a:solidFill>
-                <a:latin typeface="+mj-lt"/>
-                <a:ea typeface="+mj-ea"/>
-                <a:cs typeface="+mj-cs"/>
-              </a:rPr>
-              <a:t>ETL Pipeline</a:t>
-            </a:r>
-          </a:p>
-        </p:txBody>
-      </p:sp>
-      <p:pic>
-        <p:nvPicPr>
-          <p:cNvPr id="4" name="Content Placeholder 3" descr="A diagram of a data flow&#10;&#10;AI-generated content may be incorrect.">
-            <a:extLst>
-              <a:ext uri="{FF2B5EF4-FFF2-40B4-BE49-F238E27FC236}">
-                <a16:creationId xmlns:a16="http://schemas.microsoft.com/office/drawing/2014/main" id="{80B6A02B-5973-8D34-8070-88566F5D65B8}"/>
-              </a:ext>
-            </a:extLst>
-          </p:cNvPr>
-          <p:cNvPicPr>
-            <a:picLocks noChangeAspect="1"/>
-          </p:cNvPicPr>
-          <p:nvPr/>
-        </p:nvPicPr>
-        <p:blipFill>
-          <a:blip r:embed="rId3">
-            <a:extLst>
-              <a:ext uri="{28A0092B-C50C-407E-A947-70E740481C1C}">
-                <a14:useLocalDpi xmlns:a14="http://schemas.microsoft.com/office/drawing/2010/main" val="0"/>
-              </a:ext>
-            </a:extLst>
-          </a:blip>
-          <a:stretch>
-            <a:fillRect/>
-          </a:stretch>
-        </p:blipFill>
-        <p:spPr>
-          <a:xfrm>
-            <a:off x="4321697" y="592620"/>
-            <a:ext cx="7659126" cy="4863545"/>
-          </a:xfrm>
-          <a:prstGeom prst="rect">
-            <a:avLst/>
-          </a:prstGeom>
-        </p:spPr>
-      </p:pic>
-      <p:sp>
-        <p:nvSpPr>
-          <p:cNvPr id="2" name="TextBox 1">
-            <a:extLst>
-              <a:ext uri="{FF2B5EF4-FFF2-40B4-BE49-F238E27FC236}">
-                <a16:creationId xmlns:a16="http://schemas.microsoft.com/office/drawing/2014/main" id="{87C6E40F-CC24-D616-A902-B3CFE5C0E9DC}"/>
-              </a:ext>
-            </a:extLst>
-          </p:cNvPr>
-          <p:cNvSpPr txBox="1"/>
-          <p:nvPr/>
-        </p:nvSpPr>
-        <p:spPr>
-          <a:xfrm>
-            <a:off x="495348" y="2375428"/>
-            <a:ext cx="3088397" cy="2646878"/>
-          </a:xfrm>
-          <a:prstGeom prst="rect">
-            <a:avLst/>
-          </a:prstGeom>
-          <a:noFill/>
-        </p:spPr>
-        <p:txBody>
-          <a:bodyPr wrap="square" rtlCol="0">
-            <a:spAutoFit/>
-          </a:bodyPr>
-          <a:lstStyle/>
-          <a:p>
-            <a:r>
-              <a:rPr lang="en-US" b="1" dirty="0">
-                <a:solidFill>
-                  <a:schemeClr val="bg1"/>
-                </a:solidFill>
-              </a:rPr>
-              <a:t>Data Client</a:t>
-            </a:r>
-          </a:p>
-          <a:p>
-            <a:pPr marL="285750" indent="-285750">
-              <a:buFontTx/>
-              <a:buChar char="-"/>
-            </a:pPr>
-            <a:r>
-              <a:rPr lang="en-US" sz="1600" dirty="0">
-                <a:solidFill>
-                  <a:schemeClr val="bg1"/>
-                </a:solidFill>
-              </a:rPr>
-              <a:t>Manages ETL Process</a:t>
-            </a:r>
-          </a:p>
-          <a:p>
-            <a:pPr marL="285750" indent="-285750">
-              <a:buFontTx/>
-              <a:buChar char="-"/>
-            </a:pPr>
-            <a:r>
-              <a:rPr lang="en-US" sz="1600" dirty="0">
-                <a:solidFill>
-                  <a:schemeClr val="bg1"/>
-                </a:solidFill>
-              </a:rPr>
-              <a:t>Handles Database Queries</a:t>
-            </a:r>
-          </a:p>
-          <a:p>
-            <a:pPr marL="285750" indent="-285750">
-              <a:buFontTx/>
-              <a:buChar char="-"/>
-            </a:pPr>
-            <a:endParaRPr lang="en-US" sz="1600" dirty="0">
-              <a:solidFill>
-                <a:schemeClr val="bg1"/>
-              </a:solidFill>
-            </a:endParaRPr>
-          </a:p>
-          <a:p>
-            <a:r>
-              <a:rPr lang="en-US" b="1" dirty="0">
-                <a:solidFill>
-                  <a:schemeClr val="bg1"/>
-                </a:solidFill>
-              </a:rPr>
-              <a:t>Transformers</a:t>
-            </a:r>
-          </a:p>
-          <a:p>
-            <a:pPr marL="285750" indent="-285750">
-              <a:buFontTx/>
-              <a:buChar char="-"/>
-            </a:pPr>
-            <a:r>
-              <a:rPr lang="en-US" sz="1600" dirty="0">
-                <a:solidFill>
-                  <a:schemeClr val="bg1"/>
-                </a:solidFill>
-              </a:rPr>
-              <a:t>Contains file-specific transformer functions</a:t>
-            </a:r>
-          </a:p>
-          <a:p>
-            <a:pPr marL="285750" indent="-285750">
-              <a:buFontTx/>
-              <a:buChar char="-"/>
-            </a:pPr>
-            <a:r>
-              <a:rPr lang="en-US" sz="1600" dirty="0">
-                <a:solidFill>
-                  <a:schemeClr val="bg1"/>
-                </a:solidFill>
-              </a:rPr>
-              <a:t>Handles transformer mapping</a:t>
-            </a:r>
-          </a:p>
-          <a:p>
-            <a:endParaRPr lang="en-US" b="1" dirty="0">
-              <a:solidFill>
-                <a:schemeClr val="bg1"/>
-              </a:solidFill>
-            </a:endParaRPr>
-          </a:p>
-        </p:txBody>
-      </p:sp>
-      <p:sp>
-        <p:nvSpPr>
-          <p:cNvPr id="3" name="TextBox 2">
-            <a:extLst>
-              <a:ext uri="{FF2B5EF4-FFF2-40B4-BE49-F238E27FC236}">
-                <a16:creationId xmlns:a16="http://schemas.microsoft.com/office/drawing/2014/main" id="{CB7062DC-7035-F00B-2311-406F455C75FC}"/>
-              </a:ext>
-            </a:extLst>
-          </p:cNvPr>
-          <p:cNvSpPr txBox="1"/>
-          <p:nvPr/>
-        </p:nvSpPr>
-        <p:spPr>
-          <a:xfrm>
-            <a:off x="6491253" y="3253243"/>
-            <a:ext cx="1536192" cy="369332"/>
-          </a:xfrm>
-          <a:prstGeom prst="rect">
-            <a:avLst/>
-          </a:prstGeom>
-          <a:noFill/>
-        </p:spPr>
-        <p:txBody>
-          <a:bodyPr wrap="square" rtlCol="0">
-            <a:spAutoFit/>
-          </a:bodyPr>
-          <a:lstStyle/>
-          <a:p>
-            <a:r>
-              <a:rPr lang="en-US" b="1" dirty="0"/>
-              <a:t>E</a:t>
-            </a:r>
-            <a:r>
-              <a:rPr lang="en-US" dirty="0"/>
-              <a:t>xtract</a:t>
-            </a:r>
-          </a:p>
-        </p:txBody>
-      </p:sp>
-      <p:sp>
-        <p:nvSpPr>
-          <p:cNvPr id="5" name="TextBox 4">
-            <a:extLst>
-              <a:ext uri="{FF2B5EF4-FFF2-40B4-BE49-F238E27FC236}">
-                <a16:creationId xmlns:a16="http://schemas.microsoft.com/office/drawing/2014/main" id="{3BC9BD69-E1A6-6424-6FE5-05270B7641FE}"/>
-              </a:ext>
-            </a:extLst>
-          </p:cNvPr>
-          <p:cNvSpPr txBox="1"/>
-          <p:nvPr/>
-        </p:nvSpPr>
-        <p:spPr>
-          <a:xfrm>
-            <a:off x="8317005" y="2389751"/>
-            <a:ext cx="1536192" cy="369332"/>
-          </a:xfrm>
-          <a:prstGeom prst="rect">
-            <a:avLst/>
-          </a:prstGeom>
-          <a:noFill/>
-        </p:spPr>
-        <p:txBody>
-          <a:bodyPr wrap="square" rtlCol="0">
-            <a:spAutoFit/>
-          </a:bodyPr>
-          <a:lstStyle/>
-          <a:p>
-            <a:r>
-              <a:rPr lang="en-US" b="1" dirty="0"/>
-              <a:t>T</a:t>
-            </a:r>
-            <a:r>
-              <a:rPr lang="en-US" dirty="0"/>
-              <a:t>ransform</a:t>
-            </a:r>
-          </a:p>
-        </p:txBody>
-      </p:sp>
-      <p:sp>
-        <p:nvSpPr>
-          <p:cNvPr id="6" name="TextBox 5">
-            <a:extLst>
-              <a:ext uri="{FF2B5EF4-FFF2-40B4-BE49-F238E27FC236}">
-                <a16:creationId xmlns:a16="http://schemas.microsoft.com/office/drawing/2014/main" id="{7FFFB8DB-FE7E-E460-20DD-66A2EF6ED817}"/>
-              </a:ext>
-            </a:extLst>
-          </p:cNvPr>
-          <p:cNvSpPr txBox="1"/>
-          <p:nvPr/>
-        </p:nvSpPr>
-        <p:spPr>
-          <a:xfrm>
-            <a:off x="9176541" y="4098918"/>
-            <a:ext cx="1536192" cy="369332"/>
-          </a:xfrm>
-          <a:prstGeom prst="rect">
-            <a:avLst/>
-          </a:prstGeom>
-          <a:noFill/>
-        </p:spPr>
-        <p:txBody>
-          <a:bodyPr wrap="square" rtlCol="0">
-            <a:spAutoFit/>
-          </a:bodyPr>
-          <a:lstStyle/>
-          <a:p>
-            <a:r>
-              <a:rPr lang="en-US" b="1" dirty="0"/>
-              <a:t>L</a:t>
-            </a:r>
-            <a:r>
-              <a:rPr lang="en-US" dirty="0"/>
-              <a:t>oad</a:t>
-            </a:r>
-          </a:p>
-        </p:txBody>
-      </p:sp>
-    </p:spTree>
-    <p:extLst>
-      <p:ext uri="{BB962C8B-B14F-4D97-AF65-F5344CB8AC3E}">
-        <p14:creationId xmlns:p14="http://schemas.microsoft.com/office/powerpoint/2010/main" val="3220776107"/>
-      </p:ext>
-    </p:extLst>
-  </p:cSld>
-  <p:clrMapOvr>
-    <a:masterClrMapping/>
-  </p:clrMapOvr>
-</p:sld>
-</file>
-
-<file path=ppt/slides/slide6.xml><?xml version="1.0" encoding="utf-8"?>
-<p:sld xmlns:a="http://schemas.openxmlformats.org/drawingml/2006/main" xmlns:r="http://schemas.openxmlformats.org/officeDocument/2006/relationships" xmlns:p="http://schemas.openxmlformats.org/presentationml/2006/main">
-  <p:cSld>
-    <p:bg>
-      <p:bgPr>
-        <a:solidFill>
-          <a:schemeClr val="bg1"/>
-        </a:solidFill>
-        <a:effectLst/>
-      </p:bgPr>
-    </p:bg>
-    <p:spTree>
-      <p:nvGrpSpPr>
-        <p:cNvPr id="1" name="">
-          <a:extLst>
-            <a:ext uri="{FF2B5EF4-FFF2-40B4-BE49-F238E27FC236}">
-              <a16:creationId xmlns:a16="http://schemas.microsoft.com/office/drawing/2014/main" id="{2A28FE91-5C9E-8DBB-A756-7D26CCB95F8C}"/>
-            </a:ext>
-          </a:extLst>
-        </p:cNvPr>
-        <p:cNvGrpSpPr/>
-        <p:nvPr/>
-      </p:nvGrpSpPr>
-      <p:grpSpPr>
-        <a:xfrm>
-          <a:off x="0" y="0"/>
-          <a:ext cx="0" cy="0"/>
-          <a:chOff x="0" y="0"/>
-          <a:chExt cx="0" cy="0"/>
-        </a:xfrm>
-      </p:grpSpPr>
-      <p:sp useBgFill="1">
-        <p:nvSpPr>
-          <p:cNvPr id="43" name="Rectangle 42">
-            <a:extLst>
-              <a:ext uri="{FF2B5EF4-FFF2-40B4-BE49-F238E27FC236}">
-                <a16:creationId xmlns:a16="http://schemas.microsoft.com/office/drawing/2014/main" id="{A8384FB5-9ADC-4DDC-881B-597D56F5B15D}"/>
-              </a:ext>
-              <a:ext uri="{C183D7F6-B498-43B3-948B-1728B52AA6E4}">
-                <adec:decorative xmlns:adec="http://schemas.microsoft.com/office/drawing/2017/decorative" val="1"/>
-              </a:ext>
-            </a:extLst>
-          </p:cNvPr>
-          <p:cNvSpPr>
-            <a:spLocks noGrp="1" noRot="1" noChangeAspect="1" noMove="1" noResize="1" noEditPoints="1" noAdjustHandles="1" noChangeArrowheads="1" noChangeShapeType="1" noTextEdit="1"/>
-          </p:cNvSpPr>
-          <p:nvPr>
-            <p:extLst>
-              <p:ext uri="{386F3935-93C4-4BCD-93E2-E3B085C9AB24}">
-                <p16:designElem xmlns:p16="http://schemas.microsoft.com/office/powerpoint/2015/main" val="1"/>
-              </p:ext>
-            </p:extLst>
-          </p:nvPr>
-        </p:nvSpPr>
-        <p:spPr>
-          <a:xfrm>
-            <a:off x="0" y="0"/>
-            <a:ext cx="12192000" cy="6858000"/>
-          </a:xfrm>
-          <a:prstGeom prst="rect">
-            <a:avLst/>
-          </a:prstGeom>
-          <a:ln w="12700" cap="flat" cmpd="sng" algn="ctr">
-            <a:noFill/>
-            <a:prstDash val="solid"/>
-            <a:miter lim="800000"/>
-          </a:ln>
-          <a:effectLst/>
-          <a:extLst>
-            <a:ext uri="{91240B29-F687-4F45-9708-019B960494DF}">
-              <a14:hiddenLine xmlns:a14="http://schemas.microsoft.com/office/drawing/2010/main" w="12700" cap="flat" cmpd="sng" algn="ctr">
-                <a:solidFill>
-                  <a:schemeClr val="accent1">
-                    <a:shade val="50000"/>
-                  </a:schemeClr>
-                </a:solidFill>
-                <a:prstDash val="solid"/>
-                <a:miter lim="800000"/>
-              </a14:hiddenLine>
-            </a:ext>
-          </a:extLst>
-        </p:spPr>
-        <p:style>
-          <a:lnRef idx="2">
-            <a:schemeClr val="accent1">
-              <a:shade val="50000"/>
-            </a:schemeClr>
-          </a:lnRef>
-          <a:fillRef idx="1">
-            <a:schemeClr val="accent1"/>
-          </a:fillRef>
-          <a:effectRef idx="0">
-            <a:schemeClr val="accent1"/>
-          </a:effectRef>
-          <a:fontRef idx="minor">
-            <a:schemeClr val="lt1"/>
-          </a:fontRef>
-        </p:style>
-        <p:txBody>
-          <a:bodyPr rtlCol="0" anchor="ctr"/>
-          <a:lstStyle/>
-          <a:p>
-            <a:pPr algn="ctr"/>
-            <a:endParaRPr lang="en-US"/>
-          </a:p>
-        </p:txBody>
-      </p:sp>
-      <p:sp>
-        <p:nvSpPr>
-          <p:cNvPr id="45" name="Rectangle 44">
-            <a:extLst>
-              <a:ext uri="{FF2B5EF4-FFF2-40B4-BE49-F238E27FC236}">
-                <a16:creationId xmlns:a16="http://schemas.microsoft.com/office/drawing/2014/main" id="{91E5A9A7-95C6-4F4F-B00E-C82E07FE62EF}"/>
-              </a:ext>
-              <a:ext uri="{C183D7F6-B498-43B3-948B-1728B52AA6E4}">
-                <adec:decorative xmlns:adec="http://schemas.microsoft.com/office/drawing/2017/decorative" val="1"/>
-              </a:ext>
-            </a:extLst>
-          </p:cNvPr>
-          <p:cNvSpPr>
-            <a:spLocks noGrp="1" noRot="1" noChangeAspect="1" noMove="1" noResize="1" noEditPoints="1" noAdjustHandles="1" noChangeArrowheads="1" noChangeShapeType="1" noTextEdit="1"/>
-          </p:cNvSpPr>
-          <p:nvPr>
-            <p:extLst>
-              <p:ext uri="{386F3935-93C4-4BCD-93E2-E3B085C9AB24}">
-                <p16:designElem xmlns:p16="http://schemas.microsoft.com/office/powerpoint/2015/main" val="1"/>
-              </p:ext>
-            </p:extLst>
-          </p:nvPr>
-        </p:nvSpPr>
-        <p:spPr>
-          <a:xfrm rot="5400000" flipH="1">
-            <a:off x="-1417539" y="1417538"/>
-            <a:ext cx="6875818" cy="4040744"/>
-          </a:xfrm>
-          <a:prstGeom prst="rect">
-            <a:avLst/>
-          </a:prstGeom>
-          <a:gradFill>
-            <a:gsLst>
-              <a:gs pos="0">
-                <a:srgbClr val="000000"/>
-              </a:gs>
-              <a:gs pos="100000">
-                <a:schemeClr val="accent1">
-                  <a:lumMod val="75000"/>
-                </a:schemeClr>
-              </a:gs>
-            </a:gsLst>
-            <a:lin ang="18600000" scaled="0"/>
-          </a:gradFill>
-          <a:ln>
-            <a:noFill/>
-          </a:ln>
-        </p:spPr>
-        <p:style>
-          <a:lnRef idx="2">
-            <a:schemeClr val="accent1">
-              <a:shade val="50000"/>
-            </a:schemeClr>
-          </a:lnRef>
-          <a:fillRef idx="1">
-            <a:schemeClr val="accent1"/>
-          </a:fillRef>
-          <a:effectRef idx="0">
-            <a:schemeClr val="accent1"/>
-          </a:effectRef>
-          <a:fontRef idx="minor">
-            <a:schemeClr val="lt1"/>
-          </a:fontRef>
-        </p:style>
-        <p:txBody>
-          <a:bodyPr rtlCol="0" anchor="ctr"/>
-          <a:lstStyle/>
-          <a:p>
-            <a:pPr algn="ctr"/>
-            <a:endParaRPr lang="en-US" dirty="0"/>
-          </a:p>
-        </p:txBody>
-      </p:sp>
-      <p:sp>
-        <p:nvSpPr>
-          <p:cNvPr id="47" name="Rectangle 46">
-            <a:extLst>
-              <a:ext uri="{FF2B5EF4-FFF2-40B4-BE49-F238E27FC236}">
-                <a16:creationId xmlns:a16="http://schemas.microsoft.com/office/drawing/2014/main" id="{D07DD2DE-F619-49DD-B5E7-03A290FF4ED1}"/>
-              </a:ext>
-              <a:ext uri="{C183D7F6-B498-43B3-948B-1728B52AA6E4}">
-                <adec:decorative xmlns:adec="http://schemas.microsoft.com/office/drawing/2017/decorative" val="1"/>
-              </a:ext>
-            </a:extLst>
-          </p:cNvPr>
-          <p:cNvSpPr>
-            <a:spLocks noGrp="1" noRot="1" noChangeAspect="1" noMove="1" noResize="1" noEditPoints="1" noAdjustHandles="1" noChangeArrowheads="1" noChangeShapeType="1" noTextEdit="1"/>
-          </p:cNvSpPr>
-          <p:nvPr>
-            <p:extLst>
-              <p:ext uri="{386F3935-93C4-4BCD-93E2-E3B085C9AB24}">
-                <p16:designElem xmlns:p16="http://schemas.microsoft.com/office/powerpoint/2015/main" val="1"/>
-              </p:ext>
-            </p:extLst>
-          </p:nvPr>
-        </p:nvSpPr>
-        <p:spPr>
-          <a:xfrm rot="16200000">
-            <a:off x="-158495" y="2660473"/>
-            <a:ext cx="4355594" cy="4038603"/>
-          </a:xfrm>
-          <a:prstGeom prst="rect">
-            <a:avLst/>
-          </a:prstGeom>
-          <a:gradFill>
-            <a:gsLst>
-              <a:gs pos="0">
-                <a:schemeClr val="accent1">
-                  <a:alpha val="50000"/>
-                </a:schemeClr>
-              </a:gs>
-              <a:gs pos="100000">
-                <a:schemeClr val="accent1">
-                  <a:lumMod val="50000"/>
-                  <a:alpha val="0"/>
-                </a:schemeClr>
-              </a:gs>
-            </a:gsLst>
-            <a:lin ang="11400000" scaled="0"/>
-          </a:gradFill>
-          <a:ln>
-            <a:noFill/>
-          </a:ln>
-        </p:spPr>
-        <p:style>
-          <a:lnRef idx="2">
-            <a:schemeClr val="accent1">
-              <a:shade val="50000"/>
-            </a:schemeClr>
-          </a:lnRef>
-          <a:fillRef idx="1">
-            <a:schemeClr val="accent1"/>
-          </a:fillRef>
-          <a:effectRef idx="0">
-            <a:schemeClr val="accent1"/>
-          </a:effectRef>
-          <a:fontRef idx="minor">
-            <a:schemeClr val="lt1"/>
-          </a:fontRef>
-        </p:style>
-        <p:txBody>
-          <a:bodyPr rtlCol="0" anchor="ctr"/>
-          <a:lstStyle/>
-          <a:p>
-            <a:pPr algn="ctr"/>
-            <a:endParaRPr lang="en-US"/>
-          </a:p>
-        </p:txBody>
-      </p:sp>
-      <p:sp>
-        <p:nvSpPr>
-          <p:cNvPr id="49" name="Rectangle 48">
-            <a:extLst>
-              <a:ext uri="{FF2B5EF4-FFF2-40B4-BE49-F238E27FC236}">
-                <a16:creationId xmlns:a16="http://schemas.microsoft.com/office/drawing/2014/main" id="{85149191-5F60-4A28-AAFF-039F96B0F3EC}"/>
-              </a:ext>
-              <a:ext uri="{C183D7F6-B498-43B3-948B-1728B52AA6E4}">
-                <adec:decorative xmlns:adec="http://schemas.microsoft.com/office/drawing/2017/decorative" val="1"/>
-              </a:ext>
-            </a:extLst>
-          </p:cNvPr>
-          <p:cNvSpPr>
-            <a:spLocks noGrp="1" noRot="1" noChangeAspect="1" noMove="1" noResize="1" noEditPoints="1" noAdjustHandles="1" noChangeArrowheads="1" noChangeShapeType="1" noTextEdit="1"/>
-          </p:cNvSpPr>
-          <p:nvPr>
-            <p:extLst>
-              <p:ext uri="{386F3935-93C4-4BCD-93E2-E3B085C9AB24}">
-                <p16:designElem xmlns:p16="http://schemas.microsoft.com/office/powerpoint/2015/main" val="1"/>
-              </p:ext>
-            </p:extLst>
-          </p:nvPr>
-        </p:nvSpPr>
-        <p:spPr>
-          <a:xfrm rot="16200000" flipH="1">
-            <a:off x="-1180882" y="1638085"/>
-            <a:ext cx="6857572" cy="3581401"/>
-          </a:xfrm>
-          <a:prstGeom prst="rect">
-            <a:avLst/>
-          </a:prstGeom>
-          <a:gradFill>
-            <a:gsLst>
-              <a:gs pos="0">
-                <a:srgbClr val="000000">
-                  <a:alpha val="59000"/>
-                </a:srgbClr>
-              </a:gs>
-              <a:gs pos="69000">
-                <a:schemeClr val="accent1">
-                  <a:alpha val="0"/>
-                </a:schemeClr>
-              </a:gs>
-            </a:gsLst>
-            <a:lin ang="13200000" scaled="0"/>
-          </a:gradFill>
-          <a:ln>
-            <a:noFill/>
-          </a:ln>
-        </p:spPr>
-        <p:style>
-          <a:lnRef idx="2">
-            <a:schemeClr val="accent1">
-              <a:shade val="50000"/>
-            </a:schemeClr>
-          </a:lnRef>
-          <a:fillRef idx="1">
-            <a:schemeClr val="accent1"/>
-          </a:fillRef>
-          <a:effectRef idx="0">
-            <a:schemeClr val="accent1"/>
-          </a:effectRef>
-          <a:fontRef idx="minor">
-            <a:schemeClr val="lt1"/>
-          </a:fontRef>
-        </p:style>
-        <p:txBody>
-          <a:bodyPr rtlCol="0" anchor="ctr"/>
-          <a:lstStyle/>
-          <a:p>
-            <a:pPr algn="ctr"/>
-            <a:endParaRPr lang="en-US" dirty="0"/>
-          </a:p>
-        </p:txBody>
-      </p:sp>
-      <p:sp>
-        <p:nvSpPr>
-          <p:cNvPr id="51" name="Freeform: Shape 50">
-            <a:extLst>
-              <a:ext uri="{FF2B5EF4-FFF2-40B4-BE49-F238E27FC236}">
-                <a16:creationId xmlns:a16="http://schemas.microsoft.com/office/drawing/2014/main" id="{F8260ED5-17F7-4158-B241-D51DD4CF1B7E}"/>
-              </a:ext>
-              <a:ext uri="{C183D7F6-B498-43B3-948B-1728B52AA6E4}">
-                <adec:decorative xmlns:adec="http://schemas.microsoft.com/office/drawing/2017/decorative" val="1"/>
-              </a:ext>
-            </a:extLst>
-          </p:cNvPr>
-          <p:cNvSpPr>
-            <a:spLocks noGrp="1" noRot="1" noChangeAspect="1" noMove="1" noResize="1" noEditPoints="1" noAdjustHandles="1" noChangeArrowheads="1" noChangeShapeType="1" noTextEdit="1"/>
-          </p:cNvSpPr>
-          <p:nvPr>
-            <p:extLst>
-              <p:ext uri="{386F3935-93C4-4BCD-93E2-E3B085C9AB24}">
-                <p16:designElem xmlns:p16="http://schemas.microsoft.com/office/powerpoint/2015/main" val="1"/>
-              </p:ext>
-            </p:extLst>
-          </p:nvPr>
-        </p:nvSpPr>
-        <p:spPr>
-          <a:xfrm rot="6097846">
-            <a:off x="-747355" y="1201312"/>
-            <a:ext cx="4808302" cy="4088666"/>
-          </a:xfrm>
-          <a:custGeom>
-            <a:avLst/>
-            <a:gdLst>
-              <a:gd name="connsiteX0" fmla="*/ 48844 w 4808302"/>
-              <a:gd name="connsiteY0" fmla="*/ 2888671 h 4088666"/>
-              <a:gd name="connsiteX1" fmla="*/ 0 w 4808302"/>
-              <a:gd name="connsiteY1" fmla="*/ 2404151 h 4088666"/>
-              <a:gd name="connsiteX2" fmla="*/ 2404151 w 4808302"/>
-              <a:gd name="connsiteY2" fmla="*/ 0 h 4088666"/>
-              <a:gd name="connsiteX3" fmla="*/ 4808302 w 4808302"/>
-              <a:gd name="connsiteY3" fmla="*/ 2404151 h 4088666"/>
-              <a:gd name="connsiteX4" fmla="*/ 4700216 w 4808302"/>
-              <a:gd name="connsiteY4" fmla="*/ 3119072 h 4088666"/>
-              <a:gd name="connsiteX5" fmla="*/ 4643143 w 4808302"/>
-              <a:gd name="connsiteY5" fmla="*/ 3275009 h 4088666"/>
-              <a:gd name="connsiteX6" fmla="*/ 690093 w 4808302"/>
-              <a:gd name="connsiteY6" fmla="*/ 4088666 h 4088666"/>
-              <a:gd name="connsiteX7" fmla="*/ 548991 w 4808302"/>
-              <a:gd name="connsiteY7" fmla="*/ 3933414 h 4088666"/>
-              <a:gd name="connsiteX8" fmla="*/ 48844 w 4808302"/>
-              <a:gd name="connsiteY8" fmla="*/ 2888671 h 4088666"/>
-            </a:gdLst>
-            <a:ahLst/>
-            <a:cxnLst>
-              <a:cxn ang="0">
-                <a:pos x="connsiteX0" y="connsiteY0"/>
-              </a:cxn>
-              <a:cxn ang="0">
-                <a:pos x="connsiteX1" y="connsiteY1"/>
-              </a:cxn>
-              <a:cxn ang="0">
-                <a:pos x="connsiteX2" y="connsiteY2"/>
-              </a:cxn>
-              <a:cxn ang="0">
-                <a:pos x="connsiteX3" y="connsiteY3"/>
-              </a:cxn>
-              <a:cxn ang="0">
-                <a:pos x="connsiteX4" y="connsiteY4"/>
-              </a:cxn>
-              <a:cxn ang="0">
-                <a:pos x="connsiteX5" y="connsiteY5"/>
-              </a:cxn>
-              <a:cxn ang="0">
-                <a:pos x="connsiteX6" y="connsiteY6"/>
-              </a:cxn>
-              <a:cxn ang="0">
-                <a:pos x="connsiteX7" y="connsiteY7"/>
-              </a:cxn>
-              <a:cxn ang="0">
-                <a:pos x="connsiteX8" y="connsiteY8"/>
-              </a:cxn>
-            </a:cxnLst>
-            <a:rect l="l" t="t" r="r" b="b"/>
-            <a:pathLst>
-              <a:path w="4808302" h="4088666">
-                <a:moveTo>
-                  <a:pt x="48844" y="2888671"/>
-                </a:moveTo>
-                <a:cubicBezTo>
-                  <a:pt x="16818" y="2732167"/>
-                  <a:pt x="0" y="2570123"/>
-                  <a:pt x="0" y="2404151"/>
-                </a:cubicBezTo>
-                <a:cubicBezTo>
-                  <a:pt x="0" y="1076375"/>
-                  <a:pt x="1076375" y="0"/>
-                  <a:pt x="2404151" y="0"/>
-                </a:cubicBezTo>
-                <a:cubicBezTo>
-                  <a:pt x="3731927" y="0"/>
-                  <a:pt x="4808302" y="1076375"/>
-                  <a:pt x="4808302" y="2404151"/>
-                </a:cubicBezTo>
-                <a:cubicBezTo>
-                  <a:pt x="4808302" y="2653109"/>
-                  <a:pt x="4770461" y="2893229"/>
-                  <a:pt x="4700216" y="3119072"/>
-                </a:cubicBezTo>
-                <a:lnTo>
-                  <a:pt x="4643143" y="3275009"/>
-                </a:lnTo>
-                <a:lnTo>
-                  <a:pt x="690093" y="4088666"/>
-                </a:lnTo>
-                <a:lnTo>
-                  <a:pt x="548991" y="3933414"/>
-                </a:lnTo>
-                <a:cubicBezTo>
-                  <a:pt x="304015" y="3636572"/>
-                  <a:pt x="128908" y="3279932"/>
-                  <a:pt x="48844" y="2888671"/>
-                </a:cubicBezTo>
-                <a:close/>
-              </a:path>
-            </a:pathLst>
-          </a:custGeom>
-          <a:gradFill>
-            <a:gsLst>
-              <a:gs pos="39000">
-                <a:schemeClr val="accent1">
-                  <a:lumMod val="60000"/>
-                  <a:lumOff val="40000"/>
-                  <a:alpha val="0"/>
-                </a:schemeClr>
-              </a:gs>
-              <a:gs pos="100000">
-                <a:schemeClr val="accent1">
-                  <a:lumMod val="75000"/>
-                  <a:alpha val="26000"/>
-                </a:schemeClr>
-              </a:gs>
-            </a:gsLst>
-            <a:lin ang="18600000" scaled="0"/>
-          </a:gradFill>
-          <a:ln>
-            <a:noFill/>
-          </a:ln>
-        </p:spPr>
-        <p:style>
-          <a:lnRef idx="2">
-            <a:schemeClr val="accent1">
-              <a:shade val="50000"/>
-            </a:schemeClr>
-          </a:lnRef>
-          <a:fillRef idx="1">
-            <a:schemeClr val="accent1"/>
-          </a:fillRef>
-          <a:effectRef idx="0">
-            <a:schemeClr val="accent1"/>
-          </a:effectRef>
-          <a:fontRef idx="minor">
-            <a:schemeClr val="lt1"/>
-          </a:fontRef>
-        </p:style>
-        <p:txBody>
-          <a:bodyPr wrap="square" rtlCol="0" anchor="ctr">
-            <a:noAutofit/>
-          </a:bodyPr>
-          <a:lstStyle/>
-          <a:p>
-            <a:pPr algn="ctr"/>
-            <a:endParaRPr lang="en-US" dirty="0"/>
-          </a:p>
-        </p:txBody>
-      </p:sp>
-      <p:pic>
-        <p:nvPicPr>
-          <p:cNvPr id="13" name="Picture 12" descr="A diagram of a data flow&#10;&#10;AI-generated content may be incorrect.">
-            <a:extLst>
-              <a:ext uri="{FF2B5EF4-FFF2-40B4-BE49-F238E27FC236}">
-                <a16:creationId xmlns:a16="http://schemas.microsoft.com/office/drawing/2014/main" id="{EDF885A8-86E6-5FC7-72B2-4B2BCCFF495B}"/>
-              </a:ext>
-            </a:extLst>
-          </p:cNvPr>
-          <p:cNvPicPr>
-            <a:picLocks noChangeAspect="1"/>
-          </p:cNvPicPr>
-          <p:nvPr/>
-        </p:nvPicPr>
-        <p:blipFill>
-          <a:blip r:embed="rId3">
-            <a:extLst>
-              <a:ext uri="{28A0092B-C50C-407E-A947-70E740481C1C}">
-                <a14:useLocalDpi xmlns:a14="http://schemas.microsoft.com/office/drawing/2010/main" val="0"/>
-              </a:ext>
-            </a:extLst>
-          </a:blip>
-          <a:stretch>
-            <a:fillRect/>
-          </a:stretch>
-        </p:blipFill>
-        <p:spPr>
-          <a:xfrm>
-            <a:off x="5053526" y="741716"/>
-            <a:ext cx="6195467" cy="5374568"/>
-          </a:xfrm>
-          <a:prstGeom prst="rect">
-            <a:avLst/>
-          </a:prstGeom>
-        </p:spPr>
-      </p:pic>
-      <p:sp>
-        <p:nvSpPr>
-          <p:cNvPr id="6" name="Title 6">
-            <a:extLst>
-              <a:ext uri="{FF2B5EF4-FFF2-40B4-BE49-F238E27FC236}">
-                <a16:creationId xmlns:a16="http://schemas.microsoft.com/office/drawing/2014/main" id="{9124DADA-80C2-22C8-734D-73BFB2215391}"/>
-              </a:ext>
-            </a:extLst>
-          </p:cNvPr>
-          <p:cNvSpPr>
-            <a:spLocks noGrp="1"/>
-          </p:cNvSpPr>
-          <p:nvPr>
-            <p:ph type="title"/>
-          </p:nvPr>
-        </p:nvSpPr>
-        <p:spPr>
-          <a:xfrm>
-            <a:off x="547883" y="796094"/>
-            <a:ext cx="2880828" cy="878603"/>
-          </a:xfrm>
-        </p:spPr>
-        <p:txBody>
-          <a:bodyPr vert="horz" lIns="91440" tIns="45720" rIns="91440" bIns="45720" rtlCol="0" anchor="t">
-            <a:normAutofit fontScale="90000"/>
-          </a:bodyPr>
-          <a:lstStyle/>
-          <a:p>
-            <a:pPr algn="ctr"/>
-            <a:r>
-              <a:rPr lang="en-US" sz="4000" dirty="0">
-                <a:solidFill>
-                  <a:srgbClr val="FFFFFF"/>
-                </a:solidFill>
-              </a:rPr>
-              <a:t>Command Line Interface</a:t>
-            </a:r>
-            <a:endParaRPr lang="en-US" sz="4000" kern="1200" dirty="0">
-              <a:solidFill>
-                <a:srgbClr val="FFFFFF"/>
-              </a:solidFill>
-              <a:latin typeface="+mj-lt"/>
-              <a:ea typeface="+mj-ea"/>
-              <a:cs typeface="+mj-cs"/>
-            </a:endParaRPr>
-          </a:p>
-        </p:txBody>
-      </p:sp>
-      <p:sp>
-        <p:nvSpPr>
-          <p:cNvPr id="8" name="TextBox 7">
-            <a:extLst>
-              <a:ext uri="{FF2B5EF4-FFF2-40B4-BE49-F238E27FC236}">
-                <a16:creationId xmlns:a16="http://schemas.microsoft.com/office/drawing/2014/main" id="{F424B83B-8198-7750-9BD6-EDD448636147}"/>
-              </a:ext>
-            </a:extLst>
-          </p:cNvPr>
-          <p:cNvSpPr txBox="1"/>
-          <p:nvPr/>
-        </p:nvSpPr>
-        <p:spPr>
-          <a:xfrm>
-            <a:off x="455066" y="2534201"/>
-            <a:ext cx="3088397" cy="2831544"/>
-          </a:xfrm>
-          <a:prstGeom prst="rect">
-            <a:avLst/>
-          </a:prstGeom>
-          <a:noFill/>
-        </p:spPr>
-        <p:txBody>
-          <a:bodyPr wrap="square" rtlCol="0">
-            <a:spAutoFit/>
-          </a:bodyPr>
-          <a:lstStyle/>
-          <a:p>
-            <a:r>
-              <a:rPr lang="en-US" b="1" dirty="0">
-                <a:solidFill>
-                  <a:schemeClr val="bg1"/>
-                </a:solidFill>
-              </a:rPr>
-              <a:t>Python CLI</a:t>
-            </a:r>
-          </a:p>
-          <a:p>
-            <a:pPr marL="285750" indent="-285750">
-              <a:buFontTx/>
-              <a:buChar char="-"/>
-            </a:pPr>
-            <a:r>
-              <a:rPr lang="en-US" sz="1600" dirty="0">
-                <a:solidFill>
-                  <a:schemeClr val="bg1"/>
-                </a:solidFill>
-              </a:rPr>
-              <a:t>User-friendly database interaction</a:t>
-            </a:r>
-          </a:p>
-          <a:p>
-            <a:pPr marL="285750" indent="-285750">
-              <a:buFontTx/>
-              <a:buChar char="-"/>
-            </a:pPr>
-            <a:r>
-              <a:rPr lang="en-US" sz="1600" dirty="0">
-                <a:solidFill>
-                  <a:schemeClr val="bg1"/>
-                </a:solidFill>
-              </a:rPr>
-              <a:t>Sends database queries to Data Client</a:t>
-            </a:r>
-          </a:p>
-          <a:p>
-            <a:endParaRPr lang="en-US" sz="1600" dirty="0">
-              <a:solidFill>
-                <a:schemeClr val="bg1"/>
-              </a:solidFill>
-            </a:endParaRPr>
-          </a:p>
-          <a:p>
-            <a:r>
-              <a:rPr lang="en-US" sz="1600" b="1" dirty="0">
-                <a:solidFill>
-                  <a:schemeClr val="bg1"/>
-                </a:solidFill>
-              </a:rPr>
-              <a:t>Data Client</a:t>
-            </a:r>
-          </a:p>
-          <a:p>
-            <a:pPr marL="285750" indent="-285750">
-              <a:buFontTx/>
-              <a:buChar char="-"/>
-            </a:pPr>
-            <a:r>
-              <a:rPr lang="en-US" sz="1600" dirty="0">
-                <a:solidFill>
-                  <a:schemeClr val="bg1"/>
-                </a:solidFill>
-              </a:rPr>
-              <a:t>Handles database query requests from CLI</a:t>
-            </a:r>
-          </a:p>
-          <a:p>
-            <a:pPr marL="285750" indent="-285750">
-              <a:buFontTx/>
-              <a:buChar char="-"/>
-            </a:pPr>
-            <a:r>
-              <a:rPr lang="en-US" sz="1600" dirty="0">
-                <a:solidFill>
-                  <a:schemeClr val="bg1"/>
-                </a:solidFill>
-              </a:rPr>
-              <a:t>Sends database response to CLI</a:t>
-            </a:r>
-          </a:p>
-        </p:txBody>
-      </p:sp>
-      <p:sp>
-        <p:nvSpPr>
-          <p:cNvPr id="2" name="TextBox 1">
-            <a:extLst>
-              <a:ext uri="{FF2B5EF4-FFF2-40B4-BE49-F238E27FC236}">
-                <a16:creationId xmlns:a16="http://schemas.microsoft.com/office/drawing/2014/main" id="{2524F64B-C6F1-E3ED-E40D-D32C760AEED3}"/>
-              </a:ext>
-            </a:extLst>
-          </p:cNvPr>
-          <p:cNvSpPr txBox="1"/>
-          <p:nvPr/>
-        </p:nvSpPr>
-        <p:spPr>
-          <a:xfrm>
-            <a:off x="5156624" y="3765307"/>
-            <a:ext cx="1536192" cy="369332"/>
-          </a:xfrm>
-          <a:prstGeom prst="rect">
-            <a:avLst/>
-          </a:prstGeom>
-          <a:noFill/>
-        </p:spPr>
-        <p:txBody>
-          <a:bodyPr wrap="square" rtlCol="0">
-            <a:spAutoFit/>
-          </a:bodyPr>
-          <a:lstStyle/>
-          <a:p>
-            <a:r>
-              <a:rPr lang="en-US" dirty="0"/>
-              <a:t>Request</a:t>
-            </a:r>
-          </a:p>
-        </p:txBody>
-      </p:sp>
-      <p:sp>
-        <p:nvSpPr>
-          <p:cNvPr id="3" name="TextBox 2">
-            <a:extLst>
-              <a:ext uri="{FF2B5EF4-FFF2-40B4-BE49-F238E27FC236}">
-                <a16:creationId xmlns:a16="http://schemas.microsoft.com/office/drawing/2014/main" id="{A5A844DE-19C0-D2A9-6C50-F8E414EBF116}"/>
-              </a:ext>
-            </a:extLst>
-          </p:cNvPr>
-          <p:cNvSpPr txBox="1"/>
-          <p:nvPr/>
-        </p:nvSpPr>
-        <p:spPr>
-          <a:xfrm>
-            <a:off x="6795914" y="3788458"/>
-            <a:ext cx="1536192" cy="369332"/>
-          </a:xfrm>
-          <a:prstGeom prst="rect">
-            <a:avLst/>
-          </a:prstGeom>
-          <a:noFill/>
-        </p:spPr>
-        <p:txBody>
-          <a:bodyPr wrap="square" rtlCol="0">
-            <a:spAutoFit/>
-          </a:bodyPr>
-          <a:lstStyle/>
-          <a:p>
-            <a:r>
-              <a:rPr lang="en-US" dirty="0"/>
-              <a:t>Response</a:t>
-            </a:r>
-          </a:p>
-        </p:txBody>
-      </p:sp>
-      <p:sp>
-        <p:nvSpPr>
-          <p:cNvPr id="4" name="TextBox 3">
-            <a:extLst>
-              <a:ext uri="{FF2B5EF4-FFF2-40B4-BE49-F238E27FC236}">
-                <a16:creationId xmlns:a16="http://schemas.microsoft.com/office/drawing/2014/main" id="{7BEE8F3A-E199-CF90-260E-5BD42B4A0D6E}"/>
-              </a:ext>
-            </a:extLst>
-          </p:cNvPr>
-          <p:cNvSpPr txBox="1"/>
-          <p:nvPr/>
-        </p:nvSpPr>
-        <p:spPr>
-          <a:xfrm>
-            <a:off x="7823624" y="1534527"/>
-            <a:ext cx="1536192" cy="369332"/>
-          </a:xfrm>
-          <a:prstGeom prst="rect">
-            <a:avLst/>
-          </a:prstGeom>
-          <a:noFill/>
-        </p:spPr>
-        <p:txBody>
-          <a:bodyPr wrap="square" rtlCol="0">
-            <a:spAutoFit/>
-          </a:bodyPr>
-          <a:lstStyle/>
-          <a:p>
-            <a:r>
-              <a:rPr lang="en-US" dirty="0"/>
-              <a:t>Query</a:t>
-            </a:r>
-          </a:p>
-        </p:txBody>
-      </p:sp>
-      <p:sp>
-        <p:nvSpPr>
-          <p:cNvPr id="5" name="TextBox 4">
-            <a:extLst>
-              <a:ext uri="{FF2B5EF4-FFF2-40B4-BE49-F238E27FC236}">
-                <a16:creationId xmlns:a16="http://schemas.microsoft.com/office/drawing/2014/main" id="{BA54C8E4-ED73-3A8D-CC4F-40EADF910392}"/>
-              </a:ext>
-            </a:extLst>
-          </p:cNvPr>
-          <p:cNvSpPr txBox="1"/>
-          <p:nvPr/>
-        </p:nvSpPr>
-        <p:spPr>
-          <a:xfrm>
-            <a:off x="7928776" y="2460909"/>
-            <a:ext cx="1536192" cy="369332"/>
-          </a:xfrm>
-          <a:prstGeom prst="rect">
-            <a:avLst/>
-          </a:prstGeom>
-          <a:noFill/>
-        </p:spPr>
-        <p:txBody>
-          <a:bodyPr wrap="square" rtlCol="0">
-            <a:spAutoFit/>
-          </a:bodyPr>
-          <a:lstStyle/>
-          <a:p>
-            <a:r>
-              <a:rPr lang="en-US" dirty="0"/>
-              <a:t>Data</a:t>
-            </a:r>
-          </a:p>
-        </p:txBody>
-      </p:sp>
-      <p:sp>
-        <p:nvSpPr>
-          <p:cNvPr id="7" name="Moon 6">
-            <a:extLst>
-              <a:ext uri="{FF2B5EF4-FFF2-40B4-BE49-F238E27FC236}">
-                <a16:creationId xmlns:a16="http://schemas.microsoft.com/office/drawing/2014/main" id="{DC1FB21B-BC12-C751-B85D-CFDFFBA2A0FC}"/>
-              </a:ext>
-            </a:extLst>
-          </p:cNvPr>
-          <p:cNvSpPr/>
-          <p:nvPr/>
-        </p:nvSpPr>
-        <p:spPr>
-          <a:xfrm rot="16200000">
-            <a:off x="9769665" y="2524760"/>
-            <a:ext cx="109728" cy="1178942"/>
-          </a:xfrm>
-          <a:prstGeom prst="moon">
-            <a:avLst/>
-          </a:prstGeom>
-          <a:solidFill>
-            <a:schemeClr val="bg1"/>
-          </a:solidFill>
-          <a:ln>
-            <a:solidFill>
-              <a:schemeClr val="bg1"/>
-            </a:solidFill>
-          </a:ln>
-        </p:spPr>
-        <p:style>
-          <a:lnRef idx="2">
-            <a:schemeClr val="accent6"/>
-          </a:lnRef>
-          <a:fillRef idx="1">
-            <a:schemeClr val="lt1"/>
-          </a:fillRef>
-          <a:effectRef idx="0">
-            <a:schemeClr val="accent6"/>
-          </a:effectRef>
-          <a:fontRef idx="minor">
-            <a:schemeClr val="dk1"/>
-          </a:fontRef>
-        </p:style>
-        <p:txBody>
-          <a:bodyPr rtlCol="0" anchor="ctr"/>
-          <a:lstStyle/>
-          <a:p>
-            <a:pPr algn="ctr"/>
-            <a:endParaRPr lang="en-US"/>
-          </a:p>
-        </p:txBody>
-      </p:sp>
-      <p:sp>
-        <p:nvSpPr>
-          <p:cNvPr id="9" name="Rectangle 8">
-            <a:extLst>
-              <a:ext uri="{FF2B5EF4-FFF2-40B4-BE49-F238E27FC236}">
-                <a16:creationId xmlns:a16="http://schemas.microsoft.com/office/drawing/2014/main" id="{765236A4-EEF2-47DC-E544-EB0989C2683C}"/>
-              </a:ext>
-            </a:extLst>
-          </p:cNvPr>
-          <p:cNvSpPr/>
-          <p:nvPr/>
-        </p:nvSpPr>
-        <p:spPr>
-          <a:xfrm>
-            <a:off x="8646415" y="3150876"/>
-            <a:ext cx="2363724" cy="2804124"/>
-          </a:xfrm>
-          <a:prstGeom prst="rect">
-            <a:avLst/>
-          </a:prstGeom>
-          <a:solidFill>
-            <a:schemeClr val="bg1"/>
-          </a:solidFill>
-          <a:ln>
-            <a:solidFill>
-              <a:schemeClr val="bg1"/>
-            </a:solidFill>
-          </a:ln>
-        </p:spPr>
-        <p:style>
-          <a:lnRef idx="2">
-            <a:schemeClr val="accent1">
-              <a:shade val="15000"/>
-            </a:schemeClr>
-          </a:lnRef>
-          <a:fillRef idx="1">
-            <a:schemeClr val="accent1"/>
-          </a:fillRef>
-          <a:effectRef idx="0">
-            <a:schemeClr val="accent1"/>
-          </a:effectRef>
-          <a:fontRef idx="minor">
-            <a:schemeClr val="lt1"/>
-          </a:fontRef>
-        </p:style>
-        <p:txBody>
-          <a:bodyPr rtlCol="0" anchor="ctr"/>
-          <a:lstStyle/>
-          <a:p>
-            <a:pPr algn="ctr"/>
-            <a:endParaRPr lang="en-US"/>
-          </a:p>
-        </p:txBody>
-      </p:sp>
-    </p:spTree>
-    <p:extLst>
-      <p:ext uri="{BB962C8B-B14F-4D97-AF65-F5344CB8AC3E}">
-        <p14:creationId xmlns:p14="http://schemas.microsoft.com/office/powerpoint/2010/main" val="2899819684"/>
-      </p:ext>
-    </p:extLst>
-  </p:cSld>
-  <p:clrMapOvr>
-    <a:masterClrMapping/>
-  </p:clrMapOvr>
-</p:sld>
-</file>
-
-<file path=ppt/slides/slide7.xml><?xml version="1.0" encoding="utf-8"?>
-<p:sld xmlns:a="http://schemas.openxmlformats.org/drawingml/2006/main" xmlns:r="http://schemas.openxmlformats.org/officeDocument/2006/relationships" xmlns:p="http://schemas.openxmlformats.org/presentationml/2006/main">
-  <p:cSld>
-    <p:bg>
-      <p:bgPr>
-        <a:solidFill>
-          <a:schemeClr val="bg1"/>
-        </a:solidFill>
-        <a:effectLst/>
-      </p:bgPr>
-    </p:bg>
-    <p:spTree>
-      <p:nvGrpSpPr>
-        <p:cNvPr id="1" name=""/>
-        <p:cNvGrpSpPr/>
-        <p:nvPr/>
-      </p:nvGrpSpPr>
-      <p:grpSpPr>
-        <a:xfrm>
-          <a:off x="0" y="0"/>
-          <a:ext cx="0" cy="0"/>
-          <a:chOff x="0" y="0"/>
-          <a:chExt cx="0" cy="0"/>
-        </a:xfrm>
-      </p:grpSpPr>
-      <p:sp useBgFill="1">
-        <p:nvSpPr>
-          <p:cNvPr id="119" name="Rectangle 118">
-            <a:extLst>
-              <a:ext uri="{FF2B5EF4-FFF2-40B4-BE49-F238E27FC236}">
-                <a16:creationId xmlns:a16="http://schemas.microsoft.com/office/drawing/2014/main" id="{BACC6370-2D7E-4714-9D71-7542949D7D5D}"/>
-              </a:ext>
-              <a:ext uri="{C183D7F6-B498-43B3-948B-1728B52AA6E4}">
-                <adec:decorative xmlns:adec="http://schemas.microsoft.com/office/drawing/2017/decorative" val="1"/>
-              </a:ext>
-            </a:extLst>
-          </p:cNvPr>
-          <p:cNvSpPr>
-            <a:spLocks noGrp="1" noRot="1" noChangeAspect="1" noMove="1" noResize="1" noEditPoints="1" noAdjustHandles="1" noChangeArrowheads="1" noChangeShapeType="1" noTextEdit="1"/>
-          </p:cNvSpPr>
-          <p:nvPr>
-            <p:extLst>
-              <p:ext uri="{386F3935-93C4-4BCD-93E2-E3B085C9AB24}">
-                <p16:designElem xmlns:p16="http://schemas.microsoft.com/office/powerpoint/2015/main" val="1"/>
-              </p:ext>
-            </p:extLst>
-          </p:nvPr>
-        </p:nvSpPr>
-        <p:spPr>
-          <a:xfrm>
-            <a:off x="0" y="0"/>
-            <a:ext cx="12192000" cy="6858000"/>
-          </a:xfrm>
-          <a:prstGeom prst="rect">
-            <a:avLst/>
-          </a:prstGeom>
-          <a:ln w="12700" cap="flat" cmpd="sng" algn="ctr">
-            <a:noFill/>
-            <a:prstDash val="solid"/>
-            <a:miter lim="800000"/>
-          </a:ln>
-          <a:effectLst/>
-          <a:extLst>
-            <a:ext uri="{91240B29-F687-4F45-9708-019B960494DF}">
-              <a14:hiddenLine xmlns:a14="http://schemas.microsoft.com/office/drawing/2010/main" w="12700" cap="flat" cmpd="sng" algn="ctr">
-                <a:solidFill>
-                  <a:schemeClr val="accent1">
-                    <a:shade val="50000"/>
-                  </a:schemeClr>
-                </a:solidFill>
-                <a:prstDash val="solid"/>
-                <a:miter lim="800000"/>
-              </a14:hiddenLine>
-            </a:ext>
-          </a:extLst>
-        </p:spPr>
-        <p:style>
-          <a:lnRef idx="2">
-            <a:schemeClr val="accent1">
-              <a:shade val="50000"/>
-            </a:schemeClr>
-          </a:lnRef>
-          <a:fillRef idx="1">
-            <a:schemeClr val="accent1"/>
-          </a:fillRef>
-          <a:effectRef idx="0">
-            <a:schemeClr val="accent1"/>
-          </a:effectRef>
-          <a:fontRef idx="minor">
-            <a:schemeClr val="lt1"/>
-          </a:fontRef>
-        </p:style>
-        <p:txBody>
-          <a:bodyPr rtlCol="0" anchor="ctr"/>
-          <a:lstStyle/>
-          <a:p>
-            <a:pPr algn="ctr"/>
-            <a:endParaRPr lang="en-US"/>
-          </a:p>
-        </p:txBody>
-      </p:sp>
-      <p:sp>
-        <p:nvSpPr>
-          <p:cNvPr id="120" name="Rectangle 119">
-            <a:extLst>
-              <a:ext uri="{FF2B5EF4-FFF2-40B4-BE49-F238E27FC236}">
-                <a16:creationId xmlns:a16="http://schemas.microsoft.com/office/drawing/2014/main" id="{F68B3F68-107C-434F-AA38-110D5EA91B85}"/>
-              </a:ext>
-              <a:ext uri="{C183D7F6-B498-43B3-948B-1728B52AA6E4}">
-                <adec:decorative xmlns:adec="http://schemas.microsoft.com/office/drawing/2017/decorative" val="1"/>
-              </a:ext>
-            </a:extLst>
-          </p:cNvPr>
-          <p:cNvSpPr>
-            <a:spLocks noGrp="1" noRot="1" noChangeAspect="1" noMove="1" noResize="1" noEditPoints="1" noAdjustHandles="1" noChangeArrowheads="1" noChangeShapeType="1" noTextEdit="1"/>
-          </p:cNvSpPr>
-          <p:nvPr>
-            <p:extLst>
-              <p:ext uri="{386F3935-93C4-4BCD-93E2-E3B085C9AB24}">
-                <p16:designElem xmlns:p16="http://schemas.microsoft.com/office/powerpoint/2015/main" val="1"/>
-              </p:ext>
-            </p:extLst>
-          </p:nvPr>
-        </p:nvSpPr>
-        <p:spPr>
-          <a:xfrm flipH="1">
-            <a:off x="2" y="0"/>
-            <a:ext cx="12191998" cy="1575955"/>
-          </a:xfrm>
-          <a:prstGeom prst="rect">
-            <a:avLst/>
-          </a:prstGeom>
-          <a:gradFill>
-            <a:gsLst>
-              <a:gs pos="0">
-                <a:srgbClr val="000000">
-                  <a:alpha val="96000"/>
-                </a:srgbClr>
-              </a:gs>
-              <a:gs pos="100000">
-                <a:schemeClr val="accent1">
-                  <a:lumMod val="75000"/>
-                </a:schemeClr>
-              </a:gs>
-            </a:gsLst>
-            <a:lin ang="8400000" scaled="0"/>
-          </a:gradFill>
-          <a:ln>
-            <a:noFill/>
-          </a:ln>
-        </p:spPr>
-        <p:style>
-          <a:lnRef idx="2">
-            <a:schemeClr val="accent1">
-              <a:shade val="50000"/>
-            </a:schemeClr>
-          </a:lnRef>
-          <a:fillRef idx="1">
-            <a:schemeClr val="accent1"/>
-          </a:fillRef>
-          <a:effectRef idx="0">
-            <a:schemeClr val="accent1"/>
-          </a:effectRef>
-          <a:fontRef idx="minor">
-            <a:schemeClr val="lt1"/>
-          </a:fontRef>
-        </p:style>
-        <p:txBody>
-          <a:bodyPr rtlCol="0" anchor="ctr"/>
-          <a:lstStyle/>
-          <a:p>
-            <a:pPr algn="ctr"/>
-            <a:endParaRPr lang="en-US"/>
-          </a:p>
-        </p:txBody>
-      </p:sp>
-      <p:sp>
-        <p:nvSpPr>
-          <p:cNvPr id="121" name="Rectangle 120">
-            <a:extLst>
-              <a:ext uri="{FF2B5EF4-FFF2-40B4-BE49-F238E27FC236}">
-                <a16:creationId xmlns:a16="http://schemas.microsoft.com/office/drawing/2014/main" id="{AAD0DBB9-1A4B-4391-81D4-CB19F9AB918A}"/>
-              </a:ext>
-              <a:ext uri="{C183D7F6-B498-43B3-948B-1728B52AA6E4}">
-                <adec:decorative xmlns:adec="http://schemas.microsoft.com/office/drawing/2017/decorative" val="1"/>
-              </a:ext>
-            </a:extLst>
-          </p:cNvPr>
-          <p:cNvSpPr>
-            <a:spLocks noGrp="1" noRot="1" noChangeAspect="1" noMove="1" noResize="1" noEditPoints="1" noAdjustHandles="1" noChangeArrowheads="1" noChangeShapeType="1" noTextEdit="1"/>
-          </p:cNvSpPr>
-          <p:nvPr>
-            <p:extLst>
-              <p:ext uri="{386F3935-93C4-4BCD-93E2-E3B085C9AB24}">
-                <p16:designElem xmlns:p16="http://schemas.microsoft.com/office/powerpoint/2015/main" val="1"/>
-              </p:ext>
-            </p:extLst>
-          </p:nvPr>
-        </p:nvSpPr>
-        <p:spPr>
-          <a:xfrm rot="10800000" flipH="1">
-            <a:off x="8128857" y="0"/>
-            <a:ext cx="4063143" cy="1576412"/>
-          </a:xfrm>
-          <a:prstGeom prst="rect">
-            <a:avLst/>
-          </a:prstGeom>
-          <a:gradFill>
-            <a:gsLst>
-              <a:gs pos="19000">
-                <a:schemeClr val="accent1">
-                  <a:lumMod val="50000"/>
-                  <a:alpha val="68000"/>
-                </a:schemeClr>
-              </a:gs>
-              <a:gs pos="100000">
-                <a:schemeClr val="accent1">
-                  <a:alpha val="79000"/>
-                </a:schemeClr>
-              </a:gs>
-            </a:gsLst>
-            <a:lin ang="19200000" scaled="0"/>
-          </a:gradFill>
-          <a:ln>
-            <a:noFill/>
-          </a:ln>
-        </p:spPr>
-        <p:style>
-          <a:lnRef idx="2">
-            <a:schemeClr val="accent1">
-              <a:shade val="50000"/>
-            </a:schemeClr>
-          </a:lnRef>
-          <a:fillRef idx="1">
-            <a:schemeClr val="accent1"/>
-          </a:fillRef>
-          <a:effectRef idx="0">
-            <a:schemeClr val="accent1"/>
-          </a:effectRef>
-          <a:fontRef idx="minor">
-            <a:schemeClr val="lt1"/>
-          </a:fontRef>
-        </p:style>
-        <p:txBody>
-          <a:bodyPr rtlCol="0" anchor="ctr"/>
-          <a:lstStyle/>
-          <a:p>
-            <a:pPr algn="ctr"/>
-            <a:endParaRPr lang="en-US"/>
-          </a:p>
-        </p:txBody>
-      </p:sp>
-      <p:sp>
-        <p:nvSpPr>
-          <p:cNvPr id="122" name="Rectangle 121">
-            <a:extLst>
-              <a:ext uri="{FF2B5EF4-FFF2-40B4-BE49-F238E27FC236}">
-                <a16:creationId xmlns:a16="http://schemas.microsoft.com/office/drawing/2014/main" id="{063BBA22-50EA-4C4D-BE05-F1CE4E63AA56}"/>
-              </a:ext>
-              <a:ext uri="{C183D7F6-B498-43B3-948B-1728B52AA6E4}">
-                <adec:decorative xmlns:adec="http://schemas.microsoft.com/office/drawing/2017/decorative" val="1"/>
-              </a:ext>
-            </a:extLst>
-          </p:cNvPr>
-          <p:cNvSpPr>
-            <a:spLocks noGrp="1" noRot="1" noChangeAspect="1" noMove="1" noResize="1" noEditPoints="1" noAdjustHandles="1" noChangeArrowheads="1" noChangeShapeType="1" noTextEdit="1"/>
-          </p:cNvSpPr>
-          <p:nvPr>
-            <p:extLst>
-              <p:ext uri="{386F3935-93C4-4BCD-93E2-E3B085C9AB24}">
-                <p16:designElem xmlns:p16="http://schemas.microsoft.com/office/powerpoint/2015/main" val="1"/>
-              </p:ext>
-            </p:extLst>
-          </p:nvPr>
-        </p:nvSpPr>
-        <p:spPr>
-          <a:xfrm rot="5400000">
-            <a:off x="5307777" y="-5307778"/>
-            <a:ext cx="1576446" cy="12192002"/>
-          </a:xfrm>
-          <a:prstGeom prst="rect">
-            <a:avLst/>
-          </a:prstGeom>
-          <a:gradFill>
-            <a:gsLst>
-              <a:gs pos="23000">
-                <a:schemeClr val="accent1">
-                  <a:alpha val="0"/>
-                </a:schemeClr>
-              </a:gs>
-              <a:gs pos="99000">
-                <a:srgbClr val="000000">
-                  <a:alpha val="74000"/>
-                </a:srgbClr>
-              </a:gs>
-            </a:gsLst>
-            <a:lin ang="20400000" scaled="0"/>
-          </a:gradFill>
-          <a:ln>
-            <a:noFill/>
-          </a:ln>
-        </p:spPr>
-        <p:style>
-          <a:lnRef idx="2">
-            <a:schemeClr val="accent1">
-              <a:shade val="50000"/>
-            </a:schemeClr>
-          </a:lnRef>
-          <a:fillRef idx="1">
-            <a:schemeClr val="accent1"/>
-          </a:fillRef>
-          <a:effectRef idx="0">
-            <a:schemeClr val="accent1"/>
-          </a:effectRef>
-          <a:fontRef idx="minor">
-            <a:schemeClr val="lt1"/>
-          </a:fontRef>
-        </p:style>
-        <p:txBody>
-          <a:bodyPr rtlCol="0" anchor="ctr"/>
-          <a:lstStyle/>
-          <a:p>
-            <a:pPr algn="ctr"/>
-            <a:endParaRPr lang="en-US" dirty="0"/>
-          </a:p>
-        </p:txBody>
-      </p:sp>
-      <p:sp>
-        <p:nvSpPr>
-          <p:cNvPr id="2" name="Title 1">
-            <a:extLst>
-              <a:ext uri="{FF2B5EF4-FFF2-40B4-BE49-F238E27FC236}">
-                <a16:creationId xmlns:a16="http://schemas.microsoft.com/office/drawing/2014/main" id="{D794FC7C-422F-BB91-B129-DA305A49A1E9}"/>
-              </a:ext>
-            </a:extLst>
-          </p:cNvPr>
-          <p:cNvSpPr>
-            <a:spLocks noGrp="1"/>
-          </p:cNvSpPr>
-          <p:nvPr>
-            <p:ph type="title"/>
-          </p:nvPr>
-        </p:nvSpPr>
-        <p:spPr>
-          <a:xfrm>
-            <a:off x="1371597" y="348865"/>
-            <a:ext cx="10044023" cy="877729"/>
-          </a:xfrm>
-        </p:spPr>
-        <p:txBody>
-          <a:bodyPr anchor="ctr">
-            <a:normAutofit/>
-          </a:bodyPr>
-          <a:lstStyle/>
-          <a:p>
-            <a:r>
-              <a:rPr lang="en-US" sz="4000">
-                <a:solidFill>
-                  <a:srgbClr val="FFFFFF"/>
-                </a:solidFill>
-              </a:rPr>
-              <a:t>Development Process</a:t>
-            </a:r>
-          </a:p>
-        </p:txBody>
-      </p:sp>
-      <p:graphicFrame>
-        <p:nvGraphicFramePr>
-          <p:cNvPr id="123" name="Content Placeholder 2">
-            <a:extLst>
-              <a:ext uri="{FF2B5EF4-FFF2-40B4-BE49-F238E27FC236}">
-                <a16:creationId xmlns:a16="http://schemas.microsoft.com/office/drawing/2014/main" id="{937E1B2D-51BE-E284-1FB9-D4C68D4DE2A7}"/>
-              </a:ext>
-            </a:extLst>
-          </p:cNvPr>
-          <p:cNvGraphicFramePr>
-            <a:graphicFrameLocks noGrp="1"/>
-          </p:cNvGraphicFramePr>
-          <p:nvPr>
-            <p:ph idx="1"/>
-            <p:extLst>
-              <p:ext uri="{D42A27DB-BD31-4B8C-83A1-F6EECF244321}">
-                <p14:modId xmlns:p14="http://schemas.microsoft.com/office/powerpoint/2010/main" val="563899077"/>
-              </p:ext>
-            </p:extLst>
-          </p:nvPr>
-        </p:nvGraphicFramePr>
-        <p:xfrm>
-          <a:off x="438469" y="1924821"/>
-          <a:ext cx="11339004" cy="4568322"/>
-        </p:xfrm>
-        <a:graphic>
-          <a:graphicData uri="http://schemas.openxmlformats.org/drawingml/2006/diagram">
-            <dgm:relIds xmlns:dgm="http://schemas.openxmlformats.org/drawingml/2006/diagram" xmlns:r="http://schemas.openxmlformats.org/officeDocument/2006/relationships" r:dm="rId3" r:lo="rId4" r:qs="rId5" r:cs="rId6"/>
-          </a:graphicData>
-        </a:graphic>
-      </p:graphicFrame>
-    </p:spTree>
-    <p:extLst>
-      <p:ext uri="{BB962C8B-B14F-4D97-AF65-F5344CB8AC3E}">
-        <p14:creationId xmlns:p14="http://schemas.microsoft.com/office/powerpoint/2010/main" val="3203667889"/>
-      </p:ext>
-    </p:extLst>
-  </p:cSld>
-  <p:clrMapOvr>
-    <a:masterClrMapping/>
-  </p:clrMapOvr>
-</p:sld>
-</file>
-
-<file path=ppt/slides/slide8.xml><?xml version="1.0" encoding="utf-8"?>
-<p:sld xmlns:a="http://schemas.openxmlformats.org/drawingml/2006/main" xmlns:r="http://schemas.openxmlformats.org/officeDocument/2006/relationships" xmlns:p="http://schemas.openxmlformats.org/presentationml/2006/main">
-  <p:cSld>
-    <p:bg>
-      <p:bgPr>
-        <a:solidFill>
-          <a:schemeClr val="bg1"/>
-        </a:solidFill>
-        <a:effectLst/>
-      </p:bgPr>
-    </p:bg>
-    <p:spTree>
-      <p:nvGrpSpPr>
-        <p:cNvPr id="1" name="">
-          <a:extLst>
-            <a:ext uri="{FF2B5EF4-FFF2-40B4-BE49-F238E27FC236}">
               <a16:creationId xmlns:a16="http://schemas.microsoft.com/office/drawing/2014/main" id="{BEDD66F4-EA1D-2712-D9FB-F28AF2429E87}"/>
             </a:ext>
           </a:extLst>
@@ -37327,6 +34823,2211 @@
     <p:extLst>
       <p:ext uri="{BB962C8B-B14F-4D97-AF65-F5344CB8AC3E}">
         <p14:creationId xmlns:p14="http://schemas.microsoft.com/office/powerpoint/2010/main" val="3254621715"/>
+      </p:ext>
+    </p:extLst>
+  </p:cSld>
+  <p:clrMapOvr>
+    <a:masterClrMapping/>
+  </p:clrMapOvr>
+</p:sld>
+</file>
+
+<file path=ppt/slides/slide6.xml><?xml version="1.0" encoding="utf-8"?>
+<p:sld xmlns:a="http://schemas.openxmlformats.org/drawingml/2006/main" xmlns:r="http://schemas.openxmlformats.org/officeDocument/2006/relationships" xmlns:p="http://schemas.openxmlformats.org/presentationml/2006/main">
+  <p:cSld>
+    <p:bg>
+      <p:bgPr>
+        <a:solidFill>
+          <a:schemeClr val="bg1"/>
+        </a:solidFill>
+        <a:effectLst/>
+      </p:bgPr>
+    </p:bg>
+    <p:spTree>
+      <p:nvGrpSpPr>
+        <p:cNvPr id="1" name="">
+          <a:extLst>
+            <a:ext uri="{FF2B5EF4-FFF2-40B4-BE49-F238E27FC236}">
+              <a16:creationId xmlns:a16="http://schemas.microsoft.com/office/drawing/2014/main" id="{915D22F7-DA8E-F9C0-EB94-4809CB9DA9C3}"/>
+            </a:ext>
+          </a:extLst>
+        </p:cNvPr>
+        <p:cNvGrpSpPr/>
+        <p:nvPr/>
+      </p:nvGrpSpPr>
+      <p:grpSpPr>
+        <a:xfrm>
+          <a:off x="0" y="0"/>
+          <a:ext cx="0" cy="0"/>
+          <a:chOff x="0" y="0"/>
+          <a:chExt cx="0" cy="0"/>
+        </a:xfrm>
+      </p:grpSpPr>
+      <p:sp useBgFill="1">
+        <p:nvSpPr>
+          <p:cNvPr id="30" name="Rectangle 29">
+            <a:extLst>
+              <a:ext uri="{FF2B5EF4-FFF2-40B4-BE49-F238E27FC236}">
+                <a16:creationId xmlns:a16="http://schemas.microsoft.com/office/drawing/2014/main" id="{A8384FB5-9ADC-4DDC-881B-597D56F5B15D}"/>
+              </a:ext>
+              <a:ext uri="{C183D7F6-B498-43B3-948B-1728B52AA6E4}">
+                <adec:decorative xmlns:adec="http://schemas.microsoft.com/office/drawing/2017/decorative" val="1"/>
+              </a:ext>
+            </a:extLst>
+          </p:cNvPr>
+          <p:cNvSpPr>
+            <a:spLocks noGrp="1" noRot="1" noChangeAspect="1" noMove="1" noResize="1" noEditPoints="1" noAdjustHandles="1" noChangeArrowheads="1" noChangeShapeType="1" noTextEdit="1"/>
+          </p:cNvSpPr>
+          <p:nvPr>
+            <p:extLst>
+              <p:ext uri="{386F3935-93C4-4BCD-93E2-E3B085C9AB24}">
+                <p16:designElem xmlns:p16="http://schemas.microsoft.com/office/powerpoint/2015/main" val="1"/>
+              </p:ext>
+            </p:extLst>
+          </p:nvPr>
+        </p:nvSpPr>
+        <p:spPr>
+          <a:xfrm>
+            <a:off x="0" y="0"/>
+            <a:ext cx="12192000" cy="6858000"/>
+          </a:xfrm>
+          <a:prstGeom prst="rect">
+            <a:avLst/>
+          </a:prstGeom>
+          <a:ln w="12700" cap="flat" cmpd="sng" algn="ctr">
+            <a:noFill/>
+            <a:prstDash val="solid"/>
+            <a:miter lim="800000"/>
+          </a:ln>
+          <a:effectLst/>
+          <a:extLst>
+            <a:ext uri="{91240B29-F687-4F45-9708-019B960494DF}">
+              <a14:hiddenLine xmlns:a14="http://schemas.microsoft.com/office/drawing/2010/main" w="12700" cap="flat" cmpd="sng" algn="ctr">
+                <a:solidFill>
+                  <a:schemeClr val="accent1">
+                    <a:shade val="50000"/>
+                  </a:schemeClr>
+                </a:solidFill>
+                <a:prstDash val="solid"/>
+                <a:miter lim="800000"/>
+              </a14:hiddenLine>
+            </a:ext>
+          </a:extLst>
+        </p:spPr>
+        <p:style>
+          <a:lnRef idx="2">
+            <a:schemeClr val="accent1">
+              <a:shade val="50000"/>
+            </a:schemeClr>
+          </a:lnRef>
+          <a:fillRef idx="1">
+            <a:schemeClr val="accent1"/>
+          </a:fillRef>
+          <a:effectRef idx="0">
+            <a:schemeClr val="accent1"/>
+          </a:effectRef>
+          <a:fontRef idx="minor">
+            <a:schemeClr val="lt1"/>
+          </a:fontRef>
+        </p:style>
+        <p:txBody>
+          <a:bodyPr rtlCol="0" anchor="ctr"/>
+          <a:lstStyle/>
+          <a:p>
+            <a:pPr algn="ctr"/>
+            <a:endParaRPr lang="en-US"/>
+          </a:p>
+        </p:txBody>
+      </p:sp>
+      <p:sp>
+        <p:nvSpPr>
+          <p:cNvPr id="32" name="Rectangle 31">
+            <a:extLst>
+              <a:ext uri="{FF2B5EF4-FFF2-40B4-BE49-F238E27FC236}">
+                <a16:creationId xmlns:a16="http://schemas.microsoft.com/office/drawing/2014/main" id="{91E5A9A7-95C6-4F4F-B00E-C82E07FE62EF}"/>
+              </a:ext>
+              <a:ext uri="{C183D7F6-B498-43B3-948B-1728B52AA6E4}">
+                <adec:decorative xmlns:adec="http://schemas.microsoft.com/office/drawing/2017/decorative" val="1"/>
+              </a:ext>
+            </a:extLst>
+          </p:cNvPr>
+          <p:cNvSpPr>
+            <a:spLocks noGrp="1" noRot="1" noChangeAspect="1" noMove="1" noResize="1" noEditPoints="1" noAdjustHandles="1" noChangeArrowheads="1" noChangeShapeType="1" noTextEdit="1"/>
+          </p:cNvSpPr>
+          <p:nvPr>
+            <p:extLst>
+              <p:ext uri="{386F3935-93C4-4BCD-93E2-E3B085C9AB24}">
+                <p16:designElem xmlns:p16="http://schemas.microsoft.com/office/powerpoint/2015/main" val="1"/>
+              </p:ext>
+            </p:extLst>
+          </p:nvPr>
+        </p:nvSpPr>
+        <p:spPr>
+          <a:xfrm rot="5400000" flipH="1">
+            <a:off x="-1417539" y="1417538"/>
+            <a:ext cx="6875818" cy="4040744"/>
+          </a:xfrm>
+          <a:prstGeom prst="rect">
+            <a:avLst/>
+          </a:prstGeom>
+          <a:gradFill>
+            <a:gsLst>
+              <a:gs pos="0">
+                <a:srgbClr val="000000"/>
+              </a:gs>
+              <a:gs pos="100000">
+                <a:schemeClr val="accent1">
+                  <a:lumMod val="75000"/>
+                </a:schemeClr>
+              </a:gs>
+            </a:gsLst>
+            <a:lin ang="18600000" scaled="0"/>
+          </a:gradFill>
+          <a:ln>
+            <a:noFill/>
+          </a:ln>
+        </p:spPr>
+        <p:style>
+          <a:lnRef idx="2">
+            <a:schemeClr val="accent1">
+              <a:shade val="50000"/>
+            </a:schemeClr>
+          </a:lnRef>
+          <a:fillRef idx="1">
+            <a:schemeClr val="accent1"/>
+          </a:fillRef>
+          <a:effectRef idx="0">
+            <a:schemeClr val="accent1"/>
+          </a:effectRef>
+          <a:fontRef idx="minor">
+            <a:schemeClr val="lt1"/>
+          </a:fontRef>
+        </p:style>
+        <p:txBody>
+          <a:bodyPr rtlCol="0" anchor="ctr"/>
+          <a:lstStyle/>
+          <a:p>
+            <a:pPr algn="ctr"/>
+            <a:endParaRPr lang="en-US" dirty="0"/>
+          </a:p>
+        </p:txBody>
+      </p:sp>
+      <p:sp>
+        <p:nvSpPr>
+          <p:cNvPr id="34" name="Rectangle 33">
+            <a:extLst>
+              <a:ext uri="{FF2B5EF4-FFF2-40B4-BE49-F238E27FC236}">
+                <a16:creationId xmlns:a16="http://schemas.microsoft.com/office/drawing/2014/main" id="{D07DD2DE-F619-49DD-B5E7-03A290FF4ED1}"/>
+              </a:ext>
+              <a:ext uri="{C183D7F6-B498-43B3-948B-1728B52AA6E4}">
+                <adec:decorative xmlns:adec="http://schemas.microsoft.com/office/drawing/2017/decorative" val="1"/>
+              </a:ext>
+            </a:extLst>
+          </p:cNvPr>
+          <p:cNvSpPr>
+            <a:spLocks noGrp="1" noRot="1" noChangeAspect="1" noMove="1" noResize="1" noEditPoints="1" noAdjustHandles="1" noChangeArrowheads="1" noChangeShapeType="1" noTextEdit="1"/>
+          </p:cNvSpPr>
+          <p:nvPr>
+            <p:extLst>
+              <p:ext uri="{386F3935-93C4-4BCD-93E2-E3B085C9AB24}">
+                <p16:designElem xmlns:p16="http://schemas.microsoft.com/office/powerpoint/2015/main" val="1"/>
+              </p:ext>
+            </p:extLst>
+          </p:nvPr>
+        </p:nvSpPr>
+        <p:spPr>
+          <a:xfrm rot="16200000">
+            <a:off x="-158495" y="2660473"/>
+            <a:ext cx="4355594" cy="4038603"/>
+          </a:xfrm>
+          <a:prstGeom prst="rect">
+            <a:avLst/>
+          </a:prstGeom>
+          <a:gradFill>
+            <a:gsLst>
+              <a:gs pos="0">
+                <a:schemeClr val="accent1">
+                  <a:alpha val="50000"/>
+                </a:schemeClr>
+              </a:gs>
+              <a:gs pos="100000">
+                <a:schemeClr val="accent1">
+                  <a:lumMod val="50000"/>
+                  <a:alpha val="0"/>
+                </a:schemeClr>
+              </a:gs>
+            </a:gsLst>
+            <a:lin ang="11400000" scaled="0"/>
+          </a:gradFill>
+          <a:ln>
+            <a:noFill/>
+          </a:ln>
+        </p:spPr>
+        <p:style>
+          <a:lnRef idx="2">
+            <a:schemeClr val="accent1">
+              <a:shade val="50000"/>
+            </a:schemeClr>
+          </a:lnRef>
+          <a:fillRef idx="1">
+            <a:schemeClr val="accent1"/>
+          </a:fillRef>
+          <a:effectRef idx="0">
+            <a:schemeClr val="accent1"/>
+          </a:effectRef>
+          <a:fontRef idx="minor">
+            <a:schemeClr val="lt1"/>
+          </a:fontRef>
+        </p:style>
+        <p:txBody>
+          <a:bodyPr rtlCol="0" anchor="ctr"/>
+          <a:lstStyle/>
+          <a:p>
+            <a:pPr algn="ctr"/>
+            <a:endParaRPr lang="en-US"/>
+          </a:p>
+        </p:txBody>
+      </p:sp>
+      <p:sp>
+        <p:nvSpPr>
+          <p:cNvPr id="36" name="Rectangle 35">
+            <a:extLst>
+              <a:ext uri="{FF2B5EF4-FFF2-40B4-BE49-F238E27FC236}">
+                <a16:creationId xmlns:a16="http://schemas.microsoft.com/office/drawing/2014/main" id="{85149191-5F60-4A28-AAFF-039F96B0F3EC}"/>
+              </a:ext>
+              <a:ext uri="{C183D7F6-B498-43B3-948B-1728B52AA6E4}">
+                <adec:decorative xmlns:adec="http://schemas.microsoft.com/office/drawing/2017/decorative" val="1"/>
+              </a:ext>
+            </a:extLst>
+          </p:cNvPr>
+          <p:cNvSpPr>
+            <a:spLocks noGrp="1" noRot="1" noChangeAspect="1" noMove="1" noResize="1" noEditPoints="1" noAdjustHandles="1" noChangeArrowheads="1" noChangeShapeType="1" noTextEdit="1"/>
+          </p:cNvSpPr>
+          <p:nvPr>
+            <p:extLst>
+              <p:ext uri="{386F3935-93C4-4BCD-93E2-E3B085C9AB24}">
+                <p16:designElem xmlns:p16="http://schemas.microsoft.com/office/powerpoint/2015/main" val="1"/>
+              </p:ext>
+            </p:extLst>
+          </p:nvPr>
+        </p:nvSpPr>
+        <p:spPr>
+          <a:xfrm rot="16200000" flipH="1">
+            <a:off x="-1180882" y="1638085"/>
+            <a:ext cx="6857572" cy="3581401"/>
+          </a:xfrm>
+          <a:prstGeom prst="rect">
+            <a:avLst/>
+          </a:prstGeom>
+          <a:gradFill>
+            <a:gsLst>
+              <a:gs pos="0">
+                <a:srgbClr val="000000">
+                  <a:alpha val="59000"/>
+                </a:srgbClr>
+              </a:gs>
+              <a:gs pos="69000">
+                <a:schemeClr val="accent1">
+                  <a:alpha val="0"/>
+                </a:schemeClr>
+              </a:gs>
+            </a:gsLst>
+            <a:lin ang="13200000" scaled="0"/>
+          </a:gradFill>
+          <a:ln>
+            <a:noFill/>
+          </a:ln>
+        </p:spPr>
+        <p:style>
+          <a:lnRef idx="2">
+            <a:schemeClr val="accent1">
+              <a:shade val="50000"/>
+            </a:schemeClr>
+          </a:lnRef>
+          <a:fillRef idx="1">
+            <a:schemeClr val="accent1"/>
+          </a:fillRef>
+          <a:effectRef idx="0">
+            <a:schemeClr val="accent1"/>
+          </a:effectRef>
+          <a:fontRef idx="minor">
+            <a:schemeClr val="lt1"/>
+          </a:fontRef>
+        </p:style>
+        <p:txBody>
+          <a:bodyPr rtlCol="0" anchor="ctr"/>
+          <a:lstStyle/>
+          <a:p>
+            <a:pPr algn="ctr"/>
+            <a:endParaRPr lang="en-US" dirty="0"/>
+          </a:p>
+        </p:txBody>
+      </p:sp>
+      <p:sp>
+        <p:nvSpPr>
+          <p:cNvPr id="38" name="Freeform: Shape 37">
+            <a:extLst>
+              <a:ext uri="{FF2B5EF4-FFF2-40B4-BE49-F238E27FC236}">
+                <a16:creationId xmlns:a16="http://schemas.microsoft.com/office/drawing/2014/main" id="{F8260ED5-17F7-4158-B241-D51DD4CF1B7E}"/>
+              </a:ext>
+              <a:ext uri="{C183D7F6-B498-43B3-948B-1728B52AA6E4}">
+                <adec:decorative xmlns:adec="http://schemas.microsoft.com/office/drawing/2017/decorative" val="1"/>
+              </a:ext>
+            </a:extLst>
+          </p:cNvPr>
+          <p:cNvSpPr>
+            <a:spLocks noGrp="1" noRot="1" noChangeAspect="1" noMove="1" noResize="1" noEditPoints="1" noAdjustHandles="1" noChangeArrowheads="1" noChangeShapeType="1" noTextEdit="1"/>
+          </p:cNvSpPr>
+          <p:nvPr>
+            <p:extLst>
+              <p:ext uri="{386F3935-93C4-4BCD-93E2-E3B085C9AB24}">
+                <p16:designElem xmlns:p16="http://schemas.microsoft.com/office/powerpoint/2015/main" val="1"/>
+              </p:ext>
+            </p:extLst>
+          </p:nvPr>
+        </p:nvSpPr>
+        <p:spPr>
+          <a:xfrm rot="6097846">
+            <a:off x="-747355" y="1201312"/>
+            <a:ext cx="4808302" cy="4088666"/>
+          </a:xfrm>
+          <a:custGeom>
+            <a:avLst/>
+            <a:gdLst>
+              <a:gd name="connsiteX0" fmla="*/ 48844 w 4808302"/>
+              <a:gd name="connsiteY0" fmla="*/ 2888671 h 4088666"/>
+              <a:gd name="connsiteX1" fmla="*/ 0 w 4808302"/>
+              <a:gd name="connsiteY1" fmla="*/ 2404151 h 4088666"/>
+              <a:gd name="connsiteX2" fmla="*/ 2404151 w 4808302"/>
+              <a:gd name="connsiteY2" fmla="*/ 0 h 4088666"/>
+              <a:gd name="connsiteX3" fmla="*/ 4808302 w 4808302"/>
+              <a:gd name="connsiteY3" fmla="*/ 2404151 h 4088666"/>
+              <a:gd name="connsiteX4" fmla="*/ 4700216 w 4808302"/>
+              <a:gd name="connsiteY4" fmla="*/ 3119072 h 4088666"/>
+              <a:gd name="connsiteX5" fmla="*/ 4643143 w 4808302"/>
+              <a:gd name="connsiteY5" fmla="*/ 3275009 h 4088666"/>
+              <a:gd name="connsiteX6" fmla="*/ 690093 w 4808302"/>
+              <a:gd name="connsiteY6" fmla="*/ 4088666 h 4088666"/>
+              <a:gd name="connsiteX7" fmla="*/ 548991 w 4808302"/>
+              <a:gd name="connsiteY7" fmla="*/ 3933414 h 4088666"/>
+              <a:gd name="connsiteX8" fmla="*/ 48844 w 4808302"/>
+              <a:gd name="connsiteY8" fmla="*/ 2888671 h 4088666"/>
+            </a:gdLst>
+            <a:ahLst/>
+            <a:cxnLst>
+              <a:cxn ang="0">
+                <a:pos x="connsiteX0" y="connsiteY0"/>
+              </a:cxn>
+              <a:cxn ang="0">
+                <a:pos x="connsiteX1" y="connsiteY1"/>
+              </a:cxn>
+              <a:cxn ang="0">
+                <a:pos x="connsiteX2" y="connsiteY2"/>
+              </a:cxn>
+              <a:cxn ang="0">
+                <a:pos x="connsiteX3" y="connsiteY3"/>
+              </a:cxn>
+              <a:cxn ang="0">
+                <a:pos x="connsiteX4" y="connsiteY4"/>
+              </a:cxn>
+              <a:cxn ang="0">
+                <a:pos x="connsiteX5" y="connsiteY5"/>
+              </a:cxn>
+              <a:cxn ang="0">
+                <a:pos x="connsiteX6" y="connsiteY6"/>
+              </a:cxn>
+              <a:cxn ang="0">
+                <a:pos x="connsiteX7" y="connsiteY7"/>
+              </a:cxn>
+              <a:cxn ang="0">
+                <a:pos x="connsiteX8" y="connsiteY8"/>
+              </a:cxn>
+            </a:cxnLst>
+            <a:rect l="l" t="t" r="r" b="b"/>
+            <a:pathLst>
+              <a:path w="4808302" h="4088666">
+                <a:moveTo>
+                  <a:pt x="48844" y="2888671"/>
+                </a:moveTo>
+                <a:cubicBezTo>
+                  <a:pt x="16818" y="2732167"/>
+                  <a:pt x="0" y="2570123"/>
+                  <a:pt x="0" y="2404151"/>
+                </a:cubicBezTo>
+                <a:cubicBezTo>
+                  <a:pt x="0" y="1076375"/>
+                  <a:pt x="1076375" y="0"/>
+                  <a:pt x="2404151" y="0"/>
+                </a:cubicBezTo>
+                <a:cubicBezTo>
+                  <a:pt x="3731927" y="0"/>
+                  <a:pt x="4808302" y="1076375"/>
+                  <a:pt x="4808302" y="2404151"/>
+                </a:cubicBezTo>
+                <a:cubicBezTo>
+                  <a:pt x="4808302" y="2653109"/>
+                  <a:pt x="4770461" y="2893229"/>
+                  <a:pt x="4700216" y="3119072"/>
+                </a:cubicBezTo>
+                <a:lnTo>
+                  <a:pt x="4643143" y="3275009"/>
+                </a:lnTo>
+                <a:lnTo>
+                  <a:pt x="690093" y="4088666"/>
+                </a:lnTo>
+                <a:lnTo>
+                  <a:pt x="548991" y="3933414"/>
+                </a:lnTo>
+                <a:cubicBezTo>
+                  <a:pt x="304015" y="3636572"/>
+                  <a:pt x="128908" y="3279932"/>
+                  <a:pt x="48844" y="2888671"/>
+                </a:cubicBezTo>
+                <a:close/>
+              </a:path>
+            </a:pathLst>
+          </a:custGeom>
+          <a:gradFill>
+            <a:gsLst>
+              <a:gs pos="39000">
+                <a:schemeClr val="accent1">
+                  <a:lumMod val="60000"/>
+                  <a:lumOff val="40000"/>
+                  <a:alpha val="0"/>
+                </a:schemeClr>
+              </a:gs>
+              <a:gs pos="100000">
+                <a:schemeClr val="accent1">
+                  <a:lumMod val="75000"/>
+                  <a:alpha val="26000"/>
+                </a:schemeClr>
+              </a:gs>
+            </a:gsLst>
+            <a:lin ang="18600000" scaled="0"/>
+          </a:gradFill>
+          <a:ln>
+            <a:noFill/>
+          </a:ln>
+        </p:spPr>
+        <p:style>
+          <a:lnRef idx="2">
+            <a:schemeClr val="accent1">
+              <a:shade val="50000"/>
+            </a:schemeClr>
+          </a:lnRef>
+          <a:fillRef idx="1">
+            <a:schemeClr val="accent1"/>
+          </a:fillRef>
+          <a:effectRef idx="0">
+            <a:schemeClr val="accent1"/>
+          </a:effectRef>
+          <a:fontRef idx="minor">
+            <a:schemeClr val="lt1"/>
+          </a:fontRef>
+        </p:style>
+        <p:txBody>
+          <a:bodyPr wrap="square" rtlCol="0" anchor="ctr">
+            <a:noAutofit/>
+          </a:bodyPr>
+          <a:lstStyle/>
+          <a:p>
+            <a:pPr algn="ctr"/>
+            <a:endParaRPr lang="en-US" dirty="0"/>
+          </a:p>
+        </p:txBody>
+      </p:sp>
+      <p:sp>
+        <p:nvSpPr>
+          <p:cNvPr id="7" name="Title 6">
+            <a:extLst>
+              <a:ext uri="{FF2B5EF4-FFF2-40B4-BE49-F238E27FC236}">
+                <a16:creationId xmlns:a16="http://schemas.microsoft.com/office/drawing/2014/main" id="{0EBD8B4D-9FC4-9068-8809-84E7C658F3D7}"/>
+              </a:ext>
+            </a:extLst>
+          </p:cNvPr>
+          <p:cNvSpPr>
+            <a:spLocks noGrp="1"/>
+          </p:cNvSpPr>
+          <p:nvPr>
+            <p:ph type="title"/>
+          </p:nvPr>
+        </p:nvSpPr>
+        <p:spPr>
+          <a:xfrm>
+            <a:off x="578888" y="957040"/>
+            <a:ext cx="2880828" cy="878603"/>
+          </a:xfrm>
+        </p:spPr>
+        <p:txBody>
+          <a:bodyPr vert="horz" lIns="91440" tIns="45720" rIns="91440" bIns="45720" rtlCol="0" anchor="t">
+            <a:normAutofit/>
+          </a:bodyPr>
+          <a:lstStyle/>
+          <a:p>
+            <a:pPr algn="ctr"/>
+            <a:r>
+              <a:rPr lang="en-US" sz="4000" kern="1200" dirty="0">
+                <a:solidFill>
+                  <a:srgbClr val="FFFFFF"/>
+                </a:solidFill>
+                <a:latin typeface="+mj-lt"/>
+                <a:ea typeface="+mj-ea"/>
+                <a:cs typeface="+mj-cs"/>
+              </a:rPr>
+              <a:t>ETL Pipeline</a:t>
+            </a:r>
+          </a:p>
+        </p:txBody>
+      </p:sp>
+      <p:pic>
+        <p:nvPicPr>
+          <p:cNvPr id="4" name="Content Placeholder 3" descr="A diagram of a data flow&#10;&#10;AI-generated content may be incorrect.">
+            <a:extLst>
+              <a:ext uri="{FF2B5EF4-FFF2-40B4-BE49-F238E27FC236}">
+                <a16:creationId xmlns:a16="http://schemas.microsoft.com/office/drawing/2014/main" id="{80B6A02B-5973-8D34-8070-88566F5D65B8}"/>
+              </a:ext>
+            </a:extLst>
+          </p:cNvPr>
+          <p:cNvPicPr>
+            <a:picLocks noChangeAspect="1"/>
+          </p:cNvPicPr>
+          <p:nvPr/>
+        </p:nvPicPr>
+        <p:blipFill>
+          <a:blip r:embed="rId3">
+            <a:extLst>
+              <a:ext uri="{28A0092B-C50C-407E-A947-70E740481C1C}">
+                <a14:useLocalDpi xmlns:a14="http://schemas.microsoft.com/office/drawing/2010/main" val="0"/>
+              </a:ext>
+            </a:extLst>
+          </a:blip>
+          <a:stretch>
+            <a:fillRect/>
+          </a:stretch>
+        </p:blipFill>
+        <p:spPr>
+          <a:xfrm>
+            <a:off x="4321697" y="592620"/>
+            <a:ext cx="7659126" cy="4863545"/>
+          </a:xfrm>
+          <a:prstGeom prst="rect">
+            <a:avLst/>
+          </a:prstGeom>
+        </p:spPr>
+      </p:pic>
+      <p:sp>
+        <p:nvSpPr>
+          <p:cNvPr id="2" name="TextBox 1">
+            <a:extLst>
+              <a:ext uri="{FF2B5EF4-FFF2-40B4-BE49-F238E27FC236}">
+                <a16:creationId xmlns:a16="http://schemas.microsoft.com/office/drawing/2014/main" id="{87C6E40F-CC24-D616-A902-B3CFE5C0E9DC}"/>
+              </a:ext>
+            </a:extLst>
+          </p:cNvPr>
+          <p:cNvSpPr txBox="1"/>
+          <p:nvPr/>
+        </p:nvSpPr>
+        <p:spPr>
+          <a:xfrm>
+            <a:off x="495348" y="2375428"/>
+            <a:ext cx="3088397" cy="2646878"/>
+          </a:xfrm>
+          <a:prstGeom prst="rect">
+            <a:avLst/>
+          </a:prstGeom>
+          <a:noFill/>
+        </p:spPr>
+        <p:txBody>
+          <a:bodyPr wrap="square" rtlCol="0">
+            <a:spAutoFit/>
+          </a:bodyPr>
+          <a:lstStyle/>
+          <a:p>
+            <a:r>
+              <a:rPr lang="en-US" b="1" dirty="0">
+                <a:solidFill>
+                  <a:schemeClr val="bg1"/>
+                </a:solidFill>
+              </a:rPr>
+              <a:t>Data Client</a:t>
+            </a:r>
+          </a:p>
+          <a:p>
+            <a:pPr marL="285750" indent="-285750">
+              <a:buFontTx/>
+              <a:buChar char="-"/>
+            </a:pPr>
+            <a:r>
+              <a:rPr lang="en-US" sz="1600" dirty="0">
+                <a:solidFill>
+                  <a:schemeClr val="bg1"/>
+                </a:solidFill>
+              </a:rPr>
+              <a:t>Manages ETL Process</a:t>
+            </a:r>
+          </a:p>
+          <a:p>
+            <a:pPr marL="285750" indent="-285750">
+              <a:buFontTx/>
+              <a:buChar char="-"/>
+            </a:pPr>
+            <a:r>
+              <a:rPr lang="en-US" sz="1600" dirty="0">
+                <a:solidFill>
+                  <a:schemeClr val="bg1"/>
+                </a:solidFill>
+              </a:rPr>
+              <a:t>Handles Database Queries</a:t>
+            </a:r>
+          </a:p>
+          <a:p>
+            <a:pPr marL="285750" indent="-285750">
+              <a:buFontTx/>
+              <a:buChar char="-"/>
+            </a:pPr>
+            <a:endParaRPr lang="en-US" sz="1600" dirty="0">
+              <a:solidFill>
+                <a:schemeClr val="bg1"/>
+              </a:solidFill>
+            </a:endParaRPr>
+          </a:p>
+          <a:p>
+            <a:r>
+              <a:rPr lang="en-US" b="1" dirty="0">
+                <a:solidFill>
+                  <a:schemeClr val="bg1"/>
+                </a:solidFill>
+              </a:rPr>
+              <a:t>Transformers</a:t>
+            </a:r>
+          </a:p>
+          <a:p>
+            <a:pPr marL="285750" indent="-285750">
+              <a:buFontTx/>
+              <a:buChar char="-"/>
+            </a:pPr>
+            <a:r>
+              <a:rPr lang="en-US" sz="1600" dirty="0">
+                <a:solidFill>
+                  <a:schemeClr val="bg1"/>
+                </a:solidFill>
+              </a:rPr>
+              <a:t>Contains file-specific transformer functions</a:t>
+            </a:r>
+          </a:p>
+          <a:p>
+            <a:pPr marL="285750" indent="-285750">
+              <a:buFontTx/>
+              <a:buChar char="-"/>
+            </a:pPr>
+            <a:r>
+              <a:rPr lang="en-US" sz="1600" dirty="0">
+                <a:solidFill>
+                  <a:schemeClr val="bg1"/>
+                </a:solidFill>
+              </a:rPr>
+              <a:t>Handles transformer mapping</a:t>
+            </a:r>
+          </a:p>
+          <a:p>
+            <a:endParaRPr lang="en-US" b="1" dirty="0">
+              <a:solidFill>
+                <a:schemeClr val="bg1"/>
+              </a:solidFill>
+            </a:endParaRPr>
+          </a:p>
+        </p:txBody>
+      </p:sp>
+      <p:sp>
+        <p:nvSpPr>
+          <p:cNvPr id="3" name="TextBox 2">
+            <a:extLst>
+              <a:ext uri="{FF2B5EF4-FFF2-40B4-BE49-F238E27FC236}">
+                <a16:creationId xmlns:a16="http://schemas.microsoft.com/office/drawing/2014/main" id="{CB7062DC-7035-F00B-2311-406F455C75FC}"/>
+              </a:ext>
+            </a:extLst>
+          </p:cNvPr>
+          <p:cNvSpPr txBox="1"/>
+          <p:nvPr/>
+        </p:nvSpPr>
+        <p:spPr>
+          <a:xfrm>
+            <a:off x="6491253" y="3253243"/>
+            <a:ext cx="1536192" cy="369332"/>
+          </a:xfrm>
+          <a:prstGeom prst="rect">
+            <a:avLst/>
+          </a:prstGeom>
+          <a:noFill/>
+        </p:spPr>
+        <p:txBody>
+          <a:bodyPr wrap="square" rtlCol="0">
+            <a:spAutoFit/>
+          </a:bodyPr>
+          <a:lstStyle/>
+          <a:p>
+            <a:r>
+              <a:rPr lang="en-US" b="1" dirty="0"/>
+              <a:t>E</a:t>
+            </a:r>
+            <a:r>
+              <a:rPr lang="en-US" dirty="0"/>
+              <a:t>xtract</a:t>
+            </a:r>
+          </a:p>
+        </p:txBody>
+      </p:sp>
+      <p:sp>
+        <p:nvSpPr>
+          <p:cNvPr id="5" name="TextBox 4">
+            <a:extLst>
+              <a:ext uri="{FF2B5EF4-FFF2-40B4-BE49-F238E27FC236}">
+                <a16:creationId xmlns:a16="http://schemas.microsoft.com/office/drawing/2014/main" id="{3BC9BD69-E1A6-6424-6FE5-05270B7641FE}"/>
+              </a:ext>
+            </a:extLst>
+          </p:cNvPr>
+          <p:cNvSpPr txBox="1"/>
+          <p:nvPr/>
+        </p:nvSpPr>
+        <p:spPr>
+          <a:xfrm>
+            <a:off x="8317005" y="2389751"/>
+            <a:ext cx="1536192" cy="369332"/>
+          </a:xfrm>
+          <a:prstGeom prst="rect">
+            <a:avLst/>
+          </a:prstGeom>
+          <a:noFill/>
+        </p:spPr>
+        <p:txBody>
+          <a:bodyPr wrap="square" rtlCol="0">
+            <a:spAutoFit/>
+          </a:bodyPr>
+          <a:lstStyle/>
+          <a:p>
+            <a:r>
+              <a:rPr lang="en-US" b="1" dirty="0"/>
+              <a:t>T</a:t>
+            </a:r>
+            <a:r>
+              <a:rPr lang="en-US" dirty="0"/>
+              <a:t>ransform</a:t>
+            </a:r>
+          </a:p>
+        </p:txBody>
+      </p:sp>
+      <p:sp>
+        <p:nvSpPr>
+          <p:cNvPr id="6" name="TextBox 5">
+            <a:extLst>
+              <a:ext uri="{FF2B5EF4-FFF2-40B4-BE49-F238E27FC236}">
+                <a16:creationId xmlns:a16="http://schemas.microsoft.com/office/drawing/2014/main" id="{7FFFB8DB-FE7E-E460-20DD-66A2EF6ED817}"/>
+              </a:ext>
+            </a:extLst>
+          </p:cNvPr>
+          <p:cNvSpPr txBox="1"/>
+          <p:nvPr/>
+        </p:nvSpPr>
+        <p:spPr>
+          <a:xfrm>
+            <a:off x="9176541" y="4098918"/>
+            <a:ext cx="1536192" cy="369332"/>
+          </a:xfrm>
+          <a:prstGeom prst="rect">
+            <a:avLst/>
+          </a:prstGeom>
+          <a:noFill/>
+        </p:spPr>
+        <p:txBody>
+          <a:bodyPr wrap="square" rtlCol="0">
+            <a:spAutoFit/>
+          </a:bodyPr>
+          <a:lstStyle/>
+          <a:p>
+            <a:r>
+              <a:rPr lang="en-US" b="1" dirty="0"/>
+              <a:t>L</a:t>
+            </a:r>
+            <a:r>
+              <a:rPr lang="en-US" dirty="0"/>
+              <a:t>oad</a:t>
+            </a:r>
+          </a:p>
+        </p:txBody>
+      </p:sp>
+    </p:spTree>
+    <p:extLst>
+      <p:ext uri="{BB962C8B-B14F-4D97-AF65-F5344CB8AC3E}">
+        <p14:creationId xmlns:p14="http://schemas.microsoft.com/office/powerpoint/2010/main" val="3220776107"/>
+      </p:ext>
+    </p:extLst>
+  </p:cSld>
+  <p:clrMapOvr>
+    <a:masterClrMapping/>
+  </p:clrMapOvr>
+</p:sld>
+</file>
+
+<file path=ppt/slides/slide7.xml><?xml version="1.0" encoding="utf-8"?>
+<p:sld xmlns:a="http://schemas.openxmlformats.org/drawingml/2006/main" xmlns:r="http://schemas.openxmlformats.org/officeDocument/2006/relationships" xmlns:p="http://schemas.openxmlformats.org/presentationml/2006/main">
+  <p:cSld>
+    <p:bg>
+      <p:bgPr>
+        <a:solidFill>
+          <a:schemeClr val="bg1"/>
+        </a:solidFill>
+        <a:effectLst/>
+      </p:bgPr>
+    </p:bg>
+    <p:spTree>
+      <p:nvGrpSpPr>
+        <p:cNvPr id="1" name="">
+          <a:extLst>
+            <a:ext uri="{FF2B5EF4-FFF2-40B4-BE49-F238E27FC236}">
+              <a16:creationId xmlns:a16="http://schemas.microsoft.com/office/drawing/2014/main" id="{2A28FE91-5C9E-8DBB-A756-7D26CCB95F8C}"/>
+            </a:ext>
+          </a:extLst>
+        </p:cNvPr>
+        <p:cNvGrpSpPr/>
+        <p:nvPr/>
+      </p:nvGrpSpPr>
+      <p:grpSpPr>
+        <a:xfrm>
+          <a:off x="0" y="0"/>
+          <a:ext cx="0" cy="0"/>
+          <a:chOff x="0" y="0"/>
+          <a:chExt cx="0" cy="0"/>
+        </a:xfrm>
+      </p:grpSpPr>
+      <p:sp useBgFill="1">
+        <p:nvSpPr>
+          <p:cNvPr id="43" name="Rectangle 42">
+            <a:extLst>
+              <a:ext uri="{FF2B5EF4-FFF2-40B4-BE49-F238E27FC236}">
+                <a16:creationId xmlns:a16="http://schemas.microsoft.com/office/drawing/2014/main" id="{A8384FB5-9ADC-4DDC-881B-597D56F5B15D}"/>
+              </a:ext>
+              <a:ext uri="{C183D7F6-B498-43B3-948B-1728B52AA6E4}">
+                <adec:decorative xmlns:adec="http://schemas.microsoft.com/office/drawing/2017/decorative" val="1"/>
+              </a:ext>
+            </a:extLst>
+          </p:cNvPr>
+          <p:cNvSpPr>
+            <a:spLocks noGrp="1" noRot="1" noChangeAspect="1" noMove="1" noResize="1" noEditPoints="1" noAdjustHandles="1" noChangeArrowheads="1" noChangeShapeType="1" noTextEdit="1"/>
+          </p:cNvSpPr>
+          <p:nvPr>
+            <p:extLst>
+              <p:ext uri="{386F3935-93C4-4BCD-93E2-E3B085C9AB24}">
+                <p16:designElem xmlns:p16="http://schemas.microsoft.com/office/powerpoint/2015/main" val="1"/>
+              </p:ext>
+            </p:extLst>
+          </p:nvPr>
+        </p:nvSpPr>
+        <p:spPr>
+          <a:xfrm>
+            <a:off x="0" y="0"/>
+            <a:ext cx="12192000" cy="6858000"/>
+          </a:xfrm>
+          <a:prstGeom prst="rect">
+            <a:avLst/>
+          </a:prstGeom>
+          <a:ln w="12700" cap="flat" cmpd="sng" algn="ctr">
+            <a:noFill/>
+            <a:prstDash val="solid"/>
+            <a:miter lim="800000"/>
+          </a:ln>
+          <a:effectLst/>
+          <a:extLst>
+            <a:ext uri="{91240B29-F687-4F45-9708-019B960494DF}">
+              <a14:hiddenLine xmlns:a14="http://schemas.microsoft.com/office/drawing/2010/main" w="12700" cap="flat" cmpd="sng" algn="ctr">
+                <a:solidFill>
+                  <a:schemeClr val="accent1">
+                    <a:shade val="50000"/>
+                  </a:schemeClr>
+                </a:solidFill>
+                <a:prstDash val="solid"/>
+                <a:miter lim="800000"/>
+              </a14:hiddenLine>
+            </a:ext>
+          </a:extLst>
+        </p:spPr>
+        <p:style>
+          <a:lnRef idx="2">
+            <a:schemeClr val="accent1">
+              <a:shade val="50000"/>
+            </a:schemeClr>
+          </a:lnRef>
+          <a:fillRef idx="1">
+            <a:schemeClr val="accent1"/>
+          </a:fillRef>
+          <a:effectRef idx="0">
+            <a:schemeClr val="accent1"/>
+          </a:effectRef>
+          <a:fontRef idx="minor">
+            <a:schemeClr val="lt1"/>
+          </a:fontRef>
+        </p:style>
+        <p:txBody>
+          <a:bodyPr rtlCol="0" anchor="ctr"/>
+          <a:lstStyle/>
+          <a:p>
+            <a:pPr algn="ctr"/>
+            <a:endParaRPr lang="en-US"/>
+          </a:p>
+        </p:txBody>
+      </p:sp>
+      <p:sp>
+        <p:nvSpPr>
+          <p:cNvPr id="45" name="Rectangle 44">
+            <a:extLst>
+              <a:ext uri="{FF2B5EF4-FFF2-40B4-BE49-F238E27FC236}">
+                <a16:creationId xmlns:a16="http://schemas.microsoft.com/office/drawing/2014/main" id="{91E5A9A7-95C6-4F4F-B00E-C82E07FE62EF}"/>
+              </a:ext>
+              <a:ext uri="{C183D7F6-B498-43B3-948B-1728B52AA6E4}">
+                <adec:decorative xmlns:adec="http://schemas.microsoft.com/office/drawing/2017/decorative" val="1"/>
+              </a:ext>
+            </a:extLst>
+          </p:cNvPr>
+          <p:cNvSpPr>
+            <a:spLocks noGrp="1" noRot="1" noChangeAspect="1" noMove="1" noResize="1" noEditPoints="1" noAdjustHandles="1" noChangeArrowheads="1" noChangeShapeType="1" noTextEdit="1"/>
+          </p:cNvSpPr>
+          <p:nvPr>
+            <p:extLst>
+              <p:ext uri="{386F3935-93C4-4BCD-93E2-E3B085C9AB24}">
+                <p16:designElem xmlns:p16="http://schemas.microsoft.com/office/powerpoint/2015/main" val="1"/>
+              </p:ext>
+            </p:extLst>
+          </p:nvPr>
+        </p:nvSpPr>
+        <p:spPr>
+          <a:xfrm rot="5400000" flipH="1">
+            <a:off x="-1417539" y="1417538"/>
+            <a:ext cx="6875818" cy="4040744"/>
+          </a:xfrm>
+          <a:prstGeom prst="rect">
+            <a:avLst/>
+          </a:prstGeom>
+          <a:gradFill>
+            <a:gsLst>
+              <a:gs pos="0">
+                <a:srgbClr val="000000"/>
+              </a:gs>
+              <a:gs pos="100000">
+                <a:schemeClr val="accent1">
+                  <a:lumMod val="75000"/>
+                </a:schemeClr>
+              </a:gs>
+            </a:gsLst>
+            <a:lin ang="18600000" scaled="0"/>
+          </a:gradFill>
+          <a:ln>
+            <a:noFill/>
+          </a:ln>
+        </p:spPr>
+        <p:style>
+          <a:lnRef idx="2">
+            <a:schemeClr val="accent1">
+              <a:shade val="50000"/>
+            </a:schemeClr>
+          </a:lnRef>
+          <a:fillRef idx="1">
+            <a:schemeClr val="accent1"/>
+          </a:fillRef>
+          <a:effectRef idx="0">
+            <a:schemeClr val="accent1"/>
+          </a:effectRef>
+          <a:fontRef idx="minor">
+            <a:schemeClr val="lt1"/>
+          </a:fontRef>
+        </p:style>
+        <p:txBody>
+          <a:bodyPr rtlCol="0" anchor="ctr"/>
+          <a:lstStyle/>
+          <a:p>
+            <a:pPr algn="ctr"/>
+            <a:endParaRPr lang="en-US" dirty="0"/>
+          </a:p>
+        </p:txBody>
+      </p:sp>
+      <p:sp>
+        <p:nvSpPr>
+          <p:cNvPr id="47" name="Rectangle 46">
+            <a:extLst>
+              <a:ext uri="{FF2B5EF4-FFF2-40B4-BE49-F238E27FC236}">
+                <a16:creationId xmlns:a16="http://schemas.microsoft.com/office/drawing/2014/main" id="{D07DD2DE-F619-49DD-B5E7-03A290FF4ED1}"/>
+              </a:ext>
+              <a:ext uri="{C183D7F6-B498-43B3-948B-1728B52AA6E4}">
+                <adec:decorative xmlns:adec="http://schemas.microsoft.com/office/drawing/2017/decorative" val="1"/>
+              </a:ext>
+            </a:extLst>
+          </p:cNvPr>
+          <p:cNvSpPr>
+            <a:spLocks noGrp="1" noRot="1" noChangeAspect="1" noMove="1" noResize="1" noEditPoints="1" noAdjustHandles="1" noChangeArrowheads="1" noChangeShapeType="1" noTextEdit="1"/>
+          </p:cNvSpPr>
+          <p:nvPr>
+            <p:extLst>
+              <p:ext uri="{386F3935-93C4-4BCD-93E2-E3B085C9AB24}">
+                <p16:designElem xmlns:p16="http://schemas.microsoft.com/office/powerpoint/2015/main" val="1"/>
+              </p:ext>
+            </p:extLst>
+          </p:nvPr>
+        </p:nvSpPr>
+        <p:spPr>
+          <a:xfrm rot="16200000">
+            <a:off x="-158495" y="2660473"/>
+            <a:ext cx="4355594" cy="4038603"/>
+          </a:xfrm>
+          <a:prstGeom prst="rect">
+            <a:avLst/>
+          </a:prstGeom>
+          <a:gradFill>
+            <a:gsLst>
+              <a:gs pos="0">
+                <a:schemeClr val="accent1">
+                  <a:alpha val="50000"/>
+                </a:schemeClr>
+              </a:gs>
+              <a:gs pos="100000">
+                <a:schemeClr val="accent1">
+                  <a:lumMod val="50000"/>
+                  <a:alpha val="0"/>
+                </a:schemeClr>
+              </a:gs>
+            </a:gsLst>
+            <a:lin ang="11400000" scaled="0"/>
+          </a:gradFill>
+          <a:ln>
+            <a:noFill/>
+          </a:ln>
+        </p:spPr>
+        <p:style>
+          <a:lnRef idx="2">
+            <a:schemeClr val="accent1">
+              <a:shade val="50000"/>
+            </a:schemeClr>
+          </a:lnRef>
+          <a:fillRef idx="1">
+            <a:schemeClr val="accent1"/>
+          </a:fillRef>
+          <a:effectRef idx="0">
+            <a:schemeClr val="accent1"/>
+          </a:effectRef>
+          <a:fontRef idx="minor">
+            <a:schemeClr val="lt1"/>
+          </a:fontRef>
+        </p:style>
+        <p:txBody>
+          <a:bodyPr rtlCol="0" anchor="ctr"/>
+          <a:lstStyle/>
+          <a:p>
+            <a:pPr algn="ctr"/>
+            <a:endParaRPr lang="en-US"/>
+          </a:p>
+        </p:txBody>
+      </p:sp>
+      <p:sp>
+        <p:nvSpPr>
+          <p:cNvPr id="49" name="Rectangle 48">
+            <a:extLst>
+              <a:ext uri="{FF2B5EF4-FFF2-40B4-BE49-F238E27FC236}">
+                <a16:creationId xmlns:a16="http://schemas.microsoft.com/office/drawing/2014/main" id="{85149191-5F60-4A28-AAFF-039F96B0F3EC}"/>
+              </a:ext>
+              <a:ext uri="{C183D7F6-B498-43B3-948B-1728B52AA6E4}">
+                <adec:decorative xmlns:adec="http://schemas.microsoft.com/office/drawing/2017/decorative" val="1"/>
+              </a:ext>
+            </a:extLst>
+          </p:cNvPr>
+          <p:cNvSpPr>
+            <a:spLocks noGrp="1" noRot="1" noChangeAspect="1" noMove="1" noResize="1" noEditPoints="1" noAdjustHandles="1" noChangeArrowheads="1" noChangeShapeType="1" noTextEdit="1"/>
+          </p:cNvSpPr>
+          <p:nvPr>
+            <p:extLst>
+              <p:ext uri="{386F3935-93C4-4BCD-93E2-E3B085C9AB24}">
+                <p16:designElem xmlns:p16="http://schemas.microsoft.com/office/powerpoint/2015/main" val="1"/>
+              </p:ext>
+            </p:extLst>
+          </p:nvPr>
+        </p:nvSpPr>
+        <p:spPr>
+          <a:xfrm rot="16200000" flipH="1">
+            <a:off x="-1180882" y="1638085"/>
+            <a:ext cx="6857572" cy="3581401"/>
+          </a:xfrm>
+          <a:prstGeom prst="rect">
+            <a:avLst/>
+          </a:prstGeom>
+          <a:gradFill>
+            <a:gsLst>
+              <a:gs pos="0">
+                <a:srgbClr val="000000">
+                  <a:alpha val="59000"/>
+                </a:srgbClr>
+              </a:gs>
+              <a:gs pos="69000">
+                <a:schemeClr val="accent1">
+                  <a:alpha val="0"/>
+                </a:schemeClr>
+              </a:gs>
+            </a:gsLst>
+            <a:lin ang="13200000" scaled="0"/>
+          </a:gradFill>
+          <a:ln>
+            <a:noFill/>
+          </a:ln>
+        </p:spPr>
+        <p:style>
+          <a:lnRef idx="2">
+            <a:schemeClr val="accent1">
+              <a:shade val="50000"/>
+            </a:schemeClr>
+          </a:lnRef>
+          <a:fillRef idx="1">
+            <a:schemeClr val="accent1"/>
+          </a:fillRef>
+          <a:effectRef idx="0">
+            <a:schemeClr val="accent1"/>
+          </a:effectRef>
+          <a:fontRef idx="minor">
+            <a:schemeClr val="lt1"/>
+          </a:fontRef>
+        </p:style>
+        <p:txBody>
+          <a:bodyPr rtlCol="0" anchor="ctr"/>
+          <a:lstStyle/>
+          <a:p>
+            <a:pPr algn="ctr"/>
+            <a:endParaRPr lang="en-US" dirty="0"/>
+          </a:p>
+        </p:txBody>
+      </p:sp>
+      <p:sp>
+        <p:nvSpPr>
+          <p:cNvPr id="51" name="Freeform: Shape 50">
+            <a:extLst>
+              <a:ext uri="{FF2B5EF4-FFF2-40B4-BE49-F238E27FC236}">
+                <a16:creationId xmlns:a16="http://schemas.microsoft.com/office/drawing/2014/main" id="{F8260ED5-17F7-4158-B241-D51DD4CF1B7E}"/>
+              </a:ext>
+              <a:ext uri="{C183D7F6-B498-43B3-948B-1728B52AA6E4}">
+                <adec:decorative xmlns:adec="http://schemas.microsoft.com/office/drawing/2017/decorative" val="1"/>
+              </a:ext>
+            </a:extLst>
+          </p:cNvPr>
+          <p:cNvSpPr>
+            <a:spLocks noGrp="1" noRot="1" noChangeAspect="1" noMove="1" noResize="1" noEditPoints="1" noAdjustHandles="1" noChangeArrowheads="1" noChangeShapeType="1" noTextEdit="1"/>
+          </p:cNvSpPr>
+          <p:nvPr>
+            <p:extLst>
+              <p:ext uri="{386F3935-93C4-4BCD-93E2-E3B085C9AB24}">
+                <p16:designElem xmlns:p16="http://schemas.microsoft.com/office/powerpoint/2015/main" val="1"/>
+              </p:ext>
+            </p:extLst>
+          </p:nvPr>
+        </p:nvSpPr>
+        <p:spPr>
+          <a:xfrm rot="6097846">
+            <a:off x="-747355" y="1201312"/>
+            <a:ext cx="4808302" cy="4088666"/>
+          </a:xfrm>
+          <a:custGeom>
+            <a:avLst/>
+            <a:gdLst>
+              <a:gd name="connsiteX0" fmla="*/ 48844 w 4808302"/>
+              <a:gd name="connsiteY0" fmla="*/ 2888671 h 4088666"/>
+              <a:gd name="connsiteX1" fmla="*/ 0 w 4808302"/>
+              <a:gd name="connsiteY1" fmla="*/ 2404151 h 4088666"/>
+              <a:gd name="connsiteX2" fmla="*/ 2404151 w 4808302"/>
+              <a:gd name="connsiteY2" fmla="*/ 0 h 4088666"/>
+              <a:gd name="connsiteX3" fmla="*/ 4808302 w 4808302"/>
+              <a:gd name="connsiteY3" fmla="*/ 2404151 h 4088666"/>
+              <a:gd name="connsiteX4" fmla="*/ 4700216 w 4808302"/>
+              <a:gd name="connsiteY4" fmla="*/ 3119072 h 4088666"/>
+              <a:gd name="connsiteX5" fmla="*/ 4643143 w 4808302"/>
+              <a:gd name="connsiteY5" fmla="*/ 3275009 h 4088666"/>
+              <a:gd name="connsiteX6" fmla="*/ 690093 w 4808302"/>
+              <a:gd name="connsiteY6" fmla="*/ 4088666 h 4088666"/>
+              <a:gd name="connsiteX7" fmla="*/ 548991 w 4808302"/>
+              <a:gd name="connsiteY7" fmla="*/ 3933414 h 4088666"/>
+              <a:gd name="connsiteX8" fmla="*/ 48844 w 4808302"/>
+              <a:gd name="connsiteY8" fmla="*/ 2888671 h 4088666"/>
+            </a:gdLst>
+            <a:ahLst/>
+            <a:cxnLst>
+              <a:cxn ang="0">
+                <a:pos x="connsiteX0" y="connsiteY0"/>
+              </a:cxn>
+              <a:cxn ang="0">
+                <a:pos x="connsiteX1" y="connsiteY1"/>
+              </a:cxn>
+              <a:cxn ang="0">
+                <a:pos x="connsiteX2" y="connsiteY2"/>
+              </a:cxn>
+              <a:cxn ang="0">
+                <a:pos x="connsiteX3" y="connsiteY3"/>
+              </a:cxn>
+              <a:cxn ang="0">
+                <a:pos x="connsiteX4" y="connsiteY4"/>
+              </a:cxn>
+              <a:cxn ang="0">
+                <a:pos x="connsiteX5" y="connsiteY5"/>
+              </a:cxn>
+              <a:cxn ang="0">
+                <a:pos x="connsiteX6" y="connsiteY6"/>
+              </a:cxn>
+              <a:cxn ang="0">
+                <a:pos x="connsiteX7" y="connsiteY7"/>
+              </a:cxn>
+              <a:cxn ang="0">
+                <a:pos x="connsiteX8" y="connsiteY8"/>
+              </a:cxn>
+            </a:cxnLst>
+            <a:rect l="l" t="t" r="r" b="b"/>
+            <a:pathLst>
+              <a:path w="4808302" h="4088666">
+                <a:moveTo>
+                  <a:pt x="48844" y="2888671"/>
+                </a:moveTo>
+                <a:cubicBezTo>
+                  <a:pt x="16818" y="2732167"/>
+                  <a:pt x="0" y="2570123"/>
+                  <a:pt x="0" y="2404151"/>
+                </a:cubicBezTo>
+                <a:cubicBezTo>
+                  <a:pt x="0" y="1076375"/>
+                  <a:pt x="1076375" y="0"/>
+                  <a:pt x="2404151" y="0"/>
+                </a:cubicBezTo>
+                <a:cubicBezTo>
+                  <a:pt x="3731927" y="0"/>
+                  <a:pt x="4808302" y="1076375"/>
+                  <a:pt x="4808302" y="2404151"/>
+                </a:cubicBezTo>
+                <a:cubicBezTo>
+                  <a:pt x="4808302" y="2653109"/>
+                  <a:pt x="4770461" y="2893229"/>
+                  <a:pt x="4700216" y="3119072"/>
+                </a:cubicBezTo>
+                <a:lnTo>
+                  <a:pt x="4643143" y="3275009"/>
+                </a:lnTo>
+                <a:lnTo>
+                  <a:pt x="690093" y="4088666"/>
+                </a:lnTo>
+                <a:lnTo>
+                  <a:pt x="548991" y="3933414"/>
+                </a:lnTo>
+                <a:cubicBezTo>
+                  <a:pt x="304015" y="3636572"/>
+                  <a:pt x="128908" y="3279932"/>
+                  <a:pt x="48844" y="2888671"/>
+                </a:cubicBezTo>
+                <a:close/>
+              </a:path>
+            </a:pathLst>
+          </a:custGeom>
+          <a:gradFill>
+            <a:gsLst>
+              <a:gs pos="39000">
+                <a:schemeClr val="accent1">
+                  <a:lumMod val="60000"/>
+                  <a:lumOff val="40000"/>
+                  <a:alpha val="0"/>
+                </a:schemeClr>
+              </a:gs>
+              <a:gs pos="100000">
+                <a:schemeClr val="accent1">
+                  <a:lumMod val="75000"/>
+                  <a:alpha val="26000"/>
+                </a:schemeClr>
+              </a:gs>
+            </a:gsLst>
+            <a:lin ang="18600000" scaled="0"/>
+          </a:gradFill>
+          <a:ln>
+            <a:noFill/>
+          </a:ln>
+        </p:spPr>
+        <p:style>
+          <a:lnRef idx="2">
+            <a:schemeClr val="accent1">
+              <a:shade val="50000"/>
+            </a:schemeClr>
+          </a:lnRef>
+          <a:fillRef idx="1">
+            <a:schemeClr val="accent1"/>
+          </a:fillRef>
+          <a:effectRef idx="0">
+            <a:schemeClr val="accent1"/>
+          </a:effectRef>
+          <a:fontRef idx="minor">
+            <a:schemeClr val="lt1"/>
+          </a:fontRef>
+        </p:style>
+        <p:txBody>
+          <a:bodyPr wrap="square" rtlCol="0" anchor="ctr">
+            <a:noAutofit/>
+          </a:bodyPr>
+          <a:lstStyle/>
+          <a:p>
+            <a:pPr algn="ctr"/>
+            <a:endParaRPr lang="en-US" dirty="0"/>
+          </a:p>
+        </p:txBody>
+      </p:sp>
+      <p:pic>
+        <p:nvPicPr>
+          <p:cNvPr id="13" name="Picture 12" descr="A diagram of a data flow&#10;&#10;AI-generated content may be incorrect.">
+            <a:extLst>
+              <a:ext uri="{FF2B5EF4-FFF2-40B4-BE49-F238E27FC236}">
+                <a16:creationId xmlns:a16="http://schemas.microsoft.com/office/drawing/2014/main" id="{EDF885A8-86E6-5FC7-72B2-4B2BCCFF495B}"/>
+              </a:ext>
+            </a:extLst>
+          </p:cNvPr>
+          <p:cNvPicPr>
+            <a:picLocks noChangeAspect="1"/>
+          </p:cNvPicPr>
+          <p:nvPr/>
+        </p:nvPicPr>
+        <p:blipFill>
+          <a:blip r:embed="rId3">
+            <a:extLst>
+              <a:ext uri="{28A0092B-C50C-407E-A947-70E740481C1C}">
+                <a14:useLocalDpi xmlns:a14="http://schemas.microsoft.com/office/drawing/2010/main" val="0"/>
+              </a:ext>
+            </a:extLst>
+          </a:blip>
+          <a:stretch>
+            <a:fillRect/>
+          </a:stretch>
+        </p:blipFill>
+        <p:spPr>
+          <a:xfrm>
+            <a:off x="5053526" y="741716"/>
+            <a:ext cx="6195467" cy="5374568"/>
+          </a:xfrm>
+          <a:prstGeom prst="rect">
+            <a:avLst/>
+          </a:prstGeom>
+        </p:spPr>
+      </p:pic>
+      <p:sp>
+        <p:nvSpPr>
+          <p:cNvPr id="6" name="Title 6">
+            <a:extLst>
+              <a:ext uri="{FF2B5EF4-FFF2-40B4-BE49-F238E27FC236}">
+                <a16:creationId xmlns:a16="http://schemas.microsoft.com/office/drawing/2014/main" id="{9124DADA-80C2-22C8-734D-73BFB2215391}"/>
+              </a:ext>
+            </a:extLst>
+          </p:cNvPr>
+          <p:cNvSpPr>
+            <a:spLocks noGrp="1"/>
+          </p:cNvSpPr>
+          <p:nvPr>
+            <p:ph type="title"/>
+          </p:nvPr>
+        </p:nvSpPr>
+        <p:spPr>
+          <a:xfrm>
+            <a:off x="547883" y="796094"/>
+            <a:ext cx="2880828" cy="878603"/>
+          </a:xfrm>
+        </p:spPr>
+        <p:txBody>
+          <a:bodyPr vert="horz" lIns="91440" tIns="45720" rIns="91440" bIns="45720" rtlCol="0" anchor="t">
+            <a:normAutofit fontScale="90000"/>
+          </a:bodyPr>
+          <a:lstStyle/>
+          <a:p>
+            <a:pPr algn="ctr"/>
+            <a:r>
+              <a:rPr lang="en-US" sz="4000" dirty="0">
+                <a:solidFill>
+                  <a:srgbClr val="FFFFFF"/>
+                </a:solidFill>
+              </a:rPr>
+              <a:t>Command Line Interface</a:t>
+            </a:r>
+            <a:endParaRPr lang="en-US" sz="4000" kern="1200" dirty="0">
+              <a:solidFill>
+                <a:srgbClr val="FFFFFF"/>
+              </a:solidFill>
+              <a:latin typeface="+mj-lt"/>
+              <a:ea typeface="+mj-ea"/>
+              <a:cs typeface="+mj-cs"/>
+            </a:endParaRPr>
+          </a:p>
+        </p:txBody>
+      </p:sp>
+      <p:sp>
+        <p:nvSpPr>
+          <p:cNvPr id="8" name="TextBox 7">
+            <a:extLst>
+              <a:ext uri="{FF2B5EF4-FFF2-40B4-BE49-F238E27FC236}">
+                <a16:creationId xmlns:a16="http://schemas.microsoft.com/office/drawing/2014/main" id="{F424B83B-8198-7750-9BD6-EDD448636147}"/>
+              </a:ext>
+            </a:extLst>
+          </p:cNvPr>
+          <p:cNvSpPr txBox="1"/>
+          <p:nvPr/>
+        </p:nvSpPr>
+        <p:spPr>
+          <a:xfrm>
+            <a:off x="455066" y="2534201"/>
+            <a:ext cx="3088397" cy="2831544"/>
+          </a:xfrm>
+          <a:prstGeom prst="rect">
+            <a:avLst/>
+          </a:prstGeom>
+          <a:noFill/>
+        </p:spPr>
+        <p:txBody>
+          <a:bodyPr wrap="square" rtlCol="0">
+            <a:spAutoFit/>
+          </a:bodyPr>
+          <a:lstStyle/>
+          <a:p>
+            <a:r>
+              <a:rPr lang="en-US" b="1" dirty="0">
+                <a:solidFill>
+                  <a:schemeClr val="bg1"/>
+                </a:solidFill>
+              </a:rPr>
+              <a:t>Python CLI</a:t>
+            </a:r>
+          </a:p>
+          <a:p>
+            <a:pPr marL="285750" indent="-285750">
+              <a:buFontTx/>
+              <a:buChar char="-"/>
+            </a:pPr>
+            <a:r>
+              <a:rPr lang="en-US" sz="1600" dirty="0">
+                <a:solidFill>
+                  <a:schemeClr val="bg1"/>
+                </a:solidFill>
+              </a:rPr>
+              <a:t>User-friendly database interaction</a:t>
+            </a:r>
+          </a:p>
+          <a:p>
+            <a:pPr marL="285750" indent="-285750">
+              <a:buFontTx/>
+              <a:buChar char="-"/>
+            </a:pPr>
+            <a:r>
+              <a:rPr lang="en-US" sz="1600" dirty="0">
+                <a:solidFill>
+                  <a:schemeClr val="bg1"/>
+                </a:solidFill>
+              </a:rPr>
+              <a:t>Sends database queries to Data Client</a:t>
+            </a:r>
+          </a:p>
+          <a:p>
+            <a:endParaRPr lang="en-US" sz="1600" dirty="0">
+              <a:solidFill>
+                <a:schemeClr val="bg1"/>
+              </a:solidFill>
+            </a:endParaRPr>
+          </a:p>
+          <a:p>
+            <a:r>
+              <a:rPr lang="en-US" sz="1600" b="1" dirty="0">
+                <a:solidFill>
+                  <a:schemeClr val="bg1"/>
+                </a:solidFill>
+              </a:rPr>
+              <a:t>Data Client</a:t>
+            </a:r>
+          </a:p>
+          <a:p>
+            <a:pPr marL="285750" indent="-285750">
+              <a:buFontTx/>
+              <a:buChar char="-"/>
+            </a:pPr>
+            <a:r>
+              <a:rPr lang="en-US" sz="1600" dirty="0">
+                <a:solidFill>
+                  <a:schemeClr val="bg1"/>
+                </a:solidFill>
+              </a:rPr>
+              <a:t>Handles database query requests from CLI</a:t>
+            </a:r>
+          </a:p>
+          <a:p>
+            <a:pPr marL="285750" indent="-285750">
+              <a:buFontTx/>
+              <a:buChar char="-"/>
+            </a:pPr>
+            <a:r>
+              <a:rPr lang="en-US" sz="1600" dirty="0">
+                <a:solidFill>
+                  <a:schemeClr val="bg1"/>
+                </a:solidFill>
+              </a:rPr>
+              <a:t>Sends database response to CLI</a:t>
+            </a:r>
+          </a:p>
+        </p:txBody>
+      </p:sp>
+      <p:sp>
+        <p:nvSpPr>
+          <p:cNvPr id="2" name="TextBox 1">
+            <a:extLst>
+              <a:ext uri="{FF2B5EF4-FFF2-40B4-BE49-F238E27FC236}">
+                <a16:creationId xmlns:a16="http://schemas.microsoft.com/office/drawing/2014/main" id="{2524F64B-C6F1-E3ED-E40D-D32C760AEED3}"/>
+              </a:ext>
+            </a:extLst>
+          </p:cNvPr>
+          <p:cNvSpPr txBox="1"/>
+          <p:nvPr/>
+        </p:nvSpPr>
+        <p:spPr>
+          <a:xfrm>
+            <a:off x="5156624" y="3765307"/>
+            <a:ext cx="1536192" cy="369332"/>
+          </a:xfrm>
+          <a:prstGeom prst="rect">
+            <a:avLst/>
+          </a:prstGeom>
+          <a:noFill/>
+        </p:spPr>
+        <p:txBody>
+          <a:bodyPr wrap="square" rtlCol="0">
+            <a:spAutoFit/>
+          </a:bodyPr>
+          <a:lstStyle/>
+          <a:p>
+            <a:r>
+              <a:rPr lang="en-US" dirty="0"/>
+              <a:t>Request</a:t>
+            </a:r>
+          </a:p>
+        </p:txBody>
+      </p:sp>
+      <p:sp>
+        <p:nvSpPr>
+          <p:cNvPr id="3" name="TextBox 2">
+            <a:extLst>
+              <a:ext uri="{FF2B5EF4-FFF2-40B4-BE49-F238E27FC236}">
+                <a16:creationId xmlns:a16="http://schemas.microsoft.com/office/drawing/2014/main" id="{A5A844DE-19C0-D2A9-6C50-F8E414EBF116}"/>
+              </a:ext>
+            </a:extLst>
+          </p:cNvPr>
+          <p:cNvSpPr txBox="1"/>
+          <p:nvPr/>
+        </p:nvSpPr>
+        <p:spPr>
+          <a:xfrm>
+            <a:off x="6795914" y="3788458"/>
+            <a:ext cx="1536192" cy="369332"/>
+          </a:xfrm>
+          <a:prstGeom prst="rect">
+            <a:avLst/>
+          </a:prstGeom>
+          <a:noFill/>
+        </p:spPr>
+        <p:txBody>
+          <a:bodyPr wrap="square" rtlCol="0">
+            <a:spAutoFit/>
+          </a:bodyPr>
+          <a:lstStyle/>
+          <a:p>
+            <a:r>
+              <a:rPr lang="en-US" dirty="0"/>
+              <a:t>Response</a:t>
+            </a:r>
+          </a:p>
+        </p:txBody>
+      </p:sp>
+      <p:sp>
+        <p:nvSpPr>
+          <p:cNvPr id="4" name="TextBox 3">
+            <a:extLst>
+              <a:ext uri="{FF2B5EF4-FFF2-40B4-BE49-F238E27FC236}">
+                <a16:creationId xmlns:a16="http://schemas.microsoft.com/office/drawing/2014/main" id="{7BEE8F3A-E199-CF90-260E-5BD42B4A0D6E}"/>
+              </a:ext>
+            </a:extLst>
+          </p:cNvPr>
+          <p:cNvSpPr txBox="1"/>
+          <p:nvPr/>
+        </p:nvSpPr>
+        <p:spPr>
+          <a:xfrm>
+            <a:off x="7823624" y="1534527"/>
+            <a:ext cx="1536192" cy="369332"/>
+          </a:xfrm>
+          <a:prstGeom prst="rect">
+            <a:avLst/>
+          </a:prstGeom>
+          <a:noFill/>
+        </p:spPr>
+        <p:txBody>
+          <a:bodyPr wrap="square" rtlCol="0">
+            <a:spAutoFit/>
+          </a:bodyPr>
+          <a:lstStyle/>
+          <a:p>
+            <a:r>
+              <a:rPr lang="en-US" dirty="0"/>
+              <a:t>Query</a:t>
+            </a:r>
+          </a:p>
+        </p:txBody>
+      </p:sp>
+      <p:sp>
+        <p:nvSpPr>
+          <p:cNvPr id="5" name="TextBox 4">
+            <a:extLst>
+              <a:ext uri="{FF2B5EF4-FFF2-40B4-BE49-F238E27FC236}">
+                <a16:creationId xmlns:a16="http://schemas.microsoft.com/office/drawing/2014/main" id="{BA54C8E4-ED73-3A8D-CC4F-40EADF910392}"/>
+              </a:ext>
+            </a:extLst>
+          </p:cNvPr>
+          <p:cNvSpPr txBox="1"/>
+          <p:nvPr/>
+        </p:nvSpPr>
+        <p:spPr>
+          <a:xfrm>
+            <a:off x="7928776" y="2460909"/>
+            <a:ext cx="1536192" cy="369332"/>
+          </a:xfrm>
+          <a:prstGeom prst="rect">
+            <a:avLst/>
+          </a:prstGeom>
+          <a:noFill/>
+        </p:spPr>
+        <p:txBody>
+          <a:bodyPr wrap="square" rtlCol="0">
+            <a:spAutoFit/>
+          </a:bodyPr>
+          <a:lstStyle/>
+          <a:p>
+            <a:r>
+              <a:rPr lang="en-US" dirty="0"/>
+              <a:t>Data</a:t>
+            </a:r>
+          </a:p>
+        </p:txBody>
+      </p:sp>
+      <p:sp>
+        <p:nvSpPr>
+          <p:cNvPr id="7" name="Moon 6">
+            <a:extLst>
+              <a:ext uri="{FF2B5EF4-FFF2-40B4-BE49-F238E27FC236}">
+                <a16:creationId xmlns:a16="http://schemas.microsoft.com/office/drawing/2014/main" id="{DC1FB21B-BC12-C751-B85D-CFDFFBA2A0FC}"/>
+              </a:ext>
+            </a:extLst>
+          </p:cNvPr>
+          <p:cNvSpPr/>
+          <p:nvPr/>
+        </p:nvSpPr>
+        <p:spPr>
+          <a:xfrm rot="16200000">
+            <a:off x="9769665" y="2524760"/>
+            <a:ext cx="109728" cy="1178942"/>
+          </a:xfrm>
+          <a:prstGeom prst="moon">
+            <a:avLst/>
+          </a:prstGeom>
+          <a:solidFill>
+            <a:schemeClr val="bg1"/>
+          </a:solidFill>
+          <a:ln>
+            <a:solidFill>
+              <a:schemeClr val="bg1"/>
+            </a:solidFill>
+          </a:ln>
+        </p:spPr>
+        <p:style>
+          <a:lnRef idx="2">
+            <a:schemeClr val="accent6"/>
+          </a:lnRef>
+          <a:fillRef idx="1">
+            <a:schemeClr val="lt1"/>
+          </a:fillRef>
+          <a:effectRef idx="0">
+            <a:schemeClr val="accent6"/>
+          </a:effectRef>
+          <a:fontRef idx="minor">
+            <a:schemeClr val="dk1"/>
+          </a:fontRef>
+        </p:style>
+        <p:txBody>
+          <a:bodyPr rtlCol="0" anchor="ctr"/>
+          <a:lstStyle/>
+          <a:p>
+            <a:pPr algn="ctr"/>
+            <a:endParaRPr lang="en-US"/>
+          </a:p>
+        </p:txBody>
+      </p:sp>
+      <p:sp>
+        <p:nvSpPr>
+          <p:cNvPr id="9" name="Rectangle 8">
+            <a:extLst>
+              <a:ext uri="{FF2B5EF4-FFF2-40B4-BE49-F238E27FC236}">
+                <a16:creationId xmlns:a16="http://schemas.microsoft.com/office/drawing/2014/main" id="{765236A4-EEF2-47DC-E544-EB0989C2683C}"/>
+              </a:ext>
+            </a:extLst>
+          </p:cNvPr>
+          <p:cNvSpPr/>
+          <p:nvPr/>
+        </p:nvSpPr>
+        <p:spPr>
+          <a:xfrm>
+            <a:off x="8646415" y="3150876"/>
+            <a:ext cx="2363724" cy="2804124"/>
+          </a:xfrm>
+          <a:prstGeom prst="rect">
+            <a:avLst/>
+          </a:prstGeom>
+          <a:solidFill>
+            <a:schemeClr val="bg1"/>
+          </a:solidFill>
+          <a:ln>
+            <a:solidFill>
+              <a:schemeClr val="bg1"/>
+            </a:solidFill>
+          </a:ln>
+        </p:spPr>
+        <p:style>
+          <a:lnRef idx="2">
+            <a:schemeClr val="accent1">
+              <a:shade val="15000"/>
+            </a:schemeClr>
+          </a:lnRef>
+          <a:fillRef idx="1">
+            <a:schemeClr val="accent1"/>
+          </a:fillRef>
+          <a:effectRef idx="0">
+            <a:schemeClr val="accent1"/>
+          </a:effectRef>
+          <a:fontRef idx="minor">
+            <a:schemeClr val="lt1"/>
+          </a:fontRef>
+        </p:style>
+        <p:txBody>
+          <a:bodyPr rtlCol="0" anchor="ctr"/>
+          <a:lstStyle/>
+          <a:p>
+            <a:pPr algn="ctr"/>
+            <a:endParaRPr lang="en-US"/>
+          </a:p>
+        </p:txBody>
+      </p:sp>
+    </p:spTree>
+    <p:extLst>
+      <p:ext uri="{BB962C8B-B14F-4D97-AF65-F5344CB8AC3E}">
+        <p14:creationId xmlns:p14="http://schemas.microsoft.com/office/powerpoint/2010/main" val="2899819684"/>
+      </p:ext>
+    </p:extLst>
+  </p:cSld>
+  <p:clrMapOvr>
+    <a:masterClrMapping/>
+  </p:clrMapOvr>
+</p:sld>
+</file>
+
+<file path=ppt/slides/slide8.xml><?xml version="1.0" encoding="utf-8"?>
+<p:sld xmlns:a="http://schemas.openxmlformats.org/drawingml/2006/main" xmlns:r="http://schemas.openxmlformats.org/officeDocument/2006/relationships" xmlns:p="http://schemas.openxmlformats.org/presentationml/2006/main">
+  <p:cSld>
+    <p:bg>
+      <p:bgPr>
+        <a:solidFill>
+          <a:schemeClr val="bg1"/>
+        </a:solidFill>
+        <a:effectLst/>
+      </p:bgPr>
+    </p:bg>
+    <p:spTree>
+      <p:nvGrpSpPr>
+        <p:cNvPr id="1" name=""/>
+        <p:cNvGrpSpPr/>
+        <p:nvPr/>
+      </p:nvGrpSpPr>
+      <p:grpSpPr>
+        <a:xfrm>
+          <a:off x="0" y="0"/>
+          <a:ext cx="0" cy="0"/>
+          <a:chOff x="0" y="0"/>
+          <a:chExt cx="0" cy="0"/>
+        </a:xfrm>
+      </p:grpSpPr>
+      <p:sp useBgFill="1">
+        <p:nvSpPr>
+          <p:cNvPr id="119" name="Rectangle 118">
+            <a:extLst>
+              <a:ext uri="{FF2B5EF4-FFF2-40B4-BE49-F238E27FC236}">
+                <a16:creationId xmlns:a16="http://schemas.microsoft.com/office/drawing/2014/main" id="{BACC6370-2D7E-4714-9D71-7542949D7D5D}"/>
+              </a:ext>
+              <a:ext uri="{C183D7F6-B498-43B3-948B-1728B52AA6E4}">
+                <adec:decorative xmlns:adec="http://schemas.microsoft.com/office/drawing/2017/decorative" val="1"/>
+              </a:ext>
+            </a:extLst>
+          </p:cNvPr>
+          <p:cNvSpPr>
+            <a:spLocks noGrp="1" noRot="1" noChangeAspect="1" noMove="1" noResize="1" noEditPoints="1" noAdjustHandles="1" noChangeArrowheads="1" noChangeShapeType="1" noTextEdit="1"/>
+          </p:cNvSpPr>
+          <p:nvPr>
+            <p:extLst>
+              <p:ext uri="{386F3935-93C4-4BCD-93E2-E3B085C9AB24}">
+                <p16:designElem xmlns:p16="http://schemas.microsoft.com/office/powerpoint/2015/main" val="1"/>
+              </p:ext>
+            </p:extLst>
+          </p:nvPr>
+        </p:nvSpPr>
+        <p:spPr>
+          <a:xfrm>
+            <a:off x="0" y="0"/>
+            <a:ext cx="12192000" cy="6858000"/>
+          </a:xfrm>
+          <a:prstGeom prst="rect">
+            <a:avLst/>
+          </a:prstGeom>
+          <a:ln w="12700" cap="flat" cmpd="sng" algn="ctr">
+            <a:noFill/>
+            <a:prstDash val="solid"/>
+            <a:miter lim="800000"/>
+          </a:ln>
+          <a:effectLst/>
+          <a:extLst>
+            <a:ext uri="{91240B29-F687-4F45-9708-019B960494DF}">
+              <a14:hiddenLine xmlns:a14="http://schemas.microsoft.com/office/drawing/2010/main" w="12700" cap="flat" cmpd="sng" algn="ctr">
+                <a:solidFill>
+                  <a:schemeClr val="accent1">
+                    <a:shade val="50000"/>
+                  </a:schemeClr>
+                </a:solidFill>
+                <a:prstDash val="solid"/>
+                <a:miter lim="800000"/>
+              </a14:hiddenLine>
+            </a:ext>
+          </a:extLst>
+        </p:spPr>
+        <p:style>
+          <a:lnRef idx="2">
+            <a:schemeClr val="accent1">
+              <a:shade val="50000"/>
+            </a:schemeClr>
+          </a:lnRef>
+          <a:fillRef idx="1">
+            <a:schemeClr val="accent1"/>
+          </a:fillRef>
+          <a:effectRef idx="0">
+            <a:schemeClr val="accent1"/>
+          </a:effectRef>
+          <a:fontRef idx="minor">
+            <a:schemeClr val="lt1"/>
+          </a:fontRef>
+        </p:style>
+        <p:txBody>
+          <a:bodyPr rtlCol="0" anchor="ctr"/>
+          <a:lstStyle/>
+          <a:p>
+            <a:pPr algn="ctr"/>
+            <a:endParaRPr lang="en-US"/>
+          </a:p>
+        </p:txBody>
+      </p:sp>
+      <p:sp>
+        <p:nvSpPr>
+          <p:cNvPr id="120" name="Rectangle 119">
+            <a:extLst>
+              <a:ext uri="{FF2B5EF4-FFF2-40B4-BE49-F238E27FC236}">
+                <a16:creationId xmlns:a16="http://schemas.microsoft.com/office/drawing/2014/main" id="{F68B3F68-107C-434F-AA38-110D5EA91B85}"/>
+              </a:ext>
+              <a:ext uri="{C183D7F6-B498-43B3-948B-1728B52AA6E4}">
+                <adec:decorative xmlns:adec="http://schemas.microsoft.com/office/drawing/2017/decorative" val="1"/>
+              </a:ext>
+            </a:extLst>
+          </p:cNvPr>
+          <p:cNvSpPr>
+            <a:spLocks noGrp="1" noRot="1" noChangeAspect="1" noMove="1" noResize="1" noEditPoints="1" noAdjustHandles="1" noChangeArrowheads="1" noChangeShapeType="1" noTextEdit="1"/>
+          </p:cNvSpPr>
+          <p:nvPr>
+            <p:extLst>
+              <p:ext uri="{386F3935-93C4-4BCD-93E2-E3B085C9AB24}">
+                <p16:designElem xmlns:p16="http://schemas.microsoft.com/office/powerpoint/2015/main" val="1"/>
+              </p:ext>
+            </p:extLst>
+          </p:nvPr>
+        </p:nvSpPr>
+        <p:spPr>
+          <a:xfrm flipH="1">
+            <a:off x="2" y="0"/>
+            <a:ext cx="12191998" cy="1575955"/>
+          </a:xfrm>
+          <a:prstGeom prst="rect">
+            <a:avLst/>
+          </a:prstGeom>
+          <a:gradFill>
+            <a:gsLst>
+              <a:gs pos="0">
+                <a:srgbClr val="000000">
+                  <a:alpha val="96000"/>
+                </a:srgbClr>
+              </a:gs>
+              <a:gs pos="100000">
+                <a:schemeClr val="accent1">
+                  <a:lumMod val="75000"/>
+                </a:schemeClr>
+              </a:gs>
+            </a:gsLst>
+            <a:lin ang="8400000" scaled="0"/>
+          </a:gradFill>
+          <a:ln>
+            <a:noFill/>
+          </a:ln>
+        </p:spPr>
+        <p:style>
+          <a:lnRef idx="2">
+            <a:schemeClr val="accent1">
+              <a:shade val="50000"/>
+            </a:schemeClr>
+          </a:lnRef>
+          <a:fillRef idx="1">
+            <a:schemeClr val="accent1"/>
+          </a:fillRef>
+          <a:effectRef idx="0">
+            <a:schemeClr val="accent1"/>
+          </a:effectRef>
+          <a:fontRef idx="minor">
+            <a:schemeClr val="lt1"/>
+          </a:fontRef>
+        </p:style>
+        <p:txBody>
+          <a:bodyPr rtlCol="0" anchor="ctr"/>
+          <a:lstStyle/>
+          <a:p>
+            <a:pPr algn="ctr"/>
+            <a:endParaRPr lang="en-US"/>
+          </a:p>
+        </p:txBody>
+      </p:sp>
+      <p:sp>
+        <p:nvSpPr>
+          <p:cNvPr id="121" name="Rectangle 120">
+            <a:extLst>
+              <a:ext uri="{FF2B5EF4-FFF2-40B4-BE49-F238E27FC236}">
+                <a16:creationId xmlns:a16="http://schemas.microsoft.com/office/drawing/2014/main" id="{AAD0DBB9-1A4B-4391-81D4-CB19F9AB918A}"/>
+              </a:ext>
+              <a:ext uri="{C183D7F6-B498-43B3-948B-1728B52AA6E4}">
+                <adec:decorative xmlns:adec="http://schemas.microsoft.com/office/drawing/2017/decorative" val="1"/>
+              </a:ext>
+            </a:extLst>
+          </p:cNvPr>
+          <p:cNvSpPr>
+            <a:spLocks noGrp="1" noRot="1" noChangeAspect="1" noMove="1" noResize="1" noEditPoints="1" noAdjustHandles="1" noChangeArrowheads="1" noChangeShapeType="1" noTextEdit="1"/>
+          </p:cNvSpPr>
+          <p:nvPr>
+            <p:extLst>
+              <p:ext uri="{386F3935-93C4-4BCD-93E2-E3B085C9AB24}">
+                <p16:designElem xmlns:p16="http://schemas.microsoft.com/office/powerpoint/2015/main" val="1"/>
+              </p:ext>
+            </p:extLst>
+          </p:nvPr>
+        </p:nvSpPr>
+        <p:spPr>
+          <a:xfrm rot="10800000" flipH="1">
+            <a:off x="8128857" y="0"/>
+            <a:ext cx="4063143" cy="1576412"/>
+          </a:xfrm>
+          <a:prstGeom prst="rect">
+            <a:avLst/>
+          </a:prstGeom>
+          <a:gradFill>
+            <a:gsLst>
+              <a:gs pos="19000">
+                <a:schemeClr val="accent1">
+                  <a:lumMod val="50000"/>
+                  <a:alpha val="68000"/>
+                </a:schemeClr>
+              </a:gs>
+              <a:gs pos="100000">
+                <a:schemeClr val="accent1">
+                  <a:alpha val="79000"/>
+                </a:schemeClr>
+              </a:gs>
+            </a:gsLst>
+            <a:lin ang="19200000" scaled="0"/>
+          </a:gradFill>
+          <a:ln>
+            <a:noFill/>
+          </a:ln>
+        </p:spPr>
+        <p:style>
+          <a:lnRef idx="2">
+            <a:schemeClr val="accent1">
+              <a:shade val="50000"/>
+            </a:schemeClr>
+          </a:lnRef>
+          <a:fillRef idx="1">
+            <a:schemeClr val="accent1"/>
+          </a:fillRef>
+          <a:effectRef idx="0">
+            <a:schemeClr val="accent1"/>
+          </a:effectRef>
+          <a:fontRef idx="minor">
+            <a:schemeClr val="lt1"/>
+          </a:fontRef>
+        </p:style>
+        <p:txBody>
+          <a:bodyPr rtlCol="0" anchor="ctr"/>
+          <a:lstStyle/>
+          <a:p>
+            <a:pPr algn="ctr"/>
+            <a:endParaRPr lang="en-US"/>
+          </a:p>
+        </p:txBody>
+      </p:sp>
+      <p:sp>
+        <p:nvSpPr>
+          <p:cNvPr id="122" name="Rectangle 121">
+            <a:extLst>
+              <a:ext uri="{FF2B5EF4-FFF2-40B4-BE49-F238E27FC236}">
+                <a16:creationId xmlns:a16="http://schemas.microsoft.com/office/drawing/2014/main" id="{063BBA22-50EA-4C4D-BE05-F1CE4E63AA56}"/>
+              </a:ext>
+              <a:ext uri="{C183D7F6-B498-43B3-948B-1728B52AA6E4}">
+                <adec:decorative xmlns:adec="http://schemas.microsoft.com/office/drawing/2017/decorative" val="1"/>
+              </a:ext>
+            </a:extLst>
+          </p:cNvPr>
+          <p:cNvSpPr>
+            <a:spLocks noGrp="1" noRot="1" noChangeAspect="1" noMove="1" noResize="1" noEditPoints="1" noAdjustHandles="1" noChangeArrowheads="1" noChangeShapeType="1" noTextEdit="1"/>
+          </p:cNvSpPr>
+          <p:nvPr>
+            <p:extLst>
+              <p:ext uri="{386F3935-93C4-4BCD-93E2-E3B085C9AB24}">
+                <p16:designElem xmlns:p16="http://schemas.microsoft.com/office/powerpoint/2015/main" val="1"/>
+              </p:ext>
+            </p:extLst>
+          </p:nvPr>
+        </p:nvSpPr>
+        <p:spPr>
+          <a:xfrm rot="5400000">
+            <a:off x="5307777" y="-5307778"/>
+            <a:ext cx="1576446" cy="12192002"/>
+          </a:xfrm>
+          <a:prstGeom prst="rect">
+            <a:avLst/>
+          </a:prstGeom>
+          <a:gradFill>
+            <a:gsLst>
+              <a:gs pos="23000">
+                <a:schemeClr val="accent1">
+                  <a:alpha val="0"/>
+                </a:schemeClr>
+              </a:gs>
+              <a:gs pos="99000">
+                <a:srgbClr val="000000">
+                  <a:alpha val="74000"/>
+                </a:srgbClr>
+              </a:gs>
+            </a:gsLst>
+            <a:lin ang="20400000" scaled="0"/>
+          </a:gradFill>
+          <a:ln>
+            <a:noFill/>
+          </a:ln>
+        </p:spPr>
+        <p:style>
+          <a:lnRef idx="2">
+            <a:schemeClr val="accent1">
+              <a:shade val="50000"/>
+            </a:schemeClr>
+          </a:lnRef>
+          <a:fillRef idx="1">
+            <a:schemeClr val="accent1"/>
+          </a:fillRef>
+          <a:effectRef idx="0">
+            <a:schemeClr val="accent1"/>
+          </a:effectRef>
+          <a:fontRef idx="minor">
+            <a:schemeClr val="lt1"/>
+          </a:fontRef>
+        </p:style>
+        <p:txBody>
+          <a:bodyPr rtlCol="0" anchor="ctr"/>
+          <a:lstStyle/>
+          <a:p>
+            <a:pPr algn="ctr"/>
+            <a:endParaRPr lang="en-US" dirty="0"/>
+          </a:p>
+        </p:txBody>
+      </p:sp>
+      <p:sp>
+        <p:nvSpPr>
+          <p:cNvPr id="2" name="Title 1">
+            <a:extLst>
+              <a:ext uri="{FF2B5EF4-FFF2-40B4-BE49-F238E27FC236}">
+                <a16:creationId xmlns:a16="http://schemas.microsoft.com/office/drawing/2014/main" id="{D794FC7C-422F-BB91-B129-DA305A49A1E9}"/>
+              </a:ext>
+            </a:extLst>
+          </p:cNvPr>
+          <p:cNvSpPr>
+            <a:spLocks noGrp="1"/>
+          </p:cNvSpPr>
+          <p:nvPr>
+            <p:ph type="title"/>
+          </p:nvPr>
+        </p:nvSpPr>
+        <p:spPr>
+          <a:xfrm>
+            <a:off x="1371597" y="348865"/>
+            <a:ext cx="10044023" cy="877729"/>
+          </a:xfrm>
+        </p:spPr>
+        <p:txBody>
+          <a:bodyPr anchor="ctr">
+            <a:normAutofit/>
+          </a:bodyPr>
+          <a:lstStyle/>
+          <a:p>
+            <a:r>
+              <a:rPr lang="en-US" sz="4000">
+                <a:solidFill>
+                  <a:srgbClr val="FFFFFF"/>
+                </a:solidFill>
+              </a:rPr>
+              <a:t>Development Process</a:t>
+            </a:r>
+          </a:p>
+        </p:txBody>
+      </p:sp>
+      <p:graphicFrame>
+        <p:nvGraphicFramePr>
+          <p:cNvPr id="123" name="Content Placeholder 2">
+            <a:extLst>
+              <a:ext uri="{FF2B5EF4-FFF2-40B4-BE49-F238E27FC236}">
+                <a16:creationId xmlns:a16="http://schemas.microsoft.com/office/drawing/2014/main" id="{937E1B2D-51BE-E284-1FB9-D4C68D4DE2A7}"/>
+              </a:ext>
+            </a:extLst>
+          </p:cNvPr>
+          <p:cNvGraphicFramePr>
+            <a:graphicFrameLocks noGrp="1"/>
+          </p:cNvGraphicFramePr>
+          <p:nvPr>
+            <p:ph idx="1"/>
+            <p:extLst>
+              <p:ext uri="{D42A27DB-BD31-4B8C-83A1-F6EECF244321}">
+                <p14:modId xmlns:p14="http://schemas.microsoft.com/office/powerpoint/2010/main" val="1102794691"/>
+              </p:ext>
+            </p:extLst>
+          </p:nvPr>
+        </p:nvGraphicFramePr>
+        <p:xfrm>
+          <a:off x="438469" y="1924821"/>
+          <a:ext cx="11339004" cy="4568322"/>
+        </p:xfrm>
+        <a:graphic>
+          <a:graphicData uri="http://schemas.openxmlformats.org/drawingml/2006/diagram">
+            <dgm:relIds xmlns:dgm="http://schemas.openxmlformats.org/drawingml/2006/diagram" xmlns:r="http://schemas.openxmlformats.org/officeDocument/2006/relationships" r:dm="rId3" r:lo="rId4" r:qs="rId5" r:cs="rId6"/>
+          </a:graphicData>
+        </a:graphic>
+      </p:graphicFrame>
+    </p:spTree>
+    <p:extLst>
+      <p:ext uri="{BB962C8B-B14F-4D97-AF65-F5344CB8AC3E}">
+        <p14:creationId xmlns:p14="http://schemas.microsoft.com/office/powerpoint/2010/main" val="3203667889"/>
       </p:ext>
     </p:extLst>
   </p:cSld>

--- a/docs/Kenneth Copas - Capstone Presentation.pptx
+++ b/docs/Kenneth Copas - Capstone Presentation.pptx
@@ -155,7 +155,7 @@
 <file path=ppt/revisionInfo.xml><?xml version="1.0" encoding="utf-8"?>
 <p1510:revInfo xmlns:a="http://schemas.openxmlformats.org/drawingml/2006/main" xmlns:r="http://schemas.openxmlformats.org/officeDocument/2006/relationships" xmlns:p1510="http://schemas.microsoft.com/office/powerpoint/2015/10/main">
   <p1510:revLst>
-    <p1510:client id="{C033EAB2-3B57-40FC-AFA2-E72F0E9566D5}" v="498" dt="2025-06-06T12:41:57.468"/>
+    <p1510:client id="{C033EAB2-3B57-40FC-AFA2-E72F0E9566D5}" v="623" dt="2025-06-06T20:10:36.014"/>
   </p1510:revLst>
 </p1510:revInfo>
 </file>
@@ -1547,8 +1547,8 @@
   </pc:docChgLst>
   <pc:docChgLst>
     <pc:chgData name="Kenneth Copas" userId="acf87e8c-e0c4-48a9-850b-6aa06780f160" providerId="ADAL" clId="{C033EAB2-3B57-40FC-AFA2-E72F0E9566D5}"/>
-    <pc:docChg chg="undo custSel delSld modSld sldOrd modSection">
-      <pc:chgData name="Kenneth Copas" userId="acf87e8c-e0c4-48a9-850b-6aa06780f160" providerId="ADAL" clId="{C033EAB2-3B57-40FC-AFA2-E72F0E9566D5}" dt="2025-06-06T12:46:34.143" v="5320" actId="20577"/>
+    <pc:docChg chg="undo custSel addSld delSld modSld sldOrd modSection">
+      <pc:chgData name="Kenneth Copas" userId="acf87e8c-e0c4-48a9-850b-6aa06780f160" providerId="ADAL" clId="{C033EAB2-3B57-40FC-AFA2-E72F0E9566D5}" dt="2025-06-06T20:10:36.014" v="5696"/>
       <pc:docMkLst>
         <pc:docMk/>
       </pc:docMkLst>
@@ -1582,14 +1582,54 @@
           <pc:sldMk cId="3992357642" sldId="259"/>
         </pc:sldMkLst>
       </pc:sldChg>
-      <pc:sldChg chg="modSp mod modNotesTx">
-        <pc:chgData name="Kenneth Copas" userId="acf87e8c-e0c4-48a9-850b-6aa06780f160" providerId="ADAL" clId="{C033EAB2-3B57-40FC-AFA2-E72F0E9566D5}" dt="2025-06-06T12:41:58.478" v="5000"/>
+      <pc:sldChg chg="addSp delSp modSp mod addAnim delAnim modAnim modNotesTx">
+        <pc:chgData name="Kenneth Copas" userId="acf87e8c-e0c4-48a9-850b-6aa06780f160" providerId="ADAL" clId="{C033EAB2-3B57-40FC-AFA2-E72F0E9566D5}" dt="2025-06-06T20:10:36.014" v="5696"/>
         <pc:sldMkLst>
           <pc:docMk/>
           <pc:sldMk cId="1753993030" sldId="260"/>
         </pc:sldMkLst>
+        <pc:spChg chg="add del mod ord">
+          <ac:chgData name="Kenneth Copas" userId="acf87e8c-e0c4-48a9-850b-6aa06780f160" providerId="ADAL" clId="{C033EAB2-3B57-40FC-AFA2-E72F0E9566D5}" dt="2025-06-06T19:59:30.889" v="5638" actId="1076"/>
+          <ac:spMkLst>
+            <pc:docMk/>
+            <pc:sldMk cId="1753993030" sldId="260"/>
+            <ac:spMk id="3" creationId="{51045CD4-8996-A378-16A4-F0DF732F3DEB}"/>
+          </ac:spMkLst>
+        </pc:spChg>
+        <pc:spChg chg="add mod ord">
+          <ac:chgData name="Kenneth Copas" userId="acf87e8c-e0c4-48a9-850b-6aa06780f160" providerId="ADAL" clId="{C033EAB2-3B57-40FC-AFA2-E72F0E9566D5}" dt="2025-06-06T19:59:50.223" v="5649" actId="171"/>
+          <ac:spMkLst>
+            <pc:docMk/>
+            <pc:sldMk cId="1753993030" sldId="260"/>
+            <ac:spMk id="5" creationId="{4C6CDBE3-0E3D-96FD-9D08-EFF4DAD59F16}"/>
+          </ac:spMkLst>
+        </pc:spChg>
+        <pc:spChg chg="add del mod ord">
+          <ac:chgData name="Kenneth Copas" userId="acf87e8c-e0c4-48a9-850b-6aa06780f160" providerId="ADAL" clId="{C033EAB2-3B57-40FC-AFA2-E72F0E9566D5}" dt="2025-06-06T20:10:33.915" v="5694" actId="21"/>
+          <ac:spMkLst>
+            <pc:docMk/>
+            <pc:sldMk cId="1753993030" sldId="260"/>
+            <ac:spMk id="6" creationId="{51045CD4-8996-A378-16A4-F0DF732F3DEB}"/>
+          </ac:spMkLst>
+        </pc:spChg>
+        <pc:spChg chg="add del mod">
+          <ac:chgData name="Kenneth Copas" userId="acf87e8c-e0c4-48a9-850b-6aa06780f160" providerId="ADAL" clId="{C033EAB2-3B57-40FC-AFA2-E72F0E9566D5}" dt="2025-06-06T20:06:37.246" v="5677" actId="478"/>
+          <ac:spMkLst>
+            <pc:docMk/>
+            <pc:sldMk cId="1753993030" sldId="260"/>
+            <ac:spMk id="7" creationId="{5941870C-8251-39A3-2ED8-F394B51F190E}"/>
+          </ac:spMkLst>
+        </pc:spChg>
+        <pc:spChg chg="add mod">
+          <ac:chgData name="Kenneth Copas" userId="acf87e8c-e0c4-48a9-850b-6aa06780f160" providerId="ADAL" clId="{C033EAB2-3B57-40FC-AFA2-E72F0E9566D5}" dt="2025-06-06T20:10:35.458" v="5695"/>
+          <ac:spMkLst>
+            <pc:docMk/>
+            <pc:sldMk cId="1753993030" sldId="260"/>
+            <ac:spMk id="8" creationId="{51045CD4-8996-A378-16A4-F0DF732F3DEB}"/>
+          </ac:spMkLst>
+        </pc:spChg>
         <pc:graphicFrameChg chg="mod modGraphic">
-          <ac:chgData name="Kenneth Copas" userId="acf87e8c-e0c4-48a9-850b-6aa06780f160" providerId="ADAL" clId="{C033EAB2-3B57-40FC-AFA2-E72F0E9566D5}" dt="2025-06-06T12:29:26.924" v="4573" actId="20577"/>
+          <ac:chgData name="Kenneth Copas" userId="acf87e8c-e0c4-48a9-850b-6aa06780f160" providerId="ADAL" clId="{C033EAB2-3B57-40FC-AFA2-E72F0E9566D5}" dt="2025-06-06T19:59:31.019" v="5642"/>
           <ac:graphicFrameMkLst>
             <pc:docMk/>
             <pc:sldMk cId="1753993030" sldId="260"/>
@@ -1612,7 +1652,7 @@
         </pc:sldMkLst>
       </pc:sldChg>
       <pc:sldChg chg="delSp modSp ord modNotesTx">
-        <pc:chgData name="Kenneth Copas" userId="acf87e8c-e0c4-48a9-850b-6aa06780f160" providerId="ADAL" clId="{C033EAB2-3B57-40FC-AFA2-E72F0E9566D5}" dt="2025-06-06T12:38:47.786" v="4700" actId="20577"/>
+        <pc:chgData name="Kenneth Copas" userId="acf87e8c-e0c4-48a9-850b-6aa06780f160" providerId="ADAL" clId="{C033EAB2-3B57-40FC-AFA2-E72F0E9566D5}" dt="2025-06-06T15:40:28.437" v="5409" actId="20577"/>
         <pc:sldMkLst>
           <pc:docMk/>
           <pc:sldMk cId="3254621715" sldId="270"/>
@@ -1651,7 +1691,7 @@
         </pc:picChg>
       </pc:sldChg>
       <pc:sldChg chg="modSp mod modNotesTx">
-        <pc:chgData name="Kenneth Copas" userId="acf87e8c-e0c4-48a9-850b-6aa06780f160" providerId="ADAL" clId="{C033EAB2-3B57-40FC-AFA2-E72F0E9566D5}" dt="2025-06-06T12:38:26.067" v="4628" actId="20577"/>
+        <pc:chgData name="Kenneth Copas" userId="acf87e8c-e0c4-48a9-850b-6aa06780f160" providerId="ADAL" clId="{C033EAB2-3B57-40FC-AFA2-E72F0E9566D5}" dt="2025-06-06T15:40:36.761" v="5416" actId="20577"/>
         <pc:sldMkLst>
           <pc:docMk/>
           <pc:sldMk cId="2762418532" sldId="271"/>
@@ -1674,7 +1714,7 @@
         </pc:graphicFrameChg>
       </pc:sldChg>
       <pc:sldChg chg="modNotesTx">
-        <pc:chgData name="Kenneth Copas" userId="acf87e8c-e0c4-48a9-850b-6aa06780f160" providerId="ADAL" clId="{C033EAB2-3B57-40FC-AFA2-E72F0E9566D5}" dt="2025-06-06T12:46:34.143" v="5320" actId="20577"/>
+        <pc:chgData name="Kenneth Copas" userId="acf87e8c-e0c4-48a9-850b-6aa06780f160" providerId="ADAL" clId="{C033EAB2-3B57-40FC-AFA2-E72F0E9566D5}" dt="2025-06-06T15:39:25.147" v="5355" actId="20577"/>
         <pc:sldMkLst>
           <pc:docMk/>
           <pc:sldMk cId="2929353324" sldId="279"/>
@@ -1704,14 +1744,14 @@
         </pc:picChg>
       </pc:sldChg>
       <pc:sldChg chg="modNotesTx">
-        <pc:chgData name="Kenneth Copas" userId="acf87e8c-e0c4-48a9-850b-6aa06780f160" providerId="ADAL" clId="{C033EAB2-3B57-40FC-AFA2-E72F0E9566D5}" dt="2025-06-06T12:40:12.508" v="4818" actId="20577"/>
+        <pc:chgData name="Kenneth Copas" userId="acf87e8c-e0c4-48a9-850b-6aa06780f160" providerId="ADAL" clId="{C033EAB2-3B57-40FC-AFA2-E72F0E9566D5}" dt="2025-06-06T15:39:06.702" v="5340" actId="20577"/>
         <pc:sldMkLst>
           <pc:docMk/>
           <pc:sldMk cId="3501458890" sldId="285"/>
         </pc:sldMkLst>
       </pc:sldChg>
       <pc:sldChg chg="modSp modNotesTx">
-        <pc:chgData name="Kenneth Copas" userId="acf87e8c-e0c4-48a9-850b-6aa06780f160" providerId="ADAL" clId="{C033EAB2-3B57-40FC-AFA2-E72F0E9566D5}" dt="2025-06-06T12:39:31.989" v="4780" actId="20577"/>
+        <pc:chgData name="Kenneth Copas" userId="acf87e8c-e0c4-48a9-850b-6aa06780f160" providerId="ADAL" clId="{C033EAB2-3B57-40FC-AFA2-E72F0E9566D5}" dt="2025-06-06T15:38:53.308" v="5335" actId="20577"/>
         <pc:sldMkLst>
           <pc:docMk/>
           <pc:sldMk cId="3203667889" sldId="286"/>
@@ -1726,14 +1766,14 @@
         </pc:graphicFrameChg>
       </pc:sldChg>
       <pc:sldChg chg="modNotesTx">
-        <pc:chgData name="Kenneth Copas" userId="acf87e8c-e0c4-48a9-850b-6aa06780f160" providerId="ADAL" clId="{C033EAB2-3B57-40FC-AFA2-E72F0E9566D5}" dt="2025-06-06T12:40:24.266" v="4851" actId="20577"/>
+        <pc:chgData name="Kenneth Copas" userId="acf87e8c-e0c4-48a9-850b-6aa06780f160" providerId="ADAL" clId="{C033EAB2-3B57-40FC-AFA2-E72F0E9566D5}" dt="2025-06-06T15:39:12.457" v="5345" actId="20577"/>
         <pc:sldMkLst>
           <pc:docMk/>
           <pc:sldMk cId="584810815" sldId="287"/>
         </pc:sldMkLst>
       </pc:sldChg>
       <pc:sldChg chg="modNotesTx">
-        <pc:chgData name="Kenneth Copas" userId="acf87e8c-e0c4-48a9-850b-6aa06780f160" providerId="ADAL" clId="{C033EAB2-3B57-40FC-AFA2-E72F0E9566D5}" dt="2025-06-06T12:43:31.221" v="5260" actId="20577"/>
+        <pc:chgData name="Kenneth Copas" userId="acf87e8c-e0c4-48a9-850b-6aa06780f160" providerId="ADAL" clId="{C033EAB2-3B57-40FC-AFA2-E72F0E9566D5}" dt="2025-06-06T15:39:18.444" v="5350" actId="20577"/>
         <pc:sldMkLst>
           <pc:docMk/>
           <pc:sldMk cId="433942857" sldId="288"/>
@@ -1755,7 +1795,7 @@
         </pc:picChg>
       </pc:sldChg>
       <pc:sldChg chg="addSp modSp modNotesTx">
-        <pc:chgData name="Kenneth Copas" userId="acf87e8c-e0c4-48a9-850b-6aa06780f160" providerId="ADAL" clId="{C033EAB2-3B57-40FC-AFA2-E72F0E9566D5}" dt="2025-06-06T12:38:36.788" v="4656" actId="20577"/>
+        <pc:chgData name="Kenneth Copas" userId="acf87e8c-e0c4-48a9-850b-6aa06780f160" providerId="ADAL" clId="{C033EAB2-3B57-40FC-AFA2-E72F0E9566D5}" dt="2025-06-06T15:38:41.181" v="5330" actId="20577"/>
         <pc:sldMkLst>
           <pc:docMk/>
           <pc:sldMk cId="528160161" sldId="292"/>
@@ -1960,6 +2000,28 @@
           </ac:picMkLst>
         </pc:picChg>
       </pc:sldChg>
+      <pc:sldChg chg="modSp add del mod modTransition">
+        <pc:chgData name="Kenneth Copas" userId="acf87e8c-e0c4-48a9-850b-6aa06780f160" providerId="ADAL" clId="{C033EAB2-3B57-40FC-AFA2-E72F0E9566D5}" dt="2025-06-06T20:04:59.980" v="5670" actId="47"/>
+        <pc:sldMkLst>
+          <pc:docMk/>
+          <pc:sldMk cId="859685175" sldId="294"/>
+        </pc:sldMkLst>
+        <pc:spChg chg="mod">
+          <ac:chgData name="Kenneth Copas" userId="acf87e8c-e0c4-48a9-850b-6aa06780f160" providerId="ADAL" clId="{C033EAB2-3B57-40FC-AFA2-E72F0E9566D5}" dt="2025-06-06T20:04:34.063" v="5668" actId="1076"/>
+          <ac:spMkLst>
+            <pc:docMk/>
+            <pc:sldMk cId="859685175" sldId="294"/>
+            <ac:spMk id="6" creationId="{0EA1DA6F-EDCE-2F14-7300-0E6D7413FC94}"/>
+          </ac:spMkLst>
+        </pc:spChg>
+      </pc:sldChg>
+      <pc:sldChg chg="add del">
+        <pc:chgData name="Kenneth Copas" userId="acf87e8c-e0c4-48a9-850b-6aa06780f160" providerId="ADAL" clId="{C033EAB2-3B57-40FC-AFA2-E72F0E9566D5}" dt="2025-06-06T20:04:07.728" v="5666" actId="47"/>
+        <pc:sldMkLst>
+          <pc:docMk/>
+          <pc:sldMk cId="3496513608" sldId="294"/>
+        </pc:sldMkLst>
+      </pc:sldChg>
     </pc:docChg>
   </pc:docChgLst>
 </pc:chgInfo>
@@ -5829,14 +5891,14 @@
         <a:lstStyle/>
         <a:p>
           <a:r>
-            <a:rPr lang="en-US" b="1" i="0" baseline="0" dirty="0">
+            <a:rPr lang="en-US" b="1" i="0" baseline="0">
               <a:solidFill>
                 <a:srgbClr val="FFFFFF"/>
               </a:solidFill>
             </a:rPr>
             <a:t>Before Apprenticeship</a:t>
           </a:r>
-          <a:endParaRPr lang="en-US" dirty="0">
+          <a:endParaRPr lang="en-US">
             <a:solidFill>
               <a:srgbClr val="FFFFFF"/>
             </a:solidFill>
@@ -5874,10 +5936,10 @@
         <a:lstStyle/>
         <a:p>
           <a:r>
-            <a:rPr lang="en-US" i="1" dirty="0"/>
+            <a:rPr lang="en-US" i="1"/>
             <a:t>Software Engineering (JavaScript, HTML, CSS, Java, Python)</a:t>
           </a:r>
-          <a:endParaRPr lang="en-US" dirty="0"/>
+          <a:endParaRPr lang="en-US"/>
         </a:p>
       </dgm:t>
     </dgm:pt>
@@ -5911,7 +5973,7 @@
         <a:lstStyle/>
         <a:p>
           <a:r>
-            <a:rPr lang="en-US" i="1" dirty="0"/>
+            <a:rPr lang="en-US" i="1"/>
             <a:t>Object-Oriented Programming, Dynamic Programming</a:t>
           </a:r>
         </a:p>
@@ -5947,10 +6009,10 @@
         <a:lstStyle/>
         <a:p>
           <a:r>
-            <a:rPr lang="en-US" b="1" dirty="0"/>
+            <a:rPr lang="en-US" b="1"/>
             <a:t>During Apprenticeship</a:t>
           </a:r>
-          <a:endParaRPr lang="en-US" dirty="0"/>
+          <a:endParaRPr lang="en-US"/>
         </a:p>
       </dgm:t>
     </dgm:pt>
@@ -5983,7 +6045,7 @@
         <a:bodyPr/>
         <a:lstStyle/>
         <a:p>
-          <a:endParaRPr lang="en-US" dirty="0"/>
+          <a:endParaRPr lang="en-US"/>
         </a:p>
       </dgm:t>
     </dgm:pt>
@@ -6017,10 +6079,10 @@
         <a:lstStyle/>
         <a:p>
           <a:r>
-            <a:rPr lang="en-US" b="1" dirty="0"/>
+            <a:rPr lang="en-US" b="1"/>
             <a:t>After Apprenticeship</a:t>
           </a:r>
-          <a:endParaRPr lang="en-US" dirty="0"/>
+          <a:endParaRPr lang="en-US"/>
         </a:p>
       </dgm:t>
     </dgm:pt>
@@ -6054,7 +6116,7 @@
         <a:lstStyle/>
         <a:p>
           <a:r>
-            <a:rPr lang="en-US" i="1" dirty="0"/>
+            <a:rPr lang="en-US" i="1"/>
             <a:t>Courses and Certifications</a:t>
           </a:r>
         </a:p>
@@ -6090,25 +6152,25 @@
         <a:lstStyle/>
         <a:p>
           <a:r>
-            <a:rPr lang="en-US" b="0" i="1" baseline="0" dirty="0"/>
+            <a:rPr lang="en-US" b="0" i="1" baseline="0"/>
             <a:t>Data Engineering processes (ETL Processes, </a:t>
           </a:r>
           <a:r>
-            <a:rPr lang="en-US" i="1" dirty="0"/>
+            <a:rPr lang="en-US" i="1"/>
             <a:t>Data Analysis &amp; Visualization</a:t>
           </a:r>
           <a:r>
-            <a:rPr lang="en-US" b="0" i="1" baseline="0" dirty="0"/>
+            <a:rPr lang="en-US" b="0" i="1" baseline="0"/>
             <a:t>)</a:t>
           </a:r>
           <a:br>
-            <a:rPr lang="en-US" b="0" i="0" baseline="0" dirty="0"/>
+            <a:rPr lang="en-US" b="0" i="0" baseline="0"/>
           </a:br>
           <a:r>
-            <a:rPr lang="en-US" b="0" i="0" baseline="0" dirty="0"/>
+            <a:rPr lang="en-US" b="0" i="0" baseline="0"/>
             <a:t>	</a:t>
           </a:r>
-          <a:endParaRPr lang="en-US" dirty="0"/>
+          <a:endParaRPr lang="en-US"/>
         </a:p>
       </dgm:t>
     </dgm:pt>
@@ -6142,7 +6204,7 @@
         <a:lstStyle/>
         <a:p>
           <a:r>
-            <a:rPr lang="en-US" i="1" dirty="0"/>
+            <a:rPr lang="en-US" i="1"/>
             <a:t>Database Management, Data Security &amp; Governance</a:t>
           </a:r>
         </a:p>
@@ -6177,7 +6239,7 @@
         <a:bodyPr/>
         <a:lstStyle/>
         <a:p>
-          <a:endParaRPr lang="en-US" dirty="0"/>
+          <a:endParaRPr lang="en-US"/>
         </a:p>
       </dgm:t>
     </dgm:pt>
@@ -6210,7 +6272,7 @@
         <a:bodyPr/>
         <a:lstStyle/>
         <a:p>
-          <a:endParaRPr lang="en-US" dirty="0"/>
+          <a:endParaRPr lang="en-US"/>
         </a:p>
       </dgm:t>
     </dgm:pt>
@@ -6243,7 +6305,7 @@
         <a:bodyPr/>
         <a:lstStyle/>
         <a:p>
-          <a:endParaRPr lang="en-US" i="1" dirty="0"/>
+          <a:endParaRPr lang="en-US" i="1"/>
         </a:p>
       </dgm:t>
     </dgm:pt>
@@ -6277,7 +6339,7 @@
         <a:lstStyle/>
         <a:p>
           <a:r>
-            <a:rPr lang="en-US" i="1" dirty="0"/>
+            <a:rPr lang="en-US" i="1"/>
             <a:t>Developing skillsets related to Data Engineering (Database Management, Data Processing)</a:t>
           </a:r>
         </a:p>
@@ -6313,11 +6375,11 @@
         <a:lstStyle/>
         <a:p>
           <a:r>
-            <a:rPr lang="en-US" i="1" dirty="0"/>
+            <a:rPr lang="en-US" i="1"/>
             <a:t>Specialization in </a:t>
           </a:r>
           <a:r>
-            <a:rPr lang="en-US" i="1" u="none" dirty="0"/>
+            <a:rPr lang="en-US" i="1" u="none"/>
             <a:t>Data Structures and Algorithms</a:t>
           </a:r>
         </a:p>
@@ -6353,10 +6415,10 @@
         <a:lstStyle/>
         <a:p>
           <a:r>
-            <a:rPr lang="en-US" b="0" i="1" baseline="0" dirty="0"/>
+            <a:rPr lang="en-US" b="0" i="1" baseline="0"/>
             <a:t>Agile Methodology</a:t>
           </a:r>
-          <a:endParaRPr lang="en-US" dirty="0"/>
+          <a:endParaRPr lang="en-US"/>
         </a:p>
       </dgm:t>
     </dgm:pt>
@@ -6519,18 +6581,18 @@
             </a:lnSpc>
           </a:pPr>
           <a:r>
-            <a:rPr lang="en-US" sz="2800" b="1" dirty="0"/>
+            <a:rPr lang="en-US" sz="2800" b="1"/>
             <a:t>ETL </a:t>
           </a:r>
           <a:r>
-            <a:rPr lang="en-US" sz="2800" b="1" dirty="0">
+            <a:rPr lang="en-US" sz="2800" b="1">
               <a:solidFill>
                 <a:schemeClr val="tx1"/>
               </a:solidFill>
             </a:rPr>
             <a:t>Pipeline</a:t>
           </a:r>
-          <a:endParaRPr lang="en-US" sz="2800" dirty="0">
+          <a:endParaRPr lang="en-US" sz="2800">
             <a:solidFill>
               <a:schemeClr val="tx1"/>
             </a:solidFill>
@@ -6661,10 +6723,10 @@
             </a:lnSpc>
           </a:pPr>
           <a:r>
-            <a:rPr lang="en-US" sz="2800" b="1" dirty="0"/>
+            <a:rPr lang="en-US" sz="2800" b="1"/>
             <a:t>Command Line Interface</a:t>
           </a:r>
-          <a:endParaRPr lang="en-US" sz="2800" dirty="0"/>
+          <a:endParaRPr lang="en-US" sz="2800"/>
         </a:p>
       </dgm:t>
     </dgm:pt>
@@ -6786,10 +6848,10 @@
             </a:lnSpc>
           </a:pPr>
           <a:r>
-            <a:rPr lang="en-US" sz="2800" b="1" dirty="0"/>
+            <a:rPr lang="en-US" sz="2800" b="1"/>
             <a:t>Analysis &amp; Visualization</a:t>
           </a:r>
-          <a:endParaRPr lang="en-US" sz="2800" dirty="0"/>
+          <a:endParaRPr lang="en-US" sz="2800"/>
         </a:p>
       </dgm:t>
     </dgm:pt>
@@ -6911,7 +6973,7 @@
         <a:lstStyle/>
         <a:p>
           <a:r>
-            <a:rPr lang="en-US" b="1" dirty="0"/>
+            <a:rPr lang="en-US" b="1"/>
             <a:t>1. Data Migration Setup</a:t>
           </a:r>
         </a:p>
@@ -6947,7 +7009,7 @@
         <a:lstStyle/>
         <a:p>
           <a:r>
-            <a:rPr lang="en-US" b="1" dirty="0"/>
+            <a:rPr lang="en-US" b="1"/>
             <a:t>2. Data Client</a:t>
           </a:r>
         </a:p>
@@ -6983,7 +7045,7 @@
         <a:lstStyle/>
         <a:p>
           <a:r>
-            <a:rPr lang="en-US" b="1" dirty="0"/>
+            <a:rPr lang="en-US" b="1"/>
             <a:t>3. Command Line Interface</a:t>
           </a:r>
         </a:p>
@@ -7019,7 +7081,7 @@
         <a:lstStyle/>
         <a:p>
           <a:r>
-            <a:rPr lang="en-US" b="1" dirty="0"/>
+            <a:rPr lang="en-US" b="1"/>
             <a:t>4. Application</a:t>
           </a:r>
         </a:p>
@@ -7365,14 +7427,14 @@
             <a:buNone/>
           </a:pPr>
           <a:r>
-            <a:rPr lang="en-US" sz="1500" b="1" i="0" kern="1200" baseline="0" dirty="0">
+            <a:rPr lang="en-US" sz="1500" b="1" i="0" kern="1200" baseline="0">
               <a:solidFill>
                 <a:srgbClr val="FFFFFF"/>
               </a:solidFill>
             </a:rPr>
             <a:t>Before Apprenticeship</a:t>
           </a:r>
-          <a:endParaRPr lang="en-US" sz="1500" kern="1200" dirty="0">
+          <a:endParaRPr lang="en-US" sz="1500" kern="1200">
             <a:solidFill>
               <a:srgbClr val="FFFFFF"/>
             </a:solidFill>
@@ -7433,7 +7495,7 @@
             </a:spcAft>
             <a:buChar char="•"/>
           </a:pPr>
-          <a:endParaRPr lang="en-US" sz="1200" kern="1200" dirty="0"/>
+          <a:endParaRPr lang="en-US" sz="1200" kern="1200"/>
         </a:p>
         <a:p>
           <a:pPr marL="114300" lvl="1" indent="-114300" algn="l" defTabSz="533400">
@@ -7449,10 +7511,10 @@
             <a:buChar char="•"/>
           </a:pPr>
           <a:r>
-            <a:rPr lang="en-US" sz="1200" i="1" kern="1200" dirty="0"/>
+            <a:rPr lang="en-US" sz="1200" i="1" kern="1200"/>
             <a:t>Software Engineering (JavaScript, HTML, CSS, Java, Python)</a:t>
           </a:r>
-          <a:endParaRPr lang="en-US" sz="1200" kern="1200" dirty="0"/>
+          <a:endParaRPr lang="en-US" sz="1200" kern="1200"/>
         </a:p>
         <a:p>
           <a:pPr marL="114300" lvl="1" indent="-114300" algn="l" defTabSz="533400">
@@ -7468,7 +7530,7 @@
             <a:buChar char="•"/>
           </a:pPr>
           <a:r>
-            <a:rPr lang="en-US" sz="1200" i="1" kern="1200" dirty="0"/>
+            <a:rPr lang="en-US" sz="1200" i="1" kern="1200"/>
             <a:t>Object-Oriented Programming, Dynamic Programming</a:t>
           </a:r>
         </a:p>
@@ -7486,11 +7548,11 @@
             <a:buChar char="•"/>
           </a:pPr>
           <a:r>
-            <a:rPr lang="en-US" sz="1200" i="1" kern="1200" dirty="0"/>
+            <a:rPr lang="en-US" sz="1200" i="1" kern="1200"/>
             <a:t>Specialization in </a:t>
           </a:r>
           <a:r>
-            <a:rPr lang="en-US" sz="1200" i="1" u="none" kern="1200" dirty="0"/>
+            <a:rPr lang="en-US" sz="1200" i="1" u="none" kern="1200"/>
             <a:t>Data Structures and Algorithms</a:t>
           </a:r>
         </a:p>
@@ -7507,7 +7569,7 @@
             </a:spcAft>
             <a:buChar char="•"/>
           </a:pPr>
-          <a:endParaRPr lang="en-US" sz="1200" kern="1200" dirty="0"/>
+          <a:endParaRPr lang="en-US" sz="1200" kern="1200"/>
         </a:p>
       </dsp:txBody>
       <dsp:txXfrm>
@@ -7583,10 +7645,10 @@
             <a:buNone/>
           </a:pPr>
           <a:r>
-            <a:rPr lang="en-US" sz="1500" b="1" kern="1200" dirty="0"/>
+            <a:rPr lang="en-US" sz="1500" b="1" kern="1200"/>
             <a:t>During Apprenticeship</a:t>
           </a:r>
-          <a:endParaRPr lang="en-US" sz="1500" kern="1200" dirty="0"/>
+          <a:endParaRPr lang="en-US" sz="1500" kern="1200"/>
         </a:p>
       </dsp:txBody>
       <dsp:txXfrm>
@@ -7643,7 +7705,7 @@
             </a:spcAft>
             <a:buChar char="•"/>
           </a:pPr>
-          <a:endParaRPr lang="en-US" sz="1200" kern="1200" dirty="0"/>
+          <a:endParaRPr lang="en-US" sz="1200" kern="1200"/>
         </a:p>
         <a:p>
           <a:pPr marL="114300" lvl="1" indent="-114300" algn="l" defTabSz="533400">
@@ -7659,7 +7721,7 @@
             <a:buChar char="•"/>
           </a:pPr>
           <a:r>
-            <a:rPr lang="en-US" sz="1200" i="1" kern="1200" dirty="0"/>
+            <a:rPr lang="en-US" sz="1200" i="1" kern="1200"/>
             <a:t>Database Management, Data Security &amp; Governance</a:t>
           </a:r>
         </a:p>
@@ -7677,10 +7739,10 @@
             <a:buChar char="•"/>
           </a:pPr>
           <a:r>
-            <a:rPr lang="en-US" sz="1200" b="0" i="1" kern="1200" baseline="0" dirty="0"/>
+            <a:rPr lang="en-US" sz="1200" b="0" i="1" kern="1200" baseline="0"/>
             <a:t>Agile Methodology</a:t>
           </a:r>
-          <a:endParaRPr lang="en-US" sz="1200" kern="1200" dirty="0"/>
+          <a:endParaRPr lang="en-US" sz="1200" kern="1200"/>
         </a:p>
         <a:p>
           <a:pPr marL="114300" lvl="1" indent="-114300" algn="l" defTabSz="533400">
@@ -7696,25 +7758,25 @@
             <a:buChar char="•"/>
           </a:pPr>
           <a:r>
-            <a:rPr lang="en-US" sz="1200" b="0" i="1" kern="1200" baseline="0" dirty="0"/>
+            <a:rPr lang="en-US" sz="1200" b="0" i="1" kern="1200" baseline="0"/>
             <a:t>Data Engineering processes (ETL Processes, </a:t>
           </a:r>
           <a:r>
-            <a:rPr lang="en-US" sz="1200" i="1" kern="1200" dirty="0"/>
+            <a:rPr lang="en-US" sz="1200" i="1" kern="1200"/>
             <a:t>Data Analysis &amp; Visualization</a:t>
           </a:r>
           <a:r>
-            <a:rPr lang="en-US" sz="1200" b="0" i="1" kern="1200" baseline="0" dirty="0"/>
+            <a:rPr lang="en-US" sz="1200" b="0" i="1" kern="1200" baseline="0"/>
             <a:t>)</a:t>
           </a:r>
           <a:br>
-            <a:rPr lang="en-US" sz="1200" b="0" i="0" kern="1200" baseline="0" dirty="0"/>
+            <a:rPr lang="en-US" sz="1200" b="0" i="0" kern="1200" baseline="0"/>
           </a:br>
           <a:r>
-            <a:rPr lang="en-US" sz="1200" b="0" i="0" kern="1200" baseline="0" dirty="0"/>
+            <a:rPr lang="en-US" sz="1200" b="0" i="0" kern="1200" baseline="0"/>
             <a:t>	</a:t>
           </a:r>
-          <a:endParaRPr lang="en-US" sz="1200" kern="1200" dirty="0"/>
+          <a:endParaRPr lang="en-US" sz="1200" kern="1200"/>
         </a:p>
       </dsp:txBody>
       <dsp:txXfrm>
@@ -7790,10 +7852,10 @@
             <a:buNone/>
           </a:pPr>
           <a:r>
-            <a:rPr lang="en-US" sz="1500" b="1" kern="1200" dirty="0"/>
+            <a:rPr lang="en-US" sz="1500" b="1" kern="1200"/>
             <a:t>After Apprenticeship</a:t>
           </a:r>
-          <a:endParaRPr lang="en-US" sz="1500" kern="1200" dirty="0"/>
+          <a:endParaRPr lang="en-US" sz="1500" kern="1200"/>
         </a:p>
       </dsp:txBody>
       <dsp:txXfrm>
@@ -7850,7 +7912,7 @@
             </a:spcAft>
             <a:buChar char="•"/>
           </a:pPr>
-          <a:endParaRPr lang="en-US" sz="1200" i="1" kern="1200" dirty="0"/>
+          <a:endParaRPr lang="en-US" sz="1200" i="1" kern="1200"/>
         </a:p>
         <a:p>
           <a:pPr marL="114300" lvl="1" indent="-114300" algn="l" defTabSz="533400">
@@ -7866,7 +7928,7 @@
             <a:buChar char="•"/>
           </a:pPr>
           <a:r>
-            <a:rPr lang="en-US" sz="1200" i="1" kern="1200" dirty="0"/>
+            <a:rPr lang="en-US" sz="1200" i="1" kern="1200"/>
             <a:t>Courses and Certifications</a:t>
           </a:r>
         </a:p>
@@ -7884,7 +7946,7 @@
             <a:buChar char="•"/>
           </a:pPr>
           <a:r>
-            <a:rPr lang="en-US" sz="1200" i="1" kern="1200" dirty="0"/>
+            <a:rPr lang="en-US" sz="1200" i="1" kern="1200"/>
             <a:t>Developing skillsets related to Data Engineering (Database Management, Data Processing)</a:t>
           </a:r>
         </a:p>
@@ -8045,18 +8107,18 @@
             <a:buNone/>
           </a:pPr>
           <a:r>
-            <a:rPr lang="en-US" sz="2800" b="1" kern="1200" dirty="0"/>
+            <a:rPr lang="en-US" sz="2800" b="1" kern="1200"/>
             <a:t>ETL </a:t>
           </a:r>
           <a:r>
-            <a:rPr lang="en-US" sz="2800" b="1" kern="1200" dirty="0">
+            <a:rPr lang="en-US" sz="2800" b="1" kern="1200">
               <a:solidFill>
                 <a:schemeClr val="tx1"/>
               </a:solidFill>
             </a:rPr>
             <a:t>Pipeline</a:t>
           </a:r>
-          <a:endParaRPr lang="en-US" sz="2800" kern="1200" dirty="0">
+          <a:endParaRPr lang="en-US" sz="2800" kern="1200">
             <a:solidFill>
               <a:schemeClr val="tx1"/>
             </a:solidFill>
@@ -8214,10 +8276,10 @@
             <a:buNone/>
           </a:pPr>
           <a:r>
-            <a:rPr lang="en-US" sz="2800" b="1" kern="1200" dirty="0"/>
+            <a:rPr lang="en-US" sz="2800" b="1" kern="1200"/>
             <a:t>Command Line Interface</a:t>
           </a:r>
-          <a:endParaRPr lang="en-US" sz="2800" kern="1200" dirty="0"/>
+          <a:endParaRPr lang="en-US" sz="2800" kern="1200"/>
         </a:p>
       </dsp:txBody>
       <dsp:txXfrm>
@@ -8376,10 +8438,10 @@
             <a:buNone/>
           </a:pPr>
           <a:r>
-            <a:rPr lang="en-US" sz="2800" b="1" kern="1200" dirty="0"/>
+            <a:rPr lang="en-US" sz="2800" b="1" kern="1200"/>
             <a:t>Analysis &amp; Visualization</a:t>
           </a:r>
-          <a:endParaRPr lang="en-US" sz="2800" kern="1200" dirty="0"/>
+          <a:endParaRPr lang="en-US" sz="2800" kern="1200"/>
         </a:p>
       </dsp:txBody>
       <dsp:txXfrm>
@@ -8499,7 +8561,7 @@
             <a:buNone/>
           </a:pPr>
           <a:r>
-            <a:rPr lang="en-US" sz="2300" b="1" kern="1200" dirty="0"/>
+            <a:rPr lang="en-US" sz="2300" b="1" kern="1200"/>
             <a:t>1. Data Migration Setup</a:t>
           </a:r>
         </a:p>
@@ -8609,7 +8671,7 @@
             <a:buNone/>
           </a:pPr>
           <a:r>
-            <a:rPr lang="en-US" sz="2300" b="1" kern="1200" dirty="0"/>
+            <a:rPr lang="en-US" sz="2300" b="1" kern="1200"/>
             <a:t>2. Data Client</a:t>
           </a:r>
         </a:p>
@@ -8719,7 +8781,7 @@
             <a:buNone/>
           </a:pPr>
           <a:r>
-            <a:rPr lang="en-US" sz="2200" b="1" kern="1200" dirty="0"/>
+            <a:rPr lang="en-US" sz="2200" b="1" kern="1200"/>
             <a:t>3. Command Line Interface</a:t>
           </a:r>
         </a:p>
@@ -8829,7 +8891,7 @@
             <a:buNone/>
           </a:pPr>
           <a:r>
-            <a:rPr lang="en-US" sz="2200" b="1" kern="1200" dirty="0"/>
+            <a:rPr lang="en-US" sz="2200" b="1" kern="1200"/>
             <a:t>4. Application</a:t>
           </a:r>
         </a:p>
@@ -15646,7 +15708,7 @@
           <a:lstStyle/>
           <a:p>
             <a:r>
-              <a:rPr lang="en-US" dirty="0"/>
+              <a:rPr lang="en-US"/>
               <a:t>Checklist:</a:t>
             </a:r>
           </a:p>
@@ -15656,10 +15718,10 @@
               <a:buChar char="-"/>
             </a:pPr>
             <a:r>
-              <a:rPr lang="en-US" dirty="0" err="1"/>
+              <a:rPr lang="en-US" err="1"/>
               <a:t>Waterbottle</a:t>
             </a:r>
-            <a:endParaRPr lang="en-US" dirty="0"/>
+            <a:endParaRPr lang="en-US"/>
           </a:p>
           <a:p>
             <a:pPr marL="171450" indent="-171450">
@@ -15667,7 +15729,7 @@
               <a:buChar char="-"/>
             </a:pPr>
             <a:r>
-              <a:rPr lang="en-US" dirty="0"/>
+              <a:rPr lang="en-US"/>
               <a:t>Start Application</a:t>
             </a:r>
           </a:p>
@@ -15677,15 +15739,15 @@
               <a:buChar char="-"/>
             </a:pPr>
             <a:r>
-              <a:rPr lang="en-US" dirty="0"/>
+              <a:rPr lang="en-US"/>
               <a:t>Drag </a:t>
             </a:r>
             <a:r>
-              <a:rPr lang="en-US" dirty="0" err="1"/>
+              <a:rPr lang="en-US" err="1"/>
               <a:t>VSCode</a:t>
             </a:r>
             <a:r>
-              <a:rPr lang="en-US" dirty="0"/>
+              <a:rPr lang="en-US"/>
               <a:t> to big screen</a:t>
             </a:r>
           </a:p>
@@ -15695,31 +15757,31 @@
               <a:buChar char="-"/>
             </a:pPr>
             <a:r>
-              <a:rPr lang="en-US" dirty="0"/>
+              <a:rPr lang="en-US"/>
               <a:t>Start timer</a:t>
             </a:r>
           </a:p>
           <a:p>
-            <a:endParaRPr lang="en-US" dirty="0"/>
+            <a:endParaRPr lang="en-US"/>
           </a:p>
           <a:p>
             <a:r>
-              <a:rPr lang="en-US" dirty="0"/>
+              <a:rPr lang="en-US"/>
               <a:t>Name</a:t>
             </a:r>
           </a:p>
           <a:p>
             <a:r>
-              <a:rPr lang="en-US" dirty="0"/>
+              <a:rPr lang="en-US"/>
               <a:t>ETL Process Manager for a Financial Client</a:t>
             </a:r>
           </a:p>
           <a:p>
-            <a:endParaRPr lang="en-US" dirty="0"/>
+            <a:endParaRPr lang="en-US"/>
           </a:p>
           <a:p>
             <a:r>
-              <a:rPr lang="en-US" dirty="0"/>
+              <a:rPr lang="en-US"/>
               <a:t>Background</a:t>
             </a:r>
           </a:p>
@@ -15824,39 +15886,45 @@
           <a:lstStyle/>
           <a:p>
             <a:r>
-              <a:rPr lang="en-US" dirty="0"/>
+              <a:rPr lang="en-US"/>
+              <a:t>7:00</a:t>
+            </a:r>
+          </a:p>
+          <a:p>
+            <a:r>
+              <a:rPr lang="en-US"/>
               <a:t>Utility – Component interaction</a:t>
             </a:r>
           </a:p>
           <a:p>
-            <a:endParaRPr lang="en-US" dirty="0"/>
+            <a:endParaRPr lang="en-US"/>
           </a:p>
           <a:p>
             <a:r>
-              <a:rPr lang="en-US" dirty="0"/>
+              <a:rPr lang="en-US"/>
               <a:t>Database connection (error handling)</a:t>
             </a:r>
           </a:p>
           <a:p>
             <a:r>
-              <a:rPr lang="en-US" dirty="0"/>
+              <a:rPr lang="en-US"/>
               <a:t>Data Client uses </a:t>
             </a:r>
             <a:r>
-              <a:rPr lang="en-US" dirty="0" err="1"/>
+              <a:rPr lang="en-US" err="1"/>
               <a:t>sql</a:t>
             </a:r>
             <a:r>
-              <a:rPr lang="en-US" dirty="0"/>
+              <a:rPr lang="en-US"/>
               <a:t> for pipeline</a:t>
             </a:r>
           </a:p>
           <a:p>
-            <a:endParaRPr lang="en-US" dirty="0"/>
+            <a:endParaRPr lang="en-US"/>
           </a:p>
           <a:p>
             <a:r>
-              <a:rPr lang="en-US" dirty="0"/>
+              <a:rPr lang="en-US"/>
               <a:t>Data is moved, how to access it</a:t>
             </a:r>
           </a:p>
@@ -15967,22 +16035,28 @@
           <a:lstStyle/>
           <a:p>
             <a:r>
-              <a:rPr lang="en-US" dirty="0"/>
+              <a:rPr lang="en-US"/>
+              <a:t>8:00</a:t>
+            </a:r>
+          </a:p>
+          <a:p>
+            <a:r>
+              <a:rPr lang="en-US"/>
               <a:t>Build a CLI (menu), not without menu components</a:t>
             </a:r>
           </a:p>
           <a:p>
             <a:r>
-              <a:rPr lang="en-US" dirty="0"/>
+              <a:rPr lang="en-US"/>
               <a:t>Use the menu components to make a menu</a:t>
             </a:r>
           </a:p>
           <a:p>
-            <a:endParaRPr lang="en-US" dirty="0"/>
+            <a:endParaRPr lang="en-US"/>
           </a:p>
           <a:p>
             <a:r>
-              <a:rPr lang="en-US" dirty="0"/>
+              <a:rPr lang="en-US"/>
               <a:t>All components made, how to manage workflow</a:t>
             </a:r>
           </a:p>
@@ -16075,36 +16149,38 @@
           <a:lstStyle/>
           <a:p>
             <a:r>
-              <a:rPr lang="en-US" dirty="0"/>
+              <a:rPr lang="en-US"/>
+              <a:t>9:00</a:t>
+            </a:r>
+          </a:p>
+          <a:p>
+            <a:r>
+              <a:rPr lang="en-US"/>
               <a:t>Modularity = Brief Application</a:t>
             </a:r>
           </a:p>
           <a:p>
             <a:r>
-              <a:rPr lang="en-US" dirty="0"/>
+              <a:rPr lang="en-US"/>
               <a:t>Application Workflow (In Order)</a:t>
             </a:r>
           </a:p>
           <a:p>
-            <a:endParaRPr lang="en-US" dirty="0"/>
-          </a:p>
-          <a:p>
-            <a:r>
-              <a:rPr lang="en-US" dirty="0"/>
-              <a:t>Application, show functionality</a:t>
-            </a:r>
-          </a:p>
-          <a:p>
-            <a:endParaRPr lang="en-US" dirty="0"/>
+            <a:endParaRPr lang="en-US"/>
           </a:p>
           <a:p>
             <a:r>
               <a:rPr lang="en-US"/>
-              <a:t>Lead How </a:t>
+              <a:t>DEMO, show functionality</a:t>
             </a:r>
+          </a:p>
+          <a:p>
+            <a:endParaRPr lang="en-US"/>
+          </a:p>
+          <a:p>
             <a:r>
-              <a:rPr lang="en-US" dirty="0"/>
-              <a:t>was this organized</a:t>
+              <a:rPr lang="en-US"/>
+              <a:t>Lead How was this organized</a:t>
             </a:r>
           </a:p>
         </p:txBody>
@@ -16190,7 +16266,22 @@
           <a:lstStyle/>
           <a:p>
             <a:r>
-              <a:rPr lang="en-US" dirty="0"/>
+              <a:rPr lang="en-US"/>
+              <a:t>10:00</a:t>
+            </a:r>
+          </a:p>
+          <a:p>
+            <a:r>
+              <a:rPr lang="en-US"/>
+              <a:t>Showed functionality, how did I organize it</a:t>
+            </a:r>
+          </a:p>
+          <a:p>
+            <a:endParaRPr lang="en-US"/>
+          </a:p>
+          <a:p>
+            <a:r>
+              <a:rPr lang="en-US"/>
               <a:t>Very brief</a:t>
             </a:r>
           </a:p>
@@ -16213,16 +16304,16 @@
               <a:defRPr/>
             </a:pPr>
             <a:r>
-              <a:rPr lang="en-US" dirty="0"/>
+              <a:rPr lang="en-US"/>
               <a:t>Save time for conclusion and Q&amp;A</a:t>
             </a:r>
           </a:p>
           <a:p>
-            <a:endParaRPr lang="en-US" dirty="0"/>
+            <a:endParaRPr lang="en-US"/>
           </a:p>
           <a:p>
             <a:r>
-              <a:rPr lang="en-US" dirty="0"/>
+              <a:rPr lang="en-US"/>
               <a:t>First two problems solved, lastly visualization</a:t>
             </a:r>
           </a:p>
@@ -16309,29 +16400,29 @@
           <a:lstStyle/>
           <a:p>
             <a:r>
-              <a:rPr lang="en-US" dirty="0"/>
+              <a:rPr lang="en-US"/>
               <a:t>Salesman: “Increase advertisement for education around august”</a:t>
             </a:r>
             <a:br>
-              <a:rPr lang="en-US" dirty="0"/>
+              <a:rPr lang="en-US"/>
             </a:br>
             <a:r>
-              <a:rPr lang="en-US" dirty="0"/>
+              <a:rPr lang="en-US"/>
               <a:t>Brief, save time for Q&amp;A</a:t>
             </a:r>
           </a:p>
           <a:p>
             <a:br>
-              <a:rPr lang="en-US" dirty="0"/>
+              <a:rPr lang="en-US"/>
             </a:br>
             <a:r>
-              <a:rPr lang="en-US" dirty="0"/>
+              <a:rPr lang="en-US"/>
               <a:t>Tableau Public Viz Link:</a:t>
             </a:r>
           </a:p>
           <a:p>
             <a:r>
-              <a:rPr lang="en-US" dirty="0"/>
+              <a:rPr lang="en-US"/>
               <a:t>https://public.tableau.com/views/CustomerDataDashboard_17484417707510/CustomerDataDashboard?:language=en-US&amp;:sid=&amp;:redirect=auth&amp;:display_count=n&amp;:origin=viz_share_link</a:t>
             </a:r>
           </a:p>
@@ -16436,47 +16527,47 @@
           <a:lstStyle/>
           <a:p>
             <a:r>
-              <a:rPr lang="en-US" dirty="0"/>
+              <a:rPr lang="en-US"/>
               <a:t>Tell them what you told them</a:t>
             </a:r>
           </a:p>
           <a:p>
-            <a:endParaRPr lang="en-US" dirty="0"/>
+            <a:endParaRPr lang="en-US"/>
           </a:p>
           <a:p>
             <a:r>
-              <a:rPr lang="en-US" dirty="0"/>
+              <a:rPr lang="en-US"/>
               <a:t>Pipeline – Makes data clean non-local</a:t>
             </a:r>
           </a:p>
           <a:p>
             <a:r>
-              <a:rPr lang="en-US" dirty="0"/>
+              <a:rPr lang="en-US"/>
               <a:t>CLI – Makes data easily accessible</a:t>
             </a:r>
           </a:p>
           <a:p>
             <a:r>
-              <a:rPr lang="en-US" dirty="0"/>
+              <a:rPr lang="en-US"/>
               <a:t>Tableau – Enables story-telling and claims</a:t>
             </a:r>
           </a:p>
           <a:p>
-            <a:endParaRPr lang="en-US" dirty="0"/>
+            <a:endParaRPr lang="en-US"/>
           </a:p>
           <a:p>
             <a:r>
-              <a:rPr lang="en-US" dirty="0" err="1"/>
+              <a:rPr lang="en-US" err="1"/>
               <a:t>Github</a:t>
             </a:r>
             <a:r>
-              <a:rPr lang="en-US" dirty="0"/>
+              <a:rPr lang="en-US"/>
               <a:t> + LinkedIn</a:t>
             </a:r>
           </a:p>
           <a:p>
             <a:r>
-              <a:rPr lang="en-US" dirty="0"/>
+              <a:rPr lang="en-US"/>
               <a:t>Give time for Q&amp;A</a:t>
             </a:r>
           </a:p>
@@ -16569,47 +16660,53 @@
           <a:lstStyle/>
           <a:p>
             <a:r>
-              <a:rPr lang="en-US" dirty="0" err="1"/>
+              <a:rPr lang="en-US"/>
+              <a:t>2:00</a:t>
+            </a:r>
+          </a:p>
+          <a:p>
+            <a:r>
+              <a:rPr lang="en-US" err="1"/>
               <a:t>Vscode</a:t>
             </a:r>
             <a:r>
-              <a:rPr lang="en-US" dirty="0"/>
+              <a:rPr lang="en-US"/>
               <a:t> should be on the main screen</a:t>
             </a:r>
           </a:p>
           <a:p>
-            <a:endParaRPr lang="en-US" dirty="0"/>
+            <a:endParaRPr lang="en-US"/>
           </a:p>
           <a:p>
             <a:r>
-              <a:rPr lang="en-US" dirty="0"/>
+              <a:rPr lang="en-US"/>
               <a:t>Role, Company</a:t>
             </a:r>
           </a:p>
           <a:p>
             <a:r>
-              <a:rPr lang="en-US" dirty="0"/>
+              <a:rPr lang="en-US"/>
               <a:t>Background (childhood, Software Engineer, DSA)</a:t>
             </a:r>
           </a:p>
           <a:p>
             <a:r>
-              <a:rPr lang="en-US" dirty="0"/>
+              <a:rPr lang="en-US"/>
               <a:t>Current (Learning)</a:t>
             </a:r>
           </a:p>
           <a:p>
             <a:r>
-              <a:rPr lang="en-US" dirty="0"/>
+              <a:rPr lang="en-US"/>
               <a:t>Future (Courses, Certifications, Learning as much as I can)</a:t>
             </a:r>
           </a:p>
           <a:p>
-            <a:endParaRPr lang="en-US" dirty="0"/>
+            <a:endParaRPr lang="en-US"/>
           </a:p>
           <a:p>
             <a:r>
-              <a:rPr lang="en-US" dirty="0"/>
+              <a:rPr lang="en-US"/>
               <a:t>Problem</a:t>
             </a:r>
           </a:p>
@@ -16696,43 +16793,43 @@
           <a:lstStyle/>
           <a:p>
             <a:r>
-              <a:rPr lang="en-US" dirty="0"/>
+              <a:rPr lang="en-US"/>
               <a:t>Control your speech tempo and affliction</a:t>
             </a:r>
           </a:p>
           <a:p>
-            <a:endParaRPr lang="en-US" dirty="0"/>
+            <a:endParaRPr lang="en-US"/>
           </a:p>
           <a:p>
             <a:r>
-              <a:rPr lang="en-US" dirty="0"/>
+              <a:rPr lang="en-US"/>
               <a:t>A FINANCIAL SERVICES CLIENT</a:t>
             </a:r>
           </a:p>
           <a:p>
             <a:r>
-              <a:rPr lang="en-US" dirty="0"/>
+              <a:rPr lang="en-US"/>
               <a:t>Client Need</a:t>
             </a:r>
           </a:p>
           <a:p>
             <a:r>
-              <a:rPr lang="en-US" dirty="0"/>
+              <a:rPr lang="en-US"/>
               <a:t>Problems</a:t>
             </a:r>
           </a:p>
           <a:p>
             <a:r>
-              <a:rPr lang="en-US" dirty="0"/>
+              <a:rPr lang="en-US"/>
               <a:t>Non-visual (Need to support a claim)</a:t>
             </a:r>
           </a:p>
           <a:p>
-            <a:endParaRPr lang="en-US" dirty="0"/>
+            <a:endParaRPr lang="en-US"/>
           </a:p>
           <a:p>
             <a:r>
-              <a:rPr lang="en-US" dirty="0"/>
+              <a:rPr lang="en-US"/>
               <a:t>Lead into project overview</a:t>
             </a:r>
           </a:p>
@@ -16819,46 +16916,43 @@
           <a:lstStyle/>
           <a:p>
             <a:r>
-              <a:rPr lang="en-US" dirty="0"/>
+              <a:rPr lang="en-US"/>
               <a:t>3:00</a:t>
             </a:r>
           </a:p>
           <a:p>
-            <a:endParaRPr lang="en-US" dirty="0"/>
-          </a:p>
-          <a:p>
             <a:r>
-              <a:rPr lang="en-US" dirty="0"/>
+              <a:rPr lang="en-US"/>
               <a:t>Lead from the problems being solved</a:t>
             </a:r>
           </a:p>
           <a:p>
-            <a:endParaRPr lang="en-US" dirty="0"/>
+            <a:endParaRPr lang="en-US"/>
           </a:p>
           <a:p>
             <a:r>
-              <a:rPr lang="en-US" dirty="0"/>
+              <a:rPr lang="en-US"/>
               <a:t>Tell them what you’re going to tell them</a:t>
             </a:r>
           </a:p>
           <a:p>
             <a:r>
-              <a:rPr lang="en-US" dirty="0"/>
+              <a:rPr lang="en-US"/>
               <a:t>Problem – Solution</a:t>
             </a:r>
           </a:p>
           <a:p>
             <a:r>
-              <a:rPr lang="en-US" dirty="0"/>
+              <a:rPr lang="en-US"/>
               <a:t>Brief Explanation of Components</a:t>
             </a:r>
           </a:p>
           <a:p>
-            <a:endParaRPr lang="en-US" dirty="0"/>
+            <a:endParaRPr lang="en-US"/>
           </a:p>
           <a:p>
             <a:r>
-              <a:rPr lang="en-US" dirty="0"/>
+              <a:rPr lang="en-US"/>
               <a:t>Tools being used</a:t>
             </a:r>
           </a:p>
@@ -16945,43 +17039,49 @@
           <a:lstStyle/>
           <a:p>
             <a:r>
-              <a:rPr lang="en-US" dirty="0"/>
+              <a:rPr lang="en-US"/>
+              <a:t>4:00</a:t>
+            </a:r>
+          </a:p>
+          <a:p>
+            <a:r>
+              <a:rPr lang="en-US"/>
               <a:t>Very brief</a:t>
             </a:r>
           </a:p>
           <a:p>
-            <a:endParaRPr lang="en-US" dirty="0"/>
+            <a:endParaRPr lang="en-US"/>
           </a:p>
           <a:p>
             <a:r>
-              <a:rPr lang="en-US" dirty="0"/>
+              <a:rPr lang="en-US"/>
               <a:t>Store data</a:t>
             </a:r>
           </a:p>
           <a:p>
             <a:r>
-              <a:rPr lang="en-US" dirty="0"/>
+              <a:rPr lang="en-US"/>
               <a:t>Process Data</a:t>
             </a:r>
           </a:p>
           <a:p>
             <a:r>
-              <a:rPr lang="en-US" dirty="0"/>
+              <a:rPr lang="en-US"/>
               <a:t>Application (Management)</a:t>
             </a:r>
           </a:p>
           <a:p>
             <a:r>
-              <a:rPr lang="en-US" dirty="0"/>
+              <a:rPr lang="en-US"/>
               <a:t>Analysis &amp; Visualization</a:t>
             </a:r>
           </a:p>
           <a:p>
-            <a:endParaRPr lang="en-US" dirty="0"/>
+            <a:endParaRPr lang="en-US"/>
           </a:p>
           <a:p>
             <a:r>
-              <a:rPr lang="en-US" dirty="0"/>
+              <a:rPr lang="en-US"/>
               <a:t>How these tools interact (workflow)</a:t>
             </a:r>
           </a:p>
@@ -17068,25 +17168,25 @@
           <a:lstStyle/>
           <a:p>
             <a:r>
-              <a:rPr lang="en-US" dirty="0"/>
+              <a:rPr lang="en-US"/>
               <a:t>Data Client purpose (Modularity)</a:t>
             </a:r>
           </a:p>
           <a:p>
             <a:r>
-              <a:rPr lang="en-US" dirty="0"/>
+              <a:rPr lang="en-US"/>
               <a:t>- Cybersecurity &amp; Cloud</a:t>
             </a:r>
           </a:p>
           <a:p>
             <a:r>
-              <a:rPr lang="en-US" dirty="0"/>
+              <a:rPr lang="en-US"/>
               <a:t>ETL Pipeline</a:t>
             </a:r>
           </a:p>
           <a:p>
             <a:r>
-              <a:rPr lang="en-US" dirty="0"/>
+              <a:rPr lang="en-US"/>
               <a:t>Problem – Solution</a:t>
             </a:r>
           </a:p>
@@ -17173,13 +17273,13 @@
           <a:lstStyle/>
           <a:p>
             <a:r>
-              <a:rPr lang="en-US" dirty="0"/>
+              <a:rPr lang="en-US"/>
               <a:t>Python CLI</a:t>
             </a:r>
           </a:p>
           <a:p>
             <a:r>
-              <a:rPr lang="en-US" dirty="0"/>
+              <a:rPr lang="en-US"/>
               <a:t>CLI -&gt; Database through Data Client</a:t>
             </a:r>
           </a:p>
@@ -17202,7 +17302,7 @@
               <a:defRPr/>
             </a:pPr>
             <a:r>
-              <a:rPr lang="en-US" dirty="0"/>
+              <a:rPr lang="en-US"/>
               <a:t>Problem - Solution</a:t>
             </a:r>
           </a:p>
@@ -17289,40 +17389,46 @@
           <a:lstStyle/>
           <a:p>
             <a:r>
-              <a:rPr lang="en-US" dirty="0"/>
+              <a:rPr lang="en-US"/>
+              <a:t>5:00</a:t>
+            </a:r>
+          </a:p>
+          <a:p>
+            <a:r>
+              <a:rPr lang="en-US"/>
               <a:t>Showed the overview, now the steps to get there</a:t>
             </a:r>
           </a:p>
           <a:p>
             <a:r>
-              <a:rPr lang="en-US" dirty="0"/>
+              <a:rPr lang="en-US"/>
               <a:t>Quick and Brief</a:t>
             </a:r>
           </a:p>
           <a:p>
-            <a:endParaRPr lang="en-US" dirty="0"/>
+            <a:endParaRPr lang="en-US"/>
           </a:p>
           <a:p>
             <a:r>
-              <a:rPr lang="en-US" dirty="0"/>
+              <a:rPr lang="en-US"/>
               <a:t>Create Database</a:t>
             </a:r>
           </a:p>
           <a:p>
             <a:r>
-              <a:rPr lang="en-US" dirty="0"/>
+              <a:rPr lang="en-US"/>
               <a:t>Database Connection and Interaction</a:t>
             </a:r>
           </a:p>
           <a:p>
             <a:r>
-              <a:rPr lang="en-US" dirty="0"/>
+              <a:rPr lang="en-US"/>
               <a:t>User-friendly for non-technical</a:t>
             </a:r>
           </a:p>
           <a:p>
             <a:r>
-              <a:rPr lang="en-US" dirty="0"/>
+              <a:rPr lang="en-US"/>
               <a:t>Full Application workflow</a:t>
             </a:r>
           </a:p>
@@ -17427,37 +17533,43 @@
           <a:lstStyle/>
           <a:p>
             <a:r>
-              <a:rPr lang="en-US" dirty="0"/>
+              <a:rPr lang="en-US"/>
+              <a:t>6:00</a:t>
+            </a:r>
+          </a:p>
+          <a:p>
+            <a:r>
+              <a:rPr lang="en-US"/>
               <a:t>Tell them</a:t>
             </a:r>
           </a:p>
           <a:p>
             <a:r>
-              <a:rPr lang="en-US" dirty="0"/>
+              <a:rPr lang="en-US"/>
               <a:t>Control speech tempo and dynamics</a:t>
             </a:r>
           </a:p>
           <a:p>
-            <a:endParaRPr lang="en-US" dirty="0"/>
+            <a:endParaRPr lang="en-US"/>
           </a:p>
           <a:p>
             <a:r>
-              <a:rPr lang="en-US" dirty="0"/>
+              <a:rPr lang="en-US"/>
               <a:t>Raw Data</a:t>
             </a:r>
           </a:p>
           <a:p>
             <a:r>
-              <a:rPr lang="en-US" dirty="0"/>
+              <a:rPr lang="en-US"/>
               <a:t>Database – Sike, create the database</a:t>
             </a:r>
           </a:p>
           <a:p>
-            <a:endParaRPr lang="en-US" dirty="0"/>
+            <a:endParaRPr lang="en-US"/>
           </a:p>
           <a:p>
             <a:r>
-              <a:rPr lang="en-US" dirty="0"/>
+              <a:rPr lang="en-US"/>
               <a:t>How to get from point A to point B</a:t>
             </a:r>
           </a:p>
@@ -21253,7 +21365,7 @@
           <a:lstStyle/>
           <a:p>
             <a:pPr algn="ctr"/>
-            <a:endParaRPr lang="en-US" dirty="0"/>
+            <a:endParaRPr lang="en-US"/>
           </a:p>
         </p:txBody>
       </p:sp>
@@ -21287,7 +21399,7 @@
           <a:p>
             <a:pPr algn="l"/>
             <a:r>
-              <a:rPr lang="en-US" sz="4800" b="1" dirty="0">
+              <a:rPr lang="en-US" sz="4800" b="1">
                 <a:solidFill>
                   <a:srgbClr val="FFFFFF"/>
                 </a:solidFill>
@@ -21295,14 +21407,14 @@
               <a:t>ETL Process Manager</a:t>
             </a:r>
             <a:br>
-              <a:rPr lang="en-US" sz="4800" dirty="0">
+              <a:rPr lang="en-US" sz="4800">
                 <a:solidFill>
                   <a:srgbClr val="FFFFFF"/>
                 </a:solidFill>
               </a:rPr>
             </a:br>
             <a:r>
-              <a:rPr lang="en-US" sz="4800" dirty="0">
+              <a:rPr lang="en-US" sz="4800">
                 <a:solidFill>
                   <a:srgbClr val="FFFFFF"/>
                 </a:solidFill>
@@ -21418,7 +21530,7 @@
           <a:p>
             <a:pPr algn="l"/>
             <a:r>
-              <a:rPr lang="en-US" dirty="0">
+              <a:rPr lang="en-US">
                 <a:solidFill>
                   <a:srgbClr val="FFFFFF"/>
                 </a:solidFill>
@@ -21909,7 +22021,7 @@
           <a:lstStyle/>
           <a:p>
             <a:pPr algn="ctr"/>
-            <a:endParaRPr lang="en-US" dirty="0"/>
+            <a:endParaRPr lang="en-US"/>
           </a:p>
         </p:txBody>
       </p:sp>
@@ -21943,7 +22055,7 @@
           <a:p>
             <a:pPr algn="ctr"/>
             <a:r>
-              <a:rPr lang="en-US" sz="4400" b="1" dirty="0">
+              <a:rPr lang="en-US" sz="4400" b="1">
                 <a:solidFill>
                   <a:schemeClr val="bg1"/>
                 </a:solidFill>
@@ -22031,7 +22143,7 @@
           <a:p>
             <a:pPr algn="ctr"/>
             <a:r>
-              <a:rPr lang="en-US" dirty="0">
+              <a:rPr lang="en-US">
                 <a:effectLst>
                   <a:outerShdw blurRad="50800" dist="38100" dir="2700000" algn="tl" rotWithShape="0">
                     <a:prstClr val="black">
@@ -22044,7 +22156,7 @@
               <a:t>sql.py </a:t>
             </a:r>
             <a:r>
-              <a:rPr lang="en-US" b="1" dirty="0">
+              <a:rPr lang="en-US" b="1">
                 <a:effectLst>
                   <a:outerShdw blurRad="50800" dist="38100" dir="2700000" algn="tl" rotWithShape="0">
                     <a:prstClr val="black">
@@ -22141,7 +22253,7 @@
               <a:buChar char="-"/>
             </a:pPr>
             <a:r>
-              <a:rPr lang="en-US" dirty="0"/>
+              <a:rPr lang="en-US"/>
               <a:t>General-Purpose</a:t>
             </a:r>
           </a:p>
@@ -22151,7 +22263,7 @@
               <a:buChar char="-"/>
             </a:pPr>
             <a:r>
-              <a:rPr lang="en-US" dirty="0"/>
+              <a:rPr lang="en-US"/>
               <a:t>Database Interaction</a:t>
             </a:r>
           </a:p>
@@ -22161,7 +22273,7 @@
               <a:buChar char="-"/>
             </a:pPr>
             <a:r>
-              <a:rPr lang="en-US" dirty="0"/>
+              <a:rPr lang="en-US"/>
               <a:t>Error Handling</a:t>
             </a:r>
           </a:p>
@@ -22197,7 +22309,7 @@
           <a:p>
             <a:pPr algn="ctr"/>
             <a:r>
-              <a:rPr lang="en-US" dirty="0">
+              <a:rPr lang="en-US">
                 <a:effectLst>
                   <a:outerShdw blurRad="50800" dist="38100" dir="2700000" algn="tl" rotWithShape="0">
                     <a:prstClr val="black">
@@ -22210,7 +22322,7 @@
               <a:t>data_client.py </a:t>
             </a:r>
             <a:r>
-              <a:rPr lang="en-US" b="1" dirty="0">
+              <a:rPr lang="en-US" b="1">
                 <a:effectLst>
                   <a:outerShdw blurRad="50800" dist="38100" dir="2700000" algn="tl" rotWithShape="0">
                     <a:prstClr val="black">
@@ -22307,7 +22419,7 @@
               <a:buChar char="-"/>
             </a:pPr>
             <a:r>
-              <a:rPr lang="en-US" dirty="0"/>
+              <a:rPr lang="en-US"/>
               <a:t>Application-Specific</a:t>
             </a:r>
           </a:p>
@@ -22317,7 +22429,7 @@
               <a:buChar char="-"/>
             </a:pPr>
             <a:r>
-              <a:rPr lang="en-US" dirty="0"/>
+              <a:rPr lang="en-US"/>
               <a:t>Manages ETL Process</a:t>
             </a:r>
           </a:p>
@@ -22327,7 +22439,7 @@
               <a:buChar char="-"/>
             </a:pPr>
             <a:r>
-              <a:rPr lang="en-US" dirty="0"/>
+              <a:rPr lang="en-US"/>
               <a:t>Utilizes MySQL and PySpark connections</a:t>
             </a:r>
           </a:p>
@@ -23333,7 +23445,7 @@
           <a:lstStyle/>
           <a:p>
             <a:pPr algn="ctr"/>
-            <a:endParaRPr lang="en-US" dirty="0"/>
+            <a:endParaRPr lang="en-US"/>
           </a:p>
         </p:txBody>
       </p:sp>
@@ -23367,7 +23479,7 @@
           <a:p>
             <a:pPr algn="ctr"/>
             <a:r>
-              <a:rPr lang="en-US" sz="4400" b="1" dirty="0">
+              <a:rPr lang="en-US" sz="4400" b="1">
                 <a:solidFill>
                   <a:schemeClr val="bg1"/>
                 </a:solidFill>
@@ -23504,7 +23616,7 @@
           <a:p>
             <a:pPr algn="ctr"/>
             <a:r>
-              <a:rPr lang="en-US" dirty="0">
+              <a:rPr lang="en-US">
                 <a:effectLst>
                   <a:outerShdw blurRad="50800" dist="38100" dir="2700000" algn="tl" rotWithShape="0">
                     <a:prstClr val="black">
@@ -23517,7 +23629,7 @@
               <a:t>cli.py </a:t>
             </a:r>
             <a:r>
-              <a:rPr lang="en-US" b="1" dirty="0">
+              <a:rPr lang="en-US" b="1">
                 <a:effectLst>
                   <a:outerShdw blurRad="50800" dist="38100" dir="2700000" algn="tl" rotWithShape="0">
                     <a:prstClr val="black">
@@ -23611,7 +23723,7 @@
           <a:p>
             <a:pPr algn="ctr"/>
             <a:r>
-              <a:rPr lang="en-US" dirty="0">
+              <a:rPr lang="en-US">
                 <a:effectLst>
                   <a:outerShdw blurRad="50800" dist="38100" dir="2700000" algn="tl" rotWithShape="0">
                     <a:prstClr val="black">
@@ -23624,7 +23736,7 @@
               <a:t>menu.py</a:t>
             </a:r>
             <a:r>
-              <a:rPr lang="en-US" b="1" dirty="0">
+              <a:rPr lang="en-US" b="1">
                 <a:effectLst>
                   <a:outerShdw blurRad="50800" dist="38100" dir="2700000" algn="tl" rotWithShape="0">
                     <a:prstClr val="black">
@@ -23672,7 +23784,7 @@
               <a:buChar char="-"/>
             </a:pPr>
             <a:r>
-              <a:rPr lang="en-US" dirty="0"/>
+              <a:rPr lang="en-US"/>
               <a:t>General-Purpose</a:t>
             </a:r>
           </a:p>
@@ -23682,7 +23794,7 @@
               <a:buChar char="-"/>
             </a:pPr>
             <a:r>
-              <a:rPr lang="en-US" dirty="0"/>
+              <a:rPr lang="en-US"/>
               <a:t>CLI Tool-Box</a:t>
             </a:r>
           </a:p>
@@ -23692,7 +23804,7 @@
               <a:buChar char="-"/>
             </a:pPr>
             <a:r>
-              <a:rPr lang="en-US" dirty="0"/>
+              <a:rPr lang="en-US"/>
               <a:t>Simple</a:t>
             </a:r>
           </a:p>
@@ -23731,7 +23843,7 @@
               <a:buChar char="-"/>
             </a:pPr>
             <a:r>
-              <a:rPr lang="en-US" dirty="0"/>
+              <a:rPr lang="en-US"/>
               <a:t>Application-Specific</a:t>
             </a:r>
           </a:p>
@@ -23741,7 +23853,7 @@
               <a:buChar char="-"/>
             </a:pPr>
             <a:r>
-              <a:rPr lang="en-US" dirty="0"/>
+              <a:rPr lang="en-US"/>
               <a:t>User-friendly</a:t>
             </a:r>
           </a:p>
@@ -23751,7 +23863,7 @@
               <a:buChar char="-"/>
             </a:pPr>
             <a:r>
-              <a:rPr lang="en-US" dirty="0"/>
+              <a:rPr lang="en-US"/>
               <a:t>Intuitive</a:t>
             </a:r>
           </a:p>
@@ -24604,7 +24716,7 @@
           <a:lstStyle/>
           <a:p>
             <a:pPr algn="ctr"/>
-            <a:endParaRPr lang="en-US" dirty="0"/>
+            <a:endParaRPr lang="en-US"/>
           </a:p>
         </p:txBody>
       </p:sp>
@@ -24755,7 +24867,7 @@
           <a:lstStyle/>
           <a:p>
             <a:pPr algn="ctr"/>
-            <a:endParaRPr lang="en-US" dirty="0"/>
+            <a:endParaRPr lang="en-US"/>
           </a:p>
         </p:txBody>
       </p:sp>
@@ -24928,7 +25040,7 @@
           <a:lstStyle/>
           <a:p>
             <a:pPr algn="ctr"/>
-            <a:endParaRPr lang="en-US" dirty="0"/>
+            <a:endParaRPr lang="en-US"/>
           </a:p>
         </p:txBody>
       </p:sp>
@@ -24961,7 +25073,7 @@
           <a:lstStyle/>
           <a:p>
             <a:r>
-              <a:rPr lang="en-US" sz="4000" kern="1200" dirty="0">
+              <a:rPr lang="en-US" sz="4000" kern="1200">
                 <a:solidFill>
                   <a:srgbClr val="FFFFFF"/>
                 </a:solidFill>
@@ -25003,7 +25115,7 @@
           <a:lstStyle/>
           <a:p>
             <a:r>
-              <a:rPr lang="en-US" sz="1400" dirty="0">
+              <a:rPr lang="en-US" sz="1400">
                 <a:solidFill>
                   <a:schemeClr val="bg1"/>
                 </a:solidFill>
@@ -25043,7 +25155,7 @@
           <a:p>
             <a:pPr algn="ctr"/>
             <a:r>
-              <a:rPr lang="en-US" dirty="0">
+              <a:rPr lang="en-US">
                 <a:effectLst>
                   <a:outerShdw blurRad="50800" dist="38100" dir="2700000" algn="tl" rotWithShape="0">
                     <a:prstClr val="black">
@@ -25056,7 +25168,7 @@
               <a:t>main.py </a:t>
             </a:r>
             <a:r>
-              <a:rPr lang="en-US" b="1" dirty="0">
+              <a:rPr lang="en-US" b="1">
                 <a:effectLst>
                   <a:outerShdw blurRad="50800" dist="38100" dir="2700000" algn="tl" rotWithShape="0">
                     <a:prstClr val="black">
@@ -25107,7 +25219,7 @@
               <a:buChar char="-"/>
             </a:pPr>
             <a:r>
-              <a:rPr lang="en-US" dirty="0">
+              <a:rPr lang="en-US">
                 <a:solidFill>
                   <a:schemeClr val="bg1"/>
                 </a:solidFill>
@@ -25153,7 +25265,7 @@
               <a:buChar char="-"/>
             </a:pPr>
             <a:r>
-              <a:rPr lang="en-US" dirty="0">
+              <a:rPr lang="en-US">
                 <a:solidFill>
                   <a:schemeClr val="bg1"/>
                 </a:solidFill>
@@ -25161,7 +25273,7 @@
               <a:t>Initializes and Configures </a:t>
             </a:r>
             <a:r>
-              <a:rPr lang="en-US" b="1" dirty="0">
+              <a:rPr lang="en-US" b="1">
                 <a:solidFill>
                   <a:schemeClr val="bg1"/>
                 </a:solidFill>
@@ -25169,7 +25281,7 @@
               <a:t>SparkSession 	     </a:t>
             </a:r>
             <a:r>
-              <a:rPr lang="en-US" dirty="0">
+              <a:rPr lang="en-US">
                 <a:solidFill>
                   <a:schemeClr val="bg1"/>
                 </a:solidFill>
@@ -25177,7 +25289,7 @@
               <a:t>(Connection to </a:t>
             </a:r>
             <a:r>
-              <a:rPr lang="en-US" u="sng" dirty="0">
+              <a:rPr lang="en-US" u="sng">
                 <a:solidFill>
                   <a:schemeClr val="bg1"/>
                 </a:solidFill>
@@ -25185,7 +25297,7 @@
               <a:t>PySpark</a:t>
             </a:r>
             <a:r>
-              <a:rPr lang="en-US" dirty="0">
+              <a:rPr lang="en-US">
                 <a:solidFill>
                   <a:schemeClr val="bg1"/>
                 </a:solidFill>
@@ -25231,7 +25343,7 @@
               <a:buChar char="-"/>
             </a:pPr>
             <a:r>
-              <a:rPr lang="en-US" dirty="0">
+              <a:rPr lang="en-US">
                 <a:solidFill>
                   <a:schemeClr val="bg1"/>
                 </a:solidFill>
@@ -25239,7 +25351,7 @@
               <a:t>Creates </a:t>
             </a:r>
             <a:r>
-              <a:rPr lang="en-US" b="1" dirty="0">
+              <a:rPr lang="en-US" b="1">
                 <a:solidFill>
                   <a:schemeClr val="bg1"/>
                 </a:solidFill>
@@ -25247,7 +25359,7 @@
               <a:t>SafeSQL</a:t>
             </a:r>
             <a:r>
-              <a:rPr lang="en-US" dirty="0">
+              <a:rPr lang="en-US">
                 <a:solidFill>
                   <a:schemeClr val="bg1"/>
                 </a:solidFill>
@@ -25255,7 +25367,7 @@
               <a:t> Connection (</a:t>
             </a:r>
             <a:r>
-              <a:rPr lang="en-US" u="sng" dirty="0">
+              <a:rPr lang="en-US" u="sng">
                 <a:solidFill>
                   <a:schemeClr val="bg1"/>
                 </a:solidFill>
@@ -25263,7 +25375,7 @@
               <a:t>Database Connector </a:t>
             </a:r>
             <a:r>
-              <a:rPr lang="en-US" dirty="0">
+              <a:rPr lang="en-US">
                 <a:solidFill>
                   <a:schemeClr val="bg1"/>
                 </a:solidFill>
@@ -25309,7 +25421,7 @@
               <a:buChar char="-"/>
             </a:pPr>
             <a:r>
-              <a:rPr lang="en-US" dirty="0">
+              <a:rPr lang="en-US">
                 <a:solidFill>
                   <a:schemeClr val="bg1"/>
                 </a:solidFill>
@@ -25317,7 +25429,7 @@
               <a:t>Instantiates </a:t>
             </a:r>
             <a:r>
-              <a:rPr lang="en-US" b="1" dirty="0">
+              <a:rPr lang="en-US" b="1">
                 <a:solidFill>
                   <a:schemeClr val="bg1"/>
                 </a:solidFill>
@@ -25325,7 +25437,7 @@
               <a:t>Data Client</a:t>
             </a:r>
             <a:r>
-              <a:rPr lang="en-US" dirty="0">
+              <a:rPr lang="en-US">
                 <a:solidFill>
                   <a:schemeClr val="bg1"/>
                 </a:solidFill>
@@ -25333,7 +25445,7 @@
               <a:t> and runs </a:t>
             </a:r>
             <a:r>
-              <a:rPr lang="en-US" u="sng" dirty="0">
+              <a:rPr lang="en-US" u="sng">
                 <a:solidFill>
                   <a:schemeClr val="bg1"/>
                 </a:solidFill>
@@ -25379,7 +25491,7 @@
               <a:buChar char="-"/>
             </a:pPr>
             <a:r>
-              <a:rPr lang="en-US" dirty="0">
+              <a:rPr lang="en-US">
                 <a:solidFill>
                   <a:schemeClr val="bg1"/>
                 </a:solidFill>
@@ -25387,7 +25499,7 @@
               <a:t>Instantiates and runs </a:t>
             </a:r>
             <a:r>
-              <a:rPr lang="en-US" b="1" dirty="0">
+              <a:rPr lang="en-US" b="1">
                 <a:solidFill>
                   <a:schemeClr val="bg1"/>
                 </a:solidFill>
@@ -26044,7 +26156,7 @@
           <a:lstStyle/>
           <a:p>
             <a:pPr algn="ctr"/>
-            <a:endParaRPr lang="en-US" dirty="0"/>
+            <a:endParaRPr lang="en-US"/>
           </a:p>
         </p:txBody>
       </p:sp>
@@ -26087,6 +26199,132 @@
           </a:p>
         </p:txBody>
       </p:sp>
+      <p:sp>
+        <p:nvSpPr>
+          <p:cNvPr id="3" name="Rectangle 2">
+            <a:extLst>
+              <a:ext uri="{FF2B5EF4-FFF2-40B4-BE49-F238E27FC236}">
+                <a16:creationId xmlns:a16="http://schemas.microsoft.com/office/drawing/2014/main" id="{51045CD4-8996-A378-16A4-F0DF732F3DEB}"/>
+              </a:ext>
+            </a:extLst>
+          </p:cNvPr>
+          <p:cNvSpPr/>
+          <p:nvPr/>
+        </p:nvSpPr>
+        <p:spPr>
+          <a:xfrm>
+            <a:off x="682605" y="2114782"/>
+            <a:ext cx="5413395" cy="653327"/>
+          </a:xfrm>
+          <a:prstGeom prst="rect">
+            <a:avLst/>
+          </a:prstGeom>
+          <a:solidFill>
+            <a:srgbClr val="114A64">
+              <a:alpha val="40000"/>
+            </a:srgbClr>
+          </a:solidFill>
+          <a:ln>
+            <a:noFill/>
+          </a:ln>
+          <a:effectLst>
+            <a:outerShdw blurRad="44450" dist="27940" dir="5400000" algn="ctr">
+              <a:srgbClr val="000000">
+                <a:alpha val="32000"/>
+              </a:srgbClr>
+            </a:outerShdw>
+          </a:effectLst>
+          <a:scene3d>
+            <a:camera prst="orthographicFront">
+              <a:rot lat="0" lon="0" rev="0"/>
+            </a:camera>
+            <a:lightRig rig="balanced" dir="t">
+              <a:rot lat="0" lon="0" rev="8700000"/>
+            </a:lightRig>
+          </a:scene3d>
+          <a:sp3d>
+            <a:bevelT w="190500" h="38100"/>
+          </a:sp3d>
+        </p:spPr>
+        <p:style>
+          <a:lnRef idx="2">
+            <a:schemeClr val="accent1">
+              <a:shade val="15000"/>
+            </a:schemeClr>
+          </a:lnRef>
+          <a:fillRef idx="1">
+            <a:schemeClr val="accent1"/>
+          </a:fillRef>
+          <a:effectRef idx="0">
+            <a:schemeClr val="accent1"/>
+          </a:effectRef>
+          <a:fontRef idx="minor">
+            <a:schemeClr val="lt1"/>
+          </a:fontRef>
+        </p:style>
+        <p:txBody>
+          <a:bodyPr rtlCol="0" anchor="ctr"/>
+          <a:lstStyle/>
+          <a:p>
+            <a:pPr algn="ctr"/>
+            <a:endParaRPr lang="en-US" dirty="0"/>
+          </a:p>
+        </p:txBody>
+      </p:sp>
+      <p:sp>
+        <p:nvSpPr>
+          <p:cNvPr id="5" name="Rectangle 4">
+            <a:extLst>
+              <a:ext uri="{FF2B5EF4-FFF2-40B4-BE49-F238E27FC236}">
+                <a16:creationId xmlns:a16="http://schemas.microsoft.com/office/drawing/2014/main" id="{4C6CDBE3-0E3D-96FD-9D08-EFF4DAD59F16}"/>
+              </a:ext>
+            </a:extLst>
+          </p:cNvPr>
+          <p:cNvSpPr/>
+          <p:nvPr/>
+        </p:nvSpPr>
+        <p:spPr>
+          <a:xfrm>
+            <a:off x="644055" y="2114782"/>
+            <a:ext cx="10927830" cy="4499875"/>
+          </a:xfrm>
+          <a:prstGeom prst="rect">
+            <a:avLst/>
+          </a:prstGeom>
+          <a:solidFill>
+            <a:srgbClr val="7F7F7F"/>
+          </a:solidFill>
+          <a:ln>
+            <a:solidFill>
+              <a:srgbClr val="7F7F7F"/>
+            </a:solidFill>
+          </a:ln>
+        </p:spPr>
+        <p:style>
+          <a:lnRef idx="2">
+            <a:schemeClr val="accent1">
+              <a:shade val="15000"/>
+            </a:schemeClr>
+          </a:lnRef>
+          <a:fillRef idx="1">
+            <a:schemeClr val="accent1"/>
+          </a:fillRef>
+          <a:effectRef idx="0">
+            <a:schemeClr val="accent1"/>
+          </a:effectRef>
+          <a:fontRef idx="minor">
+            <a:schemeClr val="lt1"/>
+          </a:fontRef>
+        </p:style>
+        <p:txBody>
+          <a:bodyPr rtlCol="0" anchor="ctr"/>
+          <a:lstStyle/>
+          <a:p>
+            <a:pPr algn="ctr"/>
+            <a:endParaRPr lang="en-US"/>
+          </a:p>
+        </p:txBody>
+      </p:sp>
       <p:graphicFrame>
         <p:nvGraphicFramePr>
           <p:cNvPr id="4" name="Content Placeholder 3">
@@ -26103,7 +26341,7 @@
             <p:ph idx="1"/>
             <p:extLst>
               <p:ext uri="{D42A27DB-BD31-4B8C-83A1-F6EECF244321}">
-                <p14:modId xmlns:p14="http://schemas.microsoft.com/office/powerpoint/2010/main" val="3824627342"/>
+                <p14:modId xmlns:p14="http://schemas.microsoft.com/office/powerpoint/2010/main" val="2512131579"/>
               </p:ext>
             </p:extLst>
           </p:nvPr>
@@ -26700,8 +26938,37 @@
                           </a:effectLst>
                           <a:latin typeface="Consolas" panose="020B0609020204030204" pitchFamily="49" charset="0"/>
                         </a:rPr>
-                        <a:t>├── cdw_sapp_branch.json</a:t>
+                        <a:t>├── </a:t>
                       </a:r>
+                      <a:r>
+                        <a:rPr lang="en-US" sz="1700" b="0" dirty="0" err="1">
+                          <a:solidFill>
+                            <a:schemeClr val="tx1"/>
+                          </a:solidFill>
+                          <a:effectLst>
+                            <a:outerShdw blurRad="50800" dist="38100" dir="2700000" algn="tl" rotWithShape="0">
+                              <a:prstClr val="black">
+                                <a:alpha val="40000"/>
+                              </a:prstClr>
+                            </a:outerShdw>
+                          </a:effectLst>
+                          <a:latin typeface="Consolas" panose="020B0609020204030204" pitchFamily="49" charset="0"/>
+                        </a:rPr>
+                        <a:t>cdw_sapp_branch.json</a:t>
+                      </a:r>
+                      <a:endParaRPr lang="en-US" sz="1700" b="0" dirty="0">
+                        <a:solidFill>
+                          <a:schemeClr val="tx1"/>
+                        </a:solidFill>
+                        <a:effectLst>
+                          <a:outerShdw blurRad="50800" dist="38100" dir="2700000" algn="tl" rotWithShape="0">
+                            <a:prstClr val="black">
+                              <a:alpha val="40000"/>
+                            </a:prstClr>
+                          </a:outerShdw>
+                        </a:effectLst>
+                        <a:latin typeface="Consolas" panose="020B0609020204030204" pitchFamily="49" charset="0"/>
+                      </a:endParaRPr>
                     </a:p>
                     <a:p>
                       <a:r>
@@ -26718,8 +26985,37 @@
                           </a:effectLst>
                           <a:latin typeface="Consolas" panose="020B0609020204030204" pitchFamily="49" charset="0"/>
                         </a:rPr>
-                        <a:t>├── cdw_sapp_credit_card.json</a:t>
+                        <a:t>├── </a:t>
                       </a:r>
+                      <a:r>
+                        <a:rPr lang="en-US" sz="1700" b="0" dirty="0" err="1">
+                          <a:solidFill>
+                            <a:schemeClr val="tx1"/>
+                          </a:solidFill>
+                          <a:effectLst>
+                            <a:outerShdw blurRad="50800" dist="38100" dir="2700000" algn="tl" rotWithShape="0">
+                              <a:prstClr val="black">
+                                <a:alpha val="40000"/>
+                              </a:prstClr>
+                            </a:outerShdw>
+                          </a:effectLst>
+                          <a:latin typeface="Consolas" panose="020B0609020204030204" pitchFamily="49" charset="0"/>
+                        </a:rPr>
+                        <a:t>cdw_sapp_credit_card.json</a:t>
+                      </a:r>
+                      <a:endParaRPr lang="en-US" sz="1700" b="0" dirty="0">
+                        <a:solidFill>
+                          <a:schemeClr val="tx1"/>
+                        </a:solidFill>
+                        <a:effectLst>
+                          <a:outerShdw blurRad="50800" dist="38100" dir="2700000" algn="tl" rotWithShape="0">
+                            <a:prstClr val="black">
+                              <a:alpha val="40000"/>
+                            </a:prstClr>
+                          </a:outerShdw>
+                        </a:effectLst>
+                        <a:latin typeface="Consolas" panose="020B0609020204030204" pitchFamily="49" charset="0"/>
+                      </a:endParaRPr>
                     </a:p>
                     <a:p>
                       <a:r>
@@ -26736,8 +27032,37 @@
                           </a:effectLst>
                           <a:latin typeface="Consolas" panose="020B0609020204030204" pitchFamily="49" charset="0"/>
                         </a:rPr>
-                        <a:t>└── cdw_sapp_customer.json</a:t>
+                        <a:t>└── </a:t>
                       </a:r>
+                      <a:r>
+                        <a:rPr lang="en-US" sz="1700" b="0" dirty="0" err="1">
+                          <a:solidFill>
+                            <a:schemeClr val="tx1"/>
+                          </a:solidFill>
+                          <a:effectLst>
+                            <a:outerShdw blurRad="50800" dist="38100" dir="2700000" algn="tl" rotWithShape="0">
+                              <a:prstClr val="black">
+                                <a:alpha val="40000"/>
+                              </a:prstClr>
+                            </a:outerShdw>
+                          </a:effectLst>
+                          <a:latin typeface="Consolas" panose="020B0609020204030204" pitchFamily="49" charset="0"/>
+                        </a:rPr>
+                        <a:t>cdw_sapp_customer.json</a:t>
+                      </a:r>
+                      <a:endParaRPr lang="en-US" sz="1700" b="0" dirty="0">
+                        <a:solidFill>
+                          <a:schemeClr val="tx1"/>
+                        </a:solidFill>
+                        <a:effectLst>
+                          <a:outerShdw blurRad="50800" dist="38100" dir="2700000" algn="tl" rotWithShape="0">
+                            <a:prstClr val="black">
+                              <a:alpha val="40000"/>
+                            </a:prstClr>
+                          </a:outerShdw>
+                        </a:effectLst>
+                        <a:latin typeface="Consolas" panose="020B0609020204030204" pitchFamily="49" charset="0"/>
+                      </a:endParaRPr>
                     </a:p>
                   </a:txBody>
                   <a:tcPr marL="95025" marR="95025" marT="47512" marB="47512">
@@ -26785,12 +27110,7 @@
                       <a:headEnd type="none" w="med" len="med"/>
                       <a:tailEnd type="none" w="med" len="med"/>
                     </a:lnB>
-                    <a:solidFill>
-                      <a:schemeClr val="tx1">
-                        <a:lumMod val="50000"/>
-                        <a:lumOff val="50000"/>
-                      </a:schemeClr>
-                    </a:solidFill>
+                    <a:noFill/>
                   </a:tcPr>
                 </a:tc>
                 <a:tc>
@@ -27940,7 +28260,7 @@
           <a:lstStyle/>
           <a:p>
             <a:pPr algn="ctr"/>
-            <a:endParaRPr lang="en-US" dirty="0"/>
+            <a:endParaRPr lang="en-US"/>
           </a:p>
         </p:txBody>
       </p:sp>
@@ -28110,7 +28430,7 @@
           <a:lstStyle/>
           <a:p>
             <a:pPr algn="ctr"/>
-            <a:endParaRPr lang="en-US" dirty="0"/>
+            <a:endParaRPr lang="en-US"/>
           </a:p>
         </p:txBody>
       </p:sp>
@@ -28237,7 +28557,7 @@
             <a:pPr algn="ctr">
               <a:defRPr/>
             </a:pPr>
-            <a:endParaRPr lang="en-US" sz="2400" b="1" dirty="0">
+            <a:endParaRPr lang="en-US" sz="2400" b="1">
               <a:solidFill>
                 <a:srgbClr val="FFFFFF"/>
               </a:solidFill>
@@ -28249,7 +28569,7 @@
               <a:defRPr/>
             </a:pPr>
             <a:r>
-              <a:rPr lang="en-US" sz="2400" b="1" dirty="0">
+              <a:rPr lang="en-US" sz="2400" b="1">
                 <a:solidFill>
                   <a:srgbClr val="FFFFFF"/>
                 </a:solidFill>
@@ -28262,7 +28582,7 @@
             <a:pPr algn="ctr">
               <a:defRPr/>
             </a:pPr>
-            <a:endParaRPr lang="en-US" sz="2400" b="1" dirty="0">
+            <a:endParaRPr lang="en-US" sz="2400" b="1">
               <a:solidFill>
                 <a:srgbClr val="FFFFFF"/>
               </a:solidFill>
@@ -28288,7 +28608,7 @@
               <a:defRPr/>
             </a:pPr>
             <a:r>
-              <a:rPr kumimoji="0" lang="en-US" sz="1600" b="0" i="0" u="none" strike="noStrike" kern="1200" cap="none" spc="0" normalizeH="0" baseline="0" noProof="0" dirty="0">
+              <a:rPr kumimoji="0" lang="en-US" sz="1600" b="0" i="0" u="none" strike="noStrike" kern="1200" cap="none" spc="0" normalizeH="0" baseline="0" noProof="0">
                 <a:ln>
                   <a:noFill/>
                 </a:ln>
@@ -28323,7 +28643,7 @@
               <a:tabLst/>
               <a:defRPr/>
             </a:pPr>
-            <a:endParaRPr kumimoji="0" lang="en-US" sz="1600" b="0" i="0" u="none" strike="noStrike" kern="1200" cap="none" spc="0" normalizeH="0" baseline="0" noProof="0" dirty="0">
+            <a:endParaRPr kumimoji="0" lang="en-US" sz="1600" b="0" i="0" u="none" strike="noStrike" kern="1200" cap="none" spc="0" normalizeH="0" baseline="0" noProof="0">
               <a:ln>
                 <a:noFill/>
               </a:ln>
@@ -28357,7 +28677,7 @@
               <a:defRPr/>
             </a:pPr>
             <a:r>
-              <a:rPr kumimoji="0" lang="en-US" sz="1600" b="0" u="none" strike="noStrike" kern="1200" cap="none" spc="0" normalizeH="0" baseline="0" noProof="0" dirty="0">
+              <a:rPr kumimoji="0" lang="en-US" sz="1600" b="0" u="none" strike="noStrike" kern="1200" cap="none" spc="0" normalizeH="0" baseline="0" noProof="0">
                 <a:ln>
                   <a:noFill/>
                 </a:ln>
@@ -28393,7 +28713,7 @@
               <a:defRPr/>
             </a:pPr>
             <a:r>
-              <a:rPr lang="en-US" sz="1600" dirty="0">
+              <a:rPr lang="en-US" sz="1600">
                 <a:solidFill>
                   <a:srgbClr val="FFFFFF"/>
                 </a:solidFill>
@@ -28420,7 +28740,7 @@
               <a:tabLst/>
               <a:defRPr/>
             </a:pPr>
-            <a:endParaRPr kumimoji="0" lang="en-US" sz="1600" b="0" i="0" u="none" strike="noStrike" kern="1200" cap="none" spc="0" normalizeH="0" baseline="0" noProof="0" dirty="0">
+            <a:endParaRPr kumimoji="0" lang="en-US" sz="1600" b="0" i="0" u="none" strike="noStrike" kern="1200" cap="none" spc="0" normalizeH="0" baseline="0" noProof="0">
               <a:ln>
                 <a:noFill/>
               </a:ln>
@@ -28528,7 +28848,7 @@
               <a:defRPr/>
             </a:pPr>
             <a:r>
-              <a:rPr lang="en-US" sz="3500" b="1" dirty="0">
+              <a:rPr lang="en-US" sz="3500" b="1">
                 <a:solidFill>
                   <a:srgbClr val="000000"/>
                 </a:solidFill>
@@ -28732,7 +29052,7 @@
                 <a:defRPr/>
               </a:pPr>
               <a:r>
-                <a:rPr lang="en-US" sz="1200" b="1" dirty="0">
+                <a:rPr lang="en-US" sz="1200" b="1">
                   <a:latin typeface="Graphik"/>
                   <a:ea typeface="Calibri"/>
                   <a:cs typeface="Calibri"/>
@@ -28930,7 +29250,7 @@
             <a:p>
               <a:pPr algn="ctr"/>
               <a:r>
-                <a:rPr lang="en-US" sz="1200" b="1" dirty="0">
+                <a:rPr lang="en-US" sz="1200" b="1">
                   <a:latin typeface="Graphik" panose="020B0503030202060203" pitchFamily="34" charset="0"/>
                 </a:rPr>
                 <a:t>github.com/kencopas/Capstone</a:t>
@@ -28990,7 +29310,7 @@
           <a:lstStyle/>
           <a:p>
             <a:pPr algn="ctr"/>
-            <a:endParaRPr lang="en-US" dirty="0"/>
+            <a:endParaRPr lang="en-US"/>
           </a:p>
         </p:txBody>
       </p:sp>
@@ -29040,7 +29360,7 @@
             <a:bodyPr/>
             <a:lstStyle/>
             <a:p>
-              <a:endParaRPr lang="en-US" dirty="0"/>
+              <a:endParaRPr lang="en-US"/>
             </a:p>
           </p:txBody>
         </p:sp>
@@ -29172,34 +29492,34 @@
                 <a:buNone/>
               </a:pPr>
               <a:r>
-                <a:rPr lang="en-US" sz="1800" b="0" kern="1200" dirty="0"/>
+                <a:rPr lang="en-US" sz="1800" b="0" kern="1200"/>
                 <a:t>This project manages an </a:t>
               </a:r>
               <a:r>
-                <a:rPr lang="en-US" sz="1800" b="1" kern="1200" dirty="0"/>
+                <a:rPr lang="en-US" sz="1800" b="1" kern="1200"/>
                 <a:t>ETL Pipeline </a:t>
               </a:r>
               <a:r>
-                <a:rPr lang="en-US" sz="1800" b="0" kern="1200" dirty="0"/>
+                <a:rPr lang="en-US" sz="1800" b="0" kern="1200"/>
                 <a:t>using </a:t>
               </a:r>
               <a:r>
-                <a:rPr lang="en-US" sz="1800" b="1" kern="1200" dirty="0"/>
+                <a:rPr lang="en-US" sz="1800" b="1" kern="1200"/>
                 <a:t>PySpark</a:t>
               </a:r>
               <a:r>
-                <a:rPr lang="en-US" sz="1800" b="0" kern="1200" dirty="0"/>
+                <a:rPr lang="en-US" sz="1800" b="0" kern="1200"/>
                 <a:t> and </a:t>
               </a:r>
               <a:r>
-                <a:rPr lang="en-US" sz="1800" b="1" kern="1200" dirty="0"/>
+                <a:rPr lang="en-US" sz="1800" b="1" kern="1200"/>
                 <a:t>MySQL</a:t>
               </a:r>
               <a:r>
-                <a:rPr lang="en-US" sz="1800" b="0" kern="1200" dirty="0"/>
+                <a:rPr lang="en-US" sz="1800" b="0" kern="1200"/>
                 <a:t>.</a:t>
               </a:r>
-              <a:endParaRPr lang="en-US" sz="1800" kern="1200" dirty="0"/>
+              <a:endParaRPr lang="en-US" sz="1800" kern="1200"/>
             </a:p>
           </p:txBody>
         </p:sp>
@@ -29404,26 +29724,26 @@
                 <a:buNone/>
               </a:pPr>
               <a:r>
-                <a:rPr lang="en-US" sz="1800" b="0" kern="1200" dirty="0"/>
+                <a:rPr lang="en-US" sz="1800" b="0" kern="1200"/>
                 <a:t>The </a:t>
               </a:r>
               <a:r>
-                <a:rPr lang="en-US" sz="1800" b="1" kern="1200" dirty="0"/>
+                <a:rPr lang="en-US" sz="1800" b="1" kern="1200"/>
                 <a:t>Command Line Interface </a:t>
               </a:r>
               <a:r>
-                <a:rPr lang="en-US" sz="1800" b="0" kern="1200" dirty="0"/>
+                <a:rPr lang="en-US" sz="1800" b="0" kern="1200"/>
                 <a:t>provides </a:t>
               </a:r>
               <a:r>
-                <a:rPr lang="en-US" sz="1800" b="1" kern="1200" dirty="0"/>
+                <a:rPr lang="en-US" sz="1800" b="1" kern="1200"/>
                 <a:t>non-technical</a:t>
               </a:r>
               <a:r>
-                <a:rPr lang="en-US" sz="1800" b="0" kern="1200" dirty="0"/>
+                <a:rPr lang="en-US" sz="1800" b="0" kern="1200"/>
                 <a:t> users interaction with the database.</a:t>
               </a:r>
-              <a:endParaRPr lang="en-US" sz="1800" kern="1200" dirty="0"/>
+              <a:endParaRPr lang="en-US" sz="1800" kern="1200"/>
             </a:p>
           </p:txBody>
         </p:sp>
@@ -29623,30 +29943,30 @@
                 <a:buNone/>
               </a:pPr>
               <a:r>
-                <a:rPr lang="en-US" sz="1800" b="1" kern="1200" dirty="0"/>
+                <a:rPr lang="en-US" sz="1800" b="1" kern="1200"/>
                 <a:t>Tableau</a:t>
               </a:r>
               <a:r>
-                <a:rPr lang="en-US" sz="1800" b="0" kern="1200" dirty="0"/>
+                <a:rPr lang="en-US" sz="1800" b="0" kern="1200"/>
                 <a:t> is used for </a:t>
               </a:r>
               <a:r>
-                <a:rPr lang="en-US" sz="1800" b="1" kern="1200" dirty="0"/>
+                <a:rPr lang="en-US" sz="1800" b="1" kern="1200"/>
                 <a:t>Data Analysis and Visualization </a:t>
               </a:r>
               <a:r>
-                <a:rPr lang="en-US" sz="1800" b="0" kern="1200" dirty="0"/>
+                <a:rPr lang="en-US" sz="1800" b="0" kern="1200"/>
                 <a:t>to </a:t>
               </a:r>
               <a:r>
-                <a:rPr lang="en-US" sz="1800" b="1" kern="1200" dirty="0"/>
+                <a:rPr lang="en-US" sz="1800" b="1" kern="1200"/>
                 <a:t>tell a story </a:t>
               </a:r>
               <a:r>
-                <a:rPr lang="en-US" sz="1800" b="0" kern="1200" dirty="0"/>
+                <a:rPr lang="en-US" sz="1800" b="0" kern="1200"/>
                 <a:t>with the data.</a:t>
               </a:r>
-              <a:endParaRPr lang="en-US" sz="1800" kern="1200" dirty="0"/>
+              <a:endParaRPr lang="en-US" sz="1800" kern="1200"/>
             </a:p>
           </p:txBody>
         </p:sp>
@@ -29791,7 +30111,7 @@
                 <a:spcPct val="35000"/>
               </a:spcAft>
             </a:pPr>
-            <a:endParaRPr lang="en-US" sz="2200" b="1" dirty="0"/>
+            <a:endParaRPr lang="en-US" sz="2200" b="1"/>
           </a:p>
         </p:txBody>
       </p:sp>
@@ -29835,7 +30155,7 @@
               </a:spcAft>
             </a:pPr>
             <a:r>
-              <a:rPr lang="en-US" sz="2200" b="1" dirty="0">
+              <a:rPr lang="en-US" sz="2200" b="1">
                 <a:solidFill>
                   <a:schemeClr val="lt1"/>
                 </a:solidFill>
@@ -30261,7 +30581,7 @@
           <a:lstStyle/>
           <a:p>
             <a:pPr algn="ctr"/>
-            <a:endParaRPr lang="en-US" dirty="0"/>
+            <a:endParaRPr lang="en-US"/>
           </a:p>
         </p:txBody>
       </p:sp>
@@ -30431,7 +30751,7 @@
           <a:lstStyle/>
           <a:p>
             <a:pPr algn="ctr"/>
-            <a:endParaRPr lang="en-US" dirty="0"/>
+            <a:endParaRPr lang="en-US"/>
           </a:p>
         </p:txBody>
       </p:sp>
@@ -30544,7 +30864,7 @@
               <a:defRPr/>
             </a:pPr>
             <a:r>
-              <a:rPr lang="en-US" sz="2400" b="1" dirty="0">
+              <a:rPr lang="en-US" sz="2400" b="1">
                 <a:solidFill>
                   <a:srgbClr val="FFFFFF"/>
                 </a:solidFill>
@@ -30557,7 +30877,7 @@
             <a:pPr algn="ctr">
               <a:defRPr/>
             </a:pPr>
-            <a:endParaRPr lang="en-US" sz="2400" b="1" dirty="0">
+            <a:endParaRPr lang="en-US" sz="2400" b="1">
               <a:solidFill>
                 <a:srgbClr val="FFFFFF"/>
               </a:solidFill>
@@ -30583,7 +30903,7 @@
               <a:defRPr/>
             </a:pPr>
             <a:r>
-              <a:rPr kumimoji="0" lang="en-US" sz="1600" b="0" i="0" u="none" strike="noStrike" kern="1200" cap="none" spc="0" normalizeH="0" baseline="0" noProof="0" dirty="0">
+              <a:rPr kumimoji="0" lang="en-US" sz="1600" b="0" i="0" u="none" strike="noStrike" kern="1200" cap="none" spc="0" normalizeH="0" baseline="0" noProof="0">
                 <a:ln>
                   <a:noFill/>
                 </a:ln>
@@ -30618,7 +30938,7 @@
               <a:tabLst/>
               <a:defRPr/>
             </a:pPr>
-            <a:endParaRPr kumimoji="0" lang="en-US" sz="1600" b="0" i="0" u="none" strike="noStrike" kern="1200" cap="none" spc="0" normalizeH="0" baseline="0" noProof="0" dirty="0">
+            <a:endParaRPr kumimoji="0" lang="en-US" sz="1600" b="0" i="0" u="none" strike="noStrike" kern="1200" cap="none" spc="0" normalizeH="0" baseline="0" noProof="0">
               <a:ln>
                 <a:noFill/>
               </a:ln>
@@ -30652,7 +30972,7 @@
               <a:defRPr/>
             </a:pPr>
             <a:r>
-              <a:rPr kumimoji="0" lang="en-US" sz="1600" b="0" i="0" u="none" strike="noStrike" kern="1200" cap="none" spc="0" normalizeH="0" baseline="0" noProof="0" dirty="0">
+              <a:rPr kumimoji="0" lang="en-US" sz="1600" b="0" i="0" u="none" strike="noStrike" kern="1200" cap="none" spc="0" normalizeH="0" baseline="0" noProof="0">
                 <a:ln>
                   <a:noFill/>
                 </a:ln>
@@ -30688,7 +31008,7 @@
               <a:defRPr/>
             </a:pPr>
             <a:r>
-              <a:rPr lang="en-US" sz="1600" dirty="0">
+              <a:rPr lang="en-US" sz="1600">
                 <a:solidFill>
                   <a:srgbClr val="FFFFFF"/>
                 </a:solidFill>
@@ -30696,7 +31016,7 @@
               </a:rPr>
               <a:t>Tampa, FL</a:t>
             </a:r>
-            <a:endParaRPr kumimoji="0" lang="en-US" sz="1600" b="0" i="0" u="none" strike="noStrike" kern="1200" cap="none" spc="0" normalizeH="0" baseline="0" noProof="0" dirty="0">
+            <a:endParaRPr kumimoji="0" lang="en-US" sz="1600" b="0" i="0" u="none" strike="noStrike" kern="1200" cap="none" spc="0" normalizeH="0" baseline="0" noProof="0">
               <a:ln>
                 <a:noFill/>
               </a:ln>
@@ -30729,7 +31049,7 @@
               <a:tabLst/>
               <a:defRPr/>
             </a:pPr>
-            <a:endParaRPr lang="en-US" sz="2400" b="1" dirty="0">
+            <a:endParaRPr lang="en-US" sz="2400" b="1">
               <a:solidFill>
                 <a:srgbClr val="FFFFFF"/>
               </a:solidFill>
@@ -30755,7 +31075,7 @@
               <a:defRPr/>
             </a:pPr>
             <a:r>
-              <a:rPr lang="en-US" sz="1400" b="1" dirty="0">
+              <a:rPr lang="en-US" sz="1400" b="1">
                 <a:solidFill>
                   <a:srgbClr val="FFFFFF"/>
                 </a:solidFill>
@@ -30765,7 +31085,7 @@
               </a:rPr>
               <a:t>linkedin.com/in/kennycopas</a:t>
             </a:r>
-            <a:endParaRPr lang="en-US" sz="1400" i="0" strike="noStrike" kern="1200" cap="none" spc="0" normalizeH="0" baseline="0" noProof="0" dirty="0">
+            <a:endParaRPr lang="en-US" sz="1400" i="0" strike="noStrike" kern="1200" cap="none" spc="0" normalizeH="0" baseline="0" noProof="0">
               <a:ln>
                 <a:noFill/>
               </a:ln>
@@ -30831,12 +31151,12 @@
           <a:p>
             <a:pPr algn="ctr"/>
             <a:r>
-              <a:rPr lang="en-US" dirty="0">
+              <a:rPr lang="en-US">
                 <a:sym typeface="Wingdings" panose="05000000000000000000" pitchFamily="2" charset="2"/>
               </a:rPr>
               <a:t>:)</a:t>
             </a:r>
-            <a:endParaRPr lang="en-US" dirty="0"/>
+            <a:endParaRPr lang="en-US"/>
           </a:p>
         </p:txBody>
       </p:sp>
@@ -30938,7 +31258,7 @@
               <a:defRPr/>
             </a:pPr>
             <a:r>
-              <a:rPr lang="en-US" sz="2600" b="1" dirty="0">
+              <a:rPr lang="en-US" sz="2600" b="1">
                 <a:solidFill>
                   <a:srgbClr val="000000"/>
                 </a:solidFill>
@@ -31291,7 +31611,7 @@
           <a:lstStyle/>
           <a:p>
             <a:pPr algn="ctr"/>
-            <a:endParaRPr lang="en-US" dirty="0"/>
+            <a:endParaRPr lang="en-US"/>
           </a:p>
         </p:txBody>
       </p:sp>
@@ -31325,7 +31645,7 @@
           <a:p>
             <a:pPr algn="ctr"/>
             <a:r>
-              <a:rPr lang="en-US" sz="4000" kern="1200" dirty="0">
+              <a:rPr lang="en-US" sz="4000" kern="1200">
                 <a:solidFill>
                   <a:srgbClr val="FFFFFF"/>
                 </a:solidFill>
@@ -31335,7 +31655,7 @@
               </a:rPr>
               <a:t>What problem is being solved?</a:t>
             </a:r>
-            <a:endParaRPr lang="en-US" sz="4000" dirty="0">
+            <a:endParaRPr lang="en-US" sz="4000">
               <a:solidFill>
                 <a:srgbClr val="FFFFFF"/>
               </a:solidFill>
@@ -31635,7 +31955,7 @@
           <a:lstStyle/>
           <a:p>
             <a:r>
-              <a:rPr lang="en-US" sz="2500" b="1" dirty="0"/>
+              <a:rPr lang="en-US" sz="2500" b="1"/>
               <a:t>Raw file data</a:t>
             </a:r>
           </a:p>
@@ -31645,7 +31965,7 @@
               <a:buChar char="-"/>
             </a:pPr>
             <a:r>
-              <a:rPr lang="en-US" sz="2500" dirty="0"/>
+              <a:rPr lang="en-US" sz="2500"/>
               <a:t>Improperly Formatted</a:t>
             </a:r>
           </a:p>
@@ -31655,7 +31975,7 @@
               <a:buChar char="-"/>
             </a:pPr>
             <a:r>
-              <a:rPr lang="en-US" sz="2500" dirty="0"/>
+              <a:rPr lang="en-US" sz="2500"/>
               <a:t>Local</a:t>
             </a:r>
           </a:p>
@@ -31690,7 +32010,7 @@
           <a:lstStyle/>
           <a:p>
             <a:r>
-              <a:rPr lang="en-US" sz="2500" b="1" dirty="0"/>
+              <a:rPr lang="en-US" sz="2500" b="1"/>
               <a:t>Inaccessible</a:t>
             </a:r>
           </a:p>
@@ -31700,7 +32020,7 @@
               <a:buChar char="-"/>
             </a:pPr>
             <a:r>
-              <a:rPr lang="en-US" sz="2500" dirty="0"/>
+              <a:rPr lang="en-US" sz="2500"/>
               <a:t>Accessible to Programmers</a:t>
             </a:r>
           </a:p>
@@ -31735,7 +32055,7 @@
           <a:lstStyle/>
           <a:p>
             <a:r>
-              <a:rPr lang="en-US" sz="2500" b="1" dirty="0"/>
+              <a:rPr lang="en-US" sz="2500" b="1"/>
               <a:t>Non-visual</a:t>
             </a:r>
           </a:p>
@@ -31745,7 +32065,7 @@
               <a:buChar char="-"/>
             </a:pPr>
             <a:r>
-              <a:rPr lang="en-US" sz="2500" dirty="0"/>
+              <a:rPr lang="en-US" sz="2500"/>
               <a:t>Difficult to Analyze</a:t>
             </a:r>
           </a:p>
@@ -31755,12 +32075,12 @@
               <a:buChar char="-"/>
             </a:pPr>
             <a:r>
-              <a:rPr lang="en-US" sz="2500" dirty="0"/>
+              <a:rPr lang="en-US" sz="2500"/>
               <a:t>Not Presentable</a:t>
             </a:r>
           </a:p>
           <a:p>
-            <a:endParaRPr lang="en-US" sz="2500" dirty="0"/>
+            <a:endParaRPr lang="en-US" sz="2500"/>
           </a:p>
         </p:txBody>
       </p:sp>
@@ -32457,7 +32777,7 @@
           <a:lstStyle/>
           <a:p>
             <a:pPr algn="ctr"/>
-            <a:endParaRPr lang="en-US" dirty="0"/>
+            <a:endParaRPr lang="en-US"/>
           </a:p>
         </p:txBody>
       </p:sp>
@@ -32491,7 +32811,7 @@
           <a:p>
             <a:pPr algn="ctr"/>
             <a:r>
-              <a:rPr lang="en-US" sz="5000" dirty="0">
+              <a:rPr lang="en-US" sz="5000">
                 <a:solidFill>
                   <a:schemeClr val="bg1"/>
                 </a:solidFill>
@@ -32562,7 +32882,7 @@
           <a:p>
             <a:pPr algn="ctr"/>
             <a:r>
-              <a:rPr lang="en-US" sz="3000" b="1" dirty="0"/>
+              <a:rPr lang="en-US" sz="3000" b="1"/>
               <a:t>Raw file data</a:t>
             </a:r>
           </a:p>
@@ -32598,7 +32918,7 @@
           <a:p>
             <a:pPr algn="ctr"/>
             <a:r>
-              <a:rPr lang="en-US" sz="3000" b="1" dirty="0"/>
+              <a:rPr lang="en-US" sz="3000" b="1"/>
               <a:t>Inaccessible</a:t>
             </a:r>
           </a:p>
@@ -32634,7 +32954,7 @@
           <a:p>
             <a:pPr algn="ctr"/>
             <a:r>
-              <a:rPr lang="en-US" sz="3000" b="1" dirty="0"/>
+              <a:rPr lang="en-US" sz="3000" b="1"/>
               <a:t>Non-visual</a:t>
             </a:r>
           </a:p>
@@ -32786,11 +33106,11 @@
                 <a:buChar char="-"/>
               </a:pPr>
               <a:r>
-                <a:rPr lang="en-US" sz="2000" b="1" kern="1200" dirty="0"/>
+                <a:rPr lang="en-US" sz="2000" b="1" kern="1200"/>
                 <a:t>Formats</a:t>
               </a:r>
               <a:r>
-                <a:rPr lang="en-US" sz="2000" b="0" kern="1200" dirty="0"/>
+                <a:rPr lang="en-US" sz="2000" b="0" kern="1200"/>
                 <a:t> file data</a:t>
               </a:r>
             </a:p>
@@ -32809,11 +33129,11 @@
                 <a:buChar char="-"/>
               </a:pPr>
               <a:r>
-                <a:rPr lang="en-US" sz="2000" b="0" kern="1200" dirty="0"/>
+                <a:rPr lang="en-US" sz="2000" b="0" kern="1200"/>
                 <a:t>Stores </a:t>
               </a:r>
               <a:r>
-                <a:rPr lang="en-US" sz="2000" b="1" kern="1200" dirty="0"/>
+                <a:rPr lang="en-US" sz="2000" b="1" kern="1200"/>
                 <a:t>non-locally</a:t>
               </a:r>
             </a:p>
@@ -33032,10 +33352,10 @@
                 <a:buChar char="-"/>
               </a:pPr>
               <a:r>
-                <a:rPr lang="en-US" sz="2000" b="1" dirty="0"/>
+                <a:rPr lang="en-US" sz="2000" b="1"/>
                 <a:t>User-friendly</a:t>
               </a:r>
-              <a:endParaRPr lang="en-US" sz="2000" b="0" kern="1200" dirty="0"/>
+              <a:endParaRPr lang="en-US" sz="2000" b="0" kern="1200"/>
             </a:p>
             <a:p>
               <a:pPr marL="342900" lvl="0" indent="-342900" algn="l" defTabSz="711200">
@@ -33052,11 +33372,11 @@
                 <a:buChar char="-"/>
               </a:pPr>
               <a:r>
-                <a:rPr lang="en-US" sz="2000" b="0" kern="1200" dirty="0"/>
+                <a:rPr lang="en-US" sz="2000" b="0" kern="1200"/>
                 <a:t>Makes data </a:t>
               </a:r>
               <a:r>
-                <a:rPr lang="en-US" sz="2000" b="1" kern="1200" dirty="0"/>
+                <a:rPr lang="en-US" sz="2000" b="1" kern="1200"/>
                 <a:t>accessible</a:t>
               </a:r>
             </a:p>
@@ -33209,7 +33529,7 @@
                 <a:buChar char="-"/>
               </a:pPr>
               <a:r>
-                <a:rPr lang="en-US" sz="2000" b="1" dirty="0"/>
+                <a:rPr lang="en-US" sz="2000" b="1"/>
                 <a:t>Tells a story</a:t>
               </a:r>
             </a:p>
@@ -33228,11 +33548,11 @@
                 <a:buChar char="-"/>
               </a:pPr>
               <a:r>
-                <a:rPr lang="en-US" sz="2000" b="0" kern="1200" dirty="0"/>
+                <a:rPr lang="en-US" sz="2000" b="0" kern="1200"/>
                 <a:t>Makes data </a:t>
               </a:r>
               <a:r>
-                <a:rPr lang="en-US" sz="2000" b="1" kern="1200" dirty="0"/>
+                <a:rPr lang="en-US" sz="2000" b="1" kern="1200"/>
                 <a:t>Presentable</a:t>
               </a:r>
             </a:p>
@@ -34003,7 +34323,7 @@
           <a:lstStyle/>
           <a:p>
             <a:pPr algn="ctr"/>
-            <a:endParaRPr lang="en-US" dirty="0"/>
+            <a:endParaRPr lang="en-US"/>
           </a:p>
         </p:txBody>
       </p:sp>
@@ -34037,7 +34357,7 @@
           <a:p>
             <a:pPr algn="ctr"/>
             <a:r>
-              <a:rPr lang="en-US" sz="4000" dirty="0">
+              <a:rPr lang="en-US" sz="4000">
                 <a:solidFill>
                   <a:srgbClr val="FFFFFF"/>
                 </a:solidFill>
@@ -34122,7 +34442,7 @@
                     <a:p>
                       <a:pPr algn="ctr"/>
                       <a:r>
-                        <a:rPr lang="en-US" sz="2500" dirty="0">
+                        <a:rPr lang="en-US" sz="2500">
                           <a:effectLst>
                             <a:outerShdw blurRad="50800" dist="38100" dir="5400000" algn="t" rotWithShape="0">
                               <a:prstClr val="black">
@@ -34192,7 +34512,7 @@
                     <a:p>
                       <a:pPr algn="ctr"/>
                       <a:r>
-                        <a:rPr lang="en-US" sz="2500" dirty="0">
+                        <a:rPr lang="en-US" sz="2500">
                           <a:effectLst>
                             <a:outerShdw blurRad="50800" dist="38100" dir="5400000" algn="t" rotWithShape="0">
                               <a:prstClr val="black">
@@ -34262,7 +34582,7 @@
                     <a:p>
                       <a:pPr algn="ctr"/>
                       <a:r>
-                        <a:rPr lang="en-US" sz="2500" dirty="0">
+                        <a:rPr lang="en-US" sz="2500">
                           <a:effectLst>
                             <a:outerShdw blurRad="50800" dist="38100" dir="5400000" algn="t" rotWithShape="0">
                               <a:prstClr val="black">
@@ -34332,7 +34652,7 @@
                     <a:p>
                       <a:pPr algn="ctr"/>
                       <a:r>
-                        <a:rPr lang="en-US" sz="2500" dirty="0">
+                        <a:rPr lang="en-US" sz="2500">
                           <a:effectLst>
                             <a:outerShdw blurRad="50800" dist="38100" dir="5400000" algn="t" rotWithShape="0">
                               <a:prstClr val="black">
@@ -34407,7 +34727,7 @@
                     <a:bodyPr/>
                     <a:lstStyle/>
                     <a:p>
-                      <a:endParaRPr lang="en-US" dirty="0"/>
+                      <a:endParaRPr lang="en-US"/>
                     </a:p>
                   </a:txBody>
                   <a:tcPr>
@@ -34463,7 +34783,7 @@
                     <a:bodyPr/>
                     <a:lstStyle/>
                     <a:p>
-                      <a:endParaRPr lang="en-US" dirty="0"/>
+                      <a:endParaRPr lang="en-US"/>
                     </a:p>
                   </a:txBody>
                   <a:tcPr>
@@ -34519,7 +34839,7 @@
                     <a:bodyPr/>
                     <a:lstStyle/>
                     <a:p>
-                      <a:endParaRPr lang="en-US" dirty="0"/>
+                      <a:endParaRPr lang="en-US"/>
                     </a:p>
                   </a:txBody>
                   <a:tcPr>
@@ -34575,7 +34895,7 @@
                     <a:bodyPr/>
                     <a:lstStyle/>
                     <a:p>
-                      <a:endParaRPr lang="en-US" dirty="0"/>
+                      <a:endParaRPr lang="en-US"/>
                     </a:p>
                   </a:txBody>
                   <a:tcPr>
@@ -35008,7 +35328,7 @@
           <a:lstStyle/>
           <a:p>
             <a:pPr algn="ctr"/>
-            <a:endParaRPr lang="en-US" dirty="0"/>
+            <a:endParaRPr lang="en-US"/>
           </a:p>
         </p:txBody>
       </p:sp>
@@ -35159,7 +35479,7 @@
           <a:lstStyle/>
           <a:p>
             <a:pPr algn="ctr"/>
-            <a:endParaRPr lang="en-US" dirty="0"/>
+            <a:endParaRPr lang="en-US"/>
           </a:p>
         </p:txBody>
       </p:sp>
@@ -35332,7 +35652,7 @@
           <a:lstStyle/>
           <a:p>
             <a:pPr algn="ctr"/>
-            <a:endParaRPr lang="en-US" dirty="0"/>
+            <a:endParaRPr lang="en-US"/>
           </a:p>
         </p:txBody>
       </p:sp>
@@ -35366,7 +35686,7 @@
           <a:p>
             <a:pPr algn="ctr"/>
             <a:r>
-              <a:rPr lang="en-US" sz="4000" kern="1200" dirty="0">
+              <a:rPr lang="en-US" sz="4000" kern="1200">
                 <a:solidFill>
                   <a:srgbClr val="FFFFFF"/>
                 </a:solidFill>
@@ -35444,7 +35764,7 @@
           <a:lstStyle/>
           <a:p>
             <a:r>
-              <a:rPr lang="en-US" b="1" dirty="0">
+              <a:rPr lang="en-US" b="1">
                 <a:solidFill>
                   <a:schemeClr val="bg1"/>
                 </a:solidFill>
@@ -35458,7 +35778,7 @@
               <a:buChar char="-"/>
             </a:pPr>
             <a:r>
-              <a:rPr lang="en-US" sz="1600" dirty="0">
+              <a:rPr lang="en-US" sz="1600">
                 <a:solidFill>
                   <a:schemeClr val="bg1"/>
                 </a:solidFill>
@@ -35472,7 +35792,7 @@
               <a:buChar char="-"/>
             </a:pPr>
             <a:r>
-              <a:rPr lang="en-US" sz="1600" dirty="0">
+              <a:rPr lang="en-US" sz="1600">
                 <a:solidFill>
                   <a:schemeClr val="bg1"/>
                 </a:solidFill>
@@ -35485,7 +35805,7 @@
               <a:buFontTx/>
               <a:buChar char="-"/>
             </a:pPr>
-            <a:endParaRPr lang="en-US" sz="1600" dirty="0">
+            <a:endParaRPr lang="en-US" sz="1600">
               <a:solidFill>
                 <a:schemeClr val="bg1"/>
               </a:solidFill>
@@ -35493,7 +35813,7 @@
           </a:p>
           <a:p>
             <a:r>
-              <a:rPr lang="en-US" b="1" dirty="0">
+              <a:rPr lang="en-US" b="1">
                 <a:solidFill>
                   <a:schemeClr val="bg1"/>
                 </a:solidFill>
@@ -35507,7 +35827,7 @@
               <a:buChar char="-"/>
             </a:pPr>
             <a:r>
-              <a:rPr lang="en-US" sz="1600" dirty="0">
+              <a:rPr lang="en-US" sz="1600">
                 <a:solidFill>
                   <a:schemeClr val="bg1"/>
                 </a:solidFill>
@@ -35521,7 +35841,7 @@
               <a:buChar char="-"/>
             </a:pPr>
             <a:r>
-              <a:rPr lang="en-US" sz="1600" dirty="0">
+              <a:rPr lang="en-US" sz="1600">
                 <a:solidFill>
                   <a:schemeClr val="bg1"/>
                 </a:solidFill>
@@ -35530,7 +35850,7 @@
             </a:r>
           </a:p>
           <a:p>
-            <a:endParaRPr lang="en-US" b="1" dirty="0">
+            <a:endParaRPr lang="en-US" b="1">
               <a:solidFill>
                 <a:schemeClr val="bg1"/>
               </a:solidFill>
@@ -35567,11 +35887,11 @@
           <a:lstStyle/>
           <a:p>
             <a:r>
-              <a:rPr lang="en-US" b="1" dirty="0"/>
+              <a:rPr lang="en-US" b="1"/>
               <a:t>E</a:t>
             </a:r>
             <a:r>
-              <a:rPr lang="en-US" dirty="0"/>
+              <a:rPr lang="en-US"/>
               <a:t>xtract</a:t>
             </a:r>
           </a:p>
@@ -35606,11 +35926,11 @@
           <a:lstStyle/>
           <a:p>
             <a:r>
-              <a:rPr lang="en-US" b="1" dirty="0"/>
+              <a:rPr lang="en-US" b="1"/>
               <a:t>T</a:t>
             </a:r>
             <a:r>
-              <a:rPr lang="en-US" dirty="0"/>
+              <a:rPr lang="en-US"/>
               <a:t>ransform</a:t>
             </a:r>
           </a:p>
@@ -35645,11 +35965,11 @@
           <a:lstStyle/>
           <a:p>
             <a:r>
-              <a:rPr lang="en-US" b="1" dirty="0"/>
+              <a:rPr lang="en-US" b="1"/>
               <a:t>L</a:t>
             </a:r>
             <a:r>
-              <a:rPr lang="en-US" dirty="0"/>
+              <a:rPr lang="en-US"/>
               <a:t>oad</a:t>
             </a:r>
           </a:p>
@@ -35844,7 +36164,7 @@
           <a:lstStyle/>
           <a:p>
             <a:pPr algn="ctr"/>
-            <a:endParaRPr lang="en-US" dirty="0"/>
+            <a:endParaRPr lang="en-US"/>
           </a:p>
         </p:txBody>
       </p:sp>
@@ -35995,7 +36315,7 @@
           <a:lstStyle/>
           <a:p>
             <a:pPr algn="ctr"/>
-            <a:endParaRPr lang="en-US" dirty="0"/>
+            <a:endParaRPr lang="en-US"/>
           </a:p>
         </p:txBody>
       </p:sp>
@@ -36168,7 +36488,7 @@
           <a:lstStyle/>
           <a:p>
             <a:pPr algn="ctr"/>
-            <a:endParaRPr lang="en-US" dirty="0"/>
+            <a:endParaRPr lang="en-US"/>
           </a:p>
         </p:txBody>
       </p:sp>
@@ -36238,14 +36558,14 @@
           <a:p>
             <a:pPr algn="ctr"/>
             <a:r>
-              <a:rPr lang="en-US" sz="4000" dirty="0">
+              <a:rPr lang="en-US" sz="4000">
                 <a:solidFill>
                   <a:srgbClr val="FFFFFF"/>
                 </a:solidFill>
               </a:rPr>
               <a:t>Command Line Interface</a:t>
             </a:r>
-            <a:endParaRPr lang="en-US" sz="4000" kern="1200" dirty="0">
+            <a:endParaRPr lang="en-US" sz="4000" kern="1200">
               <a:solidFill>
                 <a:srgbClr val="FFFFFF"/>
               </a:solidFill>
@@ -36285,7 +36605,7 @@
           <a:lstStyle/>
           <a:p>
             <a:r>
-              <a:rPr lang="en-US" b="1" dirty="0">
+              <a:rPr lang="en-US" b="1">
                 <a:solidFill>
                   <a:schemeClr val="bg1"/>
                 </a:solidFill>
@@ -36299,7 +36619,7 @@
               <a:buChar char="-"/>
             </a:pPr>
             <a:r>
-              <a:rPr lang="en-US" sz="1600" dirty="0">
+              <a:rPr lang="en-US" sz="1600">
                 <a:solidFill>
                   <a:schemeClr val="bg1"/>
                 </a:solidFill>
@@ -36313,7 +36633,7 @@
               <a:buChar char="-"/>
             </a:pPr>
             <a:r>
-              <a:rPr lang="en-US" sz="1600" dirty="0">
+              <a:rPr lang="en-US" sz="1600">
                 <a:solidFill>
                   <a:schemeClr val="bg1"/>
                 </a:solidFill>
@@ -36322,7 +36642,7 @@
             </a:r>
           </a:p>
           <a:p>
-            <a:endParaRPr lang="en-US" sz="1600" dirty="0">
+            <a:endParaRPr lang="en-US" sz="1600">
               <a:solidFill>
                 <a:schemeClr val="bg1"/>
               </a:solidFill>
@@ -36330,7 +36650,7 @@
           </a:p>
           <a:p>
             <a:r>
-              <a:rPr lang="en-US" sz="1600" b="1" dirty="0">
+              <a:rPr lang="en-US" sz="1600" b="1">
                 <a:solidFill>
                   <a:schemeClr val="bg1"/>
                 </a:solidFill>
@@ -36344,7 +36664,7 @@
               <a:buChar char="-"/>
             </a:pPr>
             <a:r>
-              <a:rPr lang="en-US" sz="1600" dirty="0">
+              <a:rPr lang="en-US" sz="1600">
                 <a:solidFill>
                   <a:schemeClr val="bg1"/>
                 </a:solidFill>
@@ -36358,7 +36678,7 @@
               <a:buChar char="-"/>
             </a:pPr>
             <a:r>
-              <a:rPr lang="en-US" sz="1600" dirty="0">
+              <a:rPr lang="en-US" sz="1600">
                 <a:solidFill>
                   <a:schemeClr val="bg1"/>
                 </a:solidFill>
@@ -36397,7 +36717,7 @@
           <a:lstStyle/>
           <a:p>
             <a:r>
-              <a:rPr lang="en-US" dirty="0"/>
+              <a:rPr lang="en-US"/>
               <a:t>Request</a:t>
             </a:r>
           </a:p>
@@ -36432,7 +36752,7 @@
           <a:lstStyle/>
           <a:p>
             <a:r>
-              <a:rPr lang="en-US" dirty="0"/>
+              <a:rPr lang="en-US"/>
               <a:t>Response</a:t>
             </a:r>
           </a:p>
@@ -36467,7 +36787,7 @@
           <a:lstStyle/>
           <a:p>
             <a:r>
-              <a:rPr lang="en-US" dirty="0"/>
+              <a:rPr lang="en-US"/>
               <a:t>Query</a:t>
             </a:r>
           </a:p>
@@ -36502,7 +36822,7 @@
           <a:lstStyle/>
           <a:p>
             <a:r>
-              <a:rPr lang="en-US" dirty="0"/>
+              <a:rPr lang="en-US"/>
               <a:t>Data</a:t>
             </a:r>
           </a:p>
@@ -36950,7 +37270,7 @@
           <a:lstStyle/>
           <a:p>
             <a:pPr algn="ctr"/>
-            <a:endParaRPr lang="en-US" dirty="0"/>
+            <a:endParaRPr lang="en-US"/>
           </a:p>
         </p:txBody>
       </p:sp>
@@ -37366,7 +37686,7 @@
           <a:lstStyle/>
           <a:p>
             <a:pPr algn="ctr"/>
-            <a:endParaRPr lang="en-US" dirty="0"/>
+            <a:endParaRPr lang="en-US"/>
           </a:p>
         </p:txBody>
       </p:sp>
@@ -37448,7 +37768,7 @@
           <a:p>
             <a:pPr algn="ctr"/>
             <a:r>
-              <a:rPr lang="en-US" dirty="0">
+              <a:rPr lang="en-US">
                 <a:effectLst>
                   <a:outerShdw blurRad="50800" dist="38100" dir="2700000" algn="tl" rotWithShape="0">
                     <a:prstClr val="black">
@@ -37461,7 +37781,7 @@
               <a:t>cdw_sapp_customer.json </a:t>
             </a:r>
             <a:r>
-              <a:rPr lang="en-US" b="1" dirty="0">
+              <a:rPr lang="en-US" b="1">
                 <a:effectLst>
                   <a:outerShdw blurRad="50800" dist="38100" dir="2700000" algn="tl" rotWithShape="0">
                     <a:prstClr val="black">
@@ -37556,7 +37876,7 @@
           <a:p>
             <a:pPr algn="ctr"/>
             <a:r>
-              <a:rPr lang="en-US" dirty="0">
+              <a:rPr lang="en-US">
                 <a:effectLst>
                   <a:outerShdw blurRad="50800" dist="38100" dir="2700000" algn="tl" rotWithShape="0">
                     <a:prstClr val="black">
@@ -37569,7 +37889,7 @@
               <a:t>init.sql </a:t>
             </a:r>
             <a:r>
-              <a:rPr lang="en-US" b="1" dirty="0">
+              <a:rPr lang="en-US" b="1">
                 <a:effectLst>
                   <a:outerShdw blurRad="50800" dist="38100" dir="2700000" algn="tl" rotWithShape="0">
                     <a:prstClr val="black">
@@ -37661,7 +37981,7 @@
           <a:p>
             <a:pPr algn="ctr"/>
             <a:r>
-              <a:rPr lang="en-US" sz="4400" b="1" dirty="0">
+              <a:rPr lang="en-US" sz="4400" b="1">
                 <a:solidFill>
                   <a:schemeClr val="bg1"/>
                 </a:solidFill>
@@ -37704,7 +38024,7 @@
               <a:buChar char="-"/>
             </a:pPr>
             <a:r>
-              <a:rPr lang="en-US" dirty="0"/>
+              <a:rPr lang="en-US"/>
               <a:t>Unformatted</a:t>
             </a:r>
           </a:p>
@@ -37714,7 +38034,7 @@
               <a:buChar char="-"/>
             </a:pPr>
             <a:r>
-              <a:rPr lang="en-US" dirty="0"/>
+              <a:rPr lang="en-US"/>
               <a:t>Unsorted</a:t>
             </a:r>
           </a:p>
@@ -37724,7 +38044,7 @@
               <a:buChar char="-"/>
             </a:pPr>
             <a:r>
-              <a:rPr lang="en-US" dirty="0"/>
+              <a:rPr lang="en-US"/>
               <a:t>Cannot be loaded into database</a:t>
             </a:r>
           </a:p>
@@ -37811,7 +38131,7 @@
               <a:buChar char="-"/>
             </a:pPr>
             <a:r>
-              <a:rPr lang="en-US" dirty="0"/>
+              <a:rPr lang="en-US"/>
               <a:t>Initializes Database</a:t>
             </a:r>
           </a:p>
@@ -37821,7 +38141,7 @@
               <a:buChar char="-"/>
             </a:pPr>
             <a:r>
-              <a:rPr lang="en-US" dirty="0"/>
+              <a:rPr lang="en-US"/>
               <a:t>Creates Tables</a:t>
             </a:r>
           </a:p>
@@ -37831,7 +38151,7 @@
               <a:buChar char="-"/>
             </a:pPr>
             <a:r>
-              <a:rPr lang="en-US" dirty="0"/>
+              <a:rPr lang="en-US"/>
               <a:t>Specifies Schema</a:t>
             </a:r>
           </a:p>
@@ -37867,7 +38187,7 @@
           <a:p>
             <a:pPr algn="ctr"/>
             <a:r>
-              <a:rPr lang="en-US" dirty="0">
+              <a:rPr lang="en-US">
                 <a:effectLst>
                   <a:outerShdw blurRad="50800" dist="38100" dir="2700000" algn="tl" rotWithShape="0">
                     <a:prstClr val="black">
@@ -37880,7 +38200,7 @@
               <a:t>MySQL - </a:t>
             </a:r>
             <a:r>
-              <a:rPr lang="en-US" b="1" dirty="0">
+              <a:rPr lang="en-US" b="1">
                 <a:effectLst>
                   <a:outerShdw blurRad="50800" dist="38100" dir="2700000" algn="tl" rotWithShape="0">
                     <a:prstClr val="black">
@@ -37925,7 +38245,7 @@
           <a:p>
             <a:pPr algn="ctr"/>
             <a:r>
-              <a:rPr lang="en-US" dirty="0">
+              <a:rPr lang="en-US">
                 <a:effectLst>
                   <a:outerShdw blurRad="50800" dist="38100" dir="2700000" algn="tl" rotWithShape="0">
                     <a:prstClr val="black">
@@ -37938,7 +38258,7 @@
               <a:t>MySQL – </a:t>
             </a:r>
             <a:r>
-              <a:rPr lang="en-US" b="1" dirty="0">
+              <a:rPr lang="en-US" b="1">
                 <a:effectLst>
                   <a:outerShdw blurRad="50800" dist="38100" dir="2700000" algn="tl" rotWithShape="0">
                     <a:prstClr val="black">
